--- a/02.RESTful API.pptx
+++ b/02.RESTful API.pptx
@@ -28,6 +28,13 @@
     <p:sldId id="287" r:id="rId22"/>
     <p:sldId id="288" r:id="rId23"/>
     <p:sldId id="290" r:id="rId24"/>
+    <p:sldId id="291" r:id="rId25"/>
+    <p:sldId id="293" r:id="rId26"/>
+    <p:sldId id="294" r:id="rId27"/>
+    <p:sldId id="295" r:id="rId28"/>
+    <p:sldId id="296" r:id="rId29"/>
+    <p:sldId id="297" r:id="rId30"/>
+    <p:sldId id="298" r:id="rId31"/>
   </p:sldIdLst>
   <p:sldSz cx="12192000" cy="6858000"/>
   <p:notesSz cx="6858000" cy="9144000"/>
@@ -858,7 +865,7 @@
           <a:p>
             <a:fld id="{E7E49A89-72C0-40C6-A55C-C6C12D525ACC}" type="datetimeFigureOut">
               <a:rPr lang="en-US" smtClean="0"/>
-              <a:t>6/18/2024</a:t>
+              <a:t>6/19/2024</a:t>
             </a:fld>
             <a:endParaRPr lang="en-US"/>
           </a:p>
@@ -1109,7 +1116,7 @@
           <a:p>
             <a:fld id="{E7E49A89-72C0-40C6-A55C-C6C12D525ACC}" type="datetimeFigureOut">
               <a:rPr lang="en-US" smtClean="0"/>
-              <a:t>6/18/2024</a:t>
+              <a:t>6/19/2024</a:t>
             </a:fld>
             <a:endParaRPr lang="en-US"/>
           </a:p>
@@ -1423,7 +1430,7 @@
           <a:p>
             <a:fld id="{E7E49A89-72C0-40C6-A55C-C6C12D525ACC}" type="datetimeFigureOut">
               <a:rPr lang="en-US" smtClean="0"/>
-              <a:t>6/18/2024</a:t>
+              <a:t>6/19/2024</a:t>
             </a:fld>
             <a:endParaRPr lang="en-US"/>
           </a:p>
@@ -1750,7 +1757,7 @@
           <a:p>
             <a:fld id="{E7E49A89-72C0-40C6-A55C-C6C12D525ACC}" type="datetimeFigureOut">
               <a:rPr lang="en-US" smtClean="0"/>
-              <a:t>6/18/2024</a:t>
+              <a:t>6/19/2024</a:t>
             </a:fld>
             <a:endParaRPr lang="en-US"/>
           </a:p>
@@ -2064,7 +2071,7 @@
           <a:p>
             <a:fld id="{E7E49A89-72C0-40C6-A55C-C6C12D525ACC}" type="datetimeFigureOut">
               <a:rPr lang="en-US" smtClean="0"/>
-              <a:t>6/18/2024</a:t>
+              <a:t>6/19/2024</a:t>
             </a:fld>
             <a:endParaRPr lang="en-US"/>
           </a:p>
@@ -2451,7 +2458,7 @@
           <a:p>
             <a:fld id="{E7E49A89-72C0-40C6-A55C-C6C12D525ACC}" type="datetimeFigureOut">
               <a:rPr lang="en-US" smtClean="0"/>
-              <a:t>6/18/2024</a:t>
+              <a:t>6/19/2024</a:t>
             </a:fld>
             <a:endParaRPr lang="en-US"/>
           </a:p>
@@ -2621,7 +2628,7 @@
           <a:p>
             <a:fld id="{E7E49A89-72C0-40C6-A55C-C6C12D525ACC}" type="datetimeFigureOut">
               <a:rPr lang="en-US" smtClean="0"/>
-              <a:t>6/18/2024</a:t>
+              <a:t>6/19/2024</a:t>
             </a:fld>
             <a:endParaRPr lang="en-US"/>
           </a:p>
@@ -2801,7 +2808,7 @@
           <a:p>
             <a:fld id="{E7E49A89-72C0-40C6-A55C-C6C12D525ACC}" type="datetimeFigureOut">
               <a:rPr lang="en-US" smtClean="0"/>
-              <a:t>6/18/2024</a:t>
+              <a:t>6/19/2024</a:t>
             </a:fld>
             <a:endParaRPr lang="en-US"/>
           </a:p>
@@ -2977,7 +2984,7 @@
           <a:p>
             <a:fld id="{E7E49A89-72C0-40C6-A55C-C6C12D525ACC}" type="datetimeFigureOut">
               <a:rPr lang="en-US" smtClean="0"/>
-              <a:t>6/18/2024</a:t>
+              <a:t>6/19/2024</a:t>
             </a:fld>
             <a:endParaRPr lang="en-US"/>
           </a:p>
@@ -3224,7 +3231,7 @@
           <a:p>
             <a:fld id="{E7E49A89-72C0-40C6-A55C-C6C12D525ACC}" type="datetimeFigureOut">
               <a:rPr lang="en-US" smtClean="0"/>
-              <a:t>6/18/2024</a:t>
+              <a:t>6/19/2024</a:t>
             </a:fld>
             <a:endParaRPr lang="en-US"/>
           </a:p>
@@ -3456,7 +3463,7 @@
           <a:p>
             <a:fld id="{E7E49A89-72C0-40C6-A55C-C6C12D525ACC}" type="datetimeFigureOut">
               <a:rPr lang="en-US" smtClean="0"/>
-              <a:t>6/18/2024</a:t>
+              <a:t>6/19/2024</a:t>
             </a:fld>
             <a:endParaRPr lang="en-US"/>
           </a:p>
@@ -3830,7 +3837,7 @@
           <a:p>
             <a:fld id="{E7E49A89-72C0-40C6-A55C-C6C12D525ACC}" type="datetimeFigureOut">
               <a:rPr lang="en-US" smtClean="0"/>
-              <a:t>6/18/2024</a:t>
+              <a:t>6/19/2024</a:t>
             </a:fld>
             <a:endParaRPr lang="en-US"/>
           </a:p>
@@ -3953,7 +3960,7 @@
           <a:p>
             <a:fld id="{E7E49A89-72C0-40C6-A55C-C6C12D525ACC}" type="datetimeFigureOut">
               <a:rPr lang="en-US" smtClean="0"/>
-              <a:t>6/18/2024</a:t>
+              <a:t>6/19/2024</a:t>
             </a:fld>
             <a:endParaRPr lang="en-US"/>
           </a:p>
@@ -4048,7 +4055,7 @@
           <a:p>
             <a:fld id="{E7E49A89-72C0-40C6-A55C-C6C12D525ACC}" type="datetimeFigureOut">
               <a:rPr lang="en-US" smtClean="0"/>
-              <a:t>6/18/2024</a:t>
+              <a:t>6/19/2024</a:t>
             </a:fld>
             <a:endParaRPr lang="en-US"/>
           </a:p>
@@ -4303,7 +4310,7 @@
           <a:p>
             <a:fld id="{E7E49A89-72C0-40C6-A55C-C6C12D525ACC}" type="datetimeFigureOut">
               <a:rPr lang="en-US" smtClean="0"/>
-              <a:t>6/18/2024</a:t>
+              <a:t>6/19/2024</a:t>
             </a:fld>
             <a:endParaRPr lang="en-US"/>
           </a:p>
@@ -4566,7 +4573,7 @@
           <a:p>
             <a:fld id="{E7E49A89-72C0-40C6-A55C-C6C12D525ACC}" type="datetimeFigureOut">
               <a:rPr lang="en-US" smtClean="0"/>
-              <a:t>6/18/2024</a:t>
+              <a:t>6/19/2024</a:t>
             </a:fld>
             <a:endParaRPr lang="en-US"/>
           </a:p>
@@ -5311,7 +5318,7 @@
           <a:p>
             <a:fld id="{E7E49A89-72C0-40C6-A55C-C6C12D525ACC}" type="datetimeFigureOut">
               <a:rPr lang="en-US" smtClean="0"/>
-              <a:t>6/18/2024</a:t>
+              <a:t>6/19/2024</a:t>
             </a:fld>
             <a:endParaRPr lang="en-US"/>
           </a:p>
@@ -5900,10 +5907,6 @@
               </a:rPr>
               <a:t>. RESTful API</a:t>
             </a:r>
-            <a:endParaRPr lang="en-US" dirty="0">
-              <a:latin typeface="Arial" panose="020B0604020202020204" pitchFamily="34" charset="0"/>
-              <a:cs typeface="Arial" panose="020B0604020202020204" pitchFamily="34" charset="0"/>
-            </a:endParaRPr>
           </a:p>
         </p:txBody>
       </p:sp>
@@ -5959,10 +5962,6 @@
               </a:rPr>
               <a:t>List User</a:t>
             </a:r>
-            <a:endParaRPr lang="en-US" dirty="0">
-              <a:latin typeface="Arial" panose="020B0604020202020204" pitchFamily="34" charset="0"/>
-              <a:cs typeface="Arial" panose="020B0604020202020204" pitchFamily="34" charset="0"/>
-            </a:endParaRPr>
           </a:p>
         </p:txBody>
       </p:sp>
@@ -6168,10 +6167,6 @@
               </a:rPr>
               <a:t>List User</a:t>
             </a:r>
-            <a:endParaRPr lang="en-US" dirty="0">
-              <a:latin typeface="Arial" panose="020B0604020202020204" pitchFamily="34" charset="0"/>
-              <a:cs typeface="Arial" panose="020B0604020202020204" pitchFamily="34" charset="0"/>
-            </a:endParaRPr>
           </a:p>
         </p:txBody>
       </p:sp>
@@ -6222,14 +6217,7 @@
                 <a:latin typeface="Arial" panose="020B0604020202020204" pitchFamily="34" charset="0"/>
                 <a:cs typeface="Arial" panose="020B0604020202020204" pitchFamily="34" charset="0"/>
               </a:rPr>
-              <a:t> nhưng mà được sử</a:t>
-            </a:r>
-            <a:r>
-              <a:rPr lang="en-US" dirty="0" smtClean="0">
-                <a:latin typeface="Arial" panose="020B0604020202020204" pitchFamily="34" charset="0"/>
-                <a:cs typeface="Arial" panose="020B0604020202020204" pitchFamily="34" charset="0"/>
-              </a:rPr>
-              <a:t> dụng để đánh dấu một class là một service một cách tường minh hơn thay vì sử dụng </a:t>
+              <a:t> nhưng mà được sử dụng để đánh dấu một class là một service một cách tường minh hơn thay vì sử dụng </a:t>
             </a:r>
             <a:r>
               <a:rPr lang="en-US" dirty="0">
@@ -6333,10 +6321,6 @@
               </a:rPr>
               <a:t>List User</a:t>
             </a:r>
-            <a:endParaRPr lang="en-US" dirty="0">
-              <a:latin typeface="Arial" panose="020B0604020202020204" pitchFamily="34" charset="0"/>
-              <a:cs typeface="Arial" panose="020B0604020202020204" pitchFamily="34" charset="0"/>
-            </a:endParaRPr>
           </a:p>
         </p:txBody>
       </p:sp>
@@ -6379,10 +6363,6 @@
               </a:rPr>
               <a:t> là gì?</a:t>
             </a:r>
-            <a:endParaRPr lang="en-US" dirty="0" smtClean="0">
-              <a:latin typeface="Arial" panose="020B0604020202020204" pitchFamily="34" charset="0"/>
-              <a:cs typeface="Arial" panose="020B0604020202020204" pitchFamily="34" charset="0"/>
-            </a:endParaRPr>
           </a:p>
         </p:txBody>
       </p:sp>
@@ -6438,28 +6418,181 @@
               </a:rPr>
               <a:t>List User</a:t>
             </a:r>
+          </a:p>
+        </p:txBody>
+      </p:sp>
+      <p:sp>
+        <p:nvSpPr>
+          <p:cNvPr id="3" name="Content Placeholder 2"/>
+          <p:cNvSpPr>
+            <a:spLocks noGrp="1"/>
+          </p:cNvSpPr>
+          <p:nvPr>
+            <p:ph idx="1"/>
+          </p:nvPr>
+        </p:nvSpPr>
+        <p:spPr/>
+        <p:txBody>
+          <a:bodyPr/>
+          <a:lstStyle/>
+          <a:p>
+            <a:r>
+              <a:rPr lang="en-US" dirty="0" smtClean="0">
+                <a:solidFill>
+                  <a:srgbClr val="FFC000"/>
+                </a:solidFill>
+                <a:latin typeface="Arial" panose="020B0604020202020204" pitchFamily="34" charset="0"/>
+                <a:cs typeface="Arial" panose="020B0604020202020204" pitchFamily="34" charset="0"/>
+              </a:rPr>
+              <a:t>@Component</a:t>
+            </a:r>
+            <a:r>
+              <a:rPr lang="en-US" dirty="0" smtClean="0">
+                <a:latin typeface="Arial" panose="020B0604020202020204" pitchFamily="34" charset="0"/>
+                <a:cs typeface="Arial" panose="020B0604020202020204" pitchFamily="34" charset="0"/>
+              </a:rPr>
+              <a:t> </a:t>
+            </a:r>
+            <a:r>
+              <a:rPr lang="vi-VN" dirty="0" smtClean="0">
+                <a:cs typeface="Arial" panose="020B0604020202020204" pitchFamily="34" charset="0"/>
+              </a:rPr>
+              <a:t>là </a:t>
+            </a:r>
+            <a:r>
+              <a:rPr lang="vi-VN" dirty="0">
+                <a:cs typeface="Arial" panose="020B0604020202020204" pitchFamily="34" charset="0"/>
+              </a:rPr>
+              <a:t>một annotation được sử dụng để đánh dấu </a:t>
+            </a:r>
+            <a:r>
+              <a:rPr lang="en-US" dirty="0" smtClean="0">
+                <a:cs typeface="Arial" panose="020B0604020202020204" pitchFamily="34" charset="0"/>
+              </a:rPr>
+              <a:t>class</a:t>
+            </a:r>
+            <a:r>
+              <a:rPr lang="vi-VN" dirty="0" smtClean="0">
+                <a:cs typeface="Arial" panose="020B0604020202020204" pitchFamily="34" charset="0"/>
+              </a:rPr>
+              <a:t> </a:t>
+            </a:r>
+            <a:r>
+              <a:rPr lang="en-US" dirty="0" smtClean="0">
+                <a:cs typeface="Arial" panose="020B0604020202020204" pitchFamily="34" charset="0"/>
+              </a:rPr>
+              <a:t>l</a:t>
+            </a:r>
+            <a:r>
+              <a:rPr lang="vi-VN" dirty="0" smtClean="0">
+                <a:cs typeface="Arial" panose="020B0604020202020204" pitchFamily="34" charset="0"/>
+              </a:rPr>
+              <a:t>à </a:t>
+            </a:r>
+            <a:r>
+              <a:rPr lang="vi-VN" dirty="0">
+                <a:cs typeface="Arial" panose="020B0604020202020204" pitchFamily="34" charset="0"/>
+              </a:rPr>
+              <a:t>một thành phần (component) của ứng </a:t>
+            </a:r>
+            <a:r>
+              <a:rPr lang="vi-VN" dirty="0" smtClean="0">
+                <a:cs typeface="Arial" panose="020B0604020202020204" pitchFamily="34" charset="0"/>
+              </a:rPr>
+              <a:t>dụng.</a:t>
+            </a:r>
+            <a:endParaRPr lang="en-US" dirty="0" smtClean="0">
+              <a:cs typeface="Arial" panose="020B0604020202020204" pitchFamily="34" charset="0"/>
+            </a:endParaRPr>
+          </a:p>
+          <a:p>
+            <a:r>
+              <a:rPr lang="vi-VN" dirty="0" smtClean="0">
+                <a:cs typeface="Arial" panose="020B0604020202020204" pitchFamily="34" charset="0"/>
+              </a:rPr>
+              <a:t>Điều </a:t>
+            </a:r>
+            <a:r>
+              <a:rPr lang="vi-VN" dirty="0">
+                <a:cs typeface="Arial" panose="020B0604020202020204" pitchFamily="34" charset="0"/>
+              </a:rPr>
+              <a:t>này có nghĩa </a:t>
+            </a:r>
+            <a:r>
+              <a:rPr lang="vi-VN" dirty="0" smtClean="0">
+                <a:cs typeface="Arial" panose="020B0604020202020204" pitchFamily="34" charset="0"/>
+              </a:rPr>
+              <a:t>là Spring </a:t>
+            </a:r>
+            <a:r>
+              <a:rPr lang="vi-VN" dirty="0">
+                <a:cs typeface="Arial" panose="020B0604020202020204" pitchFamily="34" charset="0"/>
+              </a:rPr>
+              <a:t>sẽ tự động quản lý </a:t>
+            </a:r>
+            <a:r>
+              <a:rPr lang="en-US" dirty="0" smtClean="0">
+                <a:cs typeface="Arial" panose="020B0604020202020204" pitchFamily="34" charset="0"/>
+              </a:rPr>
+              <a:t>class </a:t>
+            </a:r>
+            <a:r>
+              <a:rPr lang="vi-VN" dirty="0" smtClean="0">
+                <a:cs typeface="Arial" panose="020B0604020202020204" pitchFamily="34" charset="0"/>
+              </a:rPr>
+              <a:t>đó </a:t>
+            </a:r>
+            <a:r>
+              <a:rPr lang="vi-VN" dirty="0">
+                <a:cs typeface="Arial" panose="020B0604020202020204" pitchFamily="34" charset="0"/>
+              </a:rPr>
+              <a:t>như một </a:t>
+            </a:r>
+            <a:r>
+              <a:rPr lang="vi-VN" dirty="0" smtClean="0">
+                <a:solidFill>
+                  <a:srgbClr val="FFC000"/>
+                </a:solidFill>
+                <a:cs typeface="Arial" panose="020B0604020202020204" pitchFamily="34" charset="0"/>
+              </a:rPr>
+              <a:t>bean</a:t>
+            </a:r>
+            <a:r>
+              <a:rPr lang="vi-VN" dirty="0" smtClean="0">
+                <a:cs typeface="Arial" panose="020B0604020202020204" pitchFamily="34" charset="0"/>
+              </a:rPr>
+              <a:t> </a:t>
+            </a:r>
+            <a:r>
+              <a:rPr lang="vi-VN" dirty="0">
+                <a:cs typeface="Arial" panose="020B0604020202020204" pitchFamily="34" charset="0"/>
+              </a:rPr>
+              <a:t>trong context của ứng dụng</a:t>
+            </a:r>
+            <a:r>
+              <a:rPr lang="vi-VN" dirty="0" smtClean="0">
+                <a:cs typeface="Arial" panose="020B0604020202020204" pitchFamily="34" charset="0"/>
+              </a:rPr>
+              <a:t>.</a:t>
+            </a:r>
+            <a:endParaRPr lang="en-US" dirty="0" smtClean="0">
+              <a:cs typeface="Arial" panose="020B0604020202020204" pitchFamily="34" charset="0"/>
+            </a:endParaRPr>
+          </a:p>
+          <a:p>
             <a:endParaRPr lang="en-US" dirty="0">
               <a:latin typeface="Arial" panose="020B0604020202020204" pitchFamily="34" charset="0"/>
               <a:cs typeface="Arial" panose="020B0604020202020204" pitchFamily="34" charset="0"/>
             </a:endParaRPr>
           </a:p>
-        </p:txBody>
-      </p:sp>
-      <p:sp>
-        <p:nvSpPr>
-          <p:cNvPr id="3" name="Content Placeholder 2"/>
-          <p:cNvSpPr>
-            <a:spLocks noGrp="1"/>
-          </p:cNvSpPr>
-          <p:nvPr>
-            <p:ph idx="1"/>
-          </p:nvPr>
-        </p:nvSpPr>
-        <p:spPr/>
-        <p:txBody>
-          <a:bodyPr/>
-          <a:lstStyle/>
-          <a:p>
+          <a:p>
+            <a:r>
+              <a:rPr lang="en-US" dirty="0" smtClean="0">
+                <a:latin typeface="Arial" panose="020B0604020202020204" pitchFamily="34" charset="0"/>
+                <a:cs typeface="Arial" panose="020B0604020202020204" pitchFamily="34" charset="0"/>
+              </a:rPr>
+              <a:t>Vậy </a:t>
+            </a:r>
             <a:r>
               <a:rPr lang="en-US" dirty="0" smtClean="0">
                 <a:solidFill>
@@ -6468,176 +6601,15 @@
                 <a:latin typeface="Arial" panose="020B0604020202020204" pitchFamily="34" charset="0"/>
                 <a:cs typeface="Arial" panose="020B0604020202020204" pitchFamily="34" charset="0"/>
               </a:rPr>
-              <a:t>@Component</a:t>
-            </a:r>
-            <a:r>
-              <a:rPr lang="en-US" dirty="0" smtClean="0">
-                <a:latin typeface="Arial" panose="020B0604020202020204" pitchFamily="34" charset="0"/>
-                <a:cs typeface="Arial" panose="020B0604020202020204" pitchFamily="34" charset="0"/>
-              </a:rPr>
-              <a:t> </a:t>
-            </a:r>
-            <a:r>
-              <a:rPr lang="vi-VN" dirty="0" smtClean="0">
-                <a:cs typeface="Arial" panose="020B0604020202020204" pitchFamily="34" charset="0"/>
-              </a:rPr>
-              <a:t>là </a:t>
-            </a:r>
-            <a:r>
-              <a:rPr lang="vi-VN" dirty="0">
-                <a:cs typeface="Arial" panose="020B0604020202020204" pitchFamily="34" charset="0"/>
-              </a:rPr>
-              <a:t>một annotation được sử dụng để đánh dấu </a:t>
-            </a:r>
-            <a:r>
-              <a:rPr lang="en-US" dirty="0" smtClean="0">
-                <a:cs typeface="Arial" panose="020B0604020202020204" pitchFamily="34" charset="0"/>
-              </a:rPr>
-              <a:t>class</a:t>
-            </a:r>
-            <a:r>
-              <a:rPr lang="vi-VN" dirty="0" smtClean="0">
-                <a:cs typeface="Arial" panose="020B0604020202020204" pitchFamily="34" charset="0"/>
-              </a:rPr>
-              <a:t> </a:t>
-            </a:r>
-            <a:r>
-              <a:rPr lang="en-US" dirty="0" smtClean="0">
-                <a:cs typeface="Arial" panose="020B0604020202020204" pitchFamily="34" charset="0"/>
-              </a:rPr>
-              <a:t>l</a:t>
-            </a:r>
-            <a:r>
-              <a:rPr lang="vi-VN" dirty="0" smtClean="0">
-                <a:cs typeface="Arial" panose="020B0604020202020204" pitchFamily="34" charset="0"/>
-              </a:rPr>
-              <a:t>à </a:t>
-            </a:r>
-            <a:r>
-              <a:rPr lang="vi-VN" dirty="0">
-                <a:cs typeface="Arial" panose="020B0604020202020204" pitchFamily="34" charset="0"/>
-              </a:rPr>
-              <a:t>một thành phần (component) của ứng </a:t>
-            </a:r>
-            <a:r>
-              <a:rPr lang="vi-VN" dirty="0" smtClean="0">
-                <a:cs typeface="Arial" panose="020B0604020202020204" pitchFamily="34" charset="0"/>
-              </a:rPr>
-              <a:t>dụng.</a:t>
-            </a:r>
-            <a:endParaRPr lang="en-US" dirty="0" smtClean="0">
-              <a:cs typeface="Arial" panose="020B0604020202020204" pitchFamily="34" charset="0"/>
-            </a:endParaRPr>
-          </a:p>
-          <a:p>
-            <a:r>
-              <a:rPr lang="vi-VN" dirty="0" smtClean="0">
-                <a:cs typeface="Arial" panose="020B0604020202020204" pitchFamily="34" charset="0"/>
-              </a:rPr>
-              <a:t>Điều </a:t>
-            </a:r>
-            <a:r>
-              <a:rPr lang="vi-VN" dirty="0">
-                <a:cs typeface="Arial" panose="020B0604020202020204" pitchFamily="34" charset="0"/>
-              </a:rPr>
-              <a:t>này có nghĩa </a:t>
-            </a:r>
-            <a:r>
-              <a:rPr lang="vi-VN" dirty="0" smtClean="0">
-                <a:cs typeface="Arial" panose="020B0604020202020204" pitchFamily="34" charset="0"/>
-              </a:rPr>
-              <a:t>là Spring </a:t>
-            </a:r>
-            <a:r>
-              <a:rPr lang="vi-VN" dirty="0">
-                <a:cs typeface="Arial" panose="020B0604020202020204" pitchFamily="34" charset="0"/>
-              </a:rPr>
-              <a:t>sẽ tự động quản lý </a:t>
-            </a:r>
-            <a:r>
-              <a:rPr lang="en-US" dirty="0" smtClean="0">
-                <a:cs typeface="Arial" panose="020B0604020202020204" pitchFamily="34" charset="0"/>
-              </a:rPr>
-              <a:t>class </a:t>
-            </a:r>
-            <a:r>
-              <a:rPr lang="vi-VN" dirty="0" smtClean="0">
-                <a:cs typeface="Arial" panose="020B0604020202020204" pitchFamily="34" charset="0"/>
-              </a:rPr>
-              <a:t>đó </a:t>
-            </a:r>
-            <a:r>
-              <a:rPr lang="vi-VN" dirty="0">
-                <a:cs typeface="Arial" panose="020B0604020202020204" pitchFamily="34" charset="0"/>
-              </a:rPr>
-              <a:t>như một </a:t>
-            </a:r>
-            <a:r>
-              <a:rPr lang="vi-VN" dirty="0" smtClean="0">
-                <a:solidFill>
-                  <a:srgbClr val="FFC000"/>
-                </a:solidFill>
-                <a:cs typeface="Arial" panose="020B0604020202020204" pitchFamily="34" charset="0"/>
-              </a:rPr>
               <a:t>bean</a:t>
             </a:r>
             <a:r>
-              <a:rPr lang="vi-VN" dirty="0" smtClean="0">
-                <a:cs typeface="Arial" panose="020B0604020202020204" pitchFamily="34" charset="0"/>
-              </a:rPr>
-              <a:t> </a:t>
-            </a:r>
-            <a:r>
-              <a:rPr lang="vi-VN" dirty="0">
-                <a:cs typeface="Arial" panose="020B0604020202020204" pitchFamily="34" charset="0"/>
-              </a:rPr>
-              <a:t>trong context của ứng dụng</a:t>
-            </a:r>
-            <a:r>
-              <a:rPr lang="vi-VN" dirty="0" smtClean="0">
-                <a:cs typeface="Arial" panose="020B0604020202020204" pitchFamily="34" charset="0"/>
-              </a:rPr>
-              <a:t>.</a:t>
-            </a:r>
-            <a:endParaRPr lang="en-US" dirty="0" smtClean="0">
-              <a:cs typeface="Arial" panose="020B0604020202020204" pitchFamily="34" charset="0"/>
-            </a:endParaRPr>
-          </a:p>
-          <a:p>
-            <a:endParaRPr lang="en-US" dirty="0">
-              <a:latin typeface="Arial" panose="020B0604020202020204" pitchFamily="34" charset="0"/>
-              <a:cs typeface="Arial" panose="020B0604020202020204" pitchFamily="34" charset="0"/>
-            </a:endParaRPr>
-          </a:p>
-          <a:p>
-            <a:r>
-              <a:rPr lang="en-US" dirty="0" smtClean="0">
-                <a:latin typeface="Arial" panose="020B0604020202020204" pitchFamily="34" charset="0"/>
-                <a:cs typeface="Arial" panose="020B0604020202020204" pitchFamily="34" charset="0"/>
-              </a:rPr>
-              <a:t>Vậy </a:t>
-            </a:r>
-            <a:r>
-              <a:rPr lang="en-US" dirty="0" smtClean="0">
-                <a:solidFill>
-                  <a:srgbClr val="FFC000"/>
-                </a:solidFill>
-                <a:latin typeface="Arial" panose="020B0604020202020204" pitchFamily="34" charset="0"/>
-                <a:cs typeface="Arial" panose="020B0604020202020204" pitchFamily="34" charset="0"/>
-              </a:rPr>
-              <a:t>bean</a:t>
-            </a:r>
-            <a:r>
               <a:rPr lang="en-US" dirty="0" smtClean="0">
                 <a:latin typeface="Arial" panose="020B0604020202020204" pitchFamily="34" charset="0"/>
                 <a:cs typeface="Arial" panose="020B0604020202020204" pitchFamily="34" charset="0"/>
               </a:rPr>
               <a:t> là gì?</a:t>
             </a:r>
-            <a:endParaRPr lang="en-US" dirty="0" smtClean="0">
-              <a:latin typeface="Arial" panose="020B0604020202020204" pitchFamily="34" charset="0"/>
-              <a:cs typeface="Arial" panose="020B0604020202020204" pitchFamily="34" charset="0"/>
-            </a:endParaRPr>
           </a:p>
           <a:p>
             <a:endParaRPr lang="en-US" dirty="0" smtClean="0">
@@ -6699,10 +6671,6 @@
               </a:rPr>
               <a:t>List User</a:t>
             </a:r>
-            <a:endParaRPr lang="en-US" dirty="0">
-              <a:latin typeface="Arial" panose="020B0604020202020204" pitchFamily="34" charset="0"/>
-              <a:cs typeface="Arial" panose="020B0604020202020204" pitchFamily="34" charset="0"/>
-            </a:endParaRPr>
           </a:p>
         </p:txBody>
       </p:sp>
@@ -6961,13 +6929,6 @@
               </a:rPr>
               <a:t> là gì nữa?</a:t>
             </a:r>
-            <a:endParaRPr lang="en-US" dirty="0" smtClean="0">
-              <a:solidFill>
-                <a:schemeClr val="tx1"/>
-              </a:solidFill>
-              <a:latin typeface="Arial" panose="020B0604020202020204" pitchFamily="34" charset="0"/>
-              <a:cs typeface="Arial" panose="020B0604020202020204" pitchFamily="34" charset="0"/>
-            </a:endParaRPr>
           </a:p>
           <a:p>
             <a:endParaRPr lang="en-US" dirty="0" smtClean="0">
@@ -7029,10 +6990,6 @@
               </a:rPr>
               <a:t>List User</a:t>
             </a:r>
-            <a:endParaRPr lang="en-US" dirty="0">
-              <a:latin typeface="Arial" panose="020B0604020202020204" pitchFamily="34" charset="0"/>
-              <a:cs typeface="Arial" panose="020B0604020202020204" pitchFamily="34" charset="0"/>
-            </a:endParaRPr>
           </a:p>
         </p:txBody>
       </p:sp>
@@ -7146,10 +7103,6 @@
               </a:rPr>
               <a:t>List User</a:t>
             </a:r>
-            <a:endParaRPr lang="en-US" dirty="0">
-              <a:latin typeface="Arial" panose="020B0604020202020204" pitchFamily="34" charset="0"/>
-              <a:cs typeface="Arial" panose="020B0604020202020204" pitchFamily="34" charset="0"/>
-            </a:endParaRPr>
           </a:p>
         </p:txBody>
       </p:sp>
@@ -7325,10 +7278,6 @@
               </a:rPr>
               <a:t>List User</a:t>
             </a:r>
-            <a:endParaRPr lang="en-US" dirty="0">
-              <a:latin typeface="Arial" panose="020B0604020202020204" pitchFamily="34" charset="0"/>
-              <a:cs typeface="Arial" panose="020B0604020202020204" pitchFamily="34" charset="0"/>
-            </a:endParaRPr>
           </a:p>
         </p:txBody>
       </p:sp>
@@ -7367,8 +7316,11 @@
                 <a:latin typeface="Arial" panose="020B0604020202020204" pitchFamily="34" charset="0"/>
                 <a:cs typeface="Arial" panose="020B0604020202020204" pitchFamily="34" charset="0"/>
               </a:rPr>
-              <a:t>Có class</a:t>
-            </a:r>
+              <a:t>Có class UserRepository: Thao tác với database</a:t>
+            </a:r>
+          </a:p>
+          <a:p>
+            <a:pPr lvl="1"/>
             <a:r>
               <a:rPr lang="en-US" dirty="0" smtClean="0">
                 <a:solidFill>
@@ -7377,38 +7329,8 @@
                 <a:latin typeface="Arial" panose="020B0604020202020204" pitchFamily="34" charset="0"/>
                 <a:cs typeface="Arial" panose="020B0604020202020204" pitchFamily="34" charset="0"/>
               </a:rPr>
-              <a:t> UserRepository: Thao tác với database</a:t>
-            </a:r>
-          </a:p>
-          <a:p>
-            <a:pPr lvl="1"/>
-            <a:r>
-              <a:rPr lang="en-US" dirty="0" smtClean="0">
-                <a:solidFill>
-                  <a:schemeClr val="tx1"/>
-                </a:solidFill>
-                <a:latin typeface="Arial" panose="020B0604020202020204" pitchFamily="34" charset="0"/>
-                <a:cs typeface="Arial" panose="020B0604020202020204" pitchFamily="34" charset="0"/>
-              </a:rPr>
-              <a:t>Có class UserService: Sử </a:t>
-            </a:r>
-            <a:r>
-              <a:rPr lang="en-US" dirty="0" smtClean="0">
-                <a:solidFill>
-                  <a:schemeClr val="tx1"/>
-                </a:solidFill>
-                <a:latin typeface="Arial" panose="020B0604020202020204" pitchFamily="34" charset="0"/>
-                <a:cs typeface="Arial" panose="020B0604020202020204" pitchFamily="34" charset="0"/>
-              </a:rPr>
-              <a:t>dụng UserRepository để lấy data từ database</a:t>
-            </a:r>
-            <a:endParaRPr lang="en-US" dirty="0" smtClean="0">
-              <a:solidFill>
-                <a:schemeClr val="tx1"/>
-              </a:solidFill>
-              <a:latin typeface="Arial" panose="020B0604020202020204" pitchFamily="34" charset="0"/>
-              <a:cs typeface="Arial" panose="020B0604020202020204" pitchFamily="34" charset="0"/>
-            </a:endParaRPr>
+              <a:t>Có class UserService: Sử dụng UserRepository để lấy data từ database</a:t>
+            </a:r>
           </a:p>
           <a:p>
             <a:pPr lvl="1"/>
@@ -7481,10 +7403,6 @@
               </a:rPr>
               <a:t>List User</a:t>
             </a:r>
-            <a:endParaRPr lang="en-US" dirty="0">
-              <a:latin typeface="Arial" panose="020B0604020202020204" pitchFamily="34" charset="0"/>
-              <a:cs typeface="Arial" panose="020B0604020202020204" pitchFamily="34" charset="0"/>
-            </a:endParaRPr>
           </a:p>
         </p:txBody>
       </p:sp>
@@ -7523,17 +7441,7 @@
                 <a:latin typeface="Arial" panose="020B0604020202020204" pitchFamily="34" charset="0"/>
                 <a:cs typeface="Arial" panose="020B0604020202020204" pitchFamily="34" charset="0"/>
               </a:rPr>
-              <a:t>Để sử dụng UserRepository trong </a:t>
-            </a:r>
-            <a:r>
-              <a:rPr lang="en-US" dirty="0" smtClean="0">
-                <a:solidFill>
-                  <a:schemeClr val="tx1"/>
-                </a:solidFill>
-                <a:latin typeface="Arial" panose="020B0604020202020204" pitchFamily="34" charset="0"/>
-                <a:cs typeface="Arial" panose="020B0604020202020204" pitchFamily="34" charset="0"/>
-              </a:rPr>
-              <a:t>class UserService</a:t>
+              <a:t>Để sử dụng UserRepository trong class UserService</a:t>
             </a:r>
             <a:endParaRPr lang="en-US" dirty="0" smtClean="0">
               <a:latin typeface="Arial" panose="020B0604020202020204" pitchFamily="34" charset="0"/>
@@ -7618,10 +7526,6 @@
               </a:rPr>
               <a:t>List User</a:t>
             </a:r>
-            <a:endParaRPr lang="en-US" dirty="0">
-              <a:latin typeface="Arial" panose="020B0604020202020204" pitchFamily="34" charset="0"/>
-              <a:cs typeface="Arial" panose="020B0604020202020204" pitchFamily="34" charset="0"/>
-            </a:endParaRPr>
           </a:p>
         </p:txBody>
       </p:sp>
@@ -7877,10 +7781,6 @@
               </a:rPr>
               <a:t>Step 1: Tạo một project Spring Boot</a:t>
             </a:r>
-            <a:endParaRPr lang="en-US" dirty="0" smtClean="0">
-              <a:latin typeface="Arial" panose="020B0604020202020204" pitchFamily="34" charset="0"/>
-              <a:cs typeface="Arial" panose="020B0604020202020204" pitchFamily="34" charset="0"/>
-            </a:endParaRPr>
           </a:p>
           <a:p>
             <a:pPr lvl="1"/>
@@ -7979,10 +7879,6 @@
               </a:rPr>
               <a:t>List User</a:t>
             </a:r>
-            <a:endParaRPr lang="en-US" dirty="0">
-              <a:latin typeface="Arial" panose="020B0604020202020204" pitchFamily="34" charset="0"/>
-              <a:cs typeface="Arial" panose="020B0604020202020204" pitchFamily="34" charset="0"/>
-            </a:endParaRPr>
           </a:p>
         </p:txBody>
       </p:sp>
@@ -8120,10 +8016,6 @@
               </a:rPr>
               <a:t>List User</a:t>
             </a:r>
-            <a:endParaRPr lang="en-US" dirty="0">
-              <a:latin typeface="Arial" panose="020B0604020202020204" pitchFamily="34" charset="0"/>
-              <a:cs typeface="Arial" panose="020B0604020202020204" pitchFamily="34" charset="0"/>
-            </a:endParaRPr>
           </a:p>
         </p:txBody>
       </p:sp>
@@ -8380,10 +8272,6 @@
               </a:rPr>
               <a:t>List User</a:t>
             </a:r>
-            <a:endParaRPr lang="en-US" dirty="0">
-              <a:latin typeface="Arial" panose="020B0604020202020204" pitchFamily="34" charset="0"/>
-              <a:cs typeface="Arial" panose="020B0604020202020204" pitchFamily="34" charset="0"/>
-            </a:endParaRPr>
           </a:p>
         </p:txBody>
       </p:sp>
@@ -8414,10 +8302,6 @@
               </a:rPr>
               <a:t>Tạm thời chúng ta chưa sử dụng tới database nên sẽ hardcode thông tin User</a:t>
             </a:r>
-            <a:endParaRPr lang="en-US" dirty="0" smtClean="0">
-              <a:latin typeface="Arial" panose="020B0604020202020204" pitchFamily="34" charset="0"/>
-              <a:cs typeface="Arial" panose="020B0604020202020204" pitchFamily="34" charset="0"/>
-            </a:endParaRPr>
           </a:p>
           <a:p>
             <a:pPr lvl="1"/>
@@ -8560,7 +8444,369 @@
                 <a:latin typeface="Arial" panose="020B0604020202020204" pitchFamily="34" charset="0"/>
                 <a:cs typeface="Arial" panose="020B0604020202020204" pitchFamily="34" charset="0"/>
               </a:rPr>
-              <a:t>Step 6: Create api get user</a:t>
+              <a:t>Step 6: Create api get </a:t>
+            </a:r>
+            <a:r>
+              <a:rPr lang="en-US" dirty="0" smtClean="0">
+                <a:latin typeface="Arial" panose="020B0604020202020204" pitchFamily="34" charset="0"/>
+                <a:cs typeface="Arial" panose="020B0604020202020204" pitchFamily="34" charset="0"/>
+              </a:rPr>
+              <a:t>all </a:t>
+            </a:r>
+            <a:r>
+              <a:rPr lang="en-US" dirty="0" smtClean="0">
+                <a:latin typeface="Arial" panose="020B0604020202020204" pitchFamily="34" charset="0"/>
+                <a:cs typeface="Arial" panose="020B0604020202020204" pitchFamily="34" charset="0"/>
+              </a:rPr>
+              <a:t>user</a:t>
+            </a:r>
+            <a:endParaRPr lang="en-US" dirty="0">
+              <a:latin typeface="Arial" panose="020B0604020202020204" pitchFamily="34" charset="0"/>
+              <a:cs typeface="Arial" panose="020B0604020202020204" pitchFamily="34" charset="0"/>
+            </a:endParaRPr>
+          </a:p>
+        </p:txBody>
+      </p:sp>
+      <p:pic>
+        <p:nvPicPr>
+          <p:cNvPr id="5" name="Picture 4"/>
+          <p:cNvPicPr>
+            <a:picLocks noChangeAspect="1"/>
+          </p:cNvPicPr>
+          <p:nvPr/>
+        </p:nvPicPr>
+        <p:blipFill>
+          <a:blip r:embed="rId2"/>
+          <a:stretch>
+            <a:fillRect/>
+          </a:stretch>
+        </p:blipFill>
+        <p:spPr>
+          <a:xfrm>
+            <a:off x="1121229" y="2557268"/>
+            <a:ext cx="4114800" cy="3286125"/>
+          </a:xfrm>
+          <a:prstGeom prst="rect">
+            <a:avLst/>
+          </a:prstGeom>
+        </p:spPr>
+      </p:pic>
+    </p:spTree>
+    <p:extLst>
+      <p:ext uri="{BB962C8B-B14F-4D97-AF65-F5344CB8AC3E}">
+        <p14:creationId xmlns:p14="http://schemas.microsoft.com/office/powerpoint/2010/main" val="2035451858"/>
+      </p:ext>
+    </p:extLst>
+  </p:cSld>
+  <p:clrMapOvr>
+    <a:masterClrMapping/>
+  </p:clrMapOvr>
+</p:sld>
+</file>
+
+<file path=ppt/slides/slide24.xml><?xml version="1.0" encoding="utf-8"?>
+<p:sld xmlns:a="http://schemas.openxmlformats.org/drawingml/2006/main" xmlns:r="http://schemas.openxmlformats.org/officeDocument/2006/relationships" xmlns:p="http://schemas.openxmlformats.org/presentationml/2006/main">
+  <p:cSld>
+    <p:spTree>
+      <p:nvGrpSpPr>
+        <p:cNvPr id="1" name=""/>
+        <p:cNvGrpSpPr/>
+        <p:nvPr/>
+      </p:nvGrpSpPr>
+      <p:grpSpPr>
+        <a:xfrm>
+          <a:off x="0" y="0"/>
+          <a:ext cx="0" cy="0"/>
+          <a:chOff x="0" y="0"/>
+          <a:chExt cx="0" cy="0"/>
+        </a:xfrm>
+      </p:grpSpPr>
+      <p:sp>
+        <p:nvSpPr>
+          <p:cNvPr id="2" name="Title 1"/>
+          <p:cNvSpPr>
+            <a:spLocks noGrp="1"/>
+          </p:cNvSpPr>
+          <p:nvPr>
+            <p:ph type="title"/>
+          </p:nvPr>
+        </p:nvSpPr>
+        <p:spPr/>
+        <p:txBody>
+          <a:bodyPr/>
+          <a:lstStyle/>
+          <a:p>
+            <a:r>
+              <a:rPr lang="en-US" dirty="0" smtClean="0">
+                <a:latin typeface="Arial" panose="020B0604020202020204" pitchFamily="34" charset="0"/>
+                <a:cs typeface="Arial" panose="020B0604020202020204" pitchFamily="34" charset="0"/>
+              </a:rPr>
+              <a:t>Initial project Spring</a:t>
+            </a:r>
+            <a:endParaRPr lang="en-US" dirty="0">
+              <a:latin typeface="Arial" panose="020B0604020202020204" pitchFamily="34" charset="0"/>
+              <a:cs typeface="Arial" panose="020B0604020202020204" pitchFamily="34" charset="0"/>
+            </a:endParaRPr>
+          </a:p>
+        </p:txBody>
+      </p:sp>
+      <p:sp>
+        <p:nvSpPr>
+          <p:cNvPr id="3" name="Content Placeholder 2"/>
+          <p:cNvSpPr>
+            <a:spLocks noGrp="1"/>
+          </p:cNvSpPr>
+          <p:nvPr>
+            <p:ph idx="1"/>
+          </p:nvPr>
+        </p:nvSpPr>
+        <p:spPr/>
+        <p:txBody>
+          <a:bodyPr/>
+          <a:lstStyle/>
+          <a:p>
+            <a:r>
+              <a:rPr lang="en-US" dirty="0">
+                <a:solidFill>
+                  <a:srgbClr val="FFC000"/>
+                </a:solidFill>
+                <a:latin typeface="Arial" panose="020B0604020202020204" pitchFamily="34" charset="0"/>
+                <a:cs typeface="Arial" panose="020B0604020202020204" pitchFamily="34" charset="0"/>
+              </a:rPr>
+              <a:t>@</a:t>
+            </a:r>
+            <a:r>
+              <a:rPr lang="en-US" dirty="0" smtClean="0">
+                <a:solidFill>
+                  <a:srgbClr val="FFC000"/>
+                </a:solidFill>
+                <a:latin typeface="Arial" panose="020B0604020202020204" pitchFamily="34" charset="0"/>
+                <a:cs typeface="Arial" panose="020B0604020202020204" pitchFamily="34" charset="0"/>
+              </a:rPr>
+              <a:t>RequestMapping</a:t>
+            </a:r>
+            <a:r>
+              <a:rPr lang="en-US" dirty="0" smtClean="0">
+                <a:latin typeface="Arial" panose="020B0604020202020204" pitchFamily="34" charset="0"/>
+                <a:cs typeface="Arial" panose="020B0604020202020204" pitchFamily="34" charset="0"/>
+              </a:rPr>
+              <a:t> ở đây có tác dụng </a:t>
+            </a:r>
+            <a:r>
+              <a:rPr lang="vi-VN" dirty="0">
+                <a:latin typeface="Arial" panose="020B0604020202020204" pitchFamily="34" charset="0"/>
+                <a:cs typeface="Arial" panose="020B0604020202020204" pitchFamily="34" charset="0"/>
+              </a:rPr>
+              <a:t>ánh xạ các HTTP request tới các phương thức xử lý </a:t>
+            </a:r>
+            <a:r>
+              <a:rPr lang="en-US" dirty="0" smtClean="0">
+                <a:latin typeface="Arial" panose="020B0604020202020204" pitchFamily="34" charset="0"/>
+                <a:cs typeface="Arial" panose="020B0604020202020204" pitchFamily="34" charset="0"/>
+              </a:rPr>
+              <a:t>trong một controller</a:t>
+            </a:r>
+            <a:r>
+              <a:rPr lang="vi-VN" dirty="0" smtClean="0">
+                <a:latin typeface="Arial" panose="020B0604020202020204" pitchFamily="34" charset="0"/>
+                <a:cs typeface="Arial" panose="020B0604020202020204" pitchFamily="34" charset="0"/>
+              </a:rPr>
+              <a:t>.</a:t>
+            </a:r>
+            <a:endParaRPr lang="en-US" dirty="0">
+              <a:latin typeface="Arial" panose="020B0604020202020204" pitchFamily="34" charset="0"/>
+              <a:cs typeface="Arial" panose="020B0604020202020204" pitchFamily="34" charset="0"/>
+            </a:endParaRPr>
+          </a:p>
+          <a:p>
+            <a:r>
+              <a:rPr lang="en-US" dirty="0" smtClean="0">
+                <a:latin typeface="Arial" panose="020B0604020202020204" pitchFamily="34" charset="0"/>
+                <a:cs typeface="Arial" panose="020B0604020202020204" pitchFamily="34" charset="0"/>
+              </a:rPr>
+              <a:t>Các </a:t>
+            </a:r>
+            <a:r>
+              <a:rPr lang="vi-VN" dirty="0">
+                <a:latin typeface="Arial" panose="020B0604020202020204" pitchFamily="34" charset="0"/>
+                <a:cs typeface="Arial" panose="020B0604020202020204" pitchFamily="34" charset="0"/>
+              </a:rPr>
+              <a:t>phương thức </a:t>
+            </a:r>
+            <a:r>
+              <a:rPr lang="vi-VN" dirty="0" smtClean="0">
+                <a:latin typeface="Arial" panose="020B0604020202020204" pitchFamily="34" charset="0"/>
+                <a:cs typeface="Arial" panose="020B0604020202020204" pitchFamily="34" charset="0"/>
+              </a:rPr>
+              <a:t>HTTP</a:t>
+            </a:r>
+            <a:r>
+              <a:rPr lang="en-US" dirty="0" smtClean="0">
+                <a:latin typeface="Arial" panose="020B0604020202020204" pitchFamily="34" charset="0"/>
+                <a:cs typeface="Arial" panose="020B0604020202020204" pitchFamily="34" charset="0"/>
+              </a:rPr>
+              <a:t> thường sử dụng:</a:t>
+            </a:r>
+          </a:p>
+          <a:p>
+            <a:pPr lvl="1"/>
+            <a:r>
+              <a:rPr lang="en-US" dirty="0" smtClean="0">
+                <a:latin typeface="Arial" panose="020B0604020202020204" pitchFamily="34" charset="0"/>
+                <a:cs typeface="Arial" panose="020B0604020202020204" pitchFamily="34" charset="0"/>
+              </a:rPr>
+              <a:t>GET</a:t>
+            </a:r>
+          </a:p>
+          <a:p>
+            <a:pPr lvl="1"/>
+            <a:r>
+              <a:rPr lang="en-US" dirty="0" smtClean="0">
+                <a:latin typeface="Arial" panose="020B0604020202020204" pitchFamily="34" charset="0"/>
+                <a:cs typeface="Arial" panose="020B0604020202020204" pitchFamily="34" charset="0"/>
+              </a:rPr>
+              <a:t>POST</a:t>
+            </a:r>
+          </a:p>
+          <a:p>
+            <a:pPr lvl="1"/>
+            <a:r>
+              <a:rPr lang="en-US" dirty="0" smtClean="0">
+                <a:latin typeface="Arial" panose="020B0604020202020204" pitchFamily="34" charset="0"/>
+                <a:cs typeface="Arial" panose="020B0604020202020204" pitchFamily="34" charset="0"/>
+              </a:rPr>
+              <a:t>PUT</a:t>
+            </a:r>
+          </a:p>
+          <a:p>
+            <a:pPr lvl="1"/>
+            <a:r>
+              <a:rPr lang="en-US" dirty="0" smtClean="0">
+                <a:latin typeface="Arial" panose="020B0604020202020204" pitchFamily="34" charset="0"/>
+                <a:cs typeface="Arial" panose="020B0604020202020204" pitchFamily="34" charset="0"/>
+              </a:rPr>
+              <a:t>DELETE</a:t>
+            </a:r>
+          </a:p>
+          <a:p>
+            <a:r>
+              <a:rPr lang="en-US" dirty="0" smtClean="0">
+                <a:latin typeface="Arial" panose="020B0604020202020204" pitchFamily="34" charset="0"/>
+                <a:cs typeface="Arial" panose="020B0604020202020204" pitchFamily="34" charset="0"/>
+              </a:rPr>
+              <a:t>Kêu không chỉ định phương thức cụ thể trong </a:t>
+            </a:r>
+            <a:r>
+              <a:rPr lang="en-US" dirty="0">
+                <a:solidFill>
+                  <a:srgbClr val="FFC000"/>
+                </a:solidFill>
+                <a:latin typeface="Arial" panose="020B0604020202020204" pitchFamily="34" charset="0"/>
+                <a:cs typeface="Arial" panose="020B0604020202020204" pitchFamily="34" charset="0"/>
+              </a:rPr>
+              <a:t>@RequestMapping</a:t>
+            </a:r>
+            <a:r>
+              <a:rPr lang="en-US" dirty="0">
+                <a:latin typeface="Arial" panose="020B0604020202020204" pitchFamily="34" charset="0"/>
+                <a:cs typeface="Arial" panose="020B0604020202020204" pitchFamily="34" charset="0"/>
+              </a:rPr>
+              <a:t> thì </a:t>
+            </a:r>
+            <a:r>
+              <a:rPr lang="en-US" dirty="0" smtClean="0">
+                <a:latin typeface="Arial" panose="020B0604020202020204" pitchFamily="34" charset="0"/>
+                <a:cs typeface="Arial" panose="020B0604020202020204" pitchFamily="34" charset="0"/>
+              </a:rPr>
+              <a:t>nó sẽ cho phép tất cả các phương thức HTTP đều truy cập được</a:t>
+            </a:r>
+            <a:endParaRPr lang="en-US" dirty="0">
+              <a:latin typeface="Arial" panose="020B0604020202020204" pitchFamily="34" charset="0"/>
+              <a:cs typeface="Arial" panose="020B0604020202020204" pitchFamily="34" charset="0"/>
+            </a:endParaRPr>
+          </a:p>
+        </p:txBody>
+      </p:sp>
+    </p:spTree>
+    <p:extLst>
+      <p:ext uri="{BB962C8B-B14F-4D97-AF65-F5344CB8AC3E}">
+        <p14:creationId xmlns:p14="http://schemas.microsoft.com/office/powerpoint/2010/main" val="1779252401"/>
+      </p:ext>
+    </p:extLst>
+  </p:cSld>
+  <p:clrMapOvr>
+    <a:masterClrMapping/>
+  </p:clrMapOvr>
+</p:sld>
+</file>
+
+<file path=ppt/slides/slide25.xml><?xml version="1.0" encoding="utf-8"?>
+<p:sld xmlns:a="http://schemas.openxmlformats.org/drawingml/2006/main" xmlns:r="http://schemas.openxmlformats.org/officeDocument/2006/relationships" xmlns:p="http://schemas.openxmlformats.org/presentationml/2006/main">
+  <p:cSld>
+    <p:spTree>
+      <p:nvGrpSpPr>
+        <p:cNvPr id="1" name=""/>
+        <p:cNvGrpSpPr/>
+        <p:nvPr/>
+      </p:nvGrpSpPr>
+      <p:grpSpPr>
+        <a:xfrm>
+          <a:off x="0" y="0"/>
+          <a:ext cx="0" cy="0"/>
+          <a:chOff x="0" y="0"/>
+          <a:chExt cx="0" cy="0"/>
+        </a:xfrm>
+      </p:grpSpPr>
+      <p:sp>
+        <p:nvSpPr>
+          <p:cNvPr id="2" name="Title 1"/>
+          <p:cNvSpPr>
+            <a:spLocks noGrp="1"/>
+          </p:cNvSpPr>
+          <p:nvPr>
+            <p:ph type="title"/>
+          </p:nvPr>
+        </p:nvSpPr>
+        <p:spPr/>
+        <p:txBody>
+          <a:bodyPr/>
+          <a:lstStyle/>
+          <a:p>
+            <a:r>
+              <a:rPr lang="en-US" dirty="0" smtClean="0">
+                <a:latin typeface="Arial" panose="020B0604020202020204" pitchFamily="34" charset="0"/>
+                <a:cs typeface="Arial" panose="020B0604020202020204" pitchFamily="34" charset="0"/>
+              </a:rPr>
+              <a:t>Initial project Spring</a:t>
+            </a:r>
+            <a:endParaRPr lang="en-US" dirty="0">
+              <a:latin typeface="Arial" panose="020B0604020202020204" pitchFamily="34" charset="0"/>
+              <a:cs typeface="Arial" panose="020B0604020202020204" pitchFamily="34" charset="0"/>
+            </a:endParaRPr>
+          </a:p>
+        </p:txBody>
+      </p:sp>
+      <p:sp>
+        <p:nvSpPr>
+          <p:cNvPr id="3" name="Content Placeholder 2"/>
+          <p:cNvSpPr>
+            <a:spLocks noGrp="1"/>
+          </p:cNvSpPr>
+          <p:nvPr>
+            <p:ph idx="1"/>
+          </p:nvPr>
+        </p:nvSpPr>
+        <p:spPr/>
+        <p:txBody>
+          <a:bodyPr/>
+          <a:lstStyle/>
+          <a:p>
+            <a:r>
+              <a:rPr lang="en-US" dirty="0" smtClean="0">
+                <a:latin typeface="Arial" panose="020B0604020202020204" pitchFamily="34" charset="0"/>
+                <a:cs typeface="Arial" panose="020B0604020202020204" pitchFamily="34" charset="0"/>
+              </a:rPr>
+              <a:t>Ví dụ với method getUser của chúng ta hiện không chỉ rõ phương thức cho nên tất cả các phương thức đều có thể gửi request được.</a:t>
             </a:r>
             <a:endParaRPr lang="en-US" dirty="0">
               <a:latin typeface="Arial" panose="020B0604020202020204" pitchFamily="34" charset="0"/>
@@ -8585,8 +8831,8 @@
         </p:blipFill>
         <p:spPr>
           <a:xfrm>
-            <a:off x="1124144" y="2557657"/>
-            <a:ext cx="4133850" cy="3248025"/>
+            <a:off x="1140569" y="2976854"/>
+            <a:ext cx="4200525" cy="1638300"/>
           </a:xfrm>
           <a:prstGeom prst="rect">
             <a:avLst/>
@@ -8596,7 +8842,1181 @@
     </p:spTree>
     <p:extLst>
       <p:ext uri="{BB962C8B-B14F-4D97-AF65-F5344CB8AC3E}">
-        <p14:creationId xmlns:p14="http://schemas.microsoft.com/office/powerpoint/2010/main" val="2035451858"/>
+        <p14:creationId xmlns:p14="http://schemas.microsoft.com/office/powerpoint/2010/main" val="388409590"/>
+      </p:ext>
+    </p:extLst>
+  </p:cSld>
+  <p:clrMapOvr>
+    <a:masterClrMapping/>
+  </p:clrMapOvr>
+</p:sld>
+</file>
+
+<file path=ppt/slides/slide26.xml><?xml version="1.0" encoding="utf-8"?>
+<p:sld xmlns:a="http://schemas.openxmlformats.org/drawingml/2006/main" xmlns:r="http://schemas.openxmlformats.org/officeDocument/2006/relationships" xmlns:p="http://schemas.openxmlformats.org/presentationml/2006/main">
+  <p:cSld>
+    <p:spTree>
+      <p:nvGrpSpPr>
+        <p:cNvPr id="1" name=""/>
+        <p:cNvGrpSpPr/>
+        <p:nvPr/>
+      </p:nvGrpSpPr>
+      <p:grpSpPr>
+        <a:xfrm>
+          <a:off x="0" y="0"/>
+          <a:ext cx="0" cy="0"/>
+          <a:chOff x="0" y="0"/>
+          <a:chExt cx="0" cy="0"/>
+        </a:xfrm>
+      </p:grpSpPr>
+      <p:sp>
+        <p:nvSpPr>
+          <p:cNvPr id="2" name="Title 1"/>
+          <p:cNvSpPr>
+            <a:spLocks noGrp="1"/>
+          </p:cNvSpPr>
+          <p:nvPr>
+            <p:ph type="title"/>
+          </p:nvPr>
+        </p:nvSpPr>
+        <p:spPr/>
+        <p:txBody>
+          <a:bodyPr/>
+          <a:lstStyle/>
+          <a:p>
+            <a:r>
+              <a:rPr lang="en-US" dirty="0" smtClean="0">
+                <a:latin typeface="Arial" panose="020B0604020202020204" pitchFamily="34" charset="0"/>
+                <a:cs typeface="Arial" panose="020B0604020202020204" pitchFamily="34" charset="0"/>
+              </a:rPr>
+              <a:t>Initial project Spring</a:t>
+            </a:r>
+            <a:endParaRPr lang="en-US" dirty="0">
+              <a:latin typeface="Arial" panose="020B0604020202020204" pitchFamily="34" charset="0"/>
+              <a:cs typeface="Arial" panose="020B0604020202020204" pitchFamily="34" charset="0"/>
+            </a:endParaRPr>
+          </a:p>
+        </p:txBody>
+      </p:sp>
+      <p:sp>
+        <p:nvSpPr>
+          <p:cNvPr id="3" name="Content Placeholder 2"/>
+          <p:cNvSpPr>
+            <a:spLocks noGrp="1"/>
+          </p:cNvSpPr>
+          <p:nvPr>
+            <p:ph idx="1"/>
+          </p:nvPr>
+        </p:nvSpPr>
+        <p:spPr/>
+        <p:txBody>
+          <a:bodyPr/>
+          <a:lstStyle/>
+          <a:p>
+            <a:r>
+              <a:rPr lang="en-US" dirty="0" smtClean="0">
+                <a:latin typeface="Arial" panose="020B0604020202020204" pitchFamily="34" charset="0"/>
+                <a:cs typeface="Arial" panose="020B0604020202020204" pitchFamily="34" charset="0"/>
+              </a:rPr>
+              <a:t>Trường hợp mình chỉ rõ là phương thức GET thì khi sử dụng các phương thức khác sẽ không thể request được.</a:t>
+            </a:r>
+            <a:endParaRPr lang="en-US" dirty="0">
+              <a:latin typeface="Arial" panose="020B0604020202020204" pitchFamily="34" charset="0"/>
+              <a:cs typeface="Arial" panose="020B0604020202020204" pitchFamily="34" charset="0"/>
+            </a:endParaRPr>
+          </a:p>
+        </p:txBody>
+      </p:sp>
+      <p:pic>
+        <p:nvPicPr>
+          <p:cNvPr id="4" name="Picture 3"/>
+          <p:cNvPicPr>
+            <a:picLocks noChangeAspect="1"/>
+          </p:cNvPicPr>
+          <p:nvPr/>
+        </p:nvPicPr>
+        <p:blipFill>
+          <a:blip r:embed="rId2"/>
+          <a:stretch>
+            <a:fillRect/>
+          </a:stretch>
+        </p:blipFill>
+        <p:spPr>
+          <a:xfrm>
+            <a:off x="1108107" y="2877814"/>
+            <a:ext cx="5248275" cy="3267075"/>
+          </a:xfrm>
+          <a:prstGeom prst="rect">
+            <a:avLst/>
+          </a:prstGeom>
+        </p:spPr>
+      </p:pic>
+    </p:spTree>
+    <p:extLst>
+      <p:ext uri="{BB962C8B-B14F-4D97-AF65-F5344CB8AC3E}">
+        <p14:creationId xmlns:p14="http://schemas.microsoft.com/office/powerpoint/2010/main" val="4143002478"/>
+      </p:ext>
+    </p:extLst>
+  </p:cSld>
+  <p:clrMapOvr>
+    <a:masterClrMapping/>
+  </p:clrMapOvr>
+</p:sld>
+</file>
+
+<file path=ppt/slides/slide27.xml><?xml version="1.0" encoding="utf-8"?>
+<p:sld xmlns:a="http://schemas.openxmlformats.org/drawingml/2006/main" xmlns:r="http://schemas.openxmlformats.org/officeDocument/2006/relationships" xmlns:p="http://schemas.openxmlformats.org/presentationml/2006/main">
+  <p:cSld>
+    <p:spTree>
+      <p:nvGrpSpPr>
+        <p:cNvPr id="1" name=""/>
+        <p:cNvGrpSpPr/>
+        <p:nvPr/>
+      </p:nvGrpSpPr>
+      <p:grpSpPr>
+        <a:xfrm>
+          <a:off x="0" y="0"/>
+          <a:ext cx="0" cy="0"/>
+          <a:chOff x="0" y="0"/>
+          <a:chExt cx="0" cy="0"/>
+        </a:xfrm>
+      </p:grpSpPr>
+      <p:sp>
+        <p:nvSpPr>
+          <p:cNvPr id="2" name="Title 1"/>
+          <p:cNvSpPr>
+            <a:spLocks noGrp="1"/>
+          </p:cNvSpPr>
+          <p:nvPr>
+            <p:ph type="title"/>
+          </p:nvPr>
+        </p:nvSpPr>
+        <p:spPr/>
+        <p:txBody>
+          <a:bodyPr/>
+          <a:lstStyle/>
+          <a:p>
+            <a:r>
+              <a:rPr lang="en-US" dirty="0" smtClean="0">
+                <a:latin typeface="Arial" panose="020B0604020202020204" pitchFamily="34" charset="0"/>
+                <a:cs typeface="Arial" panose="020B0604020202020204" pitchFamily="34" charset="0"/>
+              </a:rPr>
+              <a:t>Initial project Spring</a:t>
+            </a:r>
+            <a:endParaRPr lang="en-US" dirty="0">
+              <a:latin typeface="Arial" panose="020B0604020202020204" pitchFamily="34" charset="0"/>
+              <a:cs typeface="Arial" panose="020B0604020202020204" pitchFamily="34" charset="0"/>
+            </a:endParaRPr>
+          </a:p>
+        </p:txBody>
+      </p:sp>
+      <p:sp>
+        <p:nvSpPr>
+          <p:cNvPr id="3" name="Content Placeholder 2"/>
+          <p:cNvSpPr>
+            <a:spLocks noGrp="1"/>
+          </p:cNvSpPr>
+          <p:nvPr>
+            <p:ph idx="1"/>
+          </p:nvPr>
+        </p:nvSpPr>
+        <p:spPr/>
+        <p:txBody>
+          <a:bodyPr/>
+          <a:lstStyle/>
+          <a:p>
+            <a:r>
+              <a:rPr lang="en-US" dirty="0" smtClean="0">
+                <a:latin typeface="Arial" panose="020B0604020202020204" pitchFamily="34" charset="0"/>
+                <a:cs typeface="Arial" panose="020B0604020202020204" pitchFamily="34" charset="0"/>
+              </a:rPr>
+              <a:t>Trường hợp mình chỉ rõ là phương thức GET thì khi sử dụng các phương thức khác sẽ không thể request được.</a:t>
+            </a:r>
+            <a:endParaRPr lang="en-US" dirty="0">
+              <a:latin typeface="Arial" panose="020B0604020202020204" pitchFamily="34" charset="0"/>
+              <a:cs typeface="Arial" panose="020B0604020202020204" pitchFamily="34" charset="0"/>
+            </a:endParaRPr>
+          </a:p>
+        </p:txBody>
+      </p:sp>
+      <p:pic>
+        <p:nvPicPr>
+          <p:cNvPr id="6" name="Picture 5"/>
+          <p:cNvPicPr>
+            <a:picLocks noChangeAspect="1"/>
+          </p:cNvPicPr>
+          <p:nvPr/>
+        </p:nvPicPr>
+        <p:blipFill>
+          <a:blip r:embed="rId2"/>
+          <a:stretch>
+            <a:fillRect/>
+          </a:stretch>
+        </p:blipFill>
+        <p:spPr>
+          <a:xfrm>
+            <a:off x="1118826" y="2923650"/>
+            <a:ext cx="5911082" cy="2876823"/>
+          </a:xfrm>
+          <a:prstGeom prst="rect">
+            <a:avLst/>
+          </a:prstGeom>
+        </p:spPr>
+      </p:pic>
+    </p:spTree>
+    <p:extLst>
+      <p:ext uri="{BB962C8B-B14F-4D97-AF65-F5344CB8AC3E}">
+        <p14:creationId xmlns:p14="http://schemas.microsoft.com/office/powerpoint/2010/main" val="2444971557"/>
+      </p:ext>
+    </p:extLst>
+  </p:cSld>
+  <p:clrMapOvr>
+    <a:masterClrMapping/>
+  </p:clrMapOvr>
+</p:sld>
+</file>
+
+<file path=ppt/slides/slide28.xml><?xml version="1.0" encoding="utf-8"?>
+<p:sld xmlns:a="http://schemas.openxmlformats.org/drawingml/2006/main" xmlns:r="http://schemas.openxmlformats.org/officeDocument/2006/relationships" xmlns:p="http://schemas.openxmlformats.org/presentationml/2006/main">
+  <p:cSld>
+    <p:spTree>
+      <p:nvGrpSpPr>
+        <p:cNvPr id="1" name=""/>
+        <p:cNvGrpSpPr/>
+        <p:nvPr/>
+      </p:nvGrpSpPr>
+      <p:grpSpPr>
+        <a:xfrm>
+          <a:off x="0" y="0"/>
+          <a:ext cx="0" cy="0"/>
+          <a:chOff x="0" y="0"/>
+          <a:chExt cx="0" cy="0"/>
+        </a:xfrm>
+      </p:grpSpPr>
+      <p:sp>
+        <p:nvSpPr>
+          <p:cNvPr id="2" name="Title 1"/>
+          <p:cNvSpPr>
+            <a:spLocks noGrp="1"/>
+          </p:cNvSpPr>
+          <p:nvPr>
+            <p:ph type="title"/>
+          </p:nvPr>
+        </p:nvSpPr>
+        <p:spPr/>
+        <p:txBody>
+          <a:bodyPr/>
+          <a:lstStyle/>
+          <a:p>
+            <a:r>
+              <a:rPr lang="en-US" dirty="0" smtClean="0">
+                <a:latin typeface="Arial" panose="020B0604020202020204" pitchFamily="34" charset="0"/>
+                <a:cs typeface="Arial" panose="020B0604020202020204" pitchFamily="34" charset="0"/>
+              </a:rPr>
+              <a:t>Initial project Spring</a:t>
+            </a:r>
+            <a:endParaRPr lang="en-US" dirty="0">
+              <a:latin typeface="Arial" panose="020B0604020202020204" pitchFamily="34" charset="0"/>
+              <a:cs typeface="Arial" panose="020B0604020202020204" pitchFamily="34" charset="0"/>
+            </a:endParaRPr>
+          </a:p>
+        </p:txBody>
+      </p:sp>
+      <p:sp>
+        <p:nvSpPr>
+          <p:cNvPr id="3" name="Content Placeholder 2"/>
+          <p:cNvSpPr>
+            <a:spLocks noGrp="1"/>
+          </p:cNvSpPr>
+          <p:nvPr>
+            <p:ph idx="1"/>
+          </p:nvPr>
+        </p:nvSpPr>
+        <p:spPr/>
+        <p:txBody>
+          <a:bodyPr/>
+          <a:lstStyle/>
+          <a:p>
+            <a:r>
+              <a:rPr lang="en-US" dirty="0" smtClean="0">
+                <a:latin typeface="Arial" panose="020B0604020202020204" pitchFamily="34" charset="0"/>
+                <a:cs typeface="Arial" panose="020B0604020202020204" pitchFamily="34" charset="0"/>
+              </a:rPr>
+              <a:t>Trường hợp muốn ánh xạ nhiều url thì sử dụng:</a:t>
+            </a:r>
+          </a:p>
+          <a:p>
+            <a:endParaRPr lang="en-US" dirty="0">
+              <a:latin typeface="Arial" panose="020B0604020202020204" pitchFamily="34" charset="0"/>
+              <a:cs typeface="Arial" panose="020B0604020202020204" pitchFamily="34" charset="0"/>
+            </a:endParaRPr>
+          </a:p>
+        </p:txBody>
+      </p:sp>
+      <p:sp>
+        <p:nvSpPr>
+          <p:cNvPr id="4" name="Rectangle 1"/>
+          <p:cNvSpPr>
+            <a:spLocks noChangeArrowheads="1"/>
+          </p:cNvSpPr>
+          <p:nvPr/>
+        </p:nvSpPr>
+        <p:spPr bwMode="auto">
+          <a:xfrm>
+            <a:off x="1169436" y="2608906"/>
+            <a:ext cx="7116148" cy="276999"/>
+          </a:xfrm>
+          <a:prstGeom prst="rect">
+            <a:avLst/>
+          </a:prstGeom>
+          <a:solidFill>
+            <a:srgbClr val="282A36"/>
+          </a:solidFill>
+          <a:ln>
+            <a:noFill/>
+          </a:ln>
+          <a:effectLst/>
+          <a:extLst>
+            <a:ext uri="{91240B29-F687-4F45-9708-019B960494DF}">
+              <a14:hiddenLine xmlns:a14="http://schemas.microsoft.com/office/drawing/2010/main" w="9525">
+                <a:solidFill>
+                  <a:schemeClr val="tx1"/>
+                </a:solidFill>
+                <a:miter lim="800000"/>
+                <a:headEnd/>
+                <a:tailEnd/>
+              </a14:hiddenLine>
+            </a:ext>
+            <a:ext uri="{AF507438-7753-43E0-B8FC-AC1667EBCBE1}">
+              <a14:hiddenEffects xmlns:a14="http://schemas.microsoft.com/office/drawing/2010/main">
+                <a:effectLst>
+                  <a:outerShdw dist="35921" dir="2700000" algn="ctr" rotWithShape="0">
+                    <a:schemeClr val="bg2"/>
+                  </a:outerShdw>
+                </a:effectLst>
+              </a14:hiddenEffects>
+            </a:ext>
+          </a:extLst>
+        </p:spPr>
+        <p:txBody>
+          <a:bodyPr vert="horz" wrap="square" lIns="91440" tIns="45720" rIns="91440" bIns="45720" numCol="1" anchor="ctr" anchorCtr="0" compatLnSpc="1">
+            <a:prstTxWarp prst="textNoShape">
+              <a:avLst/>
+            </a:prstTxWarp>
+            <a:spAutoFit/>
+          </a:bodyPr>
+          <a:lstStyle/>
+          <a:p>
+            <a:pPr marL="0" marR="0" lvl="0" indent="0" algn="l" defTabSz="914400" rtl="0" eaLnBrk="0" fontAlgn="base" latinLnBrk="0" hangingPunct="0">
+              <a:lnSpc>
+                <a:spcPct val="100000"/>
+              </a:lnSpc>
+              <a:spcBef>
+                <a:spcPct val="0"/>
+              </a:spcBef>
+              <a:spcAft>
+                <a:spcPct val="0"/>
+              </a:spcAft>
+              <a:buClrTx/>
+              <a:buSzTx/>
+              <a:buFontTx/>
+              <a:buNone/>
+              <a:tabLst/>
+            </a:pPr>
+            <a:r>
+              <a:rPr kumimoji="0" lang="en-US" altLang="en-US" sz="1200" b="0" i="0" u="none" strike="noStrike" cap="none" normalizeH="0" baseline="0" dirty="0" smtClean="0">
+                <a:ln>
+                  <a:noFill/>
+                </a:ln>
+                <a:solidFill>
+                  <a:srgbClr val="50FA78"/>
+                </a:solidFill>
+                <a:effectLst/>
+                <a:latin typeface="Arial Unicode MS"/>
+                <a:ea typeface="JetBrains Mono"/>
+              </a:rPr>
+              <a:t>@RequestMapping</a:t>
+            </a:r>
+            <a:r>
+              <a:rPr kumimoji="0" lang="en-US" altLang="en-US" sz="1200" b="0" i="0" u="none" strike="noStrike" cap="none" normalizeH="0" baseline="0" dirty="0" smtClean="0">
+                <a:ln>
+                  <a:noFill/>
+                </a:ln>
+                <a:solidFill>
+                  <a:srgbClr val="F8F8F2"/>
+                </a:solidFill>
+                <a:effectLst/>
+                <a:latin typeface="Arial Unicode MS"/>
+                <a:ea typeface="JetBrains Mono"/>
+              </a:rPr>
+              <a:t>(</a:t>
+            </a:r>
+            <a:r>
+              <a:rPr kumimoji="0" lang="en-US" altLang="en-US" sz="1200" b="0" i="0" u="none" strike="noStrike" cap="none" normalizeH="0" baseline="0" dirty="0" smtClean="0">
+                <a:ln>
+                  <a:noFill/>
+                </a:ln>
+                <a:solidFill>
+                  <a:srgbClr val="F89580"/>
+                </a:solidFill>
+                <a:effectLst/>
+                <a:latin typeface="Arial Unicode MS"/>
+                <a:ea typeface="JetBrains Mono"/>
+              </a:rPr>
+              <a:t>value </a:t>
+            </a:r>
+            <a:r>
+              <a:rPr kumimoji="0" lang="en-US" altLang="en-US" sz="1200" b="0" i="0" u="none" strike="noStrike" cap="none" normalizeH="0" baseline="0" dirty="0" smtClean="0">
+                <a:ln>
+                  <a:noFill/>
+                </a:ln>
+                <a:solidFill>
+                  <a:srgbClr val="F780BF"/>
+                </a:solidFill>
+                <a:effectLst/>
+                <a:latin typeface="Arial Unicode MS"/>
+                <a:ea typeface="JetBrains Mono"/>
+              </a:rPr>
+              <a:t>= </a:t>
+            </a:r>
+            <a:r>
+              <a:rPr kumimoji="0" lang="en-US" altLang="en-US" sz="1200" b="0" i="0" u="none" strike="noStrike" cap="none" normalizeH="0" baseline="0" dirty="0" smtClean="0">
+                <a:ln>
+                  <a:noFill/>
+                </a:ln>
+                <a:solidFill>
+                  <a:srgbClr val="F8F8F2"/>
+                </a:solidFill>
+                <a:effectLst/>
+                <a:latin typeface="Arial Unicode MS"/>
+                <a:ea typeface="JetBrains Mono"/>
+              </a:rPr>
+              <a:t>{</a:t>
+            </a:r>
+            <a:r>
+              <a:rPr kumimoji="0" lang="en-US" altLang="en-US" sz="1200" b="0" i="0" u="none" strike="noStrike" cap="none" normalizeH="0" baseline="0" dirty="0" smtClean="0">
+                <a:ln>
+                  <a:noFill/>
+                </a:ln>
+                <a:solidFill>
+                  <a:srgbClr val="FEFF80"/>
+                </a:solidFill>
+                <a:effectLst/>
+                <a:latin typeface="Arial Unicode MS"/>
+                <a:ea typeface="JetBrains Mono"/>
+              </a:rPr>
+              <a:t>"/user"</a:t>
+            </a:r>
+            <a:r>
+              <a:rPr kumimoji="0" lang="en-US" altLang="en-US" sz="1200" b="0" i="0" u="none" strike="noStrike" cap="none" normalizeH="0" baseline="0" dirty="0" smtClean="0">
+                <a:ln>
+                  <a:noFill/>
+                </a:ln>
+                <a:solidFill>
+                  <a:srgbClr val="F8F8F2"/>
+                </a:solidFill>
+                <a:effectLst/>
+                <a:latin typeface="Arial Unicode MS"/>
+                <a:ea typeface="JetBrains Mono"/>
+              </a:rPr>
+              <a:t>, </a:t>
+            </a:r>
+            <a:r>
+              <a:rPr kumimoji="0" lang="en-US" altLang="en-US" sz="1200" b="0" i="0" u="none" strike="noStrike" cap="none" normalizeH="0" baseline="0" dirty="0" smtClean="0">
+                <a:ln>
+                  <a:noFill/>
+                </a:ln>
+                <a:solidFill>
+                  <a:srgbClr val="FEFF80"/>
+                </a:solidFill>
+                <a:effectLst/>
+                <a:latin typeface="Arial Unicode MS"/>
+                <a:ea typeface="JetBrains Mono"/>
+              </a:rPr>
+              <a:t>"/user2“, ...</a:t>
+            </a:r>
+            <a:r>
+              <a:rPr kumimoji="0" lang="en-US" altLang="en-US" sz="1200" b="0" i="0" u="none" strike="noStrike" cap="none" normalizeH="0" baseline="0" dirty="0" smtClean="0">
+                <a:ln>
+                  <a:noFill/>
+                </a:ln>
+                <a:solidFill>
+                  <a:srgbClr val="F8F8F2"/>
+                </a:solidFill>
+                <a:effectLst/>
+                <a:latin typeface="Arial Unicode MS"/>
+                <a:ea typeface="JetBrains Mono"/>
+              </a:rPr>
+              <a:t>}, </a:t>
+            </a:r>
+            <a:r>
+              <a:rPr kumimoji="0" lang="en-US" altLang="en-US" sz="1200" b="0" i="0" u="none" strike="noStrike" cap="none" normalizeH="0" baseline="0" dirty="0" smtClean="0">
+                <a:ln>
+                  <a:noFill/>
+                </a:ln>
+                <a:solidFill>
+                  <a:srgbClr val="F89580"/>
+                </a:solidFill>
+                <a:effectLst/>
+                <a:latin typeface="Arial Unicode MS"/>
+                <a:ea typeface="JetBrains Mono"/>
+              </a:rPr>
+              <a:t>method </a:t>
+            </a:r>
+            <a:r>
+              <a:rPr kumimoji="0" lang="en-US" altLang="en-US" sz="1200" b="0" i="0" u="none" strike="noStrike" cap="none" normalizeH="0" baseline="0" dirty="0" smtClean="0">
+                <a:ln>
+                  <a:noFill/>
+                </a:ln>
+                <a:solidFill>
+                  <a:srgbClr val="F780BF"/>
+                </a:solidFill>
+                <a:effectLst/>
+                <a:latin typeface="Arial Unicode MS"/>
+                <a:ea typeface="JetBrains Mono"/>
+              </a:rPr>
+              <a:t>= </a:t>
+            </a:r>
+            <a:r>
+              <a:rPr kumimoji="0" lang="en-US" altLang="en-US" sz="1200" b="0" i="1" u="none" strike="noStrike" cap="none" normalizeH="0" baseline="0" dirty="0" smtClean="0">
+                <a:ln>
+                  <a:noFill/>
+                </a:ln>
+                <a:solidFill>
+                  <a:srgbClr val="80FFEA"/>
+                </a:solidFill>
+                <a:effectLst/>
+                <a:latin typeface="Arial Unicode MS"/>
+                <a:ea typeface="JetBrains Mono"/>
+              </a:rPr>
+              <a:t>RequestMethod</a:t>
+            </a:r>
+            <a:r>
+              <a:rPr kumimoji="0" lang="en-US" altLang="en-US" sz="1200" b="0" i="0" u="none" strike="noStrike" cap="none" normalizeH="0" baseline="0" dirty="0" smtClean="0">
+                <a:ln>
+                  <a:noFill/>
+                </a:ln>
+                <a:solidFill>
+                  <a:srgbClr val="F8F8F2"/>
+                </a:solidFill>
+                <a:effectLst/>
+                <a:latin typeface="Arial Unicode MS"/>
+                <a:ea typeface="JetBrains Mono"/>
+              </a:rPr>
+              <a:t>.</a:t>
+            </a:r>
+            <a:r>
+              <a:rPr kumimoji="0" lang="en-US" altLang="en-US" sz="1200" b="0" i="1" u="none" strike="noStrike" cap="none" normalizeH="0" baseline="0" dirty="0" smtClean="0">
+                <a:ln>
+                  <a:noFill/>
+                </a:ln>
+                <a:solidFill>
+                  <a:srgbClr val="9580FF"/>
+                </a:solidFill>
+                <a:effectLst/>
+                <a:latin typeface="Arial Unicode MS"/>
+                <a:ea typeface="JetBrains Mono"/>
+              </a:rPr>
+              <a:t>GET</a:t>
+            </a:r>
+            <a:r>
+              <a:rPr kumimoji="0" lang="en-US" altLang="en-US" sz="1200" b="0" i="0" u="none" strike="noStrike" cap="none" normalizeH="0" baseline="0" dirty="0" smtClean="0">
+                <a:ln>
+                  <a:noFill/>
+                </a:ln>
+                <a:solidFill>
+                  <a:srgbClr val="F8F8F2"/>
+                </a:solidFill>
+                <a:effectLst/>
+                <a:latin typeface="Arial Unicode MS"/>
+                <a:ea typeface="JetBrains Mono"/>
+              </a:rPr>
+              <a:t>)</a:t>
+            </a:r>
+            <a:endParaRPr kumimoji="0" lang="en-US" altLang="en-US" sz="3200" b="0" i="0" u="none" strike="noStrike" cap="none" normalizeH="0" baseline="0" dirty="0" smtClean="0">
+              <a:ln>
+                <a:noFill/>
+              </a:ln>
+              <a:solidFill>
+                <a:schemeClr val="tx1"/>
+              </a:solidFill>
+              <a:effectLst/>
+              <a:latin typeface="Arial" panose="020B0604020202020204" pitchFamily="34" charset="0"/>
+            </a:endParaRPr>
+          </a:p>
+        </p:txBody>
+      </p:sp>
+    </p:spTree>
+    <p:extLst>
+      <p:ext uri="{BB962C8B-B14F-4D97-AF65-F5344CB8AC3E}">
+        <p14:creationId xmlns:p14="http://schemas.microsoft.com/office/powerpoint/2010/main" val="696280899"/>
+      </p:ext>
+    </p:extLst>
+  </p:cSld>
+  <p:clrMapOvr>
+    <a:masterClrMapping/>
+  </p:clrMapOvr>
+</p:sld>
+</file>
+
+<file path=ppt/slides/slide29.xml><?xml version="1.0" encoding="utf-8"?>
+<p:sld xmlns:a="http://schemas.openxmlformats.org/drawingml/2006/main" xmlns:r="http://schemas.openxmlformats.org/officeDocument/2006/relationships" xmlns:p="http://schemas.openxmlformats.org/presentationml/2006/main">
+  <p:cSld>
+    <p:spTree>
+      <p:nvGrpSpPr>
+        <p:cNvPr id="1" name=""/>
+        <p:cNvGrpSpPr/>
+        <p:nvPr/>
+      </p:nvGrpSpPr>
+      <p:grpSpPr>
+        <a:xfrm>
+          <a:off x="0" y="0"/>
+          <a:ext cx="0" cy="0"/>
+          <a:chOff x="0" y="0"/>
+          <a:chExt cx="0" cy="0"/>
+        </a:xfrm>
+      </p:grpSpPr>
+      <p:sp>
+        <p:nvSpPr>
+          <p:cNvPr id="2" name="Title 1"/>
+          <p:cNvSpPr>
+            <a:spLocks noGrp="1"/>
+          </p:cNvSpPr>
+          <p:nvPr>
+            <p:ph type="title"/>
+          </p:nvPr>
+        </p:nvSpPr>
+        <p:spPr/>
+        <p:txBody>
+          <a:bodyPr/>
+          <a:lstStyle/>
+          <a:p>
+            <a:r>
+              <a:rPr lang="en-US" dirty="0" smtClean="0">
+                <a:latin typeface="Arial" panose="020B0604020202020204" pitchFamily="34" charset="0"/>
+                <a:cs typeface="Arial" panose="020B0604020202020204" pitchFamily="34" charset="0"/>
+              </a:rPr>
+              <a:t>Initial project Spring</a:t>
+            </a:r>
+            <a:endParaRPr lang="en-US" dirty="0">
+              <a:latin typeface="Arial" panose="020B0604020202020204" pitchFamily="34" charset="0"/>
+              <a:cs typeface="Arial" panose="020B0604020202020204" pitchFamily="34" charset="0"/>
+            </a:endParaRPr>
+          </a:p>
+        </p:txBody>
+      </p:sp>
+      <p:sp>
+        <p:nvSpPr>
+          <p:cNvPr id="3" name="Content Placeholder 2"/>
+          <p:cNvSpPr>
+            <a:spLocks noGrp="1"/>
+          </p:cNvSpPr>
+          <p:nvPr>
+            <p:ph idx="1"/>
+          </p:nvPr>
+        </p:nvSpPr>
+        <p:spPr/>
+        <p:txBody>
+          <a:bodyPr/>
+          <a:lstStyle/>
+          <a:p>
+            <a:r>
+              <a:rPr lang="en-US" dirty="0" smtClean="0">
+                <a:latin typeface="Arial" panose="020B0604020202020204" pitchFamily="34" charset="0"/>
+                <a:cs typeface="Arial" panose="020B0604020202020204" pitchFamily="34" charset="0"/>
+              </a:rPr>
+              <a:t>Ngoài ra để ngắn gọn code, Spring sinh ra các annotation</a:t>
+            </a:r>
+          </a:p>
+          <a:p>
+            <a:pPr lvl="1"/>
+            <a:r>
+              <a:rPr lang="en-US" dirty="0" smtClean="0">
+                <a:latin typeface="Arial" panose="020B0604020202020204" pitchFamily="34" charset="0"/>
+                <a:cs typeface="Arial" panose="020B0604020202020204" pitchFamily="34" charset="0"/>
+              </a:rPr>
+              <a:t>@GetMapping để </a:t>
+            </a:r>
+            <a:r>
+              <a:rPr lang="en-US" dirty="0">
+                <a:latin typeface="Arial" panose="020B0604020202020204" pitchFamily="34" charset="0"/>
+                <a:cs typeface="Arial" panose="020B0604020202020204" pitchFamily="34" charset="0"/>
+              </a:rPr>
+              <a:t>thay thế @</a:t>
+            </a:r>
+            <a:r>
+              <a:rPr lang="en-US" dirty="0" smtClean="0">
+                <a:latin typeface="Arial" panose="020B0604020202020204" pitchFamily="34" charset="0"/>
+                <a:cs typeface="Arial" panose="020B0604020202020204" pitchFamily="34" charset="0"/>
+              </a:rPr>
+              <a:t>RequestMapping với method GET</a:t>
+            </a:r>
+          </a:p>
+          <a:p>
+            <a:pPr lvl="1"/>
+            <a:r>
+              <a:rPr lang="en-US" dirty="0" smtClean="0">
+                <a:latin typeface="Arial" panose="020B0604020202020204" pitchFamily="34" charset="0"/>
+                <a:cs typeface="Arial" panose="020B0604020202020204" pitchFamily="34" charset="0"/>
+              </a:rPr>
+              <a:t>@PostMapping </a:t>
+            </a:r>
+            <a:r>
+              <a:rPr lang="en-US" dirty="0">
+                <a:latin typeface="Arial" panose="020B0604020202020204" pitchFamily="34" charset="0"/>
+                <a:cs typeface="Arial" panose="020B0604020202020204" pitchFamily="34" charset="0"/>
+              </a:rPr>
+              <a:t>để thay thế @RequestMapping với method </a:t>
+            </a:r>
+            <a:r>
+              <a:rPr lang="en-US" dirty="0" smtClean="0">
+                <a:latin typeface="Arial" panose="020B0604020202020204" pitchFamily="34" charset="0"/>
+                <a:cs typeface="Arial" panose="020B0604020202020204" pitchFamily="34" charset="0"/>
+              </a:rPr>
+              <a:t>POST</a:t>
+            </a:r>
+            <a:endParaRPr lang="en-US" dirty="0">
+              <a:latin typeface="Arial" panose="020B0604020202020204" pitchFamily="34" charset="0"/>
+              <a:cs typeface="Arial" panose="020B0604020202020204" pitchFamily="34" charset="0"/>
+            </a:endParaRPr>
+          </a:p>
+          <a:p>
+            <a:pPr lvl="1"/>
+            <a:r>
+              <a:rPr lang="en-US" dirty="0" smtClean="0">
+                <a:latin typeface="Arial" panose="020B0604020202020204" pitchFamily="34" charset="0"/>
+                <a:cs typeface="Arial" panose="020B0604020202020204" pitchFamily="34" charset="0"/>
+              </a:rPr>
+              <a:t>@PutMapping </a:t>
+            </a:r>
+            <a:r>
+              <a:rPr lang="en-US" dirty="0">
+                <a:latin typeface="Arial" panose="020B0604020202020204" pitchFamily="34" charset="0"/>
+                <a:cs typeface="Arial" panose="020B0604020202020204" pitchFamily="34" charset="0"/>
+              </a:rPr>
+              <a:t>để thay thế @RequestMapping với method </a:t>
+            </a:r>
+            <a:r>
+              <a:rPr lang="en-US" dirty="0" smtClean="0">
+                <a:latin typeface="Arial" panose="020B0604020202020204" pitchFamily="34" charset="0"/>
+                <a:cs typeface="Arial" panose="020B0604020202020204" pitchFamily="34" charset="0"/>
+              </a:rPr>
+              <a:t>PUT</a:t>
+            </a:r>
+            <a:endParaRPr lang="en-US" dirty="0" smtClean="0">
+              <a:latin typeface="Arial" panose="020B0604020202020204" pitchFamily="34" charset="0"/>
+              <a:cs typeface="Arial" panose="020B0604020202020204" pitchFamily="34" charset="0"/>
+            </a:endParaRPr>
+          </a:p>
+          <a:p>
+            <a:pPr lvl="1"/>
+            <a:r>
+              <a:rPr lang="en-US" dirty="0" smtClean="0">
+                <a:latin typeface="Arial" panose="020B0604020202020204" pitchFamily="34" charset="0"/>
+                <a:cs typeface="Arial" panose="020B0604020202020204" pitchFamily="34" charset="0"/>
+              </a:rPr>
+              <a:t>@DeleteMapping </a:t>
+            </a:r>
+            <a:r>
+              <a:rPr lang="en-US" dirty="0">
+                <a:latin typeface="Arial" panose="020B0604020202020204" pitchFamily="34" charset="0"/>
+                <a:cs typeface="Arial" panose="020B0604020202020204" pitchFamily="34" charset="0"/>
+              </a:rPr>
+              <a:t>để thay thế @RequestMapping với method </a:t>
+            </a:r>
+            <a:r>
+              <a:rPr lang="en-US" dirty="0" smtClean="0">
+                <a:latin typeface="Arial" panose="020B0604020202020204" pitchFamily="34" charset="0"/>
+                <a:cs typeface="Arial" panose="020B0604020202020204" pitchFamily="34" charset="0"/>
+              </a:rPr>
+              <a:t>DELETE</a:t>
+            </a:r>
+          </a:p>
+          <a:p>
+            <a:pPr lvl="1"/>
+            <a:endParaRPr lang="en-US" dirty="0" smtClean="0">
+              <a:latin typeface="Arial" panose="020B0604020202020204" pitchFamily="34" charset="0"/>
+              <a:cs typeface="Arial" panose="020B0604020202020204" pitchFamily="34" charset="0"/>
+            </a:endParaRPr>
+          </a:p>
+          <a:p>
+            <a:r>
+              <a:rPr lang="en-US" dirty="0" smtClean="0">
+                <a:latin typeface="Arial" panose="020B0604020202020204" pitchFamily="34" charset="0"/>
+                <a:cs typeface="Arial" panose="020B0604020202020204" pitchFamily="34" charset="0"/>
+              </a:rPr>
+              <a:t>Ví dụ:</a:t>
+            </a:r>
+            <a:endParaRPr lang="en-US" dirty="0">
+              <a:latin typeface="Arial" panose="020B0604020202020204" pitchFamily="34" charset="0"/>
+              <a:cs typeface="Arial" panose="020B0604020202020204" pitchFamily="34" charset="0"/>
+            </a:endParaRPr>
+          </a:p>
+          <a:p>
+            <a:pPr lvl="1"/>
+            <a:endParaRPr lang="en-US" dirty="0">
+              <a:latin typeface="Arial" panose="020B0604020202020204" pitchFamily="34" charset="0"/>
+              <a:cs typeface="Arial" panose="020B0604020202020204" pitchFamily="34" charset="0"/>
+            </a:endParaRPr>
+          </a:p>
+        </p:txBody>
+      </p:sp>
+      <p:sp>
+        <p:nvSpPr>
+          <p:cNvPr id="5" name="Rectangle 2"/>
+          <p:cNvSpPr>
+            <a:spLocks noChangeArrowheads="1"/>
+          </p:cNvSpPr>
+          <p:nvPr/>
+        </p:nvSpPr>
+        <p:spPr bwMode="auto">
+          <a:xfrm>
+            <a:off x="1119672" y="4900422"/>
+            <a:ext cx="7116148" cy="646331"/>
+          </a:xfrm>
+          <a:prstGeom prst="rect">
+            <a:avLst/>
+          </a:prstGeom>
+          <a:solidFill>
+            <a:srgbClr val="282A36"/>
+          </a:solidFill>
+          <a:ln>
+            <a:noFill/>
+          </a:ln>
+          <a:effectLst/>
+          <a:extLst>
+            <a:ext uri="{91240B29-F687-4F45-9708-019B960494DF}">
+              <a14:hiddenLine xmlns:a14="http://schemas.microsoft.com/office/drawing/2010/main" w="9525">
+                <a:solidFill>
+                  <a:schemeClr val="tx1"/>
+                </a:solidFill>
+                <a:miter lim="800000"/>
+                <a:headEnd/>
+                <a:tailEnd/>
+              </a14:hiddenLine>
+            </a:ext>
+            <a:ext uri="{AF507438-7753-43E0-B8FC-AC1667EBCBE1}">
+              <a14:hiddenEffects xmlns:a14="http://schemas.microsoft.com/office/drawing/2010/main">
+                <a:effectLst>
+                  <a:outerShdw dist="35921" dir="2700000" algn="ctr" rotWithShape="0">
+                    <a:schemeClr val="bg2"/>
+                  </a:outerShdw>
+                </a:effectLst>
+              </a14:hiddenEffects>
+            </a:ext>
+          </a:extLst>
+        </p:spPr>
+        <p:txBody>
+          <a:bodyPr vert="horz" wrap="square" lIns="91440" tIns="45720" rIns="91440" bIns="45720" numCol="1" anchor="ctr" anchorCtr="0" compatLnSpc="1">
+            <a:prstTxWarp prst="textNoShape">
+              <a:avLst/>
+            </a:prstTxWarp>
+            <a:spAutoFit/>
+          </a:bodyPr>
+          <a:lstStyle/>
+          <a:p>
+            <a:pPr marL="0" marR="0" lvl="0" indent="0" algn="l" defTabSz="914400" rtl="0" eaLnBrk="0" fontAlgn="base" latinLnBrk="0" hangingPunct="0">
+              <a:lnSpc>
+                <a:spcPct val="100000"/>
+              </a:lnSpc>
+              <a:spcBef>
+                <a:spcPct val="0"/>
+              </a:spcBef>
+              <a:spcAft>
+                <a:spcPct val="0"/>
+              </a:spcAft>
+              <a:buClrTx/>
+              <a:buSzTx/>
+              <a:buFontTx/>
+              <a:buNone/>
+              <a:tabLst/>
+            </a:pPr>
+            <a:r>
+              <a:rPr kumimoji="0" lang="en-US" altLang="en-US" sz="1200" b="0" i="0" u="none" strike="noStrike" cap="none" normalizeH="0" baseline="0" dirty="0" smtClean="0">
+                <a:ln>
+                  <a:noFill/>
+                </a:ln>
+                <a:solidFill>
+                  <a:srgbClr val="50FA78"/>
+                </a:solidFill>
+                <a:effectLst/>
+                <a:latin typeface="Arial Unicode MS"/>
+                <a:ea typeface="JetBrains Mono"/>
+              </a:rPr>
+              <a:t>@RequestMapping</a:t>
+            </a:r>
+            <a:r>
+              <a:rPr kumimoji="0" lang="en-US" altLang="en-US" sz="1200" b="0" i="0" u="none" strike="noStrike" cap="none" normalizeH="0" baseline="0" dirty="0" smtClean="0">
+                <a:ln>
+                  <a:noFill/>
+                </a:ln>
+                <a:solidFill>
+                  <a:srgbClr val="F8F8F2"/>
+                </a:solidFill>
+                <a:effectLst/>
+                <a:latin typeface="Arial Unicode MS"/>
+                <a:ea typeface="JetBrains Mono"/>
+              </a:rPr>
+              <a:t>(</a:t>
+            </a:r>
+            <a:r>
+              <a:rPr kumimoji="0" lang="en-US" altLang="en-US" sz="1200" b="0" i="0" u="none" strike="noStrike" cap="none" normalizeH="0" baseline="0" dirty="0" smtClean="0">
+                <a:ln>
+                  <a:noFill/>
+                </a:ln>
+                <a:solidFill>
+                  <a:srgbClr val="F89580"/>
+                </a:solidFill>
+                <a:effectLst/>
+                <a:latin typeface="Arial Unicode MS"/>
+                <a:ea typeface="JetBrains Mono"/>
+              </a:rPr>
+              <a:t>value </a:t>
+            </a:r>
+            <a:r>
+              <a:rPr kumimoji="0" lang="en-US" altLang="en-US" sz="1200" b="0" i="0" u="none" strike="noStrike" cap="none" normalizeH="0" baseline="0" dirty="0" smtClean="0">
+                <a:ln>
+                  <a:noFill/>
+                </a:ln>
+                <a:solidFill>
+                  <a:srgbClr val="F780BF"/>
+                </a:solidFill>
+                <a:effectLst/>
+                <a:latin typeface="Arial Unicode MS"/>
+                <a:ea typeface="JetBrains Mono"/>
+              </a:rPr>
+              <a:t>= </a:t>
+            </a:r>
+            <a:r>
+              <a:rPr kumimoji="0" lang="en-US" altLang="en-US" sz="1200" b="0" i="0" u="none" strike="noStrike" cap="none" normalizeH="0" baseline="0" dirty="0" smtClean="0">
+                <a:ln>
+                  <a:noFill/>
+                </a:ln>
+                <a:solidFill>
+                  <a:srgbClr val="FEFF80"/>
+                </a:solidFill>
+                <a:effectLst/>
+                <a:latin typeface="Arial Unicode MS"/>
+                <a:ea typeface="JetBrains Mono"/>
+              </a:rPr>
+              <a:t>"/user"</a:t>
+            </a:r>
+            <a:r>
+              <a:rPr kumimoji="0" lang="en-US" altLang="en-US" sz="1200" b="0" i="0" u="none" strike="noStrike" cap="none" normalizeH="0" baseline="0" dirty="0" smtClean="0">
+                <a:ln>
+                  <a:noFill/>
+                </a:ln>
+                <a:solidFill>
+                  <a:srgbClr val="F8F8F2"/>
+                </a:solidFill>
+                <a:effectLst/>
+                <a:latin typeface="Arial Unicode MS"/>
+                <a:ea typeface="JetBrains Mono"/>
+              </a:rPr>
+              <a:t>, </a:t>
+            </a:r>
+            <a:r>
+              <a:rPr kumimoji="0" lang="en-US" altLang="en-US" sz="1200" b="0" i="0" u="none" strike="noStrike" cap="none" normalizeH="0" baseline="0" dirty="0" smtClean="0">
+                <a:ln>
+                  <a:noFill/>
+                </a:ln>
+                <a:solidFill>
+                  <a:srgbClr val="F89580"/>
+                </a:solidFill>
+                <a:effectLst/>
+                <a:latin typeface="Arial Unicode MS"/>
+                <a:ea typeface="JetBrains Mono"/>
+              </a:rPr>
+              <a:t>method </a:t>
+            </a:r>
+            <a:r>
+              <a:rPr kumimoji="0" lang="en-US" altLang="en-US" sz="1200" b="0" i="0" u="none" strike="noStrike" cap="none" normalizeH="0" baseline="0" dirty="0" smtClean="0">
+                <a:ln>
+                  <a:noFill/>
+                </a:ln>
+                <a:solidFill>
+                  <a:srgbClr val="F780BF"/>
+                </a:solidFill>
+                <a:effectLst/>
+                <a:latin typeface="Arial Unicode MS"/>
+                <a:ea typeface="JetBrains Mono"/>
+              </a:rPr>
+              <a:t>= </a:t>
+            </a:r>
+            <a:r>
+              <a:rPr kumimoji="0" lang="en-US" altLang="en-US" sz="1200" b="0" i="1" u="none" strike="noStrike" cap="none" normalizeH="0" baseline="0" dirty="0" smtClean="0">
+                <a:ln>
+                  <a:noFill/>
+                </a:ln>
+                <a:solidFill>
+                  <a:srgbClr val="80FFEA"/>
+                </a:solidFill>
+                <a:effectLst/>
+                <a:latin typeface="Arial Unicode MS"/>
+                <a:ea typeface="JetBrains Mono"/>
+              </a:rPr>
+              <a:t>RequestMethod</a:t>
+            </a:r>
+            <a:r>
+              <a:rPr kumimoji="0" lang="en-US" altLang="en-US" sz="1200" b="0" i="0" u="none" strike="noStrike" cap="none" normalizeH="0" baseline="0" dirty="0" smtClean="0">
+                <a:ln>
+                  <a:noFill/>
+                </a:ln>
+                <a:solidFill>
+                  <a:srgbClr val="F8F8F2"/>
+                </a:solidFill>
+                <a:effectLst/>
+                <a:latin typeface="Arial Unicode MS"/>
+                <a:ea typeface="JetBrains Mono"/>
+              </a:rPr>
+              <a:t>.</a:t>
+            </a:r>
+            <a:r>
+              <a:rPr kumimoji="0" lang="en-US" altLang="en-US" sz="1200" b="0" i="1" u="none" strike="noStrike" cap="none" normalizeH="0" baseline="0" dirty="0" smtClean="0">
+                <a:ln>
+                  <a:noFill/>
+                </a:ln>
+                <a:solidFill>
+                  <a:srgbClr val="9580FF"/>
+                </a:solidFill>
+                <a:effectLst/>
+                <a:latin typeface="Arial Unicode MS"/>
+                <a:ea typeface="JetBrains Mono"/>
+              </a:rPr>
+              <a:t>GET</a:t>
+            </a:r>
+            <a:r>
+              <a:rPr kumimoji="0" lang="en-US" altLang="en-US" sz="1200" b="0" i="0" u="none" strike="noStrike" cap="none" normalizeH="0" baseline="0" dirty="0" smtClean="0">
+                <a:ln>
+                  <a:noFill/>
+                </a:ln>
+                <a:solidFill>
+                  <a:srgbClr val="F8F8F2"/>
+                </a:solidFill>
+                <a:effectLst/>
+                <a:latin typeface="Arial Unicode MS"/>
+                <a:ea typeface="JetBrains Mono"/>
+              </a:rPr>
+              <a:t>)</a:t>
+            </a:r>
+          </a:p>
+          <a:p>
+            <a:pPr marL="0" marR="0" lvl="0" indent="0" algn="l" defTabSz="914400" rtl="0" eaLnBrk="0" fontAlgn="base" latinLnBrk="0" hangingPunct="0">
+              <a:lnSpc>
+                <a:spcPct val="100000"/>
+              </a:lnSpc>
+              <a:spcBef>
+                <a:spcPct val="0"/>
+              </a:spcBef>
+              <a:spcAft>
+                <a:spcPct val="0"/>
+              </a:spcAft>
+              <a:buClrTx/>
+              <a:buSzTx/>
+              <a:buFontTx/>
+              <a:buNone/>
+              <a:tabLst/>
+            </a:pPr>
+            <a:r>
+              <a:rPr kumimoji="0" lang="en-US" altLang="en-US" sz="1200" b="0" i="0" u="none" strike="noStrike" cap="none" normalizeH="0" baseline="0" dirty="0" smtClean="0">
+                <a:ln>
+                  <a:noFill/>
+                </a:ln>
+                <a:solidFill>
+                  <a:srgbClr val="F8F8F2"/>
+                </a:solidFill>
+                <a:effectLst/>
+                <a:latin typeface="Arial Unicode MS"/>
+                <a:ea typeface="JetBrains Mono"/>
+              </a:rPr>
+              <a:t/>
+            </a:r>
+            <a:br>
+              <a:rPr kumimoji="0" lang="en-US" altLang="en-US" sz="1200" b="0" i="0" u="none" strike="noStrike" cap="none" normalizeH="0" baseline="0" dirty="0" smtClean="0">
+                <a:ln>
+                  <a:noFill/>
+                </a:ln>
+                <a:solidFill>
+                  <a:srgbClr val="F8F8F2"/>
+                </a:solidFill>
+                <a:effectLst/>
+                <a:latin typeface="Arial Unicode MS"/>
+                <a:ea typeface="JetBrains Mono"/>
+              </a:rPr>
+            </a:br>
+            <a:r>
+              <a:rPr kumimoji="0" lang="en-US" altLang="en-US" sz="1200" b="0" i="0" u="none" strike="noStrike" cap="none" normalizeH="0" baseline="0" dirty="0" smtClean="0">
+                <a:ln>
+                  <a:noFill/>
+                </a:ln>
+                <a:solidFill>
+                  <a:srgbClr val="50FA78"/>
+                </a:solidFill>
+                <a:effectLst/>
+                <a:latin typeface="Arial Unicode MS"/>
+                <a:ea typeface="JetBrains Mono"/>
+              </a:rPr>
+              <a:t>@GetMapping</a:t>
+            </a:r>
+            <a:r>
+              <a:rPr kumimoji="0" lang="en-US" altLang="en-US" sz="1200" b="0" i="0" u="none" strike="noStrike" cap="none" normalizeH="0" baseline="0" dirty="0" smtClean="0">
+                <a:ln>
+                  <a:noFill/>
+                </a:ln>
+                <a:solidFill>
+                  <a:srgbClr val="F8F8F2"/>
+                </a:solidFill>
+                <a:effectLst/>
+                <a:latin typeface="Arial Unicode MS"/>
+                <a:ea typeface="JetBrains Mono"/>
+              </a:rPr>
+              <a:t>(</a:t>
+            </a:r>
+            <a:r>
+              <a:rPr kumimoji="0" lang="en-US" altLang="en-US" sz="1200" b="0" i="0" u="none" strike="noStrike" cap="none" normalizeH="0" baseline="0" dirty="0" smtClean="0">
+                <a:ln>
+                  <a:noFill/>
+                </a:ln>
+                <a:solidFill>
+                  <a:srgbClr val="FEFF80"/>
+                </a:solidFill>
+                <a:effectLst/>
+                <a:latin typeface="Arial Unicode MS"/>
+                <a:ea typeface="JetBrains Mono"/>
+              </a:rPr>
+              <a:t>"/user"</a:t>
+            </a:r>
+            <a:r>
+              <a:rPr kumimoji="0" lang="en-US" altLang="en-US" sz="1200" b="0" i="0" u="none" strike="noStrike" cap="none" normalizeH="0" baseline="0" dirty="0" smtClean="0">
+                <a:ln>
+                  <a:noFill/>
+                </a:ln>
+                <a:solidFill>
+                  <a:srgbClr val="F8F8F2"/>
+                </a:solidFill>
+                <a:effectLst/>
+                <a:latin typeface="Arial Unicode MS"/>
+                <a:ea typeface="JetBrains Mono"/>
+              </a:rPr>
+              <a:t>)</a:t>
+            </a:r>
+            <a:endParaRPr kumimoji="0" lang="en-US" altLang="en-US" sz="3200" b="0" i="0" u="none" strike="noStrike" cap="none" normalizeH="0" baseline="0" dirty="0" smtClean="0">
+              <a:ln>
+                <a:noFill/>
+              </a:ln>
+              <a:solidFill>
+                <a:schemeClr val="tx1"/>
+              </a:solidFill>
+              <a:effectLst/>
+              <a:latin typeface="Arial" panose="020B0604020202020204" pitchFamily="34" charset="0"/>
+            </a:endParaRPr>
+          </a:p>
+        </p:txBody>
+      </p:sp>
+    </p:spTree>
+    <p:extLst>
+      <p:ext uri="{BB962C8B-B14F-4D97-AF65-F5344CB8AC3E}">
+        <p14:creationId xmlns:p14="http://schemas.microsoft.com/office/powerpoint/2010/main" val="3350685506"/>
       </p:ext>
     </p:extLst>
   </p:cSld>
@@ -8674,10 +10094,6 @@
               </a:rPr>
               <a:t>Step 2: Tạo package controller để chứa toàn bộ controller</a:t>
             </a:r>
-            <a:endParaRPr lang="en-US" dirty="0" smtClean="0">
-              <a:latin typeface="Arial" panose="020B0604020202020204" pitchFamily="34" charset="0"/>
-              <a:cs typeface="Arial" panose="020B0604020202020204" pitchFamily="34" charset="0"/>
-            </a:endParaRPr>
           </a:p>
           <a:p>
             <a:pPr lvl="1"/>
@@ -8749,6 +10165,163 @@
     <p:extLst>
       <p:ext uri="{BB962C8B-B14F-4D97-AF65-F5344CB8AC3E}">
         <p14:creationId xmlns:p14="http://schemas.microsoft.com/office/powerpoint/2010/main" val="1496705097"/>
+      </p:ext>
+    </p:extLst>
+  </p:cSld>
+  <p:clrMapOvr>
+    <a:masterClrMapping/>
+  </p:clrMapOvr>
+</p:sld>
+</file>
+
+<file path=ppt/slides/slide30.xml><?xml version="1.0" encoding="utf-8"?>
+<p:sld xmlns:a="http://schemas.openxmlformats.org/drawingml/2006/main" xmlns:r="http://schemas.openxmlformats.org/officeDocument/2006/relationships" xmlns:p="http://schemas.openxmlformats.org/presentationml/2006/main">
+  <p:cSld>
+    <p:spTree>
+      <p:nvGrpSpPr>
+        <p:cNvPr id="1" name=""/>
+        <p:cNvGrpSpPr/>
+        <p:nvPr/>
+      </p:nvGrpSpPr>
+      <p:grpSpPr>
+        <a:xfrm>
+          <a:off x="0" y="0"/>
+          <a:ext cx="0" cy="0"/>
+          <a:chOff x="0" y="0"/>
+          <a:chExt cx="0" cy="0"/>
+        </a:xfrm>
+      </p:grpSpPr>
+      <p:sp>
+        <p:nvSpPr>
+          <p:cNvPr id="2" name="Title 1"/>
+          <p:cNvSpPr>
+            <a:spLocks noGrp="1"/>
+          </p:cNvSpPr>
+          <p:nvPr>
+            <p:ph type="title"/>
+          </p:nvPr>
+        </p:nvSpPr>
+        <p:spPr/>
+        <p:txBody>
+          <a:bodyPr/>
+          <a:lstStyle/>
+          <a:p>
+            <a:r>
+              <a:rPr lang="en-US" dirty="0" smtClean="0">
+                <a:latin typeface="Arial" panose="020B0604020202020204" pitchFamily="34" charset="0"/>
+                <a:cs typeface="Arial" panose="020B0604020202020204" pitchFamily="34" charset="0"/>
+              </a:rPr>
+              <a:t>Initial project Spring</a:t>
+            </a:r>
+            <a:endParaRPr lang="en-US" dirty="0">
+              <a:latin typeface="Arial" panose="020B0604020202020204" pitchFamily="34" charset="0"/>
+              <a:cs typeface="Arial" panose="020B0604020202020204" pitchFamily="34" charset="0"/>
+            </a:endParaRPr>
+          </a:p>
+        </p:txBody>
+      </p:sp>
+      <p:sp>
+        <p:nvSpPr>
+          <p:cNvPr id="3" name="Content Placeholder 2"/>
+          <p:cNvSpPr>
+            <a:spLocks noGrp="1"/>
+          </p:cNvSpPr>
+          <p:nvPr>
+            <p:ph idx="1"/>
+          </p:nvPr>
+        </p:nvSpPr>
+        <p:spPr/>
+        <p:txBody>
+          <a:bodyPr/>
+          <a:lstStyle/>
+          <a:p>
+            <a:r>
+              <a:rPr lang="en-US" dirty="0" smtClean="0">
+                <a:latin typeface="Arial" panose="020B0604020202020204" pitchFamily="34" charset="0"/>
+                <a:cs typeface="Arial" panose="020B0604020202020204" pitchFamily="34" charset="0"/>
+              </a:rPr>
+              <a:t>Step </a:t>
+            </a:r>
+            <a:r>
+              <a:rPr lang="en-US" dirty="0" smtClean="0">
+                <a:latin typeface="Arial" panose="020B0604020202020204" pitchFamily="34" charset="0"/>
+                <a:cs typeface="Arial" panose="020B0604020202020204" pitchFamily="34" charset="0"/>
+              </a:rPr>
+              <a:t>7: </a:t>
+            </a:r>
+            <a:r>
+              <a:rPr lang="en-US" dirty="0" smtClean="0">
+                <a:latin typeface="Arial" panose="020B0604020202020204" pitchFamily="34" charset="0"/>
+                <a:cs typeface="Arial" panose="020B0604020202020204" pitchFamily="34" charset="0"/>
+              </a:rPr>
+              <a:t>Create api get </a:t>
+            </a:r>
+            <a:r>
+              <a:rPr lang="en-US" dirty="0" smtClean="0">
+                <a:latin typeface="Arial" panose="020B0604020202020204" pitchFamily="34" charset="0"/>
+                <a:cs typeface="Arial" panose="020B0604020202020204" pitchFamily="34" charset="0"/>
+              </a:rPr>
+              <a:t>user</a:t>
+            </a:r>
+            <a:endParaRPr lang="en-US" dirty="0">
+              <a:latin typeface="Arial" panose="020B0604020202020204" pitchFamily="34" charset="0"/>
+              <a:cs typeface="Arial" panose="020B0604020202020204" pitchFamily="34" charset="0"/>
+            </a:endParaRPr>
+          </a:p>
+        </p:txBody>
+      </p:sp>
+      <p:pic>
+        <p:nvPicPr>
+          <p:cNvPr id="4" name="Picture 3"/>
+          <p:cNvPicPr>
+            <a:picLocks noChangeAspect="1"/>
+          </p:cNvPicPr>
+          <p:nvPr/>
+        </p:nvPicPr>
+        <p:blipFill>
+          <a:blip r:embed="rId2"/>
+          <a:stretch>
+            <a:fillRect/>
+          </a:stretch>
+        </p:blipFill>
+        <p:spPr>
+          <a:xfrm>
+            <a:off x="1096444" y="2599936"/>
+            <a:ext cx="3343275" cy="1085850"/>
+          </a:xfrm>
+          <a:prstGeom prst="rect">
+            <a:avLst/>
+          </a:prstGeom>
+        </p:spPr>
+      </p:pic>
+      <p:pic>
+        <p:nvPicPr>
+          <p:cNvPr id="6" name="Picture 5"/>
+          <p:cNvPicPr>
+            <a:picLocks noChangeAspect="1"/>
+          </p:cNvPicPr>
+          <p:nvPr/>
+        </p:nvPicPr>
+        <p:blipFill>
+          <a:blip r:embed="rId3"/>
+          <a:stretch>
+            <a:fillRect/>
+          </a:stretch>
+        </p:blipFill>
+        <p:spPr>
+          <a:xfrm>
+            <a:off x="1096444" y="3853924"/>
+            <a:ext cx="2800350" cy="2019300"/>
+          </a:xfrm>
+          <a:prstGeom prst="rect">
+            <a:avLst/>
+          </a:prstGeom>
+        </p:spPr>
+      </p:pic>
+    </p:spTree>
+    <p:extLst>
+      <p:ext uri="{BB962C8B-B14F-4D97-AF65-F5344CB8AC3E}">
+        <p14:creationId xmlns:p14="http://schemas.microsoft.com/office/powerpoint/2010/main" val="1541954850"/>
       </p:ext>
     </p:extLst>
   </p:cSld>
@@ -9282,10 +10855,6 @@
               </a:rPr>
               <a:t>List User</a:t>
             </a:r>
-            <a:endParaRPr lang="en-US" dirty="0">
-              <a:latin typeface="Arial" panose="020B0604020202020204" pitchFamily="34" charset="0"/>
-              <a:cs typeface="Arial" panose="020B0604020202020204" pitchFamily="34" charset="0"/>
-            </a:endParaRPr>
           </a:p>
         </p:txBody>
       </p:sp>
@@ -9351,10 +10920,6 @@
               </a:rPr>
               <a:t>...</a:t>
             </a:r>
-            <a:endParaRPr lang="en-US" dirty="0" smtClean="0">
-              <a:latin typeface="Arial" panose="020B0604020202020204" pitchFamily="34" charset="0"/>
-              <a:cs typeface="Arial" panose="020B0604020202020204" pitchFamily="34" charset="0"/>
-            </a:endParaRPr>
           </a:p>
         </p:txBody>
       </p:sp>
@@ -9410,10 +10975,6 @@
               </a:rPr>
               <a:t>List User</a:t>
             </a:r>
-            <a:endParaRPr lang="en-US" dirty="0">
-              <a:latin typeface="Arial" panose="020B0604020202020204" pitchFamily="34" charset="0"/>
-              <a:cs typeface="Arial" panose="020B0604020202020204" pitchFamily="34" charset="0"/>
-            </a:endParaRPr>
           </a:p>
         </p:txBody>
       </p:sp>
@@ -9439,10 +11000,6 @@
               </a:rPr>
               <a:t>Step 3: Tạo package enitity để chứa toàn bộ entity</a:t>
             </a:r>
-            <a:endParaRPr lang="en-US" dirty="0" smtClean="0">
-              <a:latin typeface="Arial" panose="020B0604020202020204" pitchFamily="34" charset="0"/>
-              <a:cs typeface="Arial" panose="020B0604020202020204" pitchFamily="34" charset="0"/>
-            </a:endParaRPr>
           </a:p>
           <a:p>
             <a:pPr lvl="1"/>
@@ -9518,13 +11075,6 @@
               </a:rPr>
               <a:t>Getter/Setter</a:t>
             </a:r>
-            <a:endParaRPr lang="en-US" dirty="0" smtClean="0">
-              <a:solidFill>
-                <a:srgbClr val="FFC000"/>
-              </a:solidFill>
-              <a:latin typeface="Arial" panose="020B0604020202020204" pitchFamily="34" charset="0"/>
-              <a:cs typeface="Arial" panose="020B0604020202020204" pitchFamily="34" charset="0"/>
-            </a:endParaRPr>
           </a:p>
           <a:p>
             <a:endParaRPr lang="en-US" dirty="0">
@@ -9610,10 +11160,6 @@
               </a:rPr>
               <a:t>List User</a:t>
             </a:r>
-            <a:endParaRPr lang="en-US" dirty="0">
-              <a:latin typeface="Arial" panose="020B0604020202020204" pitchFamily="34" charset="0"/>
-              <a:cs typeface="Arial" panose="020B0604020202020204" pitchFamily="34" charset="0"/>
-            </a:endParaRPr>
           </a:p>
         </p:txBody>
       </p:sp>
@@ -9828,10 +11374,6 @@
               </a:rPr>
               <a:t>List User</a:t>
             </a:r>
-            <a:endParaRPr lang="en-US" dirty="0">
-              <a:latin typeface="Arial" panose="020B0604020202020204" pitchFamily="34" charset="0"/>
-              <a:cs typeface="Arial" panose="020B0604020202020204" pitchFamily="34" charset="0"/>
-            </a:endParaRPr>
           </a:p>
         </p:txBody>
       </p:sp>
@@ -9862,10 +11404,6 @@
               </a:rPr>
               <a:t>Thành quả</a:t>
             </a:r>
-            <a:endParaRPr lang="en-US" dirty="0" smtClean="0">
-              <a:latin typeface="Arial" panose="020B0604020202020204" pitchFamily="34" charset="0"/>
-              <a:cs typeface="Arial" panose="020B0604020202020204" pitchFamily="34" charset="0"/>
-            </a:endParaRPr>
           </a:p>
           <a:p>
             <a:pPr lvl="1"/>
@@ -9942,13 +11480,6 @@
               </a:rPr>
               <a:t> setter</a:t>
             </a:r>
-            <a:endParaRPr lang="en-US" dirty="0" smtClean="0">
-              <a:solidFill>
-                <a:srgbClr val="FFC000"/>
-              </a:solidFill>
-              <a:latin typeface="Arial" panose="020B0604020202020204" pitchFamily="34" charset="0"/>
-              <a:cs typeface="Arial" panose="020B0604020202020204" pitchFamily="34" charset="0"/>
-            </a:endParaRPr>
           </a:p>
           <a:p>
             <a:pPr lvl="2"/>

--- a/02.RESTful API.pptx
+++ b/02.RESTful API.pptx
@@ -26,15 +26,28 @@
     <p:sldId id="285" r:id="rId20"/>
     <p:sldId id="286" r:id="rId21"/>
     <p:sldId id="287" r:id="rId22"/>
-    <p:sldId id="288" r:id="rId23"/>
-    <p:sldId id="290" r:id="rId24"/>
-    <p:sldId id="291" r:id="rId25"/>
-    <p:sldId id="293" r:id="rId26"/>
-    <p:sldId id="294" r:id="rId27"/>
-    <p:sldId id="295" r:id="rId28"/>
-    <p:sldId id="296" r:id="rId29"/>
-    <p:sldId id="297" r:id="rId30"/>
-    <p:sldId id="298" r:id="rId31"/>
+    <p:sldId id="299" r:id="rId23"/>
+    <p:sldId id="288" r:id="rId24"/>
+    <p:sldId id="290" r:id="rId25"/>
+    <p:sldId id="300" r:id="rId26"/>
+    <p:sldId id="301" r:id="rId27"/>
+    <p:sldId id="302" r:id="rId28"/>
+    <p:sldId id="303" r:id="rId29"/>
+    <p:sldId id="291" r:id="rId30"/>
+    <p:sldId id="293" r:id="rId31"/>
+    <p:sldId id="294" r:id="rId32"/>
+    <p:sldId id="295" r:id="rId33"/>
+    <p:sldId id="304" r:id="rId34"/>
+    <p:sldId id="306" r:id="rId35"/>
+    <p:sldId id="307" r:id="rId36"/>
+    <p:sldId id="308" r:id="rId37"/>
+    <p:sldId id="309" r:id="rId38"/>
+    <p:sldId id="310" r:id="rId39"/>
+    <p:sldId id="296" r:id="rId40"/>
+    <p:sldId id="297" r:id="rId41"/>
+    <p:sldId id="298" r:id="rId42"/>
+    <p:sldId id="311" r:id="rId43"/>
+    <p:sldId id="312" r:id="rId44"/>
   </p:sldIdLst>
   <p:sldSz cx="12192000" cy="6858000"/>
   <p:notesSz cx="6858000" cy="9144000"/>
@@ -865,7 +878,7 @@
           <a:p>
             <a:fld id="{E7E49A89-72C0-40C6-A55C-C6C12D525ACC}" type="datetimeFigureOut">
               <a:rPr lang="en-US" smtClean="0"/>
-              <a:t>6/19/2024</a:t>
+              <a:t>6/24/2024</a:t>
             </a:fld>
             <a:endParaRPr lang="en-US"/>
           </a:p>
@@ -1116,7 +1129,7 @@
           <a:p>
             <a:fld id="{E7E49A89-72C0-40C6-A55C-C6C12D525ACC}" type="datetimeFigureOut">
               <a:rPr lang="en-US" smtClean="0"/>
-              <a:t>6/19/2024</a:t>
+              <a:t>6/24/2024</a:t>
             </a:fld>
             <a:endParaRPr lang="en-US"/>
           </a:p>
@@ -1430,7 +1443,7 @@
           <a:p>
             <a:fld id="{E7E49A89-72C0-40C6-A55C-C6C12D525ACC}" type="datetimeFigureOut">
               <a:rPr lang="en-US" smtClean="0"/>
-              <a:t>6/19/2024</a:t>
+              <a:t>6/24/2024</a:t>
             </a:fld>
             <a:endParaRPr lang="en-US"/>
           </a:p>
@@ -1757,7 +1770,7 @@
           <a:p>
             <a:fld id="{E7E49A89-72C0-40C6-A55C-C6C12D525ACC}" type="datetimeFigureOut">
               <a:rPr lang="en-US" smtClean="0"/>
-              <a:t>6/19/2024</a:t>
+              <a:t>6/24/2024</a:t>
             </a:fld>
             <a:endParaRPr lang="en-US"/>
           </a:p>
@@ -2071,7 +2084,7 @@
           <a:p>
             <a:fld id="{E7E49A89-72C0-40C6-A55C-C6C12D525ACC}" type="datetimeFigureOut">
               <a:rPr lang="en-US" smtClean="0"/>
-              <a:t>6/19/2024</a:t>
+              <a:t>6/24/2024</a:t>
             </a:fld>
             <a:endParaRPr lang="en-US"/>
           </a:p>
@@ -2458,7 +2471,7 @@
           <a:p>
             <a:fld id="{E7E49A89-72C0-40C6-A55C-C6C12D525ACC}" type="datetimeFigureOut">
               <a:rPr lang="en-US" smtClean="0"/>
-              <a:t>6/19/2024</a:t>
+              <a:t>6/24/2024</a:t>
             </a:fld>
             <a:endParaRPr lang="en-US"/>
           </a:p>
@@ -2628,7 +2641,7 @@
           <a:p>
             <a:fld id="{E7E49A89-72C0-40C6-A55C-C6C12D525ACC}" type="datetimeFigureOut">
               <a:rPr lang="en-US" smtClean="0"/>
-              <a:t>6/19/2024</a:t>
+              <a:t>6/24/2024</a:t>
             </a:fld>
             <a:endParaRPr lang="en-US"/>
           </a:p>
@@ -2808,7 +2821,7 @@
           <a:p>
             <a:fld id="{E7E49A89-72C0-40C6-A55C-C6C12D525ACC}" type="datetimeFigureOut">
               <a:rPr lang="en-US" smtClean="0"/>
-              <a:t>6/19/2024</a:t>
+              <a:t>6/24/2024</a:t>
             </a:fld>
             <a:endParaRPr lang="en-US"/>
           </a:p>
@@ -2984,7 +2997,7 @@
           <a:p>
             <a:fld id="{E7E49A89-72C0-40C6-A55C-C6C12D525ACC}" type="datetimeFigureOut">
               <a:rPr lang="en-US" smtClean="0"/>
-              <a:t>6/19/2024</a:t>
+              <a:t>6/24/2024</a:t>
             </a:fld>
             <a:endParaRPr lang="en-US"/>
           </a:p>
@@ -3231,7 +3244,7 @@
           <a:p>
             <a:fld id="{E7E49A89-72C0-40C6-A55C-C6C12D525ACC}" type="datetimeFigureOut">
               <a:rPr lang="en-US" smtClean="0"/>
-              <a:t>6/19/2024</a:t>
+              <a:t>6/24/2024</a:t>
             </a:fld>
             <a:endParaRPr lang="en-US"/>
           </a:p>
@@ -3463,7 +3476,7 @@
           <a:p>
             <a:fld id="{E7E49A89-72C0-40C6-A55C-C6C12D525ACC}" type="datetimeFigureOut">
               <a:rPr lang="en-US" smtClean="0"/>
-              <a:t>6/19/2024</a:t>
+              <a:t>6/24/2024</a:t>
             </a:fld>
             <a:endParaRPr lang="en-US"/>
           </a:p>
@@ -3837,7 +3850,7 @@
           <a:p>
             <a:fld id="{E7E49A89-72C0-40C6-A55C-C6C12D525ACC}" type="datetimeFigureOut">
               <a:rPr lang="en-US" smtClean="0"/>
-              <a:t>6/19/2024</a:t>
+              <a:t>6/24/2024</a:t>
             </a:fld>
             <a:endParaRPr lang="en-US"/>
           </a:p>
@@ -3960,7 +3973,7 @@
           <a:p>
             <a:fld id="{E7E49A89-72C0-40C6-A55C-C6C12D525ACC}" type="datetimeFigureOut">
               <a:rPr lang="en-US" smtClean="0"/>
-              <a:t>6/19/2024</a:t>
+              <a:t>6/24/2024</a:t>
             </a:fld>
             <a:endParaRPr lang="en-US"/>
           </a:p>
@@ -4055,7 +4068,7 @@
           <a:p>
             <a:fld id="{E7E49A89-72C0-40C6-A55C-C6C12D525ACC}" type="datetimeFigureOut">
               <a:rPr lang="en-US" smtClean="0"/>
-              <a:t>6/19/2024</a:t>
+              <a:t>6/24/2024</a:t>
             </a:fld>
             <a:endParaRPr lang="en-US"/>
           </a:p>
@@ -4310,7 +4323,7 @@
           <a:p>
             <a:fld id="{E7E49A89-72C0-40C6-A55C-C6C12D525ACC}" type="datetimeFigureOut">
               <a:rPr lang="en-US" smtClean="0"/>
-              <a:t>6/19/2024</a:t>
+              <a:t>6/24/2024</a:t>
             </a:fld>
             <a:endParaRPr lang="en-US"/>
           </a:p>
@@ -4573,7 +4586,7 @@
           <a:p>
             <a:fld id="{E7E49A89-72C0-40C6-A55C-C6C12D525ACC}" type="datetimeFigureOut">
               <a:rPr lang="en-US" smtClean="0"/>
-              <a:t>6/19/2024</a:t>
+              <a:t>6/24/2024</a:t>
             </a:fld>
             <a:endParaRPr lang="en-US"/>
           </a:p>
@@ -5318,7 +5331,7 @@
           <a:p>
             <a:fld id="{E7E49A89-72C0-40C6-A55C-C6C12D525ACC}" type="datetimeFigureOut">
               <a:rPr lang="en-US" smtClean="0"/>
-              <a:t>6/19/2024</a:t>
+              <a:t>6/24/2024</a:t>
             </a:fld>
             <a:endParaRPr lang="en-US"/>
           </a:p>
@@ -7908,54 +7921,144 @@
               <a:t>Ở đây ta có từ khóa </a:t>
             </a:r>
             <a:r>
+              <a:rPr lang="en-US" dirty="0" smtClean="0">
+                <a:solidFill>
+                  <a:srgbClr val="FFC000"/>
+                </a:solidFill>
+                <a:latin typeface="Arial" panose="020B0604020202020204" pitchFamily="34" charset="0"/>
+                <a:cs typeface="Arial" panose="020B0604020202020204" pitchFamily="34" charset="0"/>
+              </a:rPr>
+              <a:t>@Autowired</a:t>
+            </a:r>
+            <a:r>
+              <a:rPr lang="en-US" dirty="0" smtClean="0">
+                <a:solidFill>
+                  <a:schemeClr val="tx1"/>
+                </a:solidFill>
+                <a:latin typeface="Arial" panose="020B0604020202020204" pitchFamily="34" charset="0"/>
+                <a:cs typeface="Arial" panose="020B0604020202020204" pitchFamily="34" charset="0"/>
+              </a:rPr>
+              <a:t> thì </a:t>
+            </a:r>
+            <a:r>
+              <a:rPr lang="en-US" dirty="0" smtClean="0">
+                <a:solidFill>
+                  <a:schemeClr val="tx1"/>
+                </a:solidFill>
+                <a:latin typeface="Arial" panose="020B0604020202020204" pitchFamily="34" charset="0"/>
+                <a:cs typeface="Arial" panose="020B0604020202020204" pitchFamily="34" charset="0"/>
+              </a:rPr>
+              <a:t>chức năng của </a:t>
+            </a:r>
+            <a:r>
               <a:rPr lang="en-US" dirty="0">
                 <a:solidFill>
+                  <a:schemeClr val="tx1"/>
+                </a:solidFill>
+                <a:latin typeface="Arial" panose="020B0604020202020204" pitchFamily="34" charset="0"/>
+                <a:cs typeface="Arial" panose="020B0604020202020204" pitchFamily="34" charset="0"/>
+              </a:rPr>
+              <a:t>nó là inject các </a:t>
+            </a:r>
+            <a:r>
+              <a:rPr lang="en-US" dirty="0" smtClean="0">
+                <a:solidFill>
+                  <a:schemeClr val="tx1"/>
+                </a:solidFill>
+                <a:latin typeface="Arial" panose="020B0604020202020204" pitchFamily="34" charset="0"/>
+                <a:cs typeface="Arial" panose="020B0604020202020204" pitchFamily="34" charset="0"/>
+              </a:rPr>
+              <a:t>dependency, tức là nó tìm kiếm các bean trong container và inject vào các tham </a:t>
+            </a:r>
+            <a:r>
+              <a:rPr lang="en-US" dirty="0" smtClean="0">
+                <a:solidFill>
+                  <a:schemeClr val="tx1"/>
+                </a:solidFill>
+                <a:latin typeface="Arial" panose="020B0604020202020204" pitchFamily="34" charset="0"/>
+                <a:cs typeface="Arial" panose="020B0604020202020204" pitchFamily="34" charset="0"/>
+              </a:rPr>
+              <a:t>số.</a:t>
+            </a:r>
+          </a:p>
+          <a:p>
+            <a:endParaRPr lang="en-US" dirty="0">
+              <a:solidFill>
+                <a:schemeClr val="tx1"/>
+              </a:solidFill>
+              <a:latin typeface="Arial" panose="020B0604020202020204" pitchFamily="34" charset="0"/>
+              <a:cs typeface="Arial" panose="020B0604020202020204" pitchFamily="34" charset="0"/>
+            </a:endParaRPr>
+          </a:p>
+          <a:p>
+            <a:r>
+              <a:rPr lang="en-US" dirty="0" smtClean="0">
+                <a:solidFill>
+                  <a:schemeClr val="tx1"/>
+                </a:solidFill>
+                <a:latin typeface="Arial" panose="020B0604020202020204" pitchFamily="34" charset="0"/>
+                <a:cs typeface="Arial" panose="020B0604020202020204" pitchFamily="34" charset="0"/>
+              </a:rPr>
+              <a:t>Các cách sử dụng </a:t>
+            </a:r>
+            <a:r>
+              <a:rPr lang="en-US" dirty="0">
+                <a:solidFill>
                   <a:srgbClr val="FFC000"/>
                 </a:solidFill>
                 <a:latin typeface="Arial" panose="020B0604020202020204" pitchFamily="34" charset="0"/>
                 <a:cs typeface="Arial" panose="020B0604020202020204" pitchFamily="34" charset="0"/>
               </a:rPr>
-              <a:t>@</a:t>
-            </a:r>
-            <a:r>
-              <a:rPr lang="en-US" dirty="0" smtClean="0">
-                <a:solidFill>
-                  <a:srgbClr val="FFC000"/>
-                </a:solidFill>
-                <a:latin typeface="Arial" panose="020B0604020202020204" pitchFamily="34" charset="0"/>
-                <a:cs typeface="Arial" panose="020B0604020202020204" pitchFamily="34" charset="0"/>
-              </a:rPr>
-              <a:t>Autowired</a:t>
-            </a:r>
-            <a:r>
-              <a:rPr lang="en-US" dirty="0" smtClean="0">
+              <a:t>@Autowired</a:t>
+            </a:r>
+            <a:r>
+              <a:rPr lang="en-US" dirty="0">
                 <a:solidFill>
                   <a:schemeClr val="tx1"/>
                 </a:solidFill>
                 <a:latin typeface="Arial" panose="020B0604020202020204" pitchFamily="34" charset="0"/>
                 <a:cs typeface="Arial" panose="020B0604020202020204" pitchFamily="34" charset="0"/>
               </a:rPr>
-              <a:t> thì chức năng của </a:t>
-            </a:r>
+              <a:t> </a:t>
+            </a:r>
+            <a:r>
+              <a:rPr lang="en-US" dirty="0" smtClean="0">
+                <a:solidFill>
+                  <a:schemeClr val="tx1"/>
+                </a:solidFill>
+                <a:latin typeface="Arial" panose="020B0604020202020204" pitchFamily="34" charset="0"/>
+                <a:cs typeface="Arial" panose="020B0604020202020204" pitchFamily="34" charset="0"/>
+              </a:rPr>
+              <a:t>thì </a:t>
+            </a:r>
+            <a:r>
+              <a:rPr lang="en-US" dirty="0" smtClean="0">
+                <a:solidFill>
+                  <a:schemeClr val="tx1"/>
+                </a:solidFill>
+                <a:latin typeface="Arial" panose="020B0604020202020204" pitchFamily="34" charset="0"/>
+                <a:cs typeface="Arial" panose="020B0604020202020204" pitchFamily="34" charset="0"/>
+              </a:rPr>
+              <a:t>các bạn tìm hiểu thêm ở đây:</a:t>
+            </a:r>
+          </a:p>
+          <a:p>
+            <a:pPr lvl="1"/>
             <a:r>
               <a:rPr lang="en-US" dirty="0">
-                <a:solidFill>
-                  <a:schemeClr val="tx1"/>
-                </a:solidFill>
-                <a:latin typeface="Arial" panose="020B0604020202020204" pitchFamily="34" charset="0"/>
-                <a:cs typeface="Arial" panose="020B0604020202020204" pitchFamily="34" charset="0"/>
-              </a:rPr>
-              <a:t>nó là inject các </a:t>
-            </a:r>
-            <a:r>
-              <a:rPr lang="en-US" dirty="0" smtClean="0">
-                <a:solidFill>
-                  <a:schemeClr val="tx1"/>
-                </a:solidFill>
-                <a:latin typeface="Arial" panose="020B0604020202020204" pitchFamily="34" charset="0"/>
-                <a:cs typeface="Arial" panose="020B0604020202020204" pitchFamily="34" charset="0"/>
-              </a:rPr>
-              <a:t>dependency, tức là nó tìm kiếm các bean trong container và inject vào các tham số</a:t>
+                <a:latin typeface="Arial" panose="020B0604020202020204" pitchFamily="34" charset="0"/>
+                <a:cs typeface="Arial" panose="020B0604020202020204" pitchFamily="34" charset="0"/>
+                <a:hlinkClick r:id="rId2"/>
+              </a:rPr>
+              <a:t>https://</a:t>
+            </a:r>
+            <a:r>
+              <a:rPr lang="en-US" dirty="0" smtClean="0">
+                <a:latin typeface="Arial" panose="020B0604020202020204" pitchFamily="34" charset="0"/>
+                <a:cs typeface="Arial" panose="020B0604020202020204" pitchFamily="34" charset="0"/>
+                <a:hlinkClick r:id="rId2"/>
+              </a:rPr>
+              <a:t>docs.spring.io/spring-framework/reference/6.0/core/beans/annotation-config/autowired.html</a:t>
             </a:r>
             <a:endParaRPr lang="en-US" dirty="0" smtClean="0">
               <a:latin typeface="Arial" panose="020B0604020202020204" pitchFamily="34" charset="0"/>
@@ -8234,6 +8337,183 @@
 </file>
 
 <file path=ppt/slides/slide22.xml><?xml version="1.0" encoding="utf-8"?>
+<p:sld xmlns:a="http://schemas.openxmlformats.org/drawingml/2006/main" xmlns:r="http://schemas.openxmlformats.org/officeDocument/2006/relationships" xmlns:p="http://schemas.openxmlformats.org/presentationml/2006/main">
+  <p:cSld>
+    <p:spTree>
+      <p:nvGrpSpPr>
+        <p:cNvPr id="1" name=""/>
+        <p:cNvGrpSpPr/>
+        <p:nvPr/>
+      </p:nvGrpSpPr>
+      <p:grpSpPr>
+        <a:xfrm>
+          <a:off x="0" y="0"/>
+          <a:ext cx="0" cy="0"/>
+          <a:chOff x="0" y="0"/>
+          <a:chExt cx="0" cy="0"/>
+        </a:xfrm>
+      </p:grpSpPr>
+      <p:sp>
+        <p:nvSpPr>
+          <p:cNvPr id="2" name="Title 1"/>
+          <p:cNvSpPr>
+            <a:spLocks noGrp="1"/>
+          </p:cNvSpPr>
+          <p:nvPr>
+            <p:ph type="title"/>
+          </p:nvPr>
+        </p:nvSpPr>
+        <p:spPr/>
+        <p:txBody>
+          <a:bodyPr/>
+          <a:lstStyle/>
+          <a:p>
+            <a:r>
+              <a:rPr lang="en-US" dirty="0">
+                <a:latin typeface="Arial" panose="020B0604020202020204" pitchFamily="34" charset="0"/>
+                <a:cs typeface="Arial" panose="020B0604020202020204" pitchFamily="34" charset="0"/>
+              </a:rPr>
+              <a:t>List User</a:t>
+            </a:r>
+          </a:p>
+        </p:txBody>
+      </p:sp>
+      <p:sp>
+        <p:nvSpPr>
+          <p:cNvPr id="3" name="Content Placeholder 2"/>
+          <p:cNvSpPr>
+            <a:spLocks noGrp="1"/>
+          </p:cNvSpPr>
+          <p:nvPr>
+            <p:ph idx="1"/>
+          </p:nvPr>
+        </p:nvSpPr>
+        <p:spPr/>
+        <p:txBody>
+          <a:bodyPr/>
+          <a:lstStyle/>
+          <a:p>
+            <a:r>
+              <a:rPr lang="en-US" u="sng" dirty="0" smtClean="0">
+                <a:solidFill>
+                  <a:srgbClr val="FF0000"/>
+                </a:solidFill>
+                <a:latin typeface="Arial" panose="020B0604020202020204" pitchFamily="34" charset="0"/>
+                <a:cs typeface="Arial" panose="020B0604020202020204" pitchFamily="34" charset="0"/>
+              </a:rPr>
+              <a:t>Note:</a:t>
+            </a:r>
+            <a:r>
+              <a:rPr lang="en-US" dirty="0" smtClean="0">
+                <a:solidFill>
+                  <a:schemeClr val="tx1"/>
+                </a:solidFill>
+                <a:latin typeface="Arial" panose="020B0604020202020204" pitchFamily="34" charset="0"/>
+                <a:cs typeface="Arial" panose="020B0604020202020204" pitchFamily="34" charset="0"/>
+              </a:rPr>
+              <a:t> Từ Spring </a:t>
+            </a:r>
+            <a:r>
+              <a:rPr lang="en-US" dirty="0">
+                <a:solidFill>
+                  <a:schemeClr val="tx1"/>
+                </a:solidFill>
+                <a:latin typeface="Arial" panose="020B0604020202020204" pitchFamily="34" charset="0"/>
+                <a:cs typeface="Arial" panose="020B0604020202020204" pitchFamily="34" charset="0"/>
+              </a:rPr>
+              <a:t>Framework 4.3</a:t>
+            </a:r>
+            <a:r>
+              <a:rPr lang="en-US" dirty="0" smtClean="0">
+                <a:solidFill>
+                  <a:schemeClr val="tx1"/>
+                </a:solidFill>
+                <a:latin typeface="Arial" panose="020B0604020202020204" pitchFamily="34" charset="0"/>
+                <a:cs typeface="Arial" panose="020B0604020202020204" pitchFamily="34" charset="0"/>
+              </a:rPr>
+              <a:t>, các constructor không cần phải đặt </a:t>
+            </a:r>
+            <a:r>
+              <a:rPr lang="en-US" dirty="0">
+                <a:solidFill>
+                  <a:srgbClr val="FFC000"/>
+                </a:solidFill>
+                <a:latin typeface="Arial" panose="020B0604020202020204" pitchFamily="34" charset="0"/>
+                <a:cs typeface="Arial" panose="020B0604020202020204" pitchFamily="34" charset="0"/>
+              </a:rPr>
+              <a:t>@</a:t>
+            </a:r>
+            <a:r>
+              <a:rPr lang="en-US" dirty="0" smtClean="0">
+                <a:solidFill>
+                  <a:srgbClr val="FFC000"/>
+                </a:solidFill>
+                <a:latin typeface="Arial" panose="020B0604020202020204" pitchFamily="34" charset="0"/>
+                <a:cs typeface="Arial" panose="020B0604020202020204" pitchFamily="34" charset="0"/>
+              </a:rPr>
+              <a:t>Autowired </a:t>
+            </a:r>
+            <a:r>
+              <a:rPr lang="en-US" dirty="0" smtClean="0">
+                <a:solidFill>
+                  <a:schemeClr val="tx1"/>
+                </a:solidFill>
+                <a:latin typeface="Arial" panose="020B0604020202020204" pitchFamily="34" charset="0"/>
+                <a:cs typeface="Arial" panose="020B0604020202020204" pitchFamily="34" charset="0"/>
+              </a:rPr>
+              <a:t>để inject các bean nữa.</a:t>
+            </a:r>
+            <a:endParaRPr lang="en-US" dirty="0">
+              <a:solidFill>
+                <a:schemeClr val="tx1"/>
+              </a:solidFill>
+              <a:latin typeface="Arial" panose="020B0604020202020204" pitchFamily="34" charset="0"/>
+              <a:cs typeface="Arial" panose="020B0604020202020204" pitchFamily="34" charset="0"/>
+            </a:endParaRPr>
+          </a:p>
+          <a:p>
+            <a:pPr lvl="1"/>
+            <a:endParaRPr lang="en-US" dirty="0" smtClean="0">
+              <a:solidFill>
+                <a:schemeClr val="tx1"/>
+              </a:solidFill>
+              <a:latin typeface="Arial" panose="020B0604020202020204" pitchFamily="34" charset="0"/>
+              <a:cs typeface="Arial" panose="020B0604020202020204" pitchFamily="34" charset="0"/>
+            </a:endParaRPr>
+          </a:p>
+          <a:p>
+            <a:pPr lvl="1"/>
+            <a:endParaRPr lang="en-US" dirty="0" smtClean="0">
+              <a:solidFill>
+                <a:schemeClr val="tx1"/>
+              </a:solidFill>
+              <a:latin typeface="Arial" panose="020B0604020202020204" pitchFamily="34" charset="0"/>
+              <a:cs typeface="Arial" panose="020B0604020202020204" pitchFamily="34" charset="0"/>
+            </a:endParaRPr>
+          </a:p>
+          <a:p>
+            <a:pPr lvl="1"/>
+            <a:endParaRPr lang="en-US" dirty="0" smtClean="0">
+              <a:latin typeface="Arial" panose="020B0604020202020204" pitchFamily="34" charset="0"/>
+              <a:cs typeface="Arial" panose="020B0604020202020204" pitchFamily="34" charset="0"/>
+            </a:endParaRPr>
+          </a:p>
+        </p:txBody>
+      </p:sp>
+    </p:spTree>
+    <p:extLst>
+      <p:ext uri="{BB962C8B-B14F-4D97-AF65-F5344CB8AC3E}">
+        <p14:creationId xmlns:p14="http://schemas.microsoft.com/office/powerpoint/2010/main" val="3477978556"/>
+      </p:ext>
+    </p:extLst>
+  </p:cSld>
+  <p:clrMapOvr>
+    <a:masterClrMapping/>
+  </p:clrMapOvr>
+</p:sld>
+</file>
+
+<file path=ppt/slides/slide23.xml><?xml version="1.0" encoding="utf-8"?>
 <p:sld xmlns:a="http://schemas.openxmlformats.org/drawingml/2006/main" xmlns:r="http://schemas.openxmlformats.org/officeDocument/2006/relationships" xmlns:p="http://schemas.openxmlformats.org/presentationml/2006/main">
   <p:cSld>
     <p:spTree>
@@ -8378,7 +8658,7 @@
 </p:sld>
 </file>
 
-<file path=ppt/slides/slide23.xml><?xml version="1.0" encoding="utf-8"?>
+<file path=ppt/slides/slide24.xml><?xml version="1.0" encoding="utf-8"?>
 <p:sld xmlns:a="http://schemas.openxmlformats.org/drawingml/2006/main" xmlns:r="http://schemas.openxmlformats.org/officeDocument/2006/relationships" xmlns:p="http://schemas.openxmlformats.org/presentationml/2006/main">
   <p:cSld>
     <p:spTree>
@@ -8444,21 +8724,7 @@
                 <a:latin typeface="Arial" panose="020B0604020202020204" pitchFamily="34" charset="0"/>
                 <a:cs typeface="Arial" panose="020B0604020202020204" pitchFamily="34" charset="0"/>
               </a:rPr>
-              <a:t>Step 6: Create api get </a:t>
-            </a:r>
-            <a:r>
-              <a:rPr lang="en-US" dirty="0" smtClean="0">
-                <a:latin typeface="Arial" panose="020B0604020202020204" pitchFamily="34" charset="0"/>
-                <a:cs typeface="Arial" panose="020B0604020202020204" pitchFamily="34" charset="0"/>
-              </a:rPr>
-              <a:t>all </a:t>
-            </a:r>
-            <a:r>
-              <a:rPr lang="en-US" dirty="0" smtClean="0">
-                <a:latin typeface="Arial" panose="020B0604020202020204" pitchFamily="34" charset="0"/>
-                <a:cs typeface="Arial" panose="020B0604020202020204" pitchFamily="34" charset="0"/>
-              </a:rPr>
-              <a:t>user</a:t>
+              <a:t>Step 6: Create api get all user</a:t>
             </a:r>
             <a:endParaRPr lang="en-US" dirty="0">
               <a:latin typeface="Arial" panose="020B0604020202020204" pitchFamily="34" charset="0"/>
@@ -8504,242 +8770,6 @@
 </p:sld>
 </file>
 
-<file path=ppt/slides/slide24.xml><?xml version="1.0" encoding="utf-8"?>
-<p:sld xmlns:a="http://schemas.openxmlformats.org/drawingml/2006/main" xmlns:r="http://schemas.openxmlformats.org/officeDocument/2006/relationships" xmlns:p="http://schemas.openxmlformats.org/presentationml/2006/main">
-  <p:cSld>
-    <p:spTree>
-      <p:nvGrpSpPr>
-        <p:cNvPr id="1" name=""/>
-        <p:cNvGrpSpPr/>
-        <p:nvPr/>
-      </p:nvGrpSpPr>
-      <p:grpSpPr>
-        <a:xfrm>
-          <a:off x="0" y="0"/>
-          <a:ext cx="0" cy="0"/>
-          <a:chOff x="0" y="0"/>
-          <a:chExt cx="0" cy="0"/>
-        </a:xfrm>
-      </p:grpSpPr>
-      <p:sp>
-        <p:nvSpPr>
-          <p:cNvPr id="2" name="Title 1"/>
-          <p:cNvSpPr>
-            <a:spLocks noGrp="1"/>
-          </p:cNvSpPr>
-          <p:nvPr>
-            <p:ph type="title"/>
-          </p:nvPr>
-        </p:nvSpPr>
-        <p:spPr/>
-        <p:txBody>
-          <a:bodyPr/>
-          <a:lstStyle/>
-          <a:p>
-            <a:r>
-              <a:rPr lang="en-US" dirty="0" smtClean="0">
-                <a:latin typeface="Arial" panose="020B0604020202020204" pitchFamily="34" charset="0"/>
-                <a:cs typeface="Arial" panose="020B0604020202020204" pitchFamily="34" charset="0"/>
-              </a:rPr>
-              <a:t>Initial project Spring</a:t>
-            </a:r>
-            <a:endParaRPr lang="en-US" dirty="0">
-              <a:latin typeface="Arial" panose="020B0604020202020204" pitchFamily="34" charset="0"/>
-              <a:cs typeface="Arial" panose="020B0604020202020204" pitchFamily="34" charset="0"/>
-            </a:endParaRPr>
-          </a:p>
-        </p:txBody>
-      </p:sp>
-      <p:sp>
-        <p:nvSpPr>
-          <p:cNvPr id="3" name="Content Placeholder 2"/>
-          <p:cNvSpPr>
-            <a:spLocks noGrp="1"/>
-          </p:cNvSpPr>
-          <p:nvPr>
-            <p:ph idx="1"/>
-          </p:nvPr>
-        </p:nvSpPr>
-        <p:spPr/>
-        <p:txBody>
-          <a:bodyPr/>
-          <a:lstStyle/>
-          <a:p>
-            <a:r>
-              <a:rPr lang="en-US" dirty="0">
-                <a:solidFill>
-                  <a:srgbClr val="FFC000"/>
-                </a:solidFill>
-                <a:latin typeface="Arial" panose="020B0604020202020204" pitchFamily="34" charset="0"/>
-                <a:cs typeface="Arial" panose="020B0604020202020204" pitchFamily="34" charset="0"/>
-              </a:rPr>
-              <a:t>@</a:t>
-            </a:r>
-            <a:r>
-              <a:rPr lang="en-US" dirty="0" smtClean="0">
-                <a:solidFill>
-                  <a:srgbClr val="FFC000"/>
-                </a:solidFill>
-                <a:latin typeface="Arial" panose="020B0604020202020204" pitchFamily="34" charset="0"/>
-                <a:cs typeface="Arial" panose="020B0604020202020204" pitchFamily="34" charset="0"/>
-              </a:rPr>
-              <a:t>RequestMapping</a:t>
-            </a:r>
-            <a:r>
-              <a:rPr lang="en-US" dirty="0" smtClean="0">
-                <a:latin typeface="Arial" panose="020B0604020202020204" pitchFamily="34" charset="0"/>
-                <a:cs typeface="Arial" panose="020B0604020202020204" pitchFamily="34" charset="0"/>
-              </a:rPr>
-              <a:t> ở đây có tác dụng </a:t>
-            </a:r>
-            <a:r>
-              <a:rPr lang="vi-VN" dirty="0">
-                <a:latin typeface="Arial" panose="020B0604020202020204" pitchFamily="34" charset="0"/>
-                <a:cs typeface="Arial" panose="020B0604020202020204" pitchFamily="34" charset="0"/>
-              </a:rPr>
-              <a:t>ánh xạ các HTTP request tới các phương thức xử lý </a:t>
-            </a:r>
-            <a:r>
-              <a:rPr lang="en-US" dirty="0" smtClean="0">
-                <a:latin typeface="Arial" panose="020B0604020202020204" pitchFamily="34" charset="0"/>
-                <a:cs typeface="Arial" panose="020B0604020202020204" pitchFamily="34" charset="0"/>
-              </a:rPr>
-              <a:t>trong một controller</a:t>
-            </a:r>
-            <a:r>
-              <a:rPr lang="vi-VN" dirty="0" smtClean="0">
-                <a:latin typeface="Arial" panose="020B0604020202020204" pitchFamily="34" charset="0"/>
-                <a:cs typeface="Arial" panose="020B0604020202020204" pitchFamily="34" charset="0"/>
-              </a:rPr>
-              <a:t>.</a:t>
-            </a:r>
-            <a:endParaRPr lang="en-US" dirty="0">
-              <a:latin typeface="Arial" panose="020B0604020202020204" pitchFamily="34" charset="0"/>
-              <a:cs typeface="Arial" panose="020B0604020202020204" pitchFamily="34" charset="0"/>
-            </a:endParaRPr>
-          </a:p>
-          <a:p>
-            <a:r>
-              <a:rPr lang="en-US" dirty="0" smtClean="0">
-                <a:latin typeface="Arial" panose="020B0604020202020204" pitchFamily="34" charset="0"/>
-                <a:cs typeface="Arial" panose="020B0604020202020204" pitchFamily="34" charset="0"/>
-              </a:rPr>
-              <a:t>Các </a:t>
-            </a:r>
-            <a:r>
-              <a:rPr lang="vi-VN" dirty="0">
-                <a:latin typeface="Arial" panose="020B0604020202020204" pitchFamily="34" charset="0"/>
-                <a:cs typeface="Arial" panose="020B0604020202020204" pitchFamily="34" charset="0"/>
-              </a:rPr>
-              <a:t>phương thức </a:t>
-            </a:r>
-            <a:r>
-              <a:rPr lang="vi-VN" dirty="0" smtClean="0">
-                <a:latin typeface="Arial" panose="020B0604020202020204" pitchFamily="34" charset="0"/>
-                <a:cs typeface="Arial" panose="020B0604020202020204" pitchFamily="34" charset="0"/>
-              </a:rPr>
-              <a:t>HTTP</a:t>
-            </a:r>
-            <a:r>
-              <a:rPr lang="en-US" dirty="0" smtClean="0">
-                <a:latin typeface="Arial" panose="020B0604020202020204" pitchFamily="34" charset="0"/>
-                <a:cs typeface="Arial" panose="020B0604020202020204" pitchFamily="34" charset="0"/>
-              </a:rPr>
-              <a:t> thường sử dụng:</a:t>
-            </a:r>
-          </a:p>
-          <a:p>
-            <a:pPr lvl="1"/>
-            <a:r>
-              <a:rPr lang="en-US" dirty="0" smtClean="0">
-                <a:latin typeface="Arial" panose="020B0604020202020204" pitchFamily="34" charset="0"/>
-                <a:cs typeface="Arial" panose="020B0604020202020204" pitchFamily="34" charset="0"/>
-              </a:rPr>
-              <a:t>GET</a:t>
-            </a:r>
-          </a:p>
-          <a:p>
-            <a:pPr lvl="1"/>
-            <a:r>
-              <a:rPr lang="en-US" dirty="0" smtClean="0">
-                <a:latin typeface="Arial" panose="020B0604020202020204" pitchFamily="34" charset="0"/>
-                <a:cs typeface="Arial" panose="020B0604020202020204" pitchFamily="34" charset="0"/>
-              </a:rPr>
-              <a:t>POST</a:t>
-            </a:r>
-          </a:p>
-          <a:p>
-            <a:pPr lvl="1"/>
-            <a:r>
-              <a:rPr lang="en-US" dirty="0" smtClean="0">
-                <a:latin typeface="Arial" panose="020B0604020202020204" pitchFamily="34" charset="0"/>
-                <a:cs typeface="Arial" panose="020B0604020202020204" pitchFamily="34" charset="0"/>
-              </a:rPr>
-              <a:t>PUT</a:t>
-            </a:r>
-          </a:p>
-          <a:p>
-            <a:pPr lvl="1"/>
-            <a:r>
-              <a:rPr lang="en-US" dirty="0" smtClean="0">
-                <a:latin typeface="Arial" panose="020B0604020202020204" pitchFamily="34" charset="0"/>
-                <a:cs typeface="Arial" panose="020B0604020202020204" pitchFamily="34" charset="0"/>
-              </a:rPr>
-              <a:t>DELETE</a:t>
-            </a:r>
-          </a:p>
-          <a:p>
-            <a:r>
-              <a:rPr lang="en-US" dirty="0" smtClean="0">
-                <a:latin typeface="Arial" panose="020B0604020202020204" pitchFamily="34" charset="0"/>
-                <a:cs typeface="Arial" panose="020B0604020202020204" pitchFamily="34" charset="0"/>
-              </a:rPr>
-              <a:t>Kêu không chỉ định phương thức cụ thể trong </a:t>
-            </a:r>
-            <a:r>
-              <a:rPr lang="en-US" dirty="0">
-                <a:solidFill>
-                  <a:srgbClr val="FFC000"/>
-                </a:solidFill>
-                <a:latin typeface="Arial" panose="020B0604020202020204" pitchFamily="34" charset="0"/>
-                <a:cs typeface="Arial" panose="020B0604020202020204" pitchFamily="34" charset="0"/>
-              </a:rPr>
-              <a:t>@RequestMapping</a:t>
-            </a:r>
-            <a:r>
-              <a:rPr lang="en-US" dirty="0">
-                <a:latin typeface="Arial" panose="020B0604020202020204" pitchFamily="34" charset="0"/>
-                <a:cs typeface="Arial" panose="020B0604020202020204" pitchFamily="34" charset="0"/>
-              </a:rPr>
-              <a:t> thì </a:t>
-            </a:r>
-            <a:r>
-              <a:rPr lang="en-US" dirty="0" smtClean="0">
-                <a:latin typeface="Arial" panose="020B0604020202020204" pitchFamily="34" charset="0"/>
-                <a:cs typeface="Arial" panose="020B0604020202020204" pitchFamily="34" charset="0"/>
-              </a:rPr>
-              <a:t>nó sẽ cho phép tất cả các phương thức HTTP đều truy cập được</a:t>
-            </a:r>
-            <a:endParaRPr lang="en-US" dirty="0">
-              <a:latin typeface="Arial" panose="020B0604020202020204" pitchFamily="34" charset="0"/>
-              <a:cs typeface="Arial" panose="020B0604020202020204" pitchFamily="34" charset="0"/>
-            </a:endParaRPr>
-          </a:p>
-        </p:txBody>
-      </p:sp>
-    </p:spTree>
-    <p:extLst>
-      <p:ext uri="{BB962C8B-B14F-4D97-AF65-F5344CB8AC3E}">
-        <p14:creationId xmlns:p14="http://schemas.microsoft.com/office/powerpoint/2010/main" val="1779252401"/>
-      </p:ext>
-    </p:extLst>
-  </p:cSld>
-  <p:clrMapOvr>
-    <a:masterClrMapping/>
-  </p:clrMapOvr>
-</p:sld>
-</file>
-
 <file path=ppt/slides/slide25.xml><?xml version="1.0" encoding="utf-8"?>
 <p:sld xmlns:a="http://schemas.openxmlformats.org/drawingml/2006/main" xmlns:r="http://schemas.openxmlformats.org/officeDocument/2006/relationships" xmlns:p="http://schemas.openxmlformats.org/presentationml/2006/main">
   <p:cSld>
@@ -8806,7 +8836,41 @@
                 <a:latin typeface="Arial" panose="020B0604020202020204" pitchFamily="34" charset="0"/>
                 <a:cs typeface="Arial" panose="020B0604020202020204" pitchFamily="34" charset="0"/>
               </a:rPr>
-              <a:t>Ví dụ với method getUser của chúng ta hiện không chỉ rõ phương thức cho nên tất cả các phương thức đều có thể gửi request được.</a:t>
+              <a:t>Có một cách đơn giản để chúng ta có thể inject các bean thay vì phải viết </a:t>
+            </a:r>
+            <a:r>
+              <a:rPr lang="en-US" dirty="0">
+                <a:latin typeface="Arial" panose="020B0604020202020204" pitchFamily="34" charset="0"/>
+                <a:cs typeface="Arial" panose="020B0604020202020204" pitchFamily="34" charset="0"/>
+              </a:rPr>
+              <a:t>các constructor đó là sử dụng annotation </a:t>
+            </a:r>
+            <a:r>
+              <a:rPr lang="en-US" dirty="0">
+                <a:solidFill>
+                  <a:srgbClr val="FFC000"/>
+                </a:solidFill>
+                <a:latin typeface="Arial" panose="020B0604020202020204" pitchFamily="34" charset="0"/>
+                <a:cs typeface="Arial" panose="020B0604020202020204" pitchFamily="34" charset="0"/>
+              </a:rPr>
+              <a:t>@</a:t>
+            </a:r>
+            <a:r>
+              <a:rPr lang="en-US" dirty="0" smtClean="0">
+                <a:solidFill>
+                  <a:srgbClr val="FFC000"/>
+                </a:solidFill>
+                <a:latin typeface="Arial" panose="020B0604020202020204" pitchFamily="34" charset="0"/>
+                <a:cs typeface="Arial" panose="020B0604020202020204" pitchFamily="34" charset="0"/>
+              </a:rPr>
+              <a:t>RequiredArgsConstructor</a:t>
+            </a:r>
+            <a:r>
+              <a:rPr lang="en-US" dirty="0" smtClean="0">
+                <a:latin typeface="Arial" panose="020B0604020202020204" pitchFamily="34" charset="0"/>
+                <a:cs typeface="Arial" panose="020B0604020202020204" pitchFamily="34" charset="0"/>
+              </a:rPr>
+              <a:t> của lombok</a:t>
             </a:r>
             <a:endParaRPr lang="en-US" dirty="0">
               <a:latin typeface="Arial" panose="020B0604020202020204" pitchFamily="34" charset="0"/>
@@ -8817,7 +8881,7 @@
       </p:sp>
       <p:pic>
         <p:nvPicPr>
-          <p:cNvPr id="4" name="Picture 3"/>
+          <p:cNvPr id="6" name="Picture 5"/>
           <p:cNvPicPr>
             <a:picLocks noChangeAspect="1"/>
           </p:cNvPicPr>
@@ -8831,8 +8895,8 @@
         </p:blipFill>
         <p:spPr>
           <a:xfrm>
-            <a:off x="1140569" y="2976854"/>
-            <a:ext cx="4200525" cy="1638300"/>
+            <a:off x="1109071" y="2824625"/>
+            <a:ext cx="3181350" cy="2552700"/>
           </a:xfrm>
           <a:prstGeom prst="rect">
             <a:avLst/>
@@ -8842,7 +8906,7 @@
     </p:spTree>
     <p:extLst>
       <p:ext uri="{BB962C8B-B14F-4D97-AF65-F5344CB8AC3E}">
-        <p14:creationId xmlns:p14="http://schemas.microsoft.com/office/powerpoint/2010/main" val="388409590"/>
+        <p14:creationId xmlns:p14="http://schemas.microsoft.com/office/powerpoint/2010/main" val="2763051189"/>
       </p:ext>
     </p:extLst>
   </p:cSld>
@@ -8918,43 +8982,115 @@
                 <a:latin typeface="Arial" panose="020B0604020202020204" pitchFamily="34" charset="0"/>
                 <a:cs typeface="Arial" panose="020B0604020202020204" pitchFamily="34" charset="0"/>
               </a:rPr>
-              <a:t>Trường hợp mình chỉ rõ là phương thức GET thì khi sử dụng các phương thức khác sẽ không thể request được.</a:t>
-            </a:r>
+              <a:t>Vậy </a:t>
+            </a:r>
+            <a:r>
+              <a:rPr lang="en-US" dirty="0" smtClean="0">
+                <a:solidFill>
+                  <a:srgbClr val="FFC000"/>
+                </a:solidFill>
+                <a:latin typeface="Arial" panose="020B0604020202020204" pitchFamily="34" charset="0"/>
+                <a:cs typeface="Arial" panose="020B0604020202020204" pitchFamily="34" charset="0"/>
+              </a:rPr>
+              <a:t>@RequiredArgsConstructor</a:t>
+            </a:r>
+            <a:r>
+              <a:rPr lang="en-US" dirty="0" smtClean="0">
+                <a:latin typeface="Arial" panose="020B0604020202020204" pitchFamily="34" charset="0"/>
+                <a:cs typeface="Arial" panose="020B0604020202020204" pitchFamily="34" charset="0"/>
+              </a:rPr>
+              <a:t> hoạt động như nào?</a:t>
+            </a:r>
+          </a:p>
+          <a:p>
             <a:endParaRPr lang="en-US" dirty="0">
               <a:latin typeface="Arial" panose="020B0604020202020204" pitchFamily="34" charset="0"/>
               <a:cs typeface="Arial" panose="020B0604020202020204" pitchFamily="34" charset="0"/>
             </a:endParaRPr>
           </a:p>
-        </p:txBody>
-      </p:sp>
-      <p:pic>
-        <p:nvPicPr>
-          <p:cNvPr id="4" name="Picture 3"/>
-          <p:cNvPicPr>
-            <a:picLocks noChangeAspect="1"/>
-          </p:cNvPicPr>
-          <p:nvPr/>
-        </p:nvPicPr>
-        <p:blipFill>
-          <a:blip r:embed="rId2"/>
-          <a:stretch>
-            <a:fillRect/>
-          </a:stretch>
-        </p:blipFill>
-        <p:spPr>
-          <a:xfrm>
-            <a:off x="1108107" y="2877814"/>
-            <a:ext cx="5248275" cy="3267075"/>
-          </a:xfrm>
-          <a:prstGeom prst="rect">
-            <a:avLst/>
-          </a:prstGeom>
-        </p:spPr>
-      </p:pic>
+          <a:p>
+            <a:r>
+              <a:rPr lang="en-US" dirty="0">
+                <a:solidFill>
+                  <a:srgbClr val="FFC000"/>
+                </a:solidFill>
+                <a:latin typeface="Arial" panose="020B0604020202020204" pitchFamily="34" charset="0"/>
+                <a:cs typeface="Arial" panose="020B0604020202020204" pitchFamily="34" charset="0"/>
+              </a:rPr>
+              <a:t>@RequiredArgsConstructor</a:t>
+            </a:r>
+            <a:r>
+              <a:rPr lang="en-US" dirty="0">
+                <a:latin typeface="Arial" panose="020B0604020202020204" pitchFamily="34" charset="0"/>
+                <a:cs typeface="Arial" panose="020B0604020202020204" pitchFamily="34" charset="0"/>
+              </a:rPr>
+              <a:t> </a:t>
+            </a:r>
+            <a:r>
+              <a:rPr lang="vi-VN" dirty="0" smtClean="0">
+                <a:cs typeface="Arial" panose="020B0604020202020204" pitchFamily="34" charset="0"/>
+              </a:rPr>
+              <a:t>là </a:t>
+            </a:r>
+            <a:r>
+              <a:rPr lang="vi-VN" dirty="0">
+                <a:cs typeface="Arial" panose="020B0604020202020204" pitchFamily="34" charset="0"/>
+              </a:rPr>
+              <a:t>một annotation từ thư viện Lombok, được sử dụng để tự động tạo ra một constructor chứa tất cả các trường (fields) đã được đánh dấu </a:t>
+            </a:r>
+            <a:r>
+              <a:rPr lang="vi-VN" dirty="0" smtClean="0">
+                <a:cs typeface="Arial" panose="020B0604020202020204" pitchFamily="34" charset="0"/>
+              </a:rPr>
+              <a:t>với</a:t>
+            </a:r>
+            <a:r>
+              <a:rPr lang="en-US" dirty="0" smtClean="0">
+                <a:cs typeface="Arial" panose="020B0604020202020204" pitchFamily="34" charset="0"/>
+              </a:rPr>
+              <a:t> </a:t>
+            </a:r>
+            <a:r>
+              <a:rPr lang="en-US" dirty="0" smtClean="0">
+                <a:solidFill>
+                  <a:srgbClr val="00B0F0"/>
+                </a:solidFill>
+                <a:latin typeface="Arial" panose="020B0604020202020204" pitchFamily="34" charset="0"/>
+                <a:cs typeface="Arial" panose="020B0604020202020204" pitchFamily="34" charset="0"/>
+              </a:rPr>
+              <a:t>final</a:t>
+            </a:r>
+            <a:r>
+              <a:rPr lang="en-US" dirty="0" smtClean="0">
+                <a:latin typeface="Arial" panose="020B0604020202020204" pitchFamily="34" charset="0"/>
+                <a:cs typeface="Arial" panose="020B0604020202020204" pitchFamily="34" charset="0"/>
+              </a:rPr>
+              <a:t> hoặc </a:t>
+            </a:r>
+            <a:r>
+              <a:rPr lang="en-US" dirty="0" smtClean="0">
+                <a:solidFill>
+                  <a:srgbClr val="FFC000"/>
+                </a:solidFill>
+                <a:latin typeface="Arial" panose="020B0604020202020204" pitchFamily="34" charset="0"/>
+                <a:cs typeface="Arial" panose="020B0604020202020204" pitchFamily="34" charset="0"/>
+              </a:rPr>
+              <a:t>@NonNull </a:t>
+            </a:r>
+            <a:r>
+              <a:rPr lang="en-US" dirty="0" smtClean="0">
+                <a:latin typeface="Arial" panose="020B0604020202020204" pitchFamily="34" charset="0"/>
+                <a:cs typeface="Arial" panose="020B0604020202020204" pitchFamily="34" charset="0"/>
+              </a:rPr>
+              <a:t>mà chưa được gán giá trị.</a:t>
+            </a:r>
+          </a:p>
+        </p:txBody>
+      </p:sp>
     </p:spTree>
     <p:extLst>
       <p:ext uri="{BB962C8B-B14F-4D97-AF65-F5344CB8AC3E}">
-        <p14:creationId xmlns:p14="http://schemas.microsoft.com/office/powerpoint/2010/main" val="4143002478"/>
+        <p14:creationId xmlns:p14="http://schemas.microsoft.com/office/powerpoint/2010/main" val="927028142"/>
       </p:ext>
     </p:extLst>
   </p:cSld>
@@ -9030,18 +9166,54 @@
                 <a:latin typeface="Arial" panose="020B0604020202020204" pitchFamily="34" charset="0"/>
                 <a:cs typeface="Arial" panose="020B0604020202020204" pitchFamily="34" charset="0"/>
               </a:rPr>
-              <a:t>Trường hợp mình chỉ rõ là phương thức GET thì khi sử dụng các phương thức khác sẽ không thể request được.</a:t>
-            </a:r>
-            <a:endParaRPr lang="en-US" dirty="0">
-              <a:latin typeface="Arial" panose="020B0604020202020204" pitchFamily="34" charset="0"/>
-              <a:cs typeface="Arial" panose="020B0604020202020204" pitchFamily="34" charset="0"/>
-            </a:endParaRPr>
+              <a:t>Ví dụ:</a:t>
+            </a:r>
+          </a:p>
+          <a:p>
+            <a:pPr lvl="1"/>
+            <a:r>
+              <a:rPr lang="en-US" dirty="0" smtClean="0">
+                <a:latin typeface="Arial" panose="020B0604020202020204" pitchFamily="34" charset="0"/>
+                <a:cs typeface="Arial" panose="020B0604020202020204" pitchFamily="34" charset="0"/>
+              </a:rPr>
+              <a:t>sex đã được gán giá trị</a:t>
+            </a:r>
+          </a:p>
+          <a:p>
+            <a:pPr lvl="1"/>
+            <a:r>
+              <a:rPr lang="en-US" dirty="0" smtClean="0">
+                <a:latin typeface="Arial" panose="020B0604020202020204" pitchFamily="34" charset="0"/>
+                <a:cs typeface="Arial" panose="020B0604020202020204" pitchFamily="34" charset="0"/>
+              </a:rPr>
+              <a:t>heigh đã được gán giá trị</a:t>
+            </a:r>
+          </a:p>
+          <a:p>
+            <a:pPr lvl="1"/>
+            <a:r>
+              <a:rPr lang="en-US" dirty="0" smtClean="0">
+                <a:latin typeface="Arial" panose="020B0604020202020204" pitchFamily="34" charset="0"/>
+                <a:cs typeface="Arial" panose="020B0604020202020204" pitchFamily="34" charset="0"/>
+              </a:rPr>
+              <a:t>address không được gắn final/NonNull</a:t>
+            </a:r>
+          </a:p>
+          <a:p>
+            <a:pPr lvl="1"/>
+            <a:r>
+              <a:rPr lang="en-US" dirty="0" smtClean="0">
+                <a:latin typeface="Arial" panose="020B0604020202020204" pitchFamily="34" charset="0"/>
+                <a:cs typeface="Arial" panose="020B0604020202020204" pitchFamily="34" charset="0"/>
+              </a:rPr>
+              <a:t>=&gt; Constructor chỉ có name và age</a:t>
+            </a:r>
           </a:p>
         </p:txBody>
       </p:sp>
       <p:pic>
         <p:nvPicPr>
-          <p:cNvPr id="6" name="Picture 5"/>
+          <p:cNvPr id="4" name="Picture 3"/>
           <p:cNvPicPr>
             <a:picLocks noChangeAspect="1"/>
           </p:cNvPicPr>
@@ -9055,8 +9227,8 @@
         </p:blipFill>
         <p:spPr>
           <a:xfrm>
-            <a:off x="1118826" y="2923650"/>
-            <a:ext cx="5911082" cy="2876823"/>
+            <a:off x="5491288" y="2480104"/>
+            <a:ext cx="4744609" cy="3857232"/>
           </a:xfrm>
           <a:prstGeom prst="rect">
             <a:avLst/>
@@ -9066,7 +9238,7 @@
     </p:spTree>
     <p:extLst>
       <p:ext uri="{BB962C8B-B14F-4D97-AF65-F5344CB8AC3E}">
-        <p14:creationId xmlns:p14="http://schemas.microsoft.com/office/powerpoint/2010/main" val="2444971557"/>
+        <p14:creationId xmlns:p14="http://schemas.microsoft.com/office/powerpoint/2010/main" val="2011313665"/>
       </p:ext>
     </p:extLst>
   </p:cSld>
@@ -9142,10 +9314,8 @@
                 <a:latin typeface="Arial" panose="020B0604020202020204" pitchFamily="34" charset="0"/>
                 <a:cs typeface="Arial" panose="020B0604020202020204" pitchFamily="34" charset="0"/>
               </a:rPr>
-              <a:t>Trường hợp muốn ánh xạ nhiều url thì sử dụng:</a:t>
-            </a:r>
-          </a:p>
-          <a:p>
+              <a:t>Quay lại bài học</a:t>
+            </a:r>
             <a:endParaRPr lang="en-US" dirty="0">
               <a:latin typeface="Arial" panose="020B0604020202020204" pitchFamily="34" charset="0"/>
               <a:cs typeface="Arial" panose="020B0604020202020204" pitchFamily="34" charset="0"/>
@@ -9153,303 +9323,34 @@
           </a:p>
         </p:txBody>
       </p:sp>
-      <p:sp>
-        <p:nvSpPr>
-          <p:cNvPr id="4" name="Rectangle 1"/>
-          <p:cNvSpPr>
-            <a:spLocks noChangeArrowheads="1"/>
-          </p:cNvSpPr>
+      <p:pic>
+        <p:nvPicPr>
+          <p:cNvPr id="6" name="Picture 5"/>
+          <p:cNvPicPr>
+            <a:picLocks noChangeAspect="1"/>
+          </p:cNvPicPr>
           <p:nvPr/>
-        </p:nvSpPr>
-        <p:spPr bwMode="auto">
+        </p:nvPicPr>
+        <p:blipFill>
+          <a:blip r:embed="rId2"/>
+          <a:stretch>
+            <a:fillRect/>
+          </a:stretch>
+        </p:blipFill>
+        <p:spPr>
           <a:xfrm>
-            <a:off x="1169436" y="2608906"/>
-            <a:ext cx="7116148" cy="276999"/>
+            <a:off x="1109071" y="2824625"/>
+            <a:ext cx="3181350" cy="2552700"/>
           </a:xfrm>
           <a:prstGeom prst="rect">
             <a:avLst/>
           </a:prstGeom>
-          <a:solidFill>
-            <a:srgbClr val="282A36"/>
-          </a:solidFill>
-          <a:ln>
-            <a:noFill/>
-          </a:ln>
-          <a:effectLst/>
-          <a:extLst>
-            <a:ext uri="{91240B29-F687-4F45-9708-019B960494DF}">
-              <a14:hiddenLine xmlns:a14="http://schemas.microsoft.com/office/drawing/2010/main" w="9525">
-                <a:solidFill>
-                  <a:schemeClr val="tx1"/>
-                </a:solidFill>
-                <a:miter lim="800000"/>
-                <a:headEnd/>
-                <a:tailEnd/>
-              </a14:hiddenLine>
-            </a:ext>
-            <a:ext uri="{AF507438-7753-43E0-B8FC-AC1667EBCBE1}">
-              <a14:hiddenEffects xmlns:a14="http://schemas.microsoft.com/office/drawing/2010/main">
-                <a:effectLst>
-                  <a:outerShdw dist="35921" dir="2700000" algn="ctr" rotWithShape="0">
-                    <a:schemeClr val="bg2"/>
-                  </a:outerShdw>
-                </a:effectLst>
-              </a14:hiddenEffects>
-            </a:ext>
-          </a:extLst>
         </p:spPr>
-        <p:txBody>
-          <a:bodyPr vert="horz" wrap="square" lIns="91440" tIns="45720" rIns="91440" bIns="45720" numCol="1" anchor="ctr" anchorCtr="0" compatLnSpc="1">
-            <a:prstTxWarp prst="textNoShape">
-              <a:avLst/>
-            </a:prstTxWarp>
-            <a:spAutoFit/>
-          </a:bodyPr>
-          <a:lstStyle/>
-          <a:p>
-            <a:pPr marL="0" marR="0" lvl="0" indent="0" algn="l" defTabSz="914400" rtl="0" eaLnBrk="0" fontAlgn="base" latinLnBrk="0" hangingPunct="0">
-              <a:lnSpc>
-                <a:spcPct val="100000"/>
-              </a:lnSpc>
-              <a:spcBef>
-                <a:spcPct val="0"/>
-              </a:spcBef>
-              <a:spcAft>
-                <a:spcPct val="0"/>
-              </a:spcAft>
-              <a:buClrTx/>
-              <a:buSzTx/>
-              <a:buFontTx/>
-              <a:buNone/>
-              <a:tabLst/>
-            </a:pPr>
-            <a:r>
-              <a:rPr kumimoji="0" lang="en-US" altLang="en-US" sz="1200" b="0" i="0" u="none" strike="noStrike" cap="none" normalizeH="0" baseline="0" dirty="0" smtClean="0">
-                <a:ln>
-                  <a:noFill/>
-                </a:ln>
-                <a:solidFill>
-                  <a:srgbClr val="50FA78"/>
-                </a:solidFill>
-                <a:effectLst/>
-                <a:latin typeface="Arial Unicode MS"/>
-                <a:ea typeface="JetBrains Mono"/>
-              </a:rPr>
-              <a:t>@RequestMapping</a:t>
-            </a:r>
-            <a:r>
-              <a:rPr kumimoji="0" lang="en-US" altLang="en-US" sz="1200" b="0" i="0" u="none" strike="noStrike" cap="none" normalizeH="0" baseline="0" dirty="0" smtClean="0">
-                <a:ln>
-                  <a:noFill/>
-                </a:ln>
-                <a:solidFill>
-                  <a:srgbClr val="F8F8F2"/>
-                </a:solidFill>
-                <a:effectLst/>
-                <a:latin typeface="Arial Unicode MS"/>
-                <a:ea typeface="JetBrains Mono"/>
-              </a:rPr>
-              <a:t>(</a:t>
-            </a:r>
-            <a:r>
-              <a:rPr kumimoji="0" lang="en-US" altLang="en-US" sz="1200" b="0" i="0" u="none" strike="noStrike" cap="none" normalizeH="0" baseline="0" dirty="0" smtClean="0">
-                <a:ln>
-                  <a:noFill/>
-                </a:ln>
-                <a:solidFill>
-                  <a:srgbClr val="F89580"/>
-                </a:solidFill>
-                <a:effectLst/>
-                <a:latin typeface="Arial Unicode MS"/>
-                <a:ea typeface="JetBrains Mono"/>
-              </a:rPr>
-              <a:t>value </a:t>
-            </a:r>
-            <a:r>
-              <a:rPr kumimoji="0" lang="en-US" altLang="en-US" sz="1200" b="0" i="0" u="none" strike="noStrike" cap="none" normalizeH="0" baseline="0" dirty="0" smtClean="0">
-                <a:ln>
-                  <a:noFill/>
-                </a:ln>
-                <a:solidFill>
-                  <a:srgbClr val="F780BF"/>
-                </a:solidFill>
-                <a:effectLst/>
-                <a:latin typeface="Arial Unicode MS"/>
-                <a:ea typeface="JetBrains Mono"/>
-              </a:rPr>
-              <a:t>= </a:t>
-            </a:r>
-            <a:r>
-              <a:rPr kumimoji="0" lang="en-US" altLang="en-US" sz="1200" b="0" i="0" u="none" strike="noStrike" cap="none" normalizeH="0" baseline="0" dirty="0" smtClean="0">
-                <a:ln>
-                  <a:noFill/>
-                </a:ln>
-                <a:solidFill>
-                  <a:srgbClr val="F8F8F2"/>
-                </a:solidFill>
-                <a:effectLst/>
-                <a:latin typeface="Arial Unicode MS"/>
-                <a:ea typeface="JetBrains Mono"/>
-              </a:rPr>
-              <a:t>{</a:t>
-            </a:r>
-            <a:r>
-              <a:rPr kumimoji="0" lang="en-US" altLang="en-US" sz="1200" b="0" i="0" u="none" strike="noStrike" cap="none" normalizeH="0" baseline="0" dirty="0" smtClean="0">
-                <a:ln>
-                  <a:noFill/>
-                </a:ln>
-                <a:solidFill>
-                  <a:srgbClr val="FEFF80"/>
-                </a:solidFill>
-                <a:effectLst/>
-                <a:latin typeface="Arial Unicode MS"/>
-                <a:ea typeface="JetBrains Mono"/>
-              </a:rPr>
-              <a:t>"/user"</a:t>
-            </a:r>
-            <a:r>
-              <a:rPr kumimoji="0" lang="en-US" altLang="en-US" sz="1200" b="0" i="0" u="none" strike="noStrike" cap="none" normalizeH="0" baseline="0" dirty="0" smtClean="0">
-                <a:ln>
-                  <a:noFill/>
-                </a:ln>
-                <a:solidFill>
-                  <a:srgbClr val="F8F8F2"/>
-                </a:solidFill>
-                <a:effectLst/>
-                <a:latin typeface="Arial Unicode MS"/>
-                <a:ea typeface="JetBrains Mono"/>
-              </a:rPr>
-              <a:t>, </a:t>
-            </a:r>
-            <a:r>
-              <a:rPr kumimoji="0" lang="en-US" altLang="en-US" sz="1200" b="0" i="0" u="none" strike="noStrike" cap="none" normalizeH="0" baseline="0" dirty="0" smtClean="0">
-                <a:ln>
-                  <a:noFill/>
-                </a:ln>
-                <a:solidFill>
-                  <a:srgbClr val="FEFF80"/>
-                </a:solidFill>
-                <a:effectLst/>
-                <a:latin typeface="Arial Unicode MS"/>
-                <a:ea typeface="JetBrains Mono"/>
-              </a:rPr>
-              <a:t>"/user2“, ...</a:t>
-            </a:r>
-            <a:r>
-              <a:rPr kumimoji="0" lang="en-US" altLang="en-US" sz="1200" b="0" i="0" u="none" strike="noStrike" cap="none" normalizeH="0" baseline="0" dirty="0" smtClean="0">
-                <a:ln>
-                  <a:noFill/>
-                </a:ln>
-                <a:solidFill>
-                  <a:srgbClr val="F8F8F2"/>
-                </a:solidFill>
-                <a:effectLst/>
-                <a:latin typeface="Arial Unicode MS"/>
-                <a:ea typeface="JetBrains Mono"/>
-              </a:rPr>
-              <a:t>}, </a:t>
-            </a:r>
-            <a:r>
-              <a:rPr kumimoji="0" lang="en-US" altLang="en-US" sz="1200" b="0" i="0" u="none" strike="noStrike" cap="none" normalizeH="0" baseline="0" dirty="0" smtClean="0">
-                <a:ln>
-                  <a:noFill/>
-                </a:ln>
-                <a:solidFill>
-                  <a:srgbClr val="F89580"/>
-                </a:solidFill>
-                <a:effectLst/>
-                <a:latin typeface="Arial Unicode MS"/>
-                <a:ea typeface="JetBrains Mono"/>
-              </a:rPr>
-              <a:t>method </a:t>
-            </a:r>
-            <a:r>
-              <a:rPr kumimoji="0" lang="en-US" altLang="en-US" sz="1200" b="0" i="0" u="none" strike="noStrike" cap="none" normalizeH="0" baseline="0" dirty="0" smtClean="0">
-                <a:ln>
-                  <a:noFill/>
-                </a:ln>
-                <a:solidFill>
-                  <a:srgbClr val="F780BF"/>
-                </a:solidFill>
-                <a:effectLst/>
-                <a:latin typeface="Arial Unicode MS"/>
-                <a:ea typeface="JetBrains Mono"/>
-              </a:rPr>
-              <a:t>= </a:t>
-            </a:r>
-            <a:r>
-              <a:rPr kumimoji="0" lang="en-US" altLang="en-US" sz="1200" b="0" i="1" u="none" strike="noStrike" cap="none" normalizeH="0" baseline="0" dirty="0" smtClean="0">
-                <a:ln>
-                  <a:noFill/>
-                </a:ln>
-                <a:solidFill>
-                  <a:srgbClr val="80FFEA"/>
-                </a:solidFill>
-                <a:effectLst/>
-                <a:latin typeface="Arial Unicode MS"/>
-                <a:ea typeface="JetBrains Mono"/>
-              </a:rPr>
-              <a:t>RequestMethod</a:t>
-            </a:r>
-            <a:r>
-              <a:rPr kumimoji="0" lang="en-US" altLang="en-US" sz="1200" b="0" i="0" u="none" strike="noStrike" cap="none" normalizeH="0" baseline="0" dirty="0" smtClean="0">
-                <a:ln>
-                  <a:noFill/>
-                </a:ln>
-                <a:solidFill>
-                  <a:srgbClr val="F8F8F2"/>
-                </a:solidFill>
-                <a:effectLst/>
-                <a:latin typeface="Arial Unicode MS"/>
-                <a:ea typeface="JetBrains Mono"/>
-              </a:rPr>
-              <a:t>.</a:t>
-            </a:r>
-            <a:r>
-              <a:rPr kumimoji="0" lang="en-US" altLang="en-US" sz="1200" b="0" i="1" u="none" strike="noStrike" cap="none" normalizeH="0" baseline="0" dirty="0" smtClean="0">
-                <a:ln>
-                  <a:noFill/>
-                </a:ln>
-                <a:solidFill>
-                  <a:srgbClr val="9580FF"/>
-                </a:solidFill>
-                <a:effectLst/>
-                <a:latin typeface="Arial Unicode MS"/>
-                <a:ea typeface="JetBrains Mono"/>
-              </a:rPr>
-              <a:t>GET</a:t>
-            </a:r>
-            <a:r>
-              <a:rPr kumimoji="0" lang="en-US" altLang="en-US" sz="1200" b="0" i="0" u="none" strike="noStrike" cap="none" normalizeH="0" baseline="0" dirty="0" smtClean="0">
-                <a:ln>
-                  <a:noFill/>
-                </a:ln>
-                <a:solidFill>
-                  <a:srgbClr val="F8F8F2"/>
-                </a:solidFill>
-                <a:effectLst/>
-                <a:latin typeface="Arial Unicode MS"/>
-                <a:ea typeface="JetBrains Mono"/>
-              </a:rPr>
-              <a:t>)</a:t>
-            </a:r>
-            <a:endParaRPr kumimoji="0" lang="en-US" altLang="en-US" sz="3200" b="0" i="0" u="none" strike="noStrike" cap="none" normalizeH="0" baseline="0" dirty="0" smtClean="0">
-              <a:ln>
-                <a:noFill/>
-              </a:ln>
-              <a:solidFill>
-                <a:schemeClr val="tx1"/>
-              </a:solidFill>
-              <a:effectLst/>
-              <a:latin typeface="Arial" panose="020B0604020202020204" pitchFamily="34" charset="0"/>
-            </a:endParaRPr>
-          </a:p>
-        </p:txBody>
-      </p:sp>
+      </p:pic>
     </p:spTree>
     <p:extLst>
       <p:ext uri="{BB962C8B-B14F-4D97-AF65-F5344CB8AC3E}">
-        <p14:creationId xmlns:p14="http://schemas.microsoft.com/office/powerpoint/2010/main" val="696280899"/>
+        <p14:creationId xmlns:p14="http://schemas.microsoft.com/office/powerpoint/2010/main" val="1155967281"/>
       </p:ext>
     </p:extLst>
   </p:cSld>
@@ -9521,59 +9422,52 @@
           <a:lstStyle/>
           <a:p>
             <a:r>
-              <a:rPr lang="en-US" dirty="0" smtClean="0">
-                <a:latin typeface="Arial" panose="020B0604020202020204" pitchFamily="34" charset="0"/>
-                <a:cs typeface="Arial" panose="020B0604020202020204" pitchFamily="34" charset="0"/>
-              </a:rPr>
-              <a:t>Ngoài ra để ngắn gọn code, Spring sinh ra các annotation</a:t>
-            </a:r>
-          </a:p>
-          <a:p>
-            <a:pPr lvl="1"/>
-            <a:r>
-              <a:rPr lang="en-US" dirty="0" smtClean="0">
-                <a:latin typeface="Arial" panose="020B0604020202020204" pitchFamily="34" charset="0"/>
-                <a:cs typeface="Arial" panose="020B0604020202020204" pitchFamily="34" charset="0"/>
-              </a:rPr>
-              <a:t>@GetMapping để </a:t>
-            </a:r>
-            <a:r>
               <a:rPr lang="en-US" dirty="0">
-                <a:latin typeface="Arial" panose="020B0604020202020204" pitchFamily="34" charset="0"/>
-                <a:cs typeface="Arial" panose="020B0604020202020204" pitchFamily="34" charset="0"/>
-              </a:rPr>
-              <a:t>thay thế @</a:t>
-            </a:r>
-            <a:r>
-              <a:rPr lang="en-US" dirty="0" smtClean="0">
-                <a:latin typeface="Arial" panose="020B0604020202020204" pitchFamily="34" charset="0"/>
-                <a:cs typeface="Arial" panose="020B0604020202020204" pitchFamily="34" charset="0"/>
-              </a:rPr>
-              <a:t>RequestMapping với method GET</a:t>
-            </a:r>
-          </a:p>
-          <a:p>
-            <a:pPr lvl="1"/>
-            <a:r>
-              <a:rPr lang="en-US" dirty="0" smtClean="0">
-                <a:latin typeface="Arial" panose="020B0604020202020204" pitchFamily="34" charset="0"/>
-                <a:cs typeface="Arial" panose="020B0604020202020204" pitchFamily="34" charset="0"/>
-              </a:rPr>
-              <a:t>@PostMapping </a:t>
-            </a:r>
-            <a:r>
-              <a:rPr lang="en-US" dirty="0">
-                <a:latin typeface="Arial" panose="020B0604020202020204" pitchFamily="34" charset="0"/>
-                <a:cs typeface="Arial" panose="020B0604020202020204" pitchFamily="34" charset="0"/>
-              </a:rPr>
-              <a:t>để thay thế @RequestMapping với method </a:t>
-            </a:r>
-            <a:r>
-              <a:rPr lang="en-US" dirty="0" smtClean="0">
-                <a:latin typeface="Arial" panose="020B0604020202020204" pitchFamily="34" charset="0"/>
-                <a:cs typeface="Arial" panose="020B0604020202020204" pitchFamily="34" charset="0"/>
-              </a:rPr>
-              <a:t>POST</a:t>
+                <a:solidFill>
+                  <a:srgbClr val="FFC000"/>
+                </a:solidFill>
+                <a:latin typeface="Arial" panose="020B0604020202020204" pitchFamily="34" charset="0"/>
+                <a:cs typeface="Arial" panose="020B0604020202020204" pitchFamily="34" charset="0"/>
+              </a:rPr>
+              <a:t>@</a:t>
+            </a:r>
+            <a:r>
+              <a:rPr lang="en-US" dirty="0" smtClean="0">
+                <a:solidFill>
+                  <a:srgbClr val="FFC000"/>
+                </a:solidFill>
+                <a:latin typeface="Arial" panose="020B0604020202020204" pitchFamily="34" charset="0"/>
+                <a:cs typeface="Arial" panose="020B0604020202020204" pitchFamily="34" charset="0"/>
+              </a:rPr>
+              <a:t>RequestMapping</a:t>
+            </a:r>
+            <a:r>
+              <a:rPr lang="en-US" dirty="0" smtClean="0">
+                <a:latin typeface="Arial" panose="020B0604020202020204" pitchFamily="34" charset="0"/>
+                <a:cs typeface="Arial" panose="020B0604020202020204" pitchFamily="34" charset="0"/>
+              </a:rPr>
+              <a:t> ở đây có tác dụng </a:t>
+            </a:r>
+            <a:r>
+              <a:rPr lang="vi-VN" dirty="0">
+                <a:latin typeface="Arial" panose="020B0604020202020204" pitchFamily="34" charset="0"/>
+                <a:cs typeface="Arial" panose="020B0604020202020204" pitchFamily="34" charset="0"/>
+              </a:rPr>
+              <a:t>ánh xạ các HTTP request tới các phương thức xử lý </a:t>
+            </a:r>
+            <a:r>
+              <a:rPr lang="en-US" dirty="0" smtClean="0">
+                <a:latin typeface="Arial" panose="020B0604020202020204" pitchFamily="34" charset="0"/>
+                <a:cs typeface="Arial" panose="020B0604020202020204" pitchFamily="34" charset="0"/>
+              </a:rPr>
+              <a:t>trong một controller</a:t>
+            </a:r>
+            <a:r>
+              <a:rPr lang="vi-VN" dirty="0" smtClean="0">
+                <a:latin typeface="Arial" panose="020B0604020202020204" pitchFamily="34" charset="0"/>
+                <a:cs typeface="Arial" panose="020B0604020202020204" pitchFamily="34" charset="0"/>
+              </a:rPr>
+              <a:t>.</a:t>
             </a:r>
             <a:endParaRPr lang="en-US" dirty="0">
               <a:latin typeface="Arial" panose="020B0604020202020204" pitchFamily="34" charset="0"/>
@@ -9581,442 +9475,118 @@
             </a:endParaRPr>
           </a:p>
           <a:p>
+            <a:r>
+              <a:rPr lang="en-US" dirty="0" smtClean="0">
+                <a:latin typeface="Arial" panose="020B0604020202020204" pitchFamily="34" charset="0"/>
+                <a:cs typeface="Arial" panose="020B0604020202020204" pitchFamily="34" charset="0"/>
+              </a:rPr>
+              <a:t>Các </a:t>
+            </a:r>
+            <a:r>
+              <a:rPr lang="vi-VN" dirty="0">
+                <a:latin typeface="Arial" panose="020B0604020202020204" pitchFamily="34" charset="0"/>
+                <a:cs typeface="Arial" panose="020B0604020202020204" pitchFamily="34" charset="0"/>
+              </a:rPr>
+              <a:t>phương thức </a:t>
+            </a:r>
+            <a:r>
+              <a:rPr lang="vi-VN" dirty="0" smtClean="0">
+                <a:latin typeface="Arial" panose="020B0604020202020204" pitchFamily="34" charset="0"/>
+                <a:cs typeface="Arial" panose="020B0604020202020204" pitchFamily="34" charset="0"/>
+              </a:rPr>
+              <a:t>HTTP</a:t>
+            </a:r>
+            <a:r>
+              <a:rPr lang="en-US" dirty="0" smtClean="0">
+                <a:latin typeface="Arial" panose="020B0604020202020204" pitchFamily="34" charset="0"/>
+                <a:cs typeface="Arial" panose="020B0604020202020204" pitchFamily="34" charset="0"/>
+              </a:rPr>
+              <a:t> thường sử dụng:</a:t>
+            </a:r>
+          </a:p>
+          <a:p>
             <a:pPr lvl="1"/>
             <a:r>
               <a:rPr lang="en-US" dirty="0" smtClean="0">
                 <a:latin typeface="Arial" panose="020B0604020202020204" pitchFamily="34" charset="0"/>
                 <a:cs typeface="Arial" panose="020B0604020202020204" pitchFamily="34" charset="0"/>
               </a:rPr>
-              <a:t>@PutMapping </a:t>
+              <a:t>GET</a:t>
+            </a:r>
+          </a:p>
+          <a:p>
+            <a:pPr lvl="1"/>
+            <a:r>
+              <a:rPr lang="en-US" dirty="0" smtClean="0">
+                <a:latin typeface="Arial" panose="020B0604020202020204" pitchFamily="34" charset="0"/>
+                <a:cs typeface="Arial" panose="020B0604020202020204" pitchFamily="34" charset="0"/>
+              </a:rPr>
+              <a:t>POST</a:t>
+            </a:r>
+          </a:p>
+          <a:p>
+            <a:pPr lvl="1"/>
+            <a:r>
+              <a:rPr lang="en-US" dirty="0" smtClean="0">
+                <a:latin typeface="Arial" panose="020B0604020202020204" pitchFamily="34" charset="0"/>
+                <a:cs typeface="Arial" panose="020B0604020202020204" pitchFamily="34" charset="0"/>
+              </a:rPr>
+              <a:t>PUT</a:t>
+            </a:r>
+          </a:p>
+          <a:p>
+            <a:pPr lvl="1"/>
+            <a:r>
+              <a:rPr lang="en-US" dirty="0" smtClean="0">
+                <a:latin typeface="Arial" panose="020B0604020202020204" pitchFamily="34" charset="0"/>
+                <a:cs typeface="Arial" panose="020B0604020202020204" pitchFamily="34" charset="0"/>
+              </a:rPr>
+              <a:t>DELETE</a:t>
+            </a:r>
+          </a:p>
+          <a:p>
+            <a:r>
+              <a:rPr lang="en-US" dirty="0" smtClean="0">
+                <a:latin typeface="Arial" panose="020B0604020202020204" pitchFamily="34" charset="0"/>
+                <a:cs typeface="Arial" panose="020B0604020202020204" pitchFamily="34" charset="0"/>
+              </a:rPr>
+              <a:t>Kêu không chỉ định phương thức cụ thể trong </a:t>
             </a:r>
             <a:r>
               <a:rPr lang="en-US" dirty="0">
-                <a:latin typeface="Arial" panose="020B0604020202020204" pitchFamily="34" charset="0"/>
-                <a:cs typeface="Arial" panose="020B0604020202020204" pitchFamily="34" charset="0"/>
-              </a:rPr>
-              <a:t>để thay thế @RequestMapping với method </a:t>
-            </a:r>
-            <a:r>
-              <a:rPr lang="en-US" dirty="0" smtClean="0">
-                <a:latin typeface="Arial" panose="020B0604020202020204" pitchFamily="34" charset="0"/>
-                <a:cs typeface="Arial" panose="020B0604020202020204" pitchFamily="34" charset="0"/>
-              </a:rPr>
-              <a:t>PUT</a:t>
-            </a:r>
-            <a:endParaRPr lang="en-US" dirty="0" smtClean="0">
-              <a:latin typeface="Arial" panose="020B0604020202020204" pitchFamily="34" charset="0"/>
-              <a:cs typeface="Arial" panose="020B0604020202020204" pitchFamily="34" charset="0"/>
-            </a:endParaRPr>
-          </a:p>
-          <a:p>
-            <a:pPr lvl="1"/>
-            <a:r>
-              <a:rPr lang="en-US" dirty="0" smtClean="0">
-                <a:latin typeface="Arial" panose="020B0604020202020204" pitchFamily="34" charset="0"/>
-                <a:cs typeface="Arial" panose="020B0604020202020204" pitchFamily="34" charset="0"/>
-              </a:rPr>
-              <a:t>@DeleteMapping </a:t>
+                <a:solidFill>
+                  <a:srgbClr val="FFC000"/>
+                </a:solidFill>
+                <a:latin typeface="Arial" panose="020B0604020202020204" pitchFamily="34" charset="0"/>
+                <a:cs typeface="Arial" panose="020B0604020202020204" pitchFamily="34" charset="0"/>
+              </a:rPr>
+              <a:t>@RequestMapping</a:t>
             </a:r>
             <a:r>
               <a:rPr lang="en-US" dirty="0">
                 <a:latin typeface="Arial" panose="020B0604020202020204" pitchFamily="34" charset="0"/>
                 <a:cs typeface="Arial" panose="020B0604020202020204" pitchFamily="34" charset="0"/>
               </a:rPr>
-              <a:t>để thay thế @RequestMapping với method </a:t>
-            </a:r>
-            <a:r>
-              <a:rPr lang="en-US" dirty="0" smtClean="0">
-                <a:latin typeface="Arial" panose="020B0604020202020204" pitchFamily="34" charset="0"/>
-                <a:cs typeface="Arial" panose="020B0604020202020204" pitchFamily="34" charset="0"/>
-              </a:rPr>
-              <a:t>DELETE</a:t>
-            </a:r>
-          </a:p>
-          <a:p>
-            <a:pPr lvl="1"/>
-            <a:endParaRPr lang="en-US" dirty="0" smtClean="0">
-              <a:latin typeface="Arial" panose="020B0604020202020204" pitchFamily="34" charset="0"/>
-              <a:cs typeface="Arial" panose="020B0604020202020204" pitchFamily="34" charset="0"/>
-            </a:endParaRPr>
-          </a:p>
-          <a:p>
-            <a:r>
-              <a:rPr lang="en-US" dirty="0" smtClean="0">
-                <a:latin typeface="Arial" panose="020B0604020202020204" pitchFamily="34" charset="0"/>
-                <a:cs typeface="Arial" panose="020B0604020202020204" pitchFamily="34" charset="0"/>
-              </a:rPr>
-              <a:t>Ví dụ:</a:t>
+              <a:t> thì </a:t>
+            </a:r>
+            <a:r>
+              <a:rPr lang="en-US" dirty="0" smtClean="0">
+                <a:latin typeface="Arial" panose="020B0604020202020204" pitchFamily="34" charset="0"/>
+                <a:cs typeface="Arial" panose="020B0604020202020204" pitchFamily="34" charset="0"/>
+              </a:rPr>
+              <a:t>nó sẽ cho phép tất cả các phương thức HTTP đều truy cập được</a:t>
             </a:r>
             <a:endParaRPr lang="en-US" dirty="0">
               <a:latin typeface="Arial" panose="020B0604020202020204" pitchFamily="34" charset="0"/>
               <a:cs typeface="Arial" panose="020B0604020202020204" pitchFamily="34" charset="0"/>
             </a:endParaRPr>
           </a:p>
-          <a:p>
-            <a:pPr lvl="1"/>
-            <a:endParaRPr lang="en-US" dirty="0">
-              <a:latin typeface="Arial" panose="020B0604020202020204" pitchFamily="34" charset="0"/>
-              <a:cs typeface="Arial" panose="020B0604020202020204" pitchFamily="34" charset="0"/>
-            </a:endParaRPr>
-          </a:p>
-        </p:txBody>
-      </p:sp>
-      <p:sp>
-        <p:nvSpPr>
-          <p:cNvPr id="5" name="Rectangle 2"/>
-          <p:cNvSpPr>
-            <a:spLocks noChangeArrowheads="1"/>
-          </p:cNvSpPr>
-          <p:nvPr/>
-        </p:nvSpPr>
-        <p:spPr bwMode="auto">
-          <a:xfrm>
-            <a:off x="1119672" y="4900422"/>
-            <a:ext cx="7116148" cy="646331"/>
-          </a:xfrm>
-          <a:prstGeom prst="rect">
-            <a:avLst/>
-          </a:prstGeom>
-          <a:solidFill>
-            <a:srgbClr val="282A36"/>
-          </a:solidFill>
-          <a:ln>
-            <a:noFill/>
-          </a:ln>
-          <a:effectLst/>
-          <a:extLst>
-            <a:ext uri="{91240B29-F687-4F45-9708-019B960494DF}">
-              <a14:hiddenLine xmlns:a14="http://schemas.microsoft.com/office/drawing/2010/main" w="9525">
-                <a:solidFill>
-                  <a:schemeClr val="tx1"/>
-                </a:solidFill>
-                <a:miter lim="800000"/>
-                <a:headEnd/>
-                <a:tailEnd/>
-              </a14:hiddenLine>
-            </a:ext>
-            <a:ext uri="{AF507438-7753-43E0-B8FC-AC1667EBCBE1}">
-              <a14:hiddenEffects xmlns:a14="http://schemas.microsoft.com/office/drawing/2010/main">
-                <a:effectLst>
-                  <a:outerShdw dist="35921" dir="2700000" algn="ctr" rotWithShape="0">
-                    <a:schemeClr val="bg2"/>
-                  </a:outerShdw>
-                </a:effectLst>
-              </a14:hiddenEffects>
-            </a:ext>
-          </a:extLst>
-        </p:spPr>
-        <p:txBody>
-          <a:bodyPr vert="horz" wrap="square" lIns="91440" tIns="45720" rIns="91440" bIns="45720" numCol="1" anchor="ctr" anchorCtr="0" compatLnSpc="1">
-            <a:prstTxWarp prst="textNoShape">
-              <a:avLst/>
-            </a:prstTxWarp>
-            <a:spAutoFit/>
-          </a:bodyPr>
-          <a:lstStyle/>
-          <a:p>
-            <a:pPr marL="0" marR="0" lvl="0" indent="0" algn="l" defTabSz="914400" rtl="0" eaLnBrk="0" fontAlgn="base" latinLnBrk="0" hangingPunct="0">
-              <a:lnSpc>
-                <a:spcPct val="100000"/>
-              </a:lnSpc>
-              <a:spcBef>
-                <a:spcPct val="0"/>
-              </a:spcBef>
-              <a:spcAft>
-                <a:spcPct val="0"/>
-              </a:spcAft>
-              <a:buClrTx/>
-              <a:buSzTx/>
-              <a:buFontTx/>
-              <a:buNone/>
-              <a:tabLst/>
-            </a:pPr>
-            <a:r>
-              <a:rPr kumimoji="0" lang="en-US" altLang="en-US" sz="1200" b="0" i="0" u="none" strike="noStrike" cap="none" normalizeH="0" baseline="0" dirty="0" smtClean="0">
-                <a:ln>
-                  <a:noFill/>
-                </a:ln>
-                <a:solidFill>
-                  <a:srgbClr val="50FA78"/>
-                </a:solidFill>
-                <a:effectLst/>
-                <a:latin typeface="Arial Unicode MS"/>
-                <a:ea typeface="JetBrains Mono"/>
-              </a:rPr>
-              <a:t>@RequestMapping</a:t>
-            </a:r>
-            <a:r>
-              <a:rPr kumimoji="0" lang="en-US" altLang="en-US" sz="1200" b="0" i="0" u="none" strike="noStrike" cap="none" normalizeH="0" baseline="0" dirty="0" smtClean="0">
-                <a:ln>
-                  <a:noFill/>
-                </a:ln>
-                <a:solidFill>
-                  <a:srgbClr val="F8F8F2"/>
-                </a:solidFill>
-                <a:effectLst/>
-                <a:latin typeface="Arial Unicode MS"/>
-                <a:ea typeface="JetBrains Mono"/>
-              </a:rPr>
-              <a:t>(</a:t>
-            </a:r>
-            <a:r>
-              <a:rPr kumimoji="0" lang="en-US" altLang="en-US" sz="1200" b="0" i="0" u="none" strike="noStrike" cap="none" normalizeH="0" baseline="0" dirty="0" smtClean="0">
-                <a:ln>
-                  <a:noFill/>
-                </a:ln>
-                <a:solidFill>
-                  <a:srgbClr val="F89580"/>
-                </a:solidFill>
-                <a:effectLst/>
-                <a:latin typeface="Arial Unicode MS"/>
-                <a:ea typeface="JetBrains Mono"/>
-              </a:rPr>
-              <a:t>value </a:t>
-            </a:r>
-            <a:r>
-              <a:rPr kumimoji="0" lang="en-US" altLang="en-US" sz="1200" b="0" i="0" u="none" strike="noStrike" cap="none" normalizeH="0" baseline="0" dirty="0" smtClean="0">
-                <a:ln>
-                  <a:noFill/>
-                </a:ln>
-                <a:solidFill>
-                  <a:srgbClr val="F780BF"/>
-                </a:solidFill>
-                <a:effectLst/>
-                <a:latin typeface="Arial Unicode MS"/>
-                <a:ea typeface="JetBrains Mono"/>
-              </a:rPr>
-              <a:t>= </a:t>
-            </a:r>
-            <a:r>
-              <a:rPr kumimoji="0" lang="en-US" altLang="en-US" sz="1200" b="0" i="0" u="none" strike="noStrike" cap="none" normalizeH="0" baseline="0" dirty="0" smtClean="0">
-                <a:ln>
-                  <a:noFill/>
-                </a:ln>
-                <a:solidFill>
-                  <a:srgbClr val="FEFF80"/>
-                </a:solidFill>
-                <a:effectLst/>
-                <a:latin typeface="Arial Unicode MS"/>
-                <a:ea typeface="JetBrains Mono"/>
-              </a:rPr>
-              <a:t>"/user"</a:t>
-            </a:r>
-            <a:r>
-              <a:rPr kumimoji="0" lang="en-US" altLang="en-US" sz="1200" b="0" i="0" u="none" strike="noStrike" cap="none" normalizeH="0" baseline="0" dirty="0" smtClean="0">
-                <a:ln>
-                  <a:noFill/>
-                </a:ln>
-                <a:solidFill>
-                  <a:srgbClr val="F8F8F2"/>
-                </a:solidFill>
-                <a:effectLst/>
-                <a:latin typeface="Arial Unicode MS"/>
-                <a:ea typeface="JetBrains Mono"/>
-              </a:rPr>
-              <a:t>, </a:t>
-            </a:r>
-            <a:r>
-              <a:rPr kumimoji="0" lang="en-US" altLang="en-US" sz="1200" b="0" i="0" u="none" strike="noStrike" cap="none" normalizeH="0" baseline="0" dirty="0" smtClean="0">
-                <a:ln>
-                  <a:noFill/>
-                </a:ln>
-                <a:solidFill>
-                  <a:srgbClr val="F89580"/>
-                </a:solidFill>
-                <a:effectLst/>
-                <a:latin typeface="Arial Unicode MS"/>
-                <a:ea typeface="JetBrains Mono"/>
-              </a:rPr>
-              <a:t>method </a:t>
-            </a:r>
-            <a:r>
-              <a:rPr kumimoji="0" lang="en-US" altLang="en-US" sz="1200" b="0" i="0" u="none" strike="noStrike" cap="none" normalizeH="0" baseline="0" dirty="0" smtClean="0">
-                <a:ln>
-                  <a:noFill/>
-                </a:ln>
-                <a:solidFill>
-                  <a:srgbClr val="F780BF"/>
-                </a:solidFill>
-                <a:effectLst/>
-                <a:latin typeface="Arial Unicode MS"/>
-                <a:ea typeface="JetBrains Mono"/>
-              </a:rPr>
-              <a:t>= </a:t>
-            </a:r>
-            <a:r>
-              <a:rPr kumimoji="0" lang="en-US" altLang="en-US" sz="1200" b="0" i="1" u="none" strike="noStrike" cap="none" normalizeH="0" baseline="0" dirty="0" smtClean="0">
-                <a:ln>
-                  <a:noFill/>
-                </a:ln>
-                <a:solidFill>
-                  <a:srgbClr val="80FFEA"/>
-                </a:solidFill>
-                <a:effectLst/>
-                <a:latin typeface="Arial Unicode MS"/>
-                <a:ea typeface="JetBrains Mono"/>
-              </a:rPr>
-              <a:t>RequestMethod</a:t>
-            </a:r>
-            <a:r>
-              <a:rPr kumimoji="0" lang="en-US" altLang="en-US" sz="1200" b="0" i="0" u="none" strike="noStrike" cap="none" normalizeH="0" baseline="0" dirty="0" smtClean="0">
-                <a:ln>
-                  <a:noFill/>
-                </a:ln>
-                <a:solidFill>
-                  <a:srgbClr val="F8F8F2"/>
-                </a:solidFill>
-                <a:effectLst/>
-                <a:latin typeface="Arial Unicode MS"/>
-                <a:ea typeface="JetBrains Mono"/>
-              </a:rPr>
-              <a:t>.</a:t>
-            </a:r>
-            <a:r>
-              <a:rPr kumimoji="0" lang="en-US" altLang="en-US" sz="1200" b="0" i="1" u="none" strike="noStrike" cap="none" normalizeH="0" baseline="0" dirty="0" smtClean="0">
-                <a:ln>
-                  <a:noFill/>
-                </a:ln>
-                <a:solidFill>
-                  <a:srgbClr val="9580FF"/>
-                </a:solidFill>
-                <a:effectLst/>
-                <a:latin typeface="Arial Unicode MS"/>
-                <a:ea typeface="JetBrains Mono"/>
-              </a:rPr>
-              <a:t>GET</a:t>
-            </a:r>
-            <a:r>
-              <a:rPr kumimoji="0" lang="en-US" altLang="en-US" sz="1200" b="0" i="0" u="none" strike="noStrike" cap="none" normalizeH="0" baseline="0" dirty="0" smtClean="0">
-                <a:ln>
-                  <a:noFill/>
-                </a:ln>
-                <a:solidFill>
-                  <a:srgbClr val="F8F8F2"/>
-                </a:solidFill>
-                <a:effectLst/>
-                <a:latin typeface="Arial Unicode MS"/>
-                <a:ea typeface="JetBrains Mono"/>
-              </a:rPr>
-              <a:t>)</a:t>
-            </a:r>
-          </a:p>
-          <a:p>
-            <a:pPr marL="0" marR="0" lvl="0" indent="0" algn="l" defTabSz="914400" rtl="0" eaLnBrk="0" fontAlgn="base" latinLnBrk="0" hangingPunct="0">
-              <a:lnSpc>
-                <a:spcPct val="100000"/>
-              </a:lnSpc>
-              <a:spcBef>
-                <a:spcPct val="0"/>
-              </a:spcBef>
-              <a:spcAft>
-                <a:spcPct val="0"/>
-              </a:spcAft>
-              <a:buClrTx/>
-              <a:buSzTx/>
-              <a:buFontTx/>
-              <a:buNone/>
-              <a:tabLst/>
-            </a:pPr>
-            <a:r>
-              <a:rPr kumimoji="0" lang="en-US" altLang="en-US" sz="1200" b="0" i="0" u="none" strike="noStrike" cap="none" normalizeH="0" baseline="0" dirty="0" smtClean="0">
-                <a:ln>
-                  <a:noFill/>
-                </a:ln>
-                <a:solidFill>
-                  <a:srgbClr val="F8F8F2"/>
-                </a:solidFill>
-                <a:effectLst/>
-                <a:latin typeface="Arial Unicode MS"/>
-                <a:ea typeface="JetBrains Mono"/>
-              </a:rPr>
-              <a:t/>
-            </a:r>
-            <a:br>
-              <a:rPr kumimoji="0" lang="en-US" altLang="en-US" sz="1200" b="0" i="0" u="none" strike="noStrike" cap="none" normalizeH="0" baseline="0" dirty="0" smtClean="0">
-                <a:ln>
-                  <a:noFill/>
-                </a:ln>
-                <a:solidFill>
-                  <a:srgbClr val="F8F8F2"/>
-                </a:solidFill>
-                <a:effectLst/>
-                <a:latin typeface="Arial Unicode MS"/>
-                <a:ea typeface="JetBrains Mono"/>
-              </a:rPr>
-            </a:br>
-            <a:r>
-              <a:rPr kumimoji="0" lang="en-US" altLang="en-US" sz="1200" b="0" i="0" u="none" strike="noStrike" cap="none" normalizeH="0" baseline="0" dirty="0" smtClean="0">
-                <a:ln>
-                  <a:noFill/>
-                </a:ln>
-                <a:solidFill>
-                  <a:srgbClr val="50FA78"/>
-                </a:solidFill>
-                <a:effectLst/>
-                <a:latin typeface="Arial Unicode MS"/>
-                <a:ea typeface="JetBrains Mono"/>
-              </a:rPr>
-              <a:t>@GetMapping</a:t>
-            </a:r>
-            <a:r>
-              <a:rPr kumimoji="0" lang="en-US" altLang="en-US" sz="1200" b="0" i="0" u="none" strike="noStrike" cap="none" normalizeH="0" baseline="0" dirty="0" smtClean="0">
-                <a:ln>
-                  <a:noFill/>
-                </a:ln>
-                <a:solidFill>
-                  <a:srgbClr val="F8F8F2"/>
-                </a:solidFill>
-                <a:effectLst/>
-                <a:latin typeface="Arial Unicode MS"/>
-                <a:ea typeface="JetBrains Mono"/>
-              </a:rPr>
-              <a:t>(</a:t>
-            </a:r>
-            <a:r>
-              <a:rPr kumimoji="0" lang="en-US" altLang="en-US" sz="1200" b="0" i="0" u="none" strike="noStrike" cap="none" normalizeH="0" baseline="0" dirty="0" smtClean="0">
-                <a:ln>
-                  <a:noFill/>
-                </a:ln>
-                <a:solidFill>
-                  <a:srgbClr val="FEFF80"/>
-                </a:solidFill>
-                <a:effectLst/>
-                <a:latin typeface="Arial Unicode MS"/>
-                <a:ea typeface="JetBrains Mono"/>
-              </a:rPr>
-              <a:t>"/user"</a:t>
-            </a:r>
-            <a:r>
-              <a:rPr kumimoji="0" lang="en-US" altLang="en-US" sz="1200" b="0" i="0" u="none" strike="noStrike" cap="none" normalizeH="0" baseline="0" dirty="0" smtClean="0">
-                <a:ln>
-                  <a:noFill/>
-                </a:ln>
-                <a:solidFill>
-                  <a:srgbClr val="F8F8F2"/>
-                </a:solidFill>
-                <a:effectLst/>
-                <a:latin typeface="Arial Unicode MS"/>
-                <a:ea typeface="JetBrains Mono"/>
-              </a:rPr>
-              <a:t>)</a:t>
-            </a:r>
-            <a:endParaRPr kumimoji="0" lang="en-US" altLang="en-US" sz="3200" b="0" i="0" u="none" strike="noStrike" cap="none" normalizeH="0" baseline="0" dirty="0" smtClean="0">
-              <a:ln>
-                <a:noFill/>
-              </a:ln>
-              <a:solidFill>
-                <a:schemeClr val="tx1"/>
-              </a:solidFill>
-              <a:effectLst/>
-              <a:latin typeface="Arial" panose="020B0604020202020204" pitchFamily="34" charset="0"/>
-            </a:endParaRPr>
-          </a:p>
         </p:txBody>
       </p:sp>
     </p:spTree>
     <p:extLst>
       <p:ext uri="{BB962C8B-B14F-4D97-AF65-F5344CB8AC3E}">
-        <p14:creationId xmlns:p14="http://schemas.microsoft.com/office/powerpoint/2010/main" val="3350685506"/>
+        <p14:creationId xmlns:p14="http://schemas.microsoft.com/office/powerpoint/2010/main" val="1779252401"/>
       </p:ext>
     </p:extLst>
   </p:cSld>
@@ -10240,28 +9810,2677 @@
                 <a:latin typeface="Arial" panose="020B0604020202020204" pitchFamily="34" charset="0"/>
                 <a:cs typeface="Arial" panose="020B0604020202020204" pitchFamily="34" charset="0"/>
               </a:rPr>
-              <a:t>Step </a:t>
-            </a:r>
-            <a:r>
-              <a:rPr lang="en-US" dirty="0" smtClean="0">
-                <a:latin typeface="Arial" panose="020B0604020202020204" pitchFamily="34" charset="0"/>
-                <a:cs typeface="Arial" panose="020B0604020202020204" pitchFamily="34" charset="0"/>
-              </a:rPr>
-              <a:t>7: </a:t>
-            </a:r>
-            <a:r>
-              <a:rPr lang="en-US" dirty="0" smtClean="0">
-                <a:latin typeface="Arial" panose="020B0604020202020204" pitchFamily="34" charset="0"/>
-                <a:cs typeface="Arial" panose="020B0604020202020204" pitchFamily="34" charset="0"/>
-              </a:rPr>
-              <a:t>Create api get </a:t>
-            </a:r>
-            <a:r>
-              <a:rPr lang="en-US" dirty="0" smtClean="0">
-                <a:latin typeface="Arial" panose="020B0604020202020204" pitchFamily="34" charset="0"/>
-                <a:cs typeface="Arial" panose="020B0604020202020204" pitchFamily="34" charset="0"/>
-              </a:rPr>
-              <a:t>user</a:t>
+              <a:t>Ví dụ với method getUser của chúng ta hiện không chỉ rõ phương thức cho nên tất cả các phương thức đều có thể gửi request được.</a:t>
+            </a:r>
+            <a:endParaRPr lang="en-US" dirty="0">
+              <a:latin typeface="Arial" panose="020B0604020202020204" pitchFamily="34" charset="0"/>
+              <a:cs typeface="Arial" panose="020B0604020202020204" pitchFamily="34" charset="0"/>
+            </a:endParaRPr>
+          </a:p>
+        </p:txBody>
+      </p:sp>
+      <p:pic>
+        <p:nvPicPr>
+          <p:cNvPr id="4" name="Picture 3"/>
+          <p:cNvPicPr>
+            <a:picLocks noChangeAspect="1"/>
+          </p:cNvPicPr>
+          <p:nvPr/>
+        </p:nvPicPr>
+        <p:blipFill>
+          <a:blip r:embed="rId2"/>
+          <a:stretch>
+            <a:fillRect/>
+          </a:stretch>
+        </p:blipFill>
+        <p:spPr>
+          <a:xfrm>
+            <a:off x="1140569" y="2976854"/>
+            <a:ext cx="4200525" cy="1638300"/>
+          </a:xfrm>
+          <a:prstGeom prst="rect">
+            <a:avLst/>
+          </a:prstGeom>
+        </p:spPr>
+      </p:pic>
+    </p:spTree>
+    <p:extLst>
+      <p:ext uri="{BB962C8B-B14F-4D97-AF65-F5344CB8AC3E}">
+        <p14:creationId xmlns:p14="http://schemas.microsoft.com/office/powerpoint/2010/main" val="388409590"/>
+      </p:ext>
+    </p:extLst>
+  </p:cSld>
+  <p:clrMapOvr>
+    <a:masterClrMapping/>
+  </p:clrMapOvr>
+</p:sld>
+</file>
+
+<file path=ppt/slides/slide31.xml><?xml version="1.0" encoding="utf-8"?>
+<p:sld xmlns:a="http://schemas.openxmlformats.org/drawingml/2006/main" xmlns:r="http://schemas.openxmlformats.org/officeDocument/2006/relationships" xmlns:p="http://schemas.openxmlformats.org/presentationml/2006/main">
+  <p:cSld>
+    <p:spTree>
+      <p:nvGrpSpPr>
+        <p:cNvPr id="1" name=""/>
+        <p:cNvGrpSpPr/>
+        <p:nvPr/>
+      </p:nvGrpSpPr>
+      <p:grpSpPr>
+        <a:xfrm>
+          <a:off x="0" y="0"/>
+          <a:ext cx="0" cy="0"/>
+          <a:chOff x="0" y="0"/>
+          <a:chExt cx="0" cy="0"/>
+        </a:xfrm>
+      </p:grpSpPr>
+      <p:sp>
+        <p:nvSpPr>
+          <p:cNvPr id="2" name="Title 1"/>
+          <p:cNvSpPr>
+            <a:spLocks noGrp="1"/>
+          </p:cNvSpPr>
+          <p:nvPr>
+            <p:ph type="title"/>
+          </p:nvPr>
+        </p:nvSpPr>
+        <p:spPr/>
+        <p:txBody>
+          <a:bodyPr/>
+          <a:lstStyle/>
+          <a:p>
+            <a:r>
+              <a:rPr lang="en-US" dirty="0" smtClean="0">
+                <a:latin typeface="Arial" panose="020B0604020202020204" pitchFamily="34" charset="0"/>
+                <a:cs typeface="Arial" panose="020B0604020202020204" pitchFamily="34" charset="0"/>
+              </a:rPr>
+              <a:t>Initial project Spring</a:t>
+            </a:r>
+            <a:endParaRPr lang="en-US" dirty="0">
+              <a:latin typeface="Arial" panose="020B0604020202020204" pitchFamily="34" charset="0"/>
+              <a:cs typeface="Arial" panose="020B0604020202020204" pitchFamily="34" charset="0"/>
+            </a:endParaRPr>
+          </a:p>
+        </p:txBody>
+      </p:sp>
+      <p:sp>
+        <p:nvSpPr>
+          <p:cNvPr id="3" name="Content Placeholder 2"/>
+          <p:cNvSpPr>
+            <a:spLocks noGrp="1"/>
+          </p:cNvSpPr>
+          <p:nvPr>
+            <p:ph idx="1"/>
+          </p:nvPr>
+        </p:nvSpPr>
+        <p:spPr/>
+        <p:txBody>
+          <a:bodyPr/>
+          <a:lstStyle/>
+          <a:p>
+            <a:r>
+              <a:rPr lang="en-US" dirty="0" smtClean="0">
+                <a:latin typeface="Arial" panose="020B0604020202020204" pitchFamily="34" charset="0"/>
+                <a:cs typeface="Arial" panose="020B0604020202020204" pitchFamily="34" charset="0"/>
+              </a:rPr>
+              <a:t>Trường hợp mình chỉ rõ là phương thức GET thì khi sử dụng các phương thức khác sẽ không thể request được.</a:t>
+            </a:r>
+            <a:endParaRPr lang="en-US" dirty="0">
+              <a:latin typeface="Arial" panose="020B0604020202020204" pitchFamily="34" charset="0"/>
+              <a:cs typeface="Arial" panose="020B0604020202020204" pitchFamily="34" charset="0"/>
+            </a:endParaRPr>
+          </a:p>
+        </p:txBody>
+      </p:sp>
+      <p:pic>
+        <p:nvPicPr>
+          <p:cNvPr id="4" name="Picture 3"/>
+          <p:cNvPicPr>
+            <a:picLocks noChangeAspect="1"/>
+          </p:cNvPicPr>
+          <p:nvPr/>
+        </p:nvPicPr>
+        <p:blipFill>
+          <a:blip r:embed="rId2"/>
+          <a:stretch>
+            <a:fillRect/>
+          </a:stretch>
+        </p:blipFill>
+        <p:spPr>
+          <a:xfrm>
+            <a:off x="1108107" y="2877814"/>
+            <a:ext cx="5248275" cy="3267075"/>
+          </a:xfrm>
+          <a:prstGeom prst="rect">
+            <a:avLst/>
+          </a:prstGeom>
+        </p:spPr>
+      </p:pic>
+    </p:spTree>
+    <p:extLst>
+      <p:ext uri="{BB962C8B-B14F-4D97-AF65-F5344CB8AC3E}">
+        <p14:creationId xmlns:p14="http://schemas.microsoft.com/office/powerpoint/2010/main" val="4143002478"/>
+      </p:ext>
+    </p:extLst>
+  </p:cSld>
+  <p:clrMapOvr>
+    <a:masterClrMapping/>
+  </p:clrMapOvr>
+</p:sld>
+</file>
+
+<file path=ppt/slides/slide32.xml><?xml version="1.0" encoding="utf-8"?>
+<p:sld xmlns:a="http://schemas.openxmlformats.org/drawingml/2006/main" xmlns:r="http://schemas.openxmlformats.org/officeDocument/2006/relationships" xmlns:p="http://schemas.openxmlformats.org/presentationml/2006/main">
+  <p:cSld>
+    <p:spTree>
+      <p:nvGrpSpPr>
+        <p:cNvPr id="1" name=""/>
+        <p:cNvGrpSpPr/>
+        <p:nvPr/>
+      </p:nvGrpSpPr>
+      <p:grpSpPr>
+        <a:xfrm>
+          <a:off x="0" y="0"/>
+          <a:ext cx="0" cy="0"/>
+          <a:chOff x="0" y="0"/>
+          <a:chExt cx="0" cy="0"/>
+        </a:xfrm>
+      </p:grpSpPr>
+      <p:sp>
+        <p:nvSpPr>
+          <p:cNvPr id="2" name="Title 1"/>
+          <p:cNvSpPr>
+            <a:spLocks noGrp="1"/>
+          </p:cNvSpPr>
+          <p:nvPr>
+            <p:ph type="title"/>
+          </p:nvPr>
+        </p:nvSpPr>
+        <p:spPr/>
+        <p:txBody>
+          <a:bodyPr/>
+          <a:lstStyle/>
+          <a:p>
+            <a:r>
+              <a:rPr lang="en-US" dirty="0" smtClean="0">
+                <a:latin typeface="Arial" panose="020B0604020202020204" pitchFamily="34" charset="0"/>
+                <a:cs typeface="Arial" panose="020B0604020202020204" pitchFamily="34" charset="0"/>
+              </a:rPr>
+              <a:t>Initial project Spring</a:t>
+            </a:r>
+            <a:endParaRPr lang="en-US" dirty="0">
+              <a:latin typeface="Arial" panose="020B0604020202020204" pitchFamily="34" charset="0"/>
+              <a:cs typeface="Arial" panose="020B0604020202020204" pitchFamily="34" charset="0"/>
+            </a:endParaRPr>
+          </a:p>
+        </p:txBody>
+      </p:sp>
+      <p:sp>
+        <p:nvSpPr>
+          <p:cNvPr id="3" name="Content Placeholder 2"/>
+          <p:cNvSpPr>
+            <a:spLocks noGrp="1"/>
+          </p:cNvSpPr>
+          <p:nvPr>
+            <p:ph idx="1"/>
+          </p:nvPr>
+        </p:nvSpPr>
+        <p:spPr/>
+        <p:txBody>
+          <a:bodyPr/>
+          <a:lstStyle/>
+          <a:p>
+            <a:r>
+              <a:rPr lang="en-US" dirty="0" smtClean="0">
+                <a:latin typeface="Arial" panose="020B0604020202020204" pitchFamily="34" charset="0"/>
+                <a:cs typeface="Arial" panose="020B0604020202020204" pitchFamily="34" charset="0"/>
+              </a:rPr>
+              <a:t>Trường hợp mình chỉ rõ là phương thức GET thì khi sử dụng các phương thức khác sẽ không thể request được.</a:t>
+            </a:r>
+            <a:endParaRPr lang="en-US" dirty="0">
+              <a:latin typeface="Arial" panose="020B0604020202020204" pitchFamily="34" charset="0"/>
+              <a:cs typeface="Arial" panose="020B0604020202020204" pitchFamily="34" charset="0"/>
+            </a:endParaRPr>
+          </a:p>
+        </p:txBody>
+      </p:sp>
+      <p:pic>
+        <p:nvPicPr>
+          <p:cNvPr id="6" name="Picture 5"/>
+          <p:cNvPicPr>
+            <a:picLocks noChangeAspect="1"/>
+          </p:cNvPicPr>
+          <p:nvPr/>
+        </p:nvPicPr>
+        <p:blipFill>
+          <a:blip r:embed="rId2"/>
+          <a:stretch>
+            <a:fillRect/>
+          </a:stretch>
+        </p:blipFill>
+        <p:spPr>
+          <a:xfrm>
+            <a:off x="1118826" y="2923650"/>
+            <a:ext cx="5911082" cy="2876823"/>
+          </a:xfrm>
+          <a:prstGeom prst="rect">
+            <a:avLst/>
+          </a:prstGeom>
+        </p:spPr>
+      </p:pic>
+    </p:spTree>
+    <p:extLst>
+      <p:ext uri="{BB962C8B-B14F-4D97-AF65-F5344CB8AC3E}">
+        <p14:creationId xmlns:p14="http://schemas.microsoft.com/office/powerpoint/2010/main" val="2444971557"/>
+      </p:ext>
+    </p:extLst>
+  </p:cSld>
+  <p:clrMapOvr>
+    <a:masterClrMapping/>
+  </p:clrMapOvr>
+</p:sld>
+</file>
+
+<file path=ppt/slides/slide33.xml><?xml version="1.0" encoding="utf-8"?>
+<p:sld xmlns:a="http://schemas.openxmlformats.org/drawingml/2006/main" xmlns:r="http://schemas.openxmlformats.org/officeDocument/2006/relationships" xmlns:p="http://schemas.openxmlformats.org/presentationml/2006/main">
+  <p:cSld>
+    <p:spTree>
+      <p:nvGrpSpPr>
+        <p:cNvPr id="1" name=""/>
+        <p:cNvGrpSpPr/>
+        <p:nvPr/>
+      </p:nvGrpSpPr>
+      <p:grpSpPr>
+        <a:xfrm>
+          <a:off x="0" y="0"/>
+          <a:ext cx="0" cy="0"/>
+          <a:chOff x="0" y="0"/>
+          <a:chExt cx="0" cy="0"/>
+        </a:xfrm>
+      </p:grpSpPr>
+      <p:sp>
+        <p:nvSpPr>
+          <p:cNvPr id="2" name="Title 1"/>
+          <p:cNvSpPr>
+            <a:spLocks noGrp="1"/>
+          </p:cNvSpPr>
+          <p:nvPr>
+            <p:ph type="title"/>
+          </p:nvPr>
+        </p:nvSpPr>
+        <p:spPr/>
+        <p:txBody>
+          <a:bodyPr/>
+          <a:lstStyle/>
+          <a:p>
+            <a:r>
+              <a:rPr lang="en-US" dirty="0" smtClean="0">
+                <a:latin typeface="Arial" panose="020B0604020202020204" pitchFamily="34" charset="0"/>
+                <a:cs typeface="Arial" panose="020B0604020202020204" pitchFamily="34" charset="0"/>
+              </a:rPr>
+              <a:t>Initial project Spring</a:t>
+            </a:r>
+            <a:endParaRPr lang="en-US" dirty="0">
+              <a:latin typeface="Arial" panose="020B0604020202020204" pitchFamily="34" charset="0"/>
+              <a:cs typeface="Arial" panose="020B0604020202020204" pitchFamily="34" charset="0"/>
+            </a:endParaRPr>
+          </a:p>
+        </p:txBody>
+      </p:sp>
+      <p:sp>
+        <p:nvSpPr>
+          <p:cNvPr id="3" name="Content Placeholder 2"/>
+          <p:cNvSpPr>
+            <a:spLocks noGrp="1"/>
+          </p:cNvSpPr>
+          <p:nvPr>
+            <p:ph idx="1"/>
+          </p:nvPr>
+        </p:nvSpPr>
+        <p:spPr/>
+        <p:txBody>
+          <a:bodyPr/>
+          <a:lstStyle/>
+          <a:p>
+            <a:r>
+              <a:rPr lang="en-US" dirty="0" smtClean="0">
+                <a:latin typeface="Arial" panose="020B0604020202020204" pitchFamily="34" charset="0"/>
+                <a:cs typeface="Arial" panose="020B0604020202020204" pitchFamily="34" charset="0"/>
+              </a:rPr>
+              <a:t>HTTP Request là gì?</a:t>
+            </a:r>
+          </a:p>
+          <a:p>
+            <a:r>
+              <a:rPr lang="en-US" dirty="0" smtClean="0">
+                <a:cs typeface="Arial" panose="020B0604020202020204" pitchFamily="34" charset="0"/>
+              </a:rPr>
+              <a:t>H</a:t>
+            </a:r>
+            <a:r>
+              <a:rPr lang="vi-VN" dirty="0" smtClean="0">
+                <a:cs typeface="Arial" panose="020B0604020202020204" pitchFamily="34" charset="0"/>
+              </a:rPr>
+              <a:t>iểu đơn </a:t>
+            </a:r>
+            <a:r>
+              <a:rPr lang="vi-VN" dirty="0">
+                <a:cs typeface="Arial" panose="020B0604020202020204" pitchFamily="34" charset="0"/>
+              </a:rPr>
+              <a:t>giản là các thông tin sẽ được gửi từ </a:t>
+            </a:r>
+            <a:r>
+              <a:rPr lang="vi-VN" dirty="0" smtClean="0">
+                <a:cs typeface="Arial" panose="020B0604020202020204" pitchFamily="34" charset="0"/>
+              </a:rPr>
+              <a:t>client </a:t>
+            </a:r>
+            <a:r>
+              <a:rPr lang="vi-VN" dirty="0">
+                <a:cs typeface="Arial" panose="020B0604020202020204" pitchFamily="34" charset="0"/>
+              </a:rPr>
+              <a:t>lên server. Server sẽ có nhiệm vụ tìm và xử lý các loại dữ liệu, thông tin, client mong </a:t>
+            </a:r>
+            <a:r>
+              <a:rPr lang="vi-VN" dirty="0" smtClean="0">
+                <a:cs typeface="Arial" panose="020B0604020202020204" pitchFamily="34" charset="0"/>
+              </a:rPr>
+              <a:t>muốn.</a:t>
+            </a:r>
+            <a:endParaRPr lang="en-US" dirty="0" smtClean="0">
+              <a:cs typeface="Arial" panose="020B0604020202020204" pitchFamily="34" charset="0"/>
+            </a:endParaRPr>
+          </a:p>
+          <a:p>
+            <a:r>
+              <a:rPr lang="vi-VN" dirty="0" smtClean="0">
+                <a:cs typeface="Arial" panose="020B0604020202020204" pitchFamily="34" charset="0"/>
+              </a:rPr>
+              <a:t>HTTP </a:t>
+            </a:r>
+            <a:r>
+              <a:rPr lang="vi-VN" dirty="0">
+                <a:cs typeface="Arial" panose="020B0604020202020204" pitchFamily="34" charset="0"/>
+              </a:rPr>
+              <a:t>Request có thể tồn tại dưới file text hoặc dưới dạng XML hoặc dạng Json</a:t>
+            </a:r>
+            <a:r>
+              <a:rPr lang="vi-VN" dirty="0" smtClean="0">
+                <a:cs typeface="Arial" panose="020B0604020202020204" pitchFamily="34" charset="0"/>
+              </a:rPr>
+              <a:t>.</a:t>
+            </a:r>
+            <a:endParaRPr lang="en-US" dirty="0">
+              <a:latin typeface="Arial" panose="020B0604020202020204" pitchFamily="34" charset="0"/>
+              <a:cs typeface="Arial" panose="020B0604020202020204" pitchFamily="34" charset="0"/>
+            </a:endParaRPr>
+          </a:p>
+        </p:txBody>
+      </p:sp>
+    </p:spTree>
+    <p:extLst>
+      <p:ext uri="{BB962C8B-B14F-4D97-AF65-F5344CB8AC3E}">
+        <p14:creationId xmlns:p14="http://schemas.microsoft.com/office/powerpoint/2010/main" val="2906082633"/>
+      </p:ext>
+    </p:extLst>
+  </p:cSld>
+  <p:clrMapOvr>
+    <a:masterClrMapping/>
+  </p:clrMapOvr>
+</p:sld>
+</file>
+
+<file path=ppt/slides/slide34.xml><?xml version="1.0" encoding="utf-8"?>
+<p:sld xmlns:a="http://schemas.openxmlformats.org/drawingml/2006/main" xmlns:r="http://schemas.openxmlformats.org/officeDocument/2006/relationships" xmlns:p="http://schemas.openxmlformats.org/presentationml/2006/main">
+  <p:cSld>
+    <p:spTree>
+      <p:nvGrpSpPr>
+        <p:cNvPr id="1" name=""/>
+        <p:cNvGrpSpPr/>
+        <p:nvPr/>
+      </p:nvGrpSpPr>
+      <p:grpSpPr>
+        <a:xfrm>
+          <a:off x="0" y="0"/>
+          <a:ext cx="0" cy="0"/>
+          <a:chOff x="0" y="0"/>
+          <a:chExt cx="0" cy="0"/>
+        </a:xfrm>
+      </p:grpSpPr>
+      <p:sp>
+        <p:nvSpPr>
+          <p:cNvPr id="2" name="Title 1"/>
+          <p:cNvSpPr>
+            <a:spLocks noGrp="1"/>
+          </p:cNvSpPr>
+          <p:nvPr>
+            <p:ph type="title"/>
+          </p:nvPr>
+        </p:nvSpPr>
+        <p:spPr/>
+        <p:txBody>
+          <a:bodyPr/>
+          <a:lstStyle/>
+          <a:p>
+            <a:r>
+              <a:rPr lang="en-US" dirty="0" smtClean="0">
+                <a:latin typeface="Arial" panose="020B0604020202020204" pitchFamily="34" charset="0"/>
+                <a:cs typeface="Arial" panose="020B0604020202020204" pitchFamily="34" charset="0"/>
+              </a:rPr>
+              <a:t>Initial project Spring</a:t>
+            </a:r>
+            <a:endParaRPr lang="en-US" dirty="0">
+              <a:latin typeface="Arial" panose="020B0604020202020204" pitchFamily="34" charset="0"/>
+              <a:cs typeface="Arial" panose="020B0604020202020204" pitchFamily="34" charset="0"/>
+            </a:endParaRPr>
+          </a:p>
+        </p:txBody>
+      </p:sp>
+      <p:sp>
+        <p:nvSpPr>
+          <p:cNvPr id="3" name="Content Placeholder 2"/>
+          <p:cNvSpPr>
+            <a:spLocks noGrp="1"/>
+          </p:cNvSpPr>
+          <p:nvPr>
+            <p:ph idx="1"/>
+          </p:nvPr>
+        </p:nvSpPr>
+        <p:spPr/>
+        <p:txBody>
+          <a:bodyPr/>
+          <a:lstStyle/>
+          <a:p>
+            <a:r>
+              <a:rPr lang="en-US" dirty="0" smtClean="0">
+                <a:latin typeface="Arial" panose="020B0604020202020204" pitchFamily="34" charset="0"/>
+                <a:cs typeface="Arial" panose="020B0604020202020204" pitchFamily="34" charset="0"/>
+              </a:rPr>
+              <a:t>Cấu trúc của một HTTP Request?</a:t>
+            </a:r>
+          </a:p>
+        </p:txBody>
+      </p:sp>
+      <p:pic>
+        <p:nvPicPr>
+          <p:cNvPr id="1026" name="Picture 2" descr="Http Request and Response. An HTTP (Hypertext Transfer Protocol)… | by Raza  | Medium"/>
+          <p:cNvPicPr>
+            <a:picLocks noChangeAspect="1" noChangeArrowheads="1"/>
+          </p:cNvPicPr>
+          <p:nvPr/>
+        </p:nvPicPr>
+        <p:blipFill>
+          <a:blip r:embed="rId2">
+            <a:extLst>
+              <a:ext uri="{28A0092B-C50C-407E-A947-70E740481C1C}">
+                <a14:useLocalDpi xmlns:a14="http://schemas.microsoft.com/office/drawing/2010/main" val="0"/>
+              </a:ext>
+            </a:extLst>
+          </a:blip>
+          <a:srcRect/>
+          <a:stretch>
+            <a:fillRect/>
+          </a:stretch>
+        </p:blipFill>
+        <p:spPr bwMode="auto">
+          <a:xfrm>
+            <a:off x="3749841" y="2702399"/>
+            <a:ext cx="4692318" cy="3255295"/>
+          </a:xfrm>
+          <a:prstGeom prst="rect">
+            <a:avLst/>
+          </a:prstGeom>
+          <a:noFill/>
+          <a:extLst>
+            <a:ext uri="{909E8E84-426E-40DD-AFC4-6F175D3DCCD1}">
+              <a14:hiddenFill xmlns:a14="http://schemas.microsoft.com/office/drawing/2010/main">
+                <a:solidFill>
+                  <a:srgbClr val="FFFFFF"/>
+                </a:solidFill>
+              </a14:hiddenFill>
+            </a:ext>
+          </a:extLst>
+        </p:spPr>
+      </p:pic>
+    </p:spTree>
+    <p:extLst>
+      <p:ext uri="{BB962C8B-B14F-4D97-AF65-F5344CB8AC3E}">
+        <p14:creationId xmlns:p14="http://schemas.microsoft.com/office/powerpoint/2010/main" val="451172506"/>
+      </p:ext>
+    </p:extLst>
+  </p:cSld>
+  <p:clrMapOvr>
+    <a:masterClrMapping/>
+  </p:clrMapOvr>
+</p:sld>
+</file>
+
+<file path=ppt/slides/slide35.xml><?xml version="1.0" encoding="utf-8"?>
+<p:sld xmlns:a="http://schemas.openxmlformats.org/drawingml/2006/main" xmlns:r="http://schemas.openxmlformats.org/officeDocument/2006/relationships" xmlns:p="http://schemas.openxmlformats.org/presentationml/2006/main">
+  <p:cSld>
+    <p:spTree>
+      <p:nvGrpSpPr>
+        <p:cNvPr id="1" name=""/>
+        <p:cNvGrpSpPr/>
+        <p:nvPr/>
+      </p:nvGrpSpPr>
+      <p:grpSpPr>
+        <a:xfrm>
+          <a:off x="0" y="0"/>
+          <a:ext cx="0" cy="0"/>
+          <a:chOff x="0" y="0"/>
+          <a:chExt cx="0" cy="0"/>
+        </a:xfrm>
+      </p:grpSpPr>
+      <p:sp>
+        <p:nvSpPr>
+          <p:cNvPr id="2" name="Title 1"/>
+          <p:cNvSpPr>
+            <a:spLocks noGrp="1"/>
+          </p:cNvSpPr>
+          <p:nvPr>
+            <p:ph type="title"/>
+          </p:nvPr>
+        </p:nvSpPr>
+        <p:spPr/>
+        <p:txBody>
+          <a:bodyPr/>
+          <a:lstStyle/>
+          <a:p>
+            <a:r>
+              <a:rPr lang="en-US" dirty="0" smtClean="0">
+                <a:latin typeface="Arial" panose="020B0604020202020204" pitchFamily="34" charset="0"/>
+                <a:cs typeface="Arial" panose="020B0604020202020204" pitchFamily="34" charset="0"/>
+              </a:rPr>
+              <a:t>Initial project Spring</a:t>
+            </a:r>
+            <a:endParaRPr lang="en-US" dirty="0">
+              <a:latin typeface="Arial" panose="020B0604020202020204" pitchFamily="34" charset="0"/>
+              <a:cs typeface="Arial" panose="020B0604020202020204" pitchFamily="34" charset="0"/>
+            </a:endParaRPr>
+          </a:p>
+        </p:txBody>
+      </p:sp>
+      <p:sp>
+        <p:nvSpPr>
+          <p:cNvPr id="3" name="Content Placeholder 2"/>
+          <p:cNvSpPr>
+            <a:spLocks noGrp="1"/>
+          </p:cNvSpPr>
+          <p:nvPr>
+            <p:ph idx="1"/>
+          </p:nvPr>
+        </p:nvSpPr>
+        <p:spPr>
+          <a:xfrm>
+            <a:off x="677334" y="2160589"/>
+            <a:ext cx="5636698" cy="3880773"/>
+          </a:xfrm>
+        </p:spPr>
+        <p:txBody>
+          <a:bodyPr/>
+          <a:lstStyle/>
+          <a:p>
+            <a:r>
+              <a:rPr lang="vi-VN" dirty="0">
+                <a:cs typeface="Arial" panose="020B0604020202020204" pitchFamily="34" charset="0"/>
+              </a:rPr>
+              <a:t>HTTP Method (Phương thức HTTP</a:t>
+            </a:r>
+            <a:r>
+              <a:rPr lang="vi-VN" dirty="0" smtClean="0">
+                <a:cs typeface="Arial" panose="020B0604020202020204" pitchFamily="34" charset="0"/>
+              </a:rPr>
+              <a:t>):</a:t>
+            </a:r>
+            <a:r>
+              <a:rPr lang="en-US" dirty="0" smtClean="0">
+                <a:cs typeface="Arial" panose="020B0604020202020204" pitchFamily="34" charset="0"/>
+              </a:rPr>
+              <a:t> </a:t>
+            </a:r>
+            <a:r>
+              <a:rPr lang="vi-VN" dirty="0" smtClean="0">
+                <a:cs typeface="Arial" panose="020B0604020202020204" pitchFamily="34" charset="0"/>
+              </a:rPr>
+              <a:t>Xác </a:t>
+            </a:r>
+            <a:r>
+              <a:rPr lang="vi-VN" dirty="0">
+                <a:cs typeface="Arial" panose="020B0604020202020204" pitchFamily="34" charset="0"/>
+              </a:rPr>
+              <a:t>định hành động mà client (người dùng hoặc ứng dụng) muốn thực </a:t>
+            </a:r>
+            <a:r>
+              <a:rPr lang="vi-VN" dirty="0" smtClean="0">
+                <a:cs typeface="Arial" panose="020B0604020202020204" pitchFamily="34" charset="0"/>
+              </a:rPr>
+              <a:t>hiện.</a:t>
+            </a:r>
+            <a:endParaRPr lang="en-US" dirty="0" smtClean="0">
+              <a:cs typeface="Arial" panose="020B0604020202020204" pitchFamily="34" charset="0"/>
+            </a:endParaRPr>
+          </a:p>
+          <a:p>
+            <a:r>
+              <a:rPr lang="vi-VN" dirty="0" smtClean="0">
+                <a:cs typeface="Arial" panose="020B0604020202020204" pitchFamily="34" charset="0"/>
+              </a:rPr>
+              <a:t>Các </a:t>
+            </a:r>
+            <a:r>
+              <a:rPr lang="vi-VN" dirty="0">
+                <a:cs typeface="Arial" panose="020B0604020202020204" pitchFamily="34" charset="0"/>
+              </a:rPr>
+              <a:t>phương thức phổ biến nhất là GET, POST, PUT, </a:t>
+            </a:r>
+            <a:r>
+              <a:rPr lang="vi-VN" dirty="0" smtClean="0">
+                <a:cs typeface="Arial" panose="020B0604020202020204" pitchFamily="34" charset="0"/>
+              </a:rPr>
+              <a:t>DELETE.</a:t>
+            </a:r>
+            <a:endParaRPr lang="en-US" dirty="0" smtClean="0">
+              <a:latin typeface="Arial" panose="020B0604020202020204" pitchFamily="34" charset="0"/>
+              <a:cs typeface="Arial" panose="020B0604020202020204" pitchFamily="34" charset="0"/>
+            </a:endParaRPr>
+          </a:p>
+        </p:txBody>
+      </p:sp>
+      <p:pic>
+        <p:nvPicPr>
+          <p:cNvPr id="1026" name="Picture 2" descr="Http Request and Response. An HTTP (Hypertext Transfer Protocol)… | by Raza  | Medium"/>
+          <p:cNvPicPr>
+            <a:picLocks noChangeAspect="1" noChangeArrowheads="1"/>
+          </p:cNvPicPr>
+          <p:nvPr/>
+        </p:nvPicPr>
+        <p:blipFill>
+          <a:blip r:embed="rId2">
+            <a:extLst>
+              <a:ext uri="{28A0092B-C50C-407E-A947-70E740481C1C}">
+                <a14:useLocalDpi xmlns:a14="http://schemas.microsoft.com/office/drawing/2010/main" val="0"/>
+              </a:ext>
+            </a:extLst>
+          </a:blip>
+          <a:srcRect/>
+          <a:stretch>
+            <a:fillRect/>
+          </a:stretch>
+        </p:blipFill>
+        <p:spPr bwMode="auto">
+          <a:xfrm>
+            <a:off x="6466343" y="2535537"/>
+            <a:ext cx="4692318" cy="3255295"/>
+          </a:xfrm>
+          <a:prstGeom prst="rect">
+            <a:avLst/>
+          </a:prstGeom>
+          <a:noFill/>
+          <a:extLst>
+            <a:ext uri="{909E8E84-426E-40DD-AFC4-6F175D3DCCD1}">
+              <a14:hiddenFill xmlns:a14="http://schemas.microsoft.com/office/drawing/2010/main">
+                <a:solidFill>
+                  <a:srgbClr val="FFFFFF"/>
+                </a:solidFill>
+              </a14:hiddenFill>
+            </a:ext>
+          </a:extLst>
+        </p:spPr>
+      </p:pic>
+    </p:spTree>
+    <p:extLst>
+      <p:ext uri="{BB962C8B-B14F-4D97-AF65-F5344CB8AC3E}">
+        <p14:creationId xmlns:p14="http://schemas.microsoft.com/office/powerpoint/2010/main" val="790488990"/>
+      </p:ext>
+    </p:extLst>
+  </p:cSld>
+  <p:clrMapOvr>
+    <a:masterClrMapping/>
+  </p:clrMapOvr>
+</p:sld>
+</file>
+
+<file path=ppt/slides/slide36.xml><?xml version="1.0" encoding="utf-8"?>
+<p:sld xmlns:a="http://schemas.openxmlformats.org/drawingml/2006/main" xmlns:r="http://schemas.openxmlformats.org/officeDocument/2006/relationships" xmlns:p="http://schemas.openxmlformats.org/presentationml/2006/main">
+  <p:cSld>
+    <p:spTree>
+      <p:nvGrpSpPr>
+        <p:cNvPr id="1" name=""/>
+        <p:cNvGrpSpPr/>
+        <p:nvPr/>
+      </p:nvGrpSpPr>
+      <p:grpSpPr>
+        <a:xfrm>
+          <a:off x="0" y="0"/>
+          <a:ext cx="0" cy="0"/>
+          <a:chOff x="0" y="0"/>
+          <a:chExt cx="0" cy="0"/>
+        </a:xfrm>
+      </p:grpSpPr>
+      <p:sp>
+        <p:nvSpPr>
+          <p:cNvPr id="2" name="Title 1"/>
+          <p:cNvSpPr>
+            <a:spLocks noGrp="1"/>
+          </p:cNvSpPr>
+          <p:nvPr>
+            <p:ph type="title"/>
+          </p:nvPr>
+        </p:nvSpPr>
+        <p:spPr/>
+        <p:txBody>
+          <a:bodyPr/>
+          <a:lstStyle/>
+          <a:p>
+            <a:r>
+              <a:rPr lang="en-US" dirty="0" smtClean="0">
+                <a:latin typeface="Arial" panose="020B0604020202020204" pitchFamily="34" charset="0"/>
+                <a:cs typeface="Arial" panose="020B0604020202020204" pitchFamily="34" charset="0"/>
+              </a:rPr>
+              <a:t>Initial project Spring</a:t>
+            </a:r>
+            <a:endParaRPr lang="en-US" dirty="0">
+              <a:latin typeface="Arial" panose="020B0604020202020204" pitchFamily="34" charset="0"/>
+              <a:cs typeface="Arial" panose="020B0604020202020204" pitchFamily="34" charset="0"/>
+            </a:endParaRPr>
+          </a:p>
+        </p:txBody>
+      </p:sp>
+      <p:sp>
+        <p:nvSpPr>
+          <p:cNvPr id="3" name="Content Placeholder 2"/>
+          <p:cNvSpPr>
+            <a:spLocks noGrp="1"/>
+          </p:cNvSpPr>
+          <p:nvPr>
+            <p:ph idx="1"/>
+          </p:nvPr>
+        </p:nvSpPr>
+        <p:spPr>
+          <a:xfrm>
+            <a:off x="677334" y="2160589"/>
+            <a:ext cx="5636698" cy="3880773"/>
+          </a:xfrm>
+        </p:spPr>
+        <p:txBody>
+          <a:bodyPr/>
+          <a:lstStyle/>
+          <a:p>
+            <a:r>
+              <a:rPr lang="vi-VN" dirty="0">
+                <a:cs typeface="Arial" panose="020B0604020202020204" pitchFamily="34" charset="0"/>
+              </a:rPr>
+              <a:t>URL (Uniform Resource Locator</a:t>
+            </a:r>
+            <a:r>
+              <a:rPr lang="vi-VN" dirty="0" smtClean="0">
+                <a:cs typeface="Arial" panose="020B0604020202020204" pitchFamily="34" charset="0"/>
+              </a:rPr>
+              <a:t>):</a:t>
+            </a:r>
+            <a:r>
+              <a:rPr lang="en-US" dirty="0" smtClean="0">
+                <a:cs typeface="Arial" panose="020B0604020202020204" pitchFamily="34" charset="0"/>
+              </a:rPr>
+              <a:t> </a:t>
+            </a:r>
+            <a:r>
+              <a:rPr lang="vi-VN" dirty="0" smtClean="0">
+                <a:cs typeface="Arial" panose="020B0604020202020204" pitchFamily="34" charset="0"/>
+              </a:rPr>
+              <a:t>Địa </a:t>
+            </a:r>
+            <a:r>
+              <a:rPr lang="vi-VN" dirty="0">
+                <a:cs typeface="Arial" panose="020B0604020202020204" pitchFamily="34" charset="0"/>
+              </a:rPr>
+              <a:t>chỉ cụ thể </a:t>
+            </a:r>
+            <a:r>
+              <a:rPr lang="vi-VN" dirty="0" smtClean="0">
+                <a:cs typeface="Arial" panose="020B0604020202020204" pitchFamily="34" charset="0"/>
+              </a:rPr>
+              <a:t>mà </a:t>
+            </a:r>
+            <a:r>
+              <a:rPr lang="vi-VN" dirty="0">
+                <a:cs typeface="Arial" panose="020B0604020202020204" pitchFamily="34" charset="0"/>
+              </a:rPr>
+              <a:t>client muốn tương tác với server</a:t>
+            </a:r>
+            <a:r>
+              <a:rPr lang="vi-VN" dirty="0" smtClean="0">
+                <a:cs typeface="Arial" panose="020B0604020202020204" pitchFamily="34" charset="0"/>
+              </a:rPr>
+              <a:t>.</a:t>
+            </a:r>
+            <a:endParaRPr lang="en-US" dirty="0" smtClean="0">
+              <a:cs typeface="Arial" panose="020B0604020202020204" pitchFamily="34" charset="0"/>
+            </a:endParaRPr>
+          </a:p>
+          <a:p>
+            <a:endParaRPr lang="en-US" dirty="0">
+              <a:latin typeface="Arial" panose="020B0604020202020204" pitchFamily="34" charset="0"/>
+              <a:cs typeface="Arial" panose="020B0604020202020204" pitchFamily="34" charset="0"/>
+            </a:endParaRPr>
+          </a:p>
+          <a:p>
+            <a:r>
+              <a:rPr lang="en-US" dirty="0" smtClean="0">
+                <a:latin typeface="Arial" panose="020B0604020202020204" pitchFamily="34" charset="0"/>
+                <a:cs typeface="Arial" panose="020B0604020202020204" pitchFamily="34" charset="0"/>
+              </a:rPr>
+              <a:t>Protocal version (HTTP </a:t>
+            </a:r>
+            <a:r>
+              <a:rPr lang="en-US" dirty="0">
+                <a:latin typeface="Arial" panose="020B0604020202020204" pitchFamily="34" charset="0"/>
+                <a:cs typeface="Arial" panose="020B0604020202020204" pitchFamily="34" charset="0"/>
+              </a:rPr>
+              <a:t>version): Đây là phiên bản </a:t>
+            </a:r>
+            <a:r>
+              <a:rPr lang="en-US" dirty="0" smtClean="0">
+                <a:latin typeface="Arial" panose="020B0604020202020204" pitchFamily="34" charset="0"/>
+                <a:cs typeface="Arial" panose="020B0604020202020204" pitchFamily="34" charset="0"/>
+              </a:rPr>
+              <a:t>HTTP, phổ </a:t>
+            </a:r>
+            <a:r>
+              <a:rPr lang="en-US" dirty="0">
+                <a:latin typeface="Arial" panose="020B0604020202020204" pitchFamily="34" charset="0"/>
+                <a:cs typeface="Arial" panose="020B0604020202020204" pitchFamily="34" charset="0"/>
+              </a:rPr>
+              <a:t>biến nhất là HTTP/1.0 hay HTTP/1.1.</a:t>
+            </a:r>
+            <a:endParaRPr lang="en-US" dirty="0" smtClean="0">
+              <a:latin typeface="Arial" panose="020B0604020202020204" pitchFamily="34" charset="0"/>
+              <a:cs typeface="Arial" panose="020B0604020202020204" pitchFamily="34" charset="0"/>
+            </a:endParaRPr>
+          </a:p>
+        </p:txBody>
+      </p:sp>
+      <p:pic>
+        <p:nvPicPr>
+          <p:cNvPr id="1026" name="Picture 2" descr="Http Request and Response. An HTTP (Hypertext Transfer Protocol)… | by Raza  | Medium"/>
+          <p:cNvPicPr>
+            <a:picLocks noChangeAspect="1" noChangeArrowheads="1"/>
+          </p:cNvPicPr>
+          <p:nvPr/>
+        </p:nvPicPr>
+        <p:blipFill>
+          <a:blip r:embed="rId2">
+            <a:extLst>
+              <a:ext uri="{28A0092B-C50C-407E-A947-70E740481C1C}">
+                <a14:useLocalDpi xmlns:a14="http://schemas.microsoft.com/office/drawing/2010/main" val="0"/>
+              </a:ext>
+            </a:extLst>
+          </a:blip>
+          <a:srcRect/>
+          <a:stretch>
+            <a:fillRect/>
+          </a:stretch>
+        </p:blipFill>
+        <p:spPr bwMode="auto">
+          <a:xfrm>
+            <a:off x="6466343" y="2535537"/>
+            <a:ext cx="4692318" cy="3255295"/>
+          </a:xfrm>
+          <a:prstGeom prst="rect">
+            <a:avLst/>
+          </a:prstGeom>
+          <a:noFill/>
+          <a:extLst>
+            <a:ext uri="{909E8E84-426E-40DD-AFC4-6F175D3DCCD1}">
+              <a14:hiddenFill xmlns:a14="http://schemas.microsoft.com/office/drawing/2010/main">
+                <a:solidFill>
+                  <a:srgbClr val="FFFFFF"/>
+                </a:solidFill>
+              </a14:hiddenFill>
+            </a:ext>
+          </a:extLst>
+        </p:spPr>
+      </p:pic>
+    </p:spTree>
+    <p:extLst>
+      <p:ext uri="{BB962C8B-B14F-4D97-AF65-F5344CB8AC3E}">
+        <p14:creationId xmlns:p14="http://schemas.microsoft.com/office/powerpoint/2010/main" val="3771347009"/>
+      </p:ext>
+    </p:extLst>
+  </p:cSld>
+  <p:clrMapOvr>
+    <a:masterClrMapping/>
+  </p:clrMapOvr>
+</p:sld>
+</file>
+
+<file path=ppt/slides/slide37.xml><?xml version="1.0" encoding="utf-8"?>
+<p:sld xmlns:a="http://schemas.openxmlformats.org/drawingml/2006/main" xmlns:r="http://schemas.openxmlformats.org/officeDocument/2006/relationships" xmlns:p="http://schemas.openxmlformats.org/presentationml/2006/main">
+  <p:cSld>
+    <p:spTree>
+      <p:nvGrpSpPr>
+        <p:cNvPr id="1" name=""/>
+        <p:cNvGrpSpPr/>
+        <p:nvPr/>
+      </p:nvGrpSpPr>
+      <p:grpSpPr>
+        <a:xfrm>
+          <a:off x="0" y="0"/>
+          <a:ext cx="0" cy="0"/>
+          <a:chOff x="0" y="0"/>
+          <a:chExt cx="0" cy="0"/>
+        </a:xfrm>
+      </p:grpSpPr>
+      <p:sp>
+        <p:nvSpPr>
+          <p:cNvPr id="2" name="Title 1"/>
+          <p:cNvSpPr>
+            <a:spLocks noGrp="1"/>
+          </p:cNvSpPr>
+          <p:nvPr>
+            <p:ph type="title"/>
+          </p:nvPr>
+        </p:nvSpPr>
+        <p:spPr/>
+        <p:txBody>
+          <a:bodyPr/>
+          <a:lstStyle/>
+          <a:p>
+            <a:r>
+              <a:rPr lang="en-US" dirty="0" smtClean="0">
+                <a:latin typeface="Arial" panose="020B0604020202020204" pitchFamily="34" charset="0"/>
+                <a:cs typeface="Arial" panose="020B0604020202020204" pitchFamily="34" charset="0"/>
+              </a:rPr>
+              <a:t>Initial project Spring</a:t>
+            </a:r>
+            <a:endParaRPr lang="en-US" dirty="0">
+              <a:latin typeface="Arial" panose="020B0604020202020204" pitchFamily="34" charset="0"/>
+              <a:cs typeface="Arial" panose="020B0604020202020204" pitchFamily="34" charset="0"/>
+            </a:endParaRPr>
+          </a:p>
+        </p:txBody>
+      </p:sp>
+      <p:sp>
+        <p:nvSpPr>
+          <p:cNvPr id="3" name="Content Placeholder 2"/>
+          <p:cNvSpPr>
+            <a:spLocks noGrp="1"/>
+          </p:cNvSpPr>
+          <p:nvPr>
+            <p:ph idx="1"/>
+          </p:nvPr>
+        </p:nvSpPr>
+        <p:spPr>
+          <a:xfrm>
+            <a:off x="677334" y="2160589"/>
+            <a:ext cx="5636698" cy="3880773"/>
+          </a:xfrm>
+        </p:spPr>
+        <p:txBody>
+          <a:bodyPr/>
+          <a:lstStyle/>
+          <a:p>
+            <a:r>
+              <a:rPr lang="vi-VN" dirty="0">
+                <a:cs typeface="Arial" panose="020B0604020202020204" pitchFamily="34" charset="0"/>
+              </a:rPr>
+              <a:t>Headers (Tiêu đề</a:t>
+            </a:r>
+            <a:r>
+              <a:rPr lang="vi-VN" dirty="0" smtClean="0">
+                <a:cs typeface="Arial" panose="020B0604020202020204" pitchFamily="34" charset="0"/>
+              </a:rPr>
+              <a:t>):</a:t>
+            </a:r>
+            <a:r>
+              <a:rPr lang="en-US" dirty="0" smtClean="0">
+                <a:cs typeface="Arial" panose="020B0604020202020204" pitchFamily="34" charset="0"/>
+              </a:rPr>
+              <a:t> </a:t>
+            </a:r>
+            <a:r>
+              <a:rPr lang="vi-VN" dirty="0" smtClean="0">
+                <a:cs typeface="Arial" panose="020B0604020202020204" pitchFamily="34" charset="0"/>
+              </a:rPr>
+              <a:t>Chứa </a:t>
+            </a:r>
+            <a:r>
+              <a:rPr lang="vi-VN" dirty="0">
+                <a:cs typeface="Arial" panose="020B0604020202020204" pitchFamily="34" charset="0"/>
+              </a:rPr>
+              <a:t>các thông tin bổ sung cho request, </a:t>
+            </a:r>
+            <a:r>
+              <a:rPr lang="vi-VN" dirty="0" smtClean="0">
+                <a:cs typeface="Arial" panose="020B0604020202020204" pitchFamily="34" charset="0"/>
+              </a:rPr>
+              <a:t>như</a:t>
+            </a:r>
+            <a:r>
+              <a:rPr lang="en-US" dirty="0" smtClean="0">
+                <a:cs typeface="Arial" panose="020B0604020202020204" pitchFamily="34" charset="0"/>
+              </a:rPr>
+              <a:t>:</a:t>
+            </a:r>
+          </a:p>
+          <a:p>
+            <a:pPr lvl="1"/>
+            <a:r>
+              <a:rPr lang="en-US" dirty="0" smtClean="0">
+                <a:cs typeface="Arial" panose="020B0604020202020204" pitchFamily="34" charset="0"/>
+              </a:rPr>
+              <a:t>L</a:t>
+            </a:r>
+            <a:r>
+              <a:rPr lang="vi-VN" dirty="0" smtClean="0">
+                <a:cs typeface="Arial" panose="020B0604020202020204" pitchFamily="34" charset="0"/>
+              </a:rPr>
+              <a:t>oại </a:t>
+            </a:r>
+            <a:r>
+              <a:rPr lang="vi-VN" dirty="0">
+                <a:cs typeface="Arial" panose="020B0604020202020204" pitchFamily="34" charset="0"/>
+              </a:rPr>
+              <a:t>nội dung (</a:t>
+            </a:r>
+            <a:r>
+              <a:rPr lang="vi-VN" dirty="0" smtClean="0">
+                <a:cs typeface="Arial" panose="020B0604020202020204" pitchFamily="34" charset="0"/>
+              </a:rPr>
+              <a:t>Content-Type)</a:t>
+            </a:r>
+            <a:endParaRPr lang="en-US" dirty="0" smtClean="0">
+              <a:cs typeface="Arial" panose="020B0604020202020204" pitchFamily="34" charset="0"/>
+            </a:endParaRPr>
+          </a:p>
+          <a:p>
+            <a:pPr lvl="1"/>
+            <a:r>
+              <a:rPr lang="en-US" dirty="0" smtClean="0">
+                <a:cs typeface="Arial" panose="020B0604020202020204" pitchFamily="34" charset="0"/>
+              </a:rPr>
+              <a:t>T</a:t>
+            </a:r>
+            <a:r>
+              <a:rPr lang="vi-VN" dirty="0" smtClean="0">
+                <a:cs typeface="Arial" panose="020B0604020202020204" pitchFamily="34" charset="0"/>
+              </a:rPr>
+              <a:t>hông </a:t>
+            </a:r>
+            <a:r>
+              <a:rPr lang="vi-VN" dirty="0">
+                <a:cs typeface="Arial" panose="020B0604020202020204" pitchFamily="34" charset="0"/>
+              </a:rPr>
+              <a:t>tin xác thực (</a:t>
+            </a:r>
+            <a:r>
+              <a:rPr lang="vi-VN" dirty="0" smtClean="0">
+                <a:cs typeface="Arial" panose="020B0604020202020204" pitchFamily="34" charset="0"/>
+              </a:rPr>
+              <a:t>Authorization)</a:t>
+            </a:r>
+            <a:endParaRPr lang="en-US" dirty="0" smtClean="0">
+              <a:cs typeface="Arial" panose="020B0604020202020204" pitchFamily="34" charset="0"/>
+            </a:endParaRPr>
+          </a:p>
+          <a:p>
+            <a:pPr lvl="1"/>
+            <a:r>
+              <a:rPr lang="en-US" dirty="0" smtClean="0">
+                <a:cs typeface="Arial" panose="020B0604020202020204" pitchFamily="34" charset="0"/>
+              </a:rPr>
+              <a:t>T</a:t>
+            </a:r>
+            <a:r>
+              <a:rPr lang="vi-VN" dirty="0" smtClean="0">
+                <a:cs typeface="Arial" panose="020B0604020202020204" pitchFamily="34" charset="0"/>
+              </a:rPr>
+              <a:t>hông </a:t>
+            </a:r>
+            <a:r>
+              <a:rPr lang="vi-VN" dirty="0">
+                <a:cs typeface="Arial" panose="020B0604020202020204" pitchFamily="34" charset="0"/>
+              </a:rPr>
+              <a:t>tin về ngôn ngữ (Accept-Language</a:t>
+            </a:r>
+            <a:r>
+              <a:rPr lang="vi-VN" dirty="0" smtClean="0">
+                <a:cs typeface="Arial" panose="020B0604020202020204" pitchFamily="34" charset="0"/>
+              </a:rPr>
+              <a:t>)</a:t>
+            </a:r>
+            <a:endParaRPr lang="en-US" dirty="0" smtClean="0">
+              <a:cs typeface="Arial" panose="020B0604020202020204" pitchFamily="34" charset="0"/>
+            </a:endParaRPr>
+          </a:p>
+          <a:p>
+            <a:pPr lvl="1"/>
+            <a:r>
+              <a:rPr lang="en-US" dirty="0" smtClean="0">
+                <a:cs typeface="Arial" panose="020B0604020202020204" pitchFamily="34" charset="0"/>
+              </a:rPr>
+              <a:t>...</a:t>
+            </a:r>
+          </a:p>
+          <a:p>
+            <a:r>
+              <a:rPr lang="vi-VN" dirty="0" smtClean="0">
+                <a:cs typeface="Arial" panose="020B0604020202020204" pitchFamily="34" charset="0"/>
+              </a:rPr>
+              <a:t>Headers </a:t>
+            </a:r>
+            <a:r>
+              <a:rPr lang="vi-VN" dirty="0">
+                <a:cs typeface="Arial" panose="020B0604020202020204" pitchFamily="34" charset="0"/>
+              </a:rPr>
+              <a:t>thường đi kèm với mỗi request để server có thể hiểu và xử lý yêu cầu đúng cách.</a:t>
+            </a:r>
+            <a:endParaRPr lang="en-US" dirty="0" smtClean="0">
+              <a:latin typeface="Arial" panose="020B0604020202020204" pitchFamily="34" charset="0"/>
+              <a:cs typeface="Arial" panose="020B0604020202020204" pitchFamily="34" charset="0"/>
+            </a:endParaRPr>
+          </a:p>
+        </p:txBody>
+      </p:sp>
+      <p:pic>
+        <p:nvPicPr>
+          <p:cNvPr id="1026" name="Picture 2" descr="Http Request and Response. An HTTP (Hypertext Transfer Protocol)… | by Raza  | Medium"/>
+          <p:cNvPicPr>
+            <a:picLocks noChangeAspect="1" noChangeArrowheads="1"/>
+          </p:cNvPicPr>
+          <p:nvPr/>
+        </p:nvPicPr>
+        <p:blipFill>
+          <a:blip r:embed="rId2">
+            <a:extLst>
+              <a:ext uri="{28A0092B-C50C-407E-A947-70E740481C1C}">
+                <a14:useLocalDpi xmlns:a14="http://schemas.microsoft.com/office/drawing/2010/main" val="0"/>
+              </a:ext>
+            </a:extLst>
+          </a:blip>
+          <a:srcRect/>
+          <a:stretch>
+            <a:fillRect/>
+          </a:stretch>
+        </p:blipFill>
+        <p:spPr bwMode="auto">
+          <a:xfrm>
+            <a:off x="6466343" y="2535537"/>
+            <a:ext cx="4692318" cy="3255295"/>
+          </a:xfrm>
+          <a:prstGeom prst="rect">
+            <a:avLst/>
+          </a:prstGeom>
+          <a:noFill/>
+          <a:extLst>
+            <a:ext uri="{909E8E84-426E-40DD-AFC4-6F175D3DCCD1}">
+              <a14:hiddenFill xmlns:a14="http://schemas.microsoft.com/office/drawing/2010/main">
+                <a:solidFill>
+                  <a:srgbClr val="FFFFFF"/>
+                </a:solidFill>
+              </a14:hiddenFill>
+            </a:ext>
+          </a:extLst>
+        </p:spPr>
+      </p:pic>
+    </p:spTree>
+    <p:extLst>
+      <p:ext uri="{BB962C8B-B14F-4D97-AF65-F5344CB8AC3E}">
+        <p14:creationId xmlns:p14="http://schemas.microsoft.com/office/powerpoint/2010/main" val="2737553928"/>
+      </p:ext>
+    </p:extLst>
+  </p:cSld>
+  <p:clrMapOvr>
+    <a:masterClrMapping/>
+  </p:clrMapOvr>
+</p:sld>
+</file>
+
+<file path=ppt/slides/slide38.xml><?xml version="1.0" encoding="utf-8"?>
+<p:sld xmlns:a="http://schemas.openxmlformats.org/drawingml/2006/main" xmlns:r="http://schemas.openxmlformats.org/officeDocument/2006/relationships" xmlns:p="http://schemas.openxmlformats.org/presentationml/2006/main">
+  <p:cSld>
+    <p:spTree>
+      <p:nvGrpSpPr>
+        <p:cNvPr id="1" name=""/>
+        <p:cNvGrpSpPr/>
+        <p:nvPr/>
+      </p:nvGrpSpPr>
+      <p:grpSpPr>
+        <a:xfrm>
+          <a:off x="0" y="0"/>
+          <a:ext cx="0" cy="0"/>
+          <a:chOff x="0" y="0"/>
+          <a:chExt cx="0" cy="0"/>
+        </a:xfrm>
+      </p:grpSpPr>
+      <p:sp>
+        <p:nvSpPr>
+          <p:cNvPr id="2" name="Title 1"/>
+          <p:cNvSpPr>
+            <a:spLocks noGrp="1"/>
+          </p:cNvSpPr>
+          <p:nvPr>
+            <p:ph type="title"/>
+          </p:nvPr>
+        </p:nvSpPr>
+        <p:spPr/>
+        <p:txBody>
+          <a:bodyPr/>
+          <a:lstStyle/>
+          <a:p>
+            <a:r>
+              <a:rPr lang="en-US" dirty="0" smtClean="0">
+                <a:latin typeface="Arial" panose="020B0604020202020204" pitchFamily="34" charset="0"/>
+                <a:cs typeface="Arial" panose="020B0604020202020204" pitchFamily="34" charset="0"/>
+              </a:rPr>
+              <a:t>Initial project Spring</a:t>
+            </a:r>
+            <a:endParaRPr lang="en-US" dirty="0">
+              <a:latin typeface="Arial" panose="020B0604020202020204" pitchFamily="34" charset="0"/>
+              <a:cs typeface="Arial" panose="020B0604020202020204" pitchFamily="34" charset="0"/>
+            </a:endParaRPr>
+          </a:p>
+        </p:txBody>
+      </p:sp>
+      <p:sp>
+        <p:nvSpPr>
+          <p:cNvPr id="3" name="Content Placeholder 2"/>
+          <p:cNvSpPr>
+            <a:spLocks noGrp="1"/>
+          </p:cNvSpPr>
+          <p:nvPr>
+            <p:ph idx="1"/>
+          </p:nvPr>
+        </p:nvSpPr>
+        <p:spPr>
+          <a:xfrm>
+            <a:off x="677334" y="2160589"/>
+            <a:ext cx="5636698" cy="3880773"/>
+          </a:xfrm>
+        </p:spPr>
+        <p:txBody>
+          <a:bodyPr/>
+          <a:lstStyle/>
+          <a:p>
+            <a:r>
+              <a:rPr lang="vi-VN" dirty="0">
+                <a:cs typeface="Arial" panose="020B0604020202020204" pitchFamily="34" charset="0"/>
+              </a:rPr>
+              <a:t>Body (Thân request</a:t>
+            </a:r>
+            <a:r>
+              <a:rPr lang="vi-VN" dirty="0" smtClean="0">
+                <a:cs typeface="Arial" panose="020B0604020202020204" pitchFamily="34" charset="0"/>
+              </a:rPr>
+              <a:t>):</a:t>
+            </a:r>
+            <a:r>
+              <a:rPr lang="en-US" dirty="0" smtClean="0">
+                <a:cs typeface="Arial" panose="020B0604020202020204" pitchFamily="34" charset="0"/>
+              </a:rPr>
+              <a:t> </a:t>
+            </a:r>
+            <a:r>
+              <a:rPr lang="vi-VN" dirty="0" smtClean="0">
+                <a:cs typeface="Arial" panose="020B0604020202020204" pitchFamily="34" charset="0"/>
+              </a:rPr>
+              <a:t>Chứa </a:t>
+            </a:r>
+            <a:r>
+              <a:rPr lang="vi-VN" dirty="0">
+                <a:cs typeface="Arial" panose="020B0604020202020204" pitchFamily="34" charset="0"/>
+              </a:rPr>
+              <a:t>dữ liệu được gửi đi từ client tới </a:t>
+            </a:r>
+            <a:r>
+              <a:rPr lang="vi-VN" dirty="0" smtClean="0">
+                <a:cs typeface="Arial" panose="020B0604020202020204" pitchFamily="34" charset="0"/>
+              </a:rPr>
+              <a:t>server.</a:t>
+            </a:r>
+            <a:r>
+              <a:rPr lang="en-US" dirty="0">
+                <a:cs typeface="Arial" panose="020B0604020202020204" pitchFamily="34" charset="0"/>
+              </a:rPr>
+              <a:t> </a:t>
+            </a:r>
+            <a:r>
+              <a:rPr lang="vi-VN" dirty="0" smtClean="0">
+                <a:cs typeface="Arial" panose="020B0604020202020204" pitchFamily="34" charset="0"/>
+              </a:rPr>
+              <a:t>Có </a:t>
+            </a:r>
+            <a:r>
+              <a:rPr lang="vi-VN" dirty="0">
+                <a:cs typeface="Arial" panose="020B0604020202020204" pitchFamily="34" charset="0"/>
+              </a:rPr>
+              <a:t>thể chứa dữ liệu dưới nhiều định dạng khác nhau như JSON, XML, form data, hay các định dạng tệp tin khác</a:t>
+            </a:r>
+            <a:r>
+              <a:rPr lang="vi-VN" dirty="0" smtClean="0">
+                <a:cs typeface="Arial" panose="020B0604020202020204" pitchFamily="34" charset="0"/>
+              </a:rPr>
+              <a:t>.</a:t>
+            </a:r>
+            <a:endParaRPr lang="en-US" dirty="0" smtClean="0">
+              <a:cs typeface="Arial" panose="020B0604020202020204" pitchFamily="34" charset="0"/>
+            </a:endParaRPr>
+          </a:p>
+          <a:p>
+            <a:r>
+              <a:rPr lang="vi-VN" dirty="0" smtClean="0">
+                <a:cs typeface="Arial" panose="020B0604020202020204" pitchFamily="34" charset="0"/>
+              </a:rPr>
+              <a:t>Thường </a:t>
+            </a:r>
+            <a:r>
+              <a:rPr lang="vi-VN" dirty="0">
+                <a:cs typeface="Arial" panose="020B0604020202020204" pitchFamily="34" charset="0"/>
+              </a:rPr>
+              <a:t>được sử dụng trong các phương thức như POST, </a:t>
+            </a:r>
+            <a:r>
+              <a:rPr lang="vi-VN" dirty="0" smtClean="0">
+                <a:cs typeface="Arial" panose="020B0604020202020204" pitchFamily="34" charset="0"/>
+              </a:rPr>
+              <a:t>PUT</a:t>
+            </a:r>
+            <a:r>
+              <a:rPr lang="en-US" dirty="0" smtClean="0">
+                <a:cs typeface="Arial" panose="020B0604020202020204" pitchFamily="34" charset="0"/>
+              </a:rPr>
+              <a:t> </a:t>
+            </a:r>
+            <a:r>
+              <a:rPr lang="vi-VN" dirty="0" smtClean="0">
+                <a:cs typeface="Arial" panose="020B0604020202020204" pitchFamily="34" charset="0"/>
+              </a:rPr>
+              <a:t>để </a:t>
+            </a:r>
+            <a:r>
+              <a:rPr lang="vi-VN" dirty="0">
+                <a:cs typeface="Arial" panose="020B0604020202020204" pitchFamily="34" charset="0"/>
+              </a:rPr>
+              <a:t>truyền dữ liệu từ client đến server.</a:t>
+            </a:r>
+            <a:endParaRPr lang="en-US" dirty="0" smtClean="0">
+              <a:latin typeface="Arial" panose="020B0604020202020204" pitchFamily="34" charset="0"/>
+              <a:cs typeface="Arial" panose="020B0604020202020204" pitchFamily="34" charset="0"/>
+            </a:endParaRPr>
+          </a:p>
+        </p:txBody>
+      </p:sp>
+      <p:pic>
+        <p:nvPicPr>
+          <p:cNvPr id="1026" name="Picture 2" descr="Http Request and Response. An HTTP (Hypertext Transfer Protocol)… | by Raza  | Medium"/>
+          <p:cNvPicPr>
+            <a:picLocks noChangeAspect="1" noChangeArrowheads="1"/>
+          </p:cNvPicPr>
+          <p:nvPr/>
+        </p:nvPicPr>
+        <p:blipFill>
+          <a:blip r:embed="rId2">
+            <a:extLst>
+              <a:ext uri="{28A0092B-C50C-407E-A947-70E740481C1C}">
+                <a14:useLocalDpi xmlns:a14="http://schemas.microsoft.com/office/drawing/2010/main" val="0"/>
+              </a:ext>
+            </a:extLst>
+          </a:blip>
+          <a:srcRect/>
+          <a:stretch>
+            <a:fillRect/>
+          </a:stretch>
+        </p:blipFill>
+        <p:spPr bwMode="auto">
+          <a:xfrm>
+            <a:off x="6466343" y="2535537"/>
+            <a:ext cx="4692318" cy="3255295"/>
+          </a:xfrm>
+          <a:prstGeom prst="rect">
+            <a:avLst/>
+          </a:prstGeom>
+          <a:noFill/>
+          <a:extLst>
+            <a:ext uri="{909E8E84-426E-40DD-AFC4-6F175D3DCCD1}">
+              <a14:hiddenFill xmlns:a14="http://schemas.microsoft.com/office/drawing/2010/main">
+                <a:solidFill>
+                  <a:srgbClr val="FFFFFF"/>
+                </a:solidFill>
+              </a14:hiddenFill>
+            </a:ext>
+          </a:extLst>
+        </p:spPr>
+      </p:pic>
+    </p:spTree>
+    <p:extLst>
+      <p:ext uri="{BB962C8B-B14F-4D97-AF65-F5344CB8AC3E}">
+        <p14:creationId xmlns:p14="http://schemas.microsoft.com/office/powerpoint/2010/main" val="2260759827"/>
+      </p:ext>
+    </p:extLst>
+  </p:cSld>
+  <p:clrMapOvr>
+    <a:masterClrMapping/>
+  </p:clrMapOvr>
+</p:sld>
+</file>
+
+<file path=ppt/slides/slide39.xml><?xml version="1.0" encoding="utf-8"?>
+<p:sld xmlns:a="http://schemas.openxmlformats.org/drawingml/2006/main" xmlns:r="http://schemas.openxmlformats.org/officeDocument/2006/relationships" xmlns:p="http://schemas.openxmlformats.org/presentationml/2006/main">
+  <p:cSld>
+    <p:spTree>
+      <p:nvGrpSpPr>
+        <p:cNvPr id="1" name=""/>
+        <p:cNvGrpSpPr/>
+        <p:nvPr/>
+      </p:nvGrpSpPr>
+      <p:grpSpPr>
+        <a:xfrm>
+          <a:off x="0" y="0"/>
+          <a:ext cx="0" cy="0"/>
+          <a:chOff x="0" y="0"/>
+          <a:chExt cx="0" cy="0"/>
+        </a:xfrm>
+      </p:grpSpPr>
+      <p:sp>
+        <p:nvSpPr>
+          <p:cNvPr id="2" name="Title 1"/>
+          <p:cNvSpPr>
+            <a:spLocks noGrp="1"/>
+          </p:cNvSpPr>
+          <p:nvPr>
+            <p:ph type="title"/>
+          </p:nvPr>
+        </p:nvSpPr>
+        <p:spPr/>
+        <p:txBody>
+          <a:bodyPr/>
+          <a:lstStyle/>
+          <a:p>
+            <a:r>
+              <a:rPr lang="en-US" dirty="0" smtClean="0">
+                <a:latin typeface="Arial" panose="020B0604020202020204" pitchFamily="34" charset="0"/>
+                <a:cs typeface="Arial" panose="020B0604020202020204" pitchFamily="34" charset="0"/>
+              </a:rPr>
+              <a:t>Initial project Spring</a:t>
+            </a:r>
+            <a:endParaRPr lang="en-US" dirty="0">
+              <a:latin typeface="Arial" panose="020B0604020202020204" pitchFamily="34" charset="0"/>
+              <a:cs typeface="Arial" panose="020B0604020202020204" pitchFamily="34" charset="0"/>
+            </a:endParaRPr>
+          </a:p>
+        </p:txBody>
+      </p:sp>
+      <p:sp>
+        <p:nvSpPr>
+          <p:cNvPr id="3" name="Content Placeholder 2"/>
+          <p:cNvSpPr>
+            <a:spLocks noGrp="1"/>
+          </p:cNvSpPr>
+          <p:nvPr>
+            <p:ph idx="1"/>
+          </p:nvPr>
+        </p:nvSpPr>
+        <p:spPr/>
+        <p:txBody>
+          <a:bodyPr/>
+          <a:lstStyle/>
+          <a:p>
+            <a:r>
+              <a:rPr lang="en-US" dirty="0" smtClean="0">
+                <a:latin typeface="Arial" panose="020B0604020202020204" pitchFamily="34" charset="0"/>
+                <a:cs typeface="Arial" panose="020B0604020202020204" pitchFamily="34" charset="0"/>
+              </a:rPr>
+              <a:t>Quay lại bài</a:t>
+            </a:r>
+          </a:p>
+          <a:p>
+            <a:endParaRPr lang="en-US" dirty="0">
+              <a:latin typeface="Arial" panose="020B0604020202020204" pitchFamily="34" charset="0"/>
+              <a:cs typeface="Arial" panose="020B0604020202020204" pitchFamily="34" charset="0"/>
+            </a:endParaRPr>
+          </a:p>
+          <a:p>
+            <a:r>
+              <a:rPr lang="en-US" dirty="0" smtClean="0">
+                <a:latin typeface="Arial" panose="020B0604020202020204" pitchFamily="34" charset="0"/>
+                <a:cs typeface="Arial" panose="020B0604020202020204" pitchFamily="34" charset="0"/>
+              </a:rPr>
+              <a:t>Trường </a:t>
+            </a:r>
+            <a:r>
+              <a:rPr lang="en-US" dirty="0" smtClean="0">
+                <a:latin typeface="Arial" panose="020B0604020202020204" pitchFamily="34" charset="0"/>
+                <a:cs typeface="Arial" panose="020B0604020202020204" pitchFamily="34" charset="0"/>
+              </a:rPr>
+              <a:t>hợp muốn ánh xạ nhiều url thì sử dụng:</a:t>
+            </a:r>
+          </a:p>
+          <a:p>
+            <a:endParaRPr lang="en-US" dirty="0">
+              <a:latin typeface="Arial" panose="020B0604020202020204" pitchFamily="34" charset="0"/>
+              <a:cs typeface="Arial" panose="020B0604020202020204" pitchFamily="34" charset="0"/>
+            </a:endParaRPr>
+          </a:p>
+        </p:txBody>
+      </p:sp>
+      <p:sp>
+        <p:nvSpPr>
+          <p:cNvPr id="4" name="Rectangle 1"/>
+          <p:cNvSpPr>
+            <a:spLocks noChangeArrowheads="1"/>
+          </p:cNvSpPr>
+          <p:nvPr/>
+        </p:nvSpPr>
+        <p:spPr bwMode="auto">
+          <a:xfrm>
+            <a:off x="1149413" y="3496608"/>
+            <a:ext cx="7116148" cy="276999"/>
+          </a:xfrm>
+          <a:prstGeom prst="rect">
+            <a:avLst/>
+          </a:prstGeom>
+          <a:solidFill>
+            <a:srgbClr val="282A36"/>
+          </a:solidFill>
+          <a:ln>
+            <a:noFill/>
+          </a:ln>
+          <a:effectLst/>
+          <a:extLst>
+            <a:ext uri="{91240B29-F687-4F45-9708-019B960494DF}">
+              <a14:hiddenLine xmlns:a14="http://schemas.microsoft.com/office/drawing/2010/main" w="9525">
+                <a:solidFill>
+                  <a:schemeClr val="tx1"/>
+                </a:solidFill>
+                <a:miter lim="800000"/>
+                <a:headEnd/>
+                <a:tailEnd/>
+              </a14:hiddenLine>
+            </a:ext>
+            <a:ext uri="{AF507438-7753-43E0-B8FC-AC1667EBCBE1}">
+              <a14:hiddenEffects xmlns:a14="http://schemas.microsoft.com/office/drawing/2010/main">
+                <a:effectLst>
+                  <a:outerShdw dist="35921" dir="2700000" algn="ctr" rotWithShape="0">
+                    <a:schemeClr val="bg2"/>
+                  </a:outerShdw>
+                </a:effectLst>
+              </a14:hiddenEffects>
+            </a:ext>
+          </a:extLst>
+        </p:spPr>
+        <p:txBody>
+          <a:bodyPr vert="horz" wrap="square" lIns="91440" tIns="45720" rIns="91440" bIns="45720" numCol="1" anchor="ctr" anchorCtr="0" compatLnSpc="1">
+            <a:prstTxWarp prst="textNoShape">
+              <a:avLst/>
+            </a:prstTxWarp>
+            <a:spAutoFit/>
+          </a:bodyPr>
+          <a:lstStyle/>
+          <a:p>
+            <a:pPr marL="0" marR="0" lvl="0" indent="0" algn="l" defTabSz="914400" rtl="0" eaLnBrk="0" fontAlgn="base" latinLnBrk="0" hangingPunct="0">
+              <a:lnSpc>
+                <a:spcPct val="100000"/>
+              </a:lnSpc>
+              <a:spcBef>
+                <a:spcPct val="0"/>
+              </a:spcBef>
+              <a:spcAft>
+                <a:spcPct val="0"/>
+              </a:spcAft>
+              <a:buClrTx/>
+              <a:buSzTx/>
+              <a:buFontTx/>
+              <a:buNone/>
+              <a:tabLst/>
+            </a:pPr>
+            <a:r>
+              <a:rPr kumimoji="0" lang="en-US" altLang="en-US" sz="1200" b="0" i="0" u="none" strike="noStrike" cap="none" normalizeH="0" baseline="0" dirty="0" smtClean="0">
+                <a:ln>
+                  <a:noFill/>
+                </a:ln>
+                <a:solidFill>
+                  <a:srgbClr val="50FA78"/>
+                </a:solidFill>
+                <a:effectLst/>
+                <a:latin typeface="Arial Unicode MS"/>
+                <a:ea typeface="JetBrains Mono"/>
+              </a:rPr>
+              <a:t>@RequestMapping</a:t>
+            </a:r>
+            <a:r>
+              <a:rPr kumimoji="0" lang="en-US" altLang="en-US" sz="1200" b="0" i="0" u="none" strike="noStrike" cap="none" normalizeH="0" baseline="0" dirty="0" smtClean="0">
+                <a:ln>
+                  <a:noFill/>
+                </a:ln>
+                <a:solidFill>
+                  <a:srgbClr val="F8F8F2"/>
+                </a:solidFill>
+                <a:effectLst/>
+                <a:latin typeface="Arial Unicode MS"/>
+                <a:ea typeface="JetBrains Mono"/>
+              </a:rPr>
+              <a:t>(</a:t>
+            </a:r>
+            <a:r>
+              <a:rPr kumimoji="0" lang="en-US" altLang="en-US" sz="1200" b="0" i="0" u="none" strike="noStrike" cap="none" normalizeH="0" baseline="0" dirty="0" smtClean="0">
+                <a:ln>
+                  <a:noFill/>
+                </a:ln>
+                <a:solidFill>
+                  <a:srgbClr val="F89580"/>
+                </a:solidFill>
+                <a:effectLst/>
+                <a:latin typeface="Arial Unicode MS"/>
+                <a:ea typeface="JetBrains Mono"/>
+              </a:rPr>
+              <a:t>value </a:t>
+            </a:r>
+            <a:r>
+              <a:rPr kumimoji="0" lang="en-US" altLang="en-US" sz="1200" b="0" i="0" u="none" strike="noStrike" cap="none" normalizeH="0" baseline="0" dirty="0" smtClean="0">
+                <a:ln>
+                  <a:noFill/>
+                </a:ln>
+                <a:solidFill>
+                  <a:srgbClr val="F780BF"/>
+                </a:solidFill>
+                <a:effectLst/>
+                <a:latin typeface="Arial Unicode MS"/>
+                <a:ea typeface="JetBrains Mono"/>
+              </a:rPr>
+              <a:t>= </a:t>
+            </a:r>
+            <a:r>
+              <a:rPr kumimoji="0" lang="en-US" altLang="en-US" sz="1200" b="0" i="0" u="none" strike="noStrike" cap="none" normalizeH="0" baseline="0" dirty="0" smtClean="0">
+                <a:ln>
+                  <a:noFill/>
+                </a:ln>
+                <a:solidFill>
+                  <a:srgbClr val="F8F8F2"/>
+                </a:solidFill>
+                <a:effectLst/>
+                <a:latin typeface="Arial Unicode MS"/>
+                <a:ea typeface="JetBrains Mono"/>
+              </a:rPr>
+              <a:t>{</a:t>
+            </a:r>
+            <a:r>
+              <a:rPr kumimoji="0" lang="en-US" altLang="en-US" sz="1200" b="0" i="0" u="none" strike="noStrike" cap="none" normalizeH="0" baseline="0" dirty="0" smtClean="0">
+                <a:ln>
+                  <a:noFill/>
+                </a:ln>
+                <a:solidFill>
+                  <a:srgbClr val="FEFF80"/>
+                </a:solidFill>
+                <a:effectLst/>
+                <a:latin typeface="Arial Unicode MS"/>
+                <a:ea typeface="JetBrains Mono"/>
+              </a:rPr>
+              <a:t>"/user"</a:t>
+            </a:r>
+            <a:r>
+              <a:rPr kumimoji="0" lang="en-US" altLang="en-US" sz="1200" b="0" i="0" u="none" strike="noStrike" cap="none" normalizeH="0" baseline="0" dirty="0" smtClean="0">
+                <a:ln>
+                  <a:noFill/>
+                </a:ln>
+                <a:solidFill>
+                  <a:srgbClr val="F8F8F2"/>
+                </a:solidFill>
+                <a:effectLst/>
+                <a:latin typeface="Arial Unicode MS"/>
+                <a:ea typeface="JetBrains Mono"/>
+              </a:rPr>
+              <a:t>, </a:t>
+            </a:r>
+            <a:r>
+              <a:rPr kumimoji="0" lang="en-US" altLang="en-US" sz="1200" b="0" i="0" u="none" strike="noStrike" cap="none" normalizeH="0" baseline="0" dirty="0" smtClean="0">
+                <a:ln>
+                  <a:noFill/>
+                </a:ln>
+                <a:solidFill>
+                  <a:srgbClr val="FEFF80"/>
+                </a:solidFill>
+                <a:effectLst/>
+                <a:latin typeface="Arial Unicode MS"/>
+                <a:ea typeface="JetBrains Mono"/>
+              </a:rPr>
+              <a:t>"/user2“, ...</a:t>
+            </a:r>
+            <a:r>
+              <a:rPr kumimoji="0" lang="en-US" altLang="en-US" sz="1200" b="0" i="0" u="none" strike="noStrike" cap="none" normalizeH="0" baseline="0" dirty="0" smtClean="0">
+                <a:ln>
+                  <a:noFill/>
+                </a:ln>
+                <a:solidFill>
+                  <a:srgbClr val="F8F8F2"/>
+                </a:solidFill>
+                <a:effectLst/>
+                <a:latin typeface="Arial Unicode MS"/>
+                <a:ea typeface="JetBrains Mono"/>
+              </a:rPr>
+              <a:t>}, </a:t>
+            </a:r>
+            <a:r>
+              <a:rPr kumimoji="0" lang="en-US" altLang="en-US" sz="1200" b="0" i="0" u="none" strike="noStrike" cap="none" normalizeH="0" baseline="0" dirty="0" smtClean="0">
+                <a:ln>
+                  <a:noFill/>
+                </a:ln>
+                <a:solidFill>
+                  <a:srgbClr val="F89580"/>
+                </a:solidFill>
+                <a:effectLst/>
+                <a:latin typeface="Arial Unicode MS"/>
+                <a:ea typeface="JetBrains Mono"/>
+              </a:rPr>
+              <a:t>method </a:t>
+            </a:r>
+            <a:r>
+              <a:rPr kumimoji="0" lang="en-US" altLang="en-US" sz="1200" b="0" i="0" u="none" strike="noStrike" cap="none" normalizeH="0" baseline="0" dirty="0" smtClean="0">
+                <a:ln>
+                  <a:noFill/>
+                </a:ln>
+                <a:solidFill>
+                  <a:srgbClr val="F780BF"/>
+                </a:solidFill>
+                <a:effectLst/>
+                <a:latin typeface="Arial Unicode MS"/>
+                <a:ea typeface="JetBrains Mono"/>
+              </a:rPr>
+              <a:t>= </a:t>
+            </a:r>
+            <a:r>
+              <a:rPr kumimoji="0" lang="en-US" altLang="en-US" sz="1200" b="0" i="1" u="none" strike="noStrike" cap="none" normalizeH="0" baseline="0" dirty="0" smtClean="0">
+                <a:ln>
+                  <a:noFill/>
+                </a:ln>
+                <a:solidFill>
+                  <a:srgbClr val="80FFEA"/>
+                </a:solidFill>
+                <a:effectLst/>
+                <a:latin typeface="Arial Unicode MS"/>
+                <a:ea typeface="JetBrains Mono"/>
+              </a:rPr>
+              <a:t>RequestMethod</a:t>
+            </a:r>
+            <a:r>
+              <a:rPr kumimoji="0" lang="en-US" altLang="en-US" sz="1200" b="0" i="0" u="none" strike="noStrike" cap="none" normalizeH="0" baseline="0" dirty="0" smtClean="0">
+                <a:ln>
+                  <a:noFill/>
+                </a:ln>
+                <a:solidFill>
+                  <a:srgbClr val="F8F8F2"/>
+                </a:solidFill>
+                <a:effectLst/>
+                <a:latin typeface="Arial Unicode MS"/>
+                <a:ea typeface="JetBrains Mono"/>
+              </a:rPr>
+              <a:t>.</a:t>
+            </a:r>
+            <a:r>
+              <a:rPr kumimoji="0" lang="en-US" altLang="en-US" sz="1200" b="0" i="1" u="none" strike="noStrike" cap="none" normalizeH="0" baseline="0" dirty="0" smtClean="0">
+                <a:ln>
+                  <a:noFill/>
+                </a:ln>
+                <a:solidFill>
+                  <a:srgbClr val="9580FF"/>
+                </a:solidFill>
+                <a:effectLst/>
+                <a:latin typeface="Arial Unicode MS"/>
+                <a:ea typeface="JetBrains Mono"/>
+              </a:rPr>
+              <a:t>GET</a:t>
+            </a:r>
+            <a:r>
+              <a:rPr kumimoji="0" lang="en-US" altLang="en-US" sz="1200" b="0" i="0" u="none" strike="noStrike" cap="none" normalizeH="0" baseline="0" dirty="0" smtClean="0">
+                <a:ln>
+                  <a:noFill/>
+                </a:ln>
+                <a:solidFill>
+                  <a:srgbClr val="F8F8F2"/>
+                </a:solidFill>
+                <a:effectLst/>
+                <a:latin typeface="Arial Unicode MS"/>
+                <a:ea typeface="JetBrains Mono"/>
+              </a:rPr>
+              <a:t>)</a:t>
+            </a:r>
+            <a:endParaRPr kumimoji="0" lang="en-US" altLang="en-US" sz="3200" b="0" i="0" u="none" strike="noStrike" cap="none" normalizeH="0" baseline="0" dirty="0" smtClean="0">
+              <a:ln>
+                <a:noFill/>
+              </a:ln>
+              <a:solidFill>
+                <a:schemeClr val="tx1"/>
+              </a:solidFill>
+              <a:effectLst/>
+              <a:latin typeface="Arial" panose="020B0604020202020204" pitchFamily="34" charset="0"/>
+            </a:endParaRPr>
+          </a:p>
+        </p:txBody>
+      </p:sp>
+    </p:spTree>
+    <p:extLst>
+      <p:ext uri="{BB962C8B-B14F-4D97-AF65-F5344CB8AC3E}">
+        <p14:creationId xmlns:p14="http://schemas.microsoft.com/office/powerpoint/2010/main" val="696280899"/>
+      </p:ext>
+    </p:extLst>
+  </p:cSld>
+  <p:clrMapOvr>
+    <a:masterClrMapping/>
+  </p:clrMapOvr>
+</p:sld>
+</file>
+
+<file path=ppt/slides/slide4.xml><?xml version="1.0" encoding="utf-8"?>
+<p:sld xmlns:a="http://schemas.openxmlformats.org/drawingml/2006/main" xmlns:r="http://schemas.openxmlformats.org/officeDocument/2006/relationships" xmlns:p="http://schemas.openxmlformats.org/presentationml/2006/main">
+  <p:cSld>
+    <p:spTree>
+      <p:nvGrpSpPr>
+        <p:cNvPr id="1" name=""/>
+        <p:cNvGrpSpPr/>
+        <p:nvPr/>
+      </p:nvGrpSpPr>
+      <p:grpSpPr>
+        <a:xfrm>
+          <a:off x="0" y="0"/>
+          <a:ext cx="0" cy="0"/>
+          <a:chOff x="0" y="0"/>
+          <a:chExt cx="0" cy="0"/>
+        </a:xfrm>
+      </p:grpSpPr>
+      <p:sp>
+        <p:nvSpPr>
+          <p:cNvPr id="2" name="Title 1"/>
+          <p:cNvSpPr>
+            <a:spLocks noGrp="1"/>
+          </p:cNvSpPr>
+          <p:nvPr>
+            <p:ph type="title"/>
+          </p:nvPr>
+        </p:nvSpPr>
+        <p:spPr/>
+        <p:txBody>
+          <a:bodyPr/>
+          <a:lstStyle/>
+          <a:p>
+            <a:r>
+              <a:rPr lang="en-US" dirty="0" smtClean="0">
+                <a:latin typeface="Arial" panose="020B0604020202020204" pitchFamily="34" charset="0"/>
+                <a:cs typeface="Arial" panose="020B0604020202020204" pitchFamily="34" charset="0"/>
+              </a:rPr>
+              <a:t>Initial project Spring</a:t>
+            </a:r>
+            <a:endParaRPr lang="en-US" dirty="0">
+              <a:latin typeface="Arial" panose="020B0604020202020204" pitchFamily="34" charset="0"/>
+              <a:cs typeface="Arial" panose="020B0604020202020204" pitchFamily="34" charset="0"/>
+            </a:endParaRPr>
+          </a:p>
+        </p:txBody>
+      </p:sp>
+      <p:sp>
+        <p:nvSpPr>
+          <p:cNvPr id="3" name="Content Placeholder 2"/>
+          <p:cNvSpPr>
+            <a:spLocks noGrp="1"/>
+          </p:cNvSpPr>
+          <p:nvPr>
+            <p:ph idx="1"/>
+          </p:nvPr>
+        </p:nvSpPr>
+        <p:spPr/>
+        <p:txBody>
+          <a:bodyPr/>
+          <a:lstStyle/>
+          <a:p>
+            <a:pPr marL="342900" lvl="1" indent="-342900"/>
+            <a:r>
+              <a:rPr lang="en-US" dirty="0">
+                <a:solidFill>
+                  <a:srgbClr val="FFC000"/>
+                </a:solidFill>
+                <a:latin typeface="Arial" panose="020B0604020202020204" pitchFamily="34" charset="0"/>
+                <a:cs typeface="Arial" panose="020B0604020202020204" pitchFamily="34" charset="0"/>
+              </a:rPr>
+              <a:t>@</a:t>
+            </a:r>
+            <a:r>
+              <a:rPr lang="en-US" dirty="0" smtClean="0">
+                <a:solidFill>
+                  <a:srgbClr val="FFC000"/>
+                </a:solidFill>
+                <a:latin typeface="Arial" panose="020B0604020202020204" pitchFamily="34" charset="0"/>
+                <a:cs typeface="Arial" panose="020B0604020202020204" pitchFamily="34" charset="0"/>
+              </a:rPr>
+              <a:t>RestController </a:t>
+            </a:r>
+            <a:r>
+              <a:rPr lang="en-US" dirty="0" smtClean="0">
+                <a:latin typeface="Arial" panose="020B0604020202020204" pitchFamily="34" charset="0"/>
+                <a:cs typeface="Arial" panose="020B0604020202020204" pitchFamily="34" charset="0"/>
+              </a:rPr>
+              <a:t>thực ra là sự kết hợp </a:t>
+            </a:r>
+            <a:r>
+              <a:rPr lang="en-US" dirty="0" smtClean="0">
+                <a:solidFill>
+                  <a:srgbClr val="FFC000"/>
+                </a:solidFill>
+                <a:latin typeface="Arial" panose="020B0604020202020204" pitchFamily="34" charset="0"/>
+                <a:cs typeface="Arial" panose="020B0604020202020204" pitchFamily="34" charset="0"/>
+              </a:rPr>
+              <a:t>@Controller </a:t>
+            </a:r>
+            <a:r>
+              <a:rPr lang="en-US" dirty="0" smtClean="0">
+                <a:latin typeface="Arial" panose="020B0604020202020204" pitchFamily="34" charset="0"/>
+                <a:cs typeface="Arial" panose="020B0604020202020204" pitchFamily="34" charset="0"/>
+              </a:rPr>
+              <a:t>và </a:t>
+            </a:r>
+            <a:r>
+              <a:rPr lang="en-US" dirty="0" smtClean="0">
+                <a:solidFill>
+                  <a:srgbClr val="FFC000"/>
+                </a:solidFill>
+                <a:latin typeface="Arial" panose="020B0604020202020204" pitchFamily="34" charset="0"/>
+                <a:cs typeface="Arial" panose="020B0604020202020204" pitchFamily="34" charset="0"/>
+              </a:rPr>
+              <a:t>@ResponseBody </a:t>
+            </a:r>
+            <a:r>
+              <a:rPr lang="en-US" dirty="0" smtClean="0">
+                <a:latin typeface="Arial" panose="020B0604020202020204" pitchFamily="34" charset="0"/>
+                <a:cs typeface="Arial" panose="020B0604020202020204" pitchFamily="34" charset="0"/>
+              </a:rPr>
+              <a:t>để cho chúng ta code cho ngắn gọn.</a:t>
+            </a:r>
+            <a:endParaRPr lang="en-US" dirty="0" smtClean="0">
+              <a:solidFill>
+                <a:srgbClr val="FFC000"/>
+              </a:solidFill>
+              <a:latin typeface="Arial" panose="020B0604020202020204" pitchFamily="34" charset="0"/>
+              <a:cs typeface="Arial" panose="020B0604020202020204" pitchFamily="34" charset="0"/>
+            </a:endParaRPr>
+          </a:p>
+          <a:p>
+            <a:endParaRPr lang="en-US" dirty="0" smtClean="0">
+              <a:latin typeface="Arial" panose="020B0604020202020204" pitchFamily="34" charset="0"/>
+              <a:cs typeface="Arial" panose="020B0604020202020204" pitchFamily="34" charset="0"/>
+            </a:endParaRPr>
+          </a:p>
+          <a:p>
+            <a:endParaRPr lang="en-US" dirty="0">
+              <a:latin typeface="Arial" panose="020B0604020202020204" pitchFamily="34" charset="0"/>
+              <a:cs typeface="Arial" panose="020B0604020202020204" pitchFamily="34" charset="0"/>
+            </a:endParaRPr>
+          </a:p>
+        </p:txBody>
+      </p:sp>
+      <p:pic>
+        <p:nvPicPr>
+          <p:cNvPr id="4" name="Picture 3"/>
+          <p:cNvPicPr>
+            <a:picLocks noChangeAspect="1"/>
+          </p:cNvPicPr>
+          <p:nvPr/>
+        </p:nvPicPr>
+        <p:blipFill>
+          <a:blip r:embed="rId2"/>
+          <a:stretch>
+            <a:fillRect/>
+          </a:stretch>
+        </p:blipFill>
+        <p:spPr>
+          <a:xfrm>
+            <a:off x="3323080" y="2910350"/>
+            <a:ext cx="3305175" cy="2381250"/>
+          </a:xfrm>
+          <a:prstGeom prst="rect">
+            <a:avLst/>
+          </a:prstGeom>
+        </p:spPr>
+      </p:pic>
+    </p:spTree>
+    <p:extLst>
+      <p:ext uri="{BB962C8B-B14F-4D97-AF65-F5344CB8AC3E}">
+        <p14:creationId xmlns:p14="http://schemas.microsoft.com/office/powerpoint/2010/main" val="1697477298"/>
+      </p:ext>
+    </p:extLst>
+  </p:cSld>
+  <p:clrMapOvr>
+    <a:masterClrMapping/>
+  </p:clrMapOvr>
+</p:sld>
+</file>
+
+<file path=ppt/slides/slide40.xml><?xml version="1.0" encoding="utf-8"?>
+<p:sld xmlns:a="http://schemas.openxmlformats.org/drawingml/2006/main" xmlns:r="http://schemas.openxmlformats.org/officeDocument/2006/relationships" xmlns:p="http://schemas.openxmlformats.org/presentationml/2006/main">
+  <p:cSld>
+    <p:spTree>
+      <p:nvGrpSpPr>
+        <p:cNvPr id="1" name=""/>
+        <p:cNvGrpSpPr/>
+        <p:nvPr/>
+      </p:nvGrpSpPr>
+      <p:grpSpPr>
+        <a:xfrm>
+          <a:off x="0" y="0"/>
+          <a:ext cx="0" cy="0"/>
+          <a:chOff x="0" y="0"/>
+          <a:chExt cx="0" cy="0"/>
+        </a:xfrm>
+      </p:grpSpPr>
+      <p:sp>
+        <p:nvSpPr>
+          <p:cNvPr id="2" name="Title 1"/>
+          <p:cNvSpPr>
+            <a:spLocks noGrp="1"/>
+          </p:cNvSpPr>
+          <p:nvPr>
+            <p:ph type="title"/>
+          </p:nvPr>
+        </p:nvSpPr>
+        <p:spPr/>
+        <p:txBody>
+          <a:bodyPr/>
+          <a:lstStyle/>
+          <a:p>
+            <a:r>
+              <a:rPr lang="en-US" dirty="0" smtClean="0">
+                <a:latin typeface="Arial" panose="020B0604020202020204" pitchFamily="34" charset="0"/>
+                <a:cs typeface="Arial" panose="020B0604020202020204" pitchFamily="34" charset="0"/>
+              </a:rPr>
+              <a:t>Initial project Spring</a:t>
+            </a:r>
+            <a:endParaRPr lang="en-US" dirty="0">
+              <a:latin typeface="Arial" panose="020B0604020202020204" pitchFamily="34" charset="0"/>
+              <a:cs typeface="Arial" panose="020B0604020202020204" pitchFamily="34" charset="0"/>
+            </a:endParaRPr>
+          </a:p>
+        </p:txBody>
+      </p:sp>
+      <p:sp>
+        <p:nvSpPr>
+          <p:cNvPr id="3" name="Content Placeholder 2"/>
+          <p:cNvSpPr>
+            <a:spLocks noGrp="1"/>
+          </p:cNvSpPr>
+          <p:nvPr>
+            <p:ph idx="1"/>
+          </p:nvPr>
+        </p:nvSpPr>
+        <p:spPr/>
+        <p:txBody>
+          <a:bodyPr/>
+          <a:lstStyle/>
+          <a:p>
+            <a:r>
+              <a:rPr lang="en-US" dirty="0" smtClean="0">
+                <a:latin typeface="Arial" panose="020B0604020202020204" pitchFamily="34" charset="0"/>
+                <a:cs typeface="Arial" panose="020B0604020202020204" pitchFamily="34" charset="0"/>
+              </a:rPr>
+              <a:t>Ngoài ra để ngắn gọn code, Spring sinh ra các annotation</a:t>
+            </a:r>
+          </a:p>
+          <a:p>
+            <a:pPr lvl="1"/>
+            <a:r>
+              <a:rPr lang="en-US" dirty="0" smtClean="0">
+                <a:latin typeface="Arial" panose="020B0604020202020204" pitchFamily="34" charset="0"/>
+                <a:cs typeface="Arial" panose="020B0604020202020204" pitchFamily="34" charset="0"/>
+              </a:rPr>
+              <a:t>@GetMapping để </a:t>
+            </a:r>
+            <a:r>
+              <a:rPr lang="en-US" dirty="0">
+                <a:latin typeface="Arial" panose="020B0604020202020204" pitchFamily="34" charset="0"/>
+                <a:cs typeface="Arial" panose="020B0604020202020204" pitchFamily="34" charset="0"/>
+              </a:rPr>
+              <a:t>thay thế @</a:t>
+            </a:r>
+            <a:r>
+              <a:rPr lang="en-US" dirty="0" smtClean="0">
+                <a:latin typeface="Arial" panose="020B0604020202020204" pitchFamily="34" charset="0"/>
+                <a:cs typeface="Arial" panose="020B0604020202020204" pitchFamily="34" charset="0"/>
+              </a:rPr>
+              <a:t>RequestMapping với method GET</a:t>
+            </a:r>
+          </a:p>
+          <a:p>
+            <a:pPr lvl="1"/>
+            <a:r>
+              <a:rPr lang="en-US" dirty="0" smtClean="0">
+                <a:latin typeface="Arial" panose="020B0604020202020204" pitchFamily="34" charset="0"/>
+                <a:cs typeface="Arial" panose="020B0604020202020204" pitchFamily="34" charset="0"/>
+              </a:rPr>
+              <a:t>@PostMapping </a:t>
+            </a:r>
+            <a:r>
+              <a:rPr lang="en-US" dirty="0">
+                <a:latin typeface="Arial" panose="020B0604020202020204" pitchFamily="34" charset="0"/>
+                <a:cs typeface="Arial" panose="020B0604020202020204" pitchFamily="34" charset="0"/>
+              </a:rPr>
+              <a:t>để thay thế @RequestMapping với method </a:t>
+            </a:r>
+            <a:r>
+              <a:rPr lang="en-US" dirty="0" smtClean="0">
+                <a:latin typeface="Arial" panose="020B0604020202020204" pitchFamily="34" charset="0"/>
+                <a:cs typeface="Arial" panose="020B0604020202020204" pitchFamily="34" charset="0"/>
+              </a:rPr>
+              <a:t>POST</a:t>
+            </a:r>
+            <a:endParaRPr lang="en-US" dirty="0">
+              <a:latin typeface="Arial" panose="020B0604020202020204" pitchFamily="34" charset="0"/>
+              <a:cs typeface="Arial" panose="020B0604020202020204" pitchFamily="34" charset="0"/>
+            </a:endParaRPr>
+          </a:p>
+          <a:p>
+            <a:pPr lvl="1"/>
+            <a:r>
+              <a:rPr lang="en-US" dirty="0" smtClean="0">
+                <a:latin typeface="Arial" panose="020B0604020202020204" pitchFamily="34" charset="0"/>
+                <a:cs typeface="Arial" panose="020B0604020202020204" pitchFamily="34" charset="0"/>
+              </a:rPr>
+              <a:t>@PutMapping </a:t>
+            </a:r>
+            <a:r>
+              <a:rPr lang="en-US" dirty="0">
+                <a:latin typeface="Arial" panose="020B0604020202020204" pitchFamily="34" charset="0"/>
+                <a:cs typeface="Arial" panose="020B0604020202020204" pitchFamily="34" charset="0"/>
+              </a:rPr>
+              <a:t>để thay thế @RequestMapping với method </a:t>
+            </a:r>
+            <a:r>
+              <a:rPr lang="en-US" dirty="0" smtClean="0">
+                <a:latin typeface="Arial" panose="020B0604020202020204" pitchFamily="34" charset="0"/>
+                <a:cs typeface="Arial" panose="020B0604020202020204" pitchFamily="34" charset="0"/>
+              </a:rPr>
+              <a:t>PUT</a:t>
+            </a:r>
+          </a:p>
+          <a:p>
+            <a:pPr lvl="1"/>
+            <a:r>
+              <a:rPr lang="en-US" dirty="0" smtClean="0">
+                <a:latin typeface="Arial" panose="020B0604020202020204" pitchFamily="34" charset="0"/>
+                <a:cs typeface="Arial" panose="020B0604020202020204" pitchFamily="34" charset="0"/>
+              </a:rPr>
+              <a:t>@DeleteMapping </a:t>
+            </a:r>
+            <a:r>
+              <a:rPr lang="en-US" dirty="0">
+                <a:latin typeface="Arial" panose="020B0604020202020204" pitchFamily="34" charset="0"/>
+                <a:cs typeface="Arial" panose="020B0604020202020204" pitchFamily="34" charset="0"/>
+              </a:rPr>
+              <a:t>để thay thế @RequestMapping với method </a:t>
+            </a:r>
+            <a:r>
+              <a:rPr lang="en-US" dirty="0" smtClean="0">
+                <a:latin typeface="Arial" panose="020B0604020202020204" pitchFamily="34" charset="0"/>
+                <a:cs typeface="Arial" panose="020B0604020202020204" pitchFamily="34" charset="0"/>
+              </a:rPr>
+              <a:t>DELETE</a:t>
+            </a:r>
+          </a:p>
+          <a:p>
+            <a:pPr lvl="1"/>
+            <a:endParaRPr lang="en-US" dirty="0" smtClean="0">
+              <a:latin typeface="Arial" panose="020B0604020202020204" pitchFamily="34" charset="0"/>
+              <a:cs typeface="Arial" panose="020B0604020202020204" pitchFamily="34" charset="0"/>
+            </a:endParaRPr>
+          </a:p>
+          <a:p>
+            <a:r>
+              <a:rPr lang="en-US" dirty="0" smtClean="0">
+                <a:latin typeface="Arial" panose="020B0604020202020204" pitchFamily="34" charset="0"/>
+                <a:cs typeface="Arial" panose="020B0604020202020204" pitchFamily="34" charset="0"/>
+              </a:rPr>
+              <a:t>Ví dụ:</a:t>
+            </a:r>
+            <a:endParaRPr lang="en-US" dirty="0">
+              <a:latin typeface="Arial" panose="020B0604020202020204" pitchFamily="34" charset="0"/>
+              <a:cs typeface="Arial" panose="020B0604020202020204" pitchFamily="34" charset="0"/>
+            </a:endParaRPr>
+          </a:p>
+          <a:p>
+            <a:pPr lvl="1"/>
+            <a:endParaRPr lang="en-US" dirty="0">
+              <a:latin typeface="Arial" panose="020B0604020202020204" pitchFamily="34" charset="0"/>
+              <a:cs typeface="Arial" panose="020B0604020202020204" pitchFamily="34" charset="0"/>
+            </a:endParaRPr>
+          </a:p>
+        </p:txBody>
+      </p:sp>
+      <p:sp>
+        <p:nvSpPr>
+          <p:cNvPr id="5" name="Rectangle 2"/>
+          <p:cNvSpPr>
+            <a:spLocks noChangeArrowheads="1"/>
+          </p:cNvSpPr>
+          <p:nvPr/>
+        </p:nvSpPr>
+        <p:spPr bwMode="auto">
+          <a:xfrm>
+            <a:off x="1119672" y="4900422"/>
+            <a:ext cx="7116148" cy="646331"/>
+          </a:xfrm>
+          <a:prstGeom prst="rect">
+            <a:avLst/>
+          </a:prstGeom>
+          <a:solidFill>
+            <a:srgbClr val="282A36"/>
+          </a:solidFill>
+          <a:ln>
+            <a:noFill/>
+          </a:ln>
+          <a:effectLst/>
+          <a:extLst>
+            <a:ext uri="{91240B29-F687-4F45-9708-019B960494DF}">
+              <a14:hiddenLine xmlns:a14="http://schemas.microsoft.com/office/drawing/2010/main" w="9525">
+                <a:solidFill>
+                  <a:schemeClr val="tx1"/>
+                </a:solidFill>
+                <a:miter lim="800000"/>
+                <a:headEnd/>
+                <a:tailEnd/>
+              </a14:hiddenLine>
+            </a:ext>
+            <a:ext uri="{AF507438-7753-43E0-B8FC-AC1667EBCBE1}">
+              <a14:hiddenEffects xmlns:a14="http://schemas.microsoft.com/office/drawing/2010/main">
+                <a:effectLst>
+                  <a:outerShdw dist="35921" dir="2700000" algn="ctr" rotWithShape="0">
+                    <a:schemeClr val="bg2"/>
+                  </a:outerShdw>
+                </a:effectLst>
+              </a14:hiddenEffects>
+            </a:ext>
+          </a:extLst>
+        </p:spPr>
+        <p:txBody>
+          <a:bodyPr vert="horz" wrap="square" lIns="91440" tIns="45720" rIns="91440" bIns="45720" numCol="1" anchor="ctr" anchorCtr="0" compatLnSpc="1">
+            <a:prstTxWarp prst="textNoShape">
+              <a:avLst/>
+            </a:prstTxWarp>
+            <a:spAutoFit/>
+          </a:bodyPr>
+          <a:lstStyle/>
+          <a:p>
+            <a:pPr marL="0" marR="0" lvl="0" indent="0" algn="l" defTabSz="914400" rtl="0" eaLnBrk="0" fontAlgn="base" latinLnBrk="0" hangingPunct="0">
+              <a:lnSpc>
+                <a:spcPct val="100000"/>
+              </a:lnSpc>
+              <a:spcBef>
+                <a:spcPct val="0"/>
+              </a:spcBef>
+              <a:spcAft>
+                <a:spcPct val="0"/>
+              </a:spcAft>
+              <a:buClrTx/>
+              <a:buSzTx/>
+              <a:buFontTx/>
+              <a:buNone/>
+              <a:tabLst/>
+            </a:pPr>
+            <a:r>
+              <a:rPr kumimoji="0" lang="en-US" altLang="en-US" sz="1200" b="0" i="0" u="none" strike="noStrike" cap="none" normalizeH="0" baseline="0" dirty="0" smtClean="0">
+                <a:ln>
+                  <a:noFill/>
+                </a:ln>
+                <a:solidFill>
+                  <a:srgbClr val="50FA78"/>
+                </a:solidFill>
+                <a:effectLst/>
+                <a:latin typeface="Arial Unicode MS"/>
+                <a:ea typeface="JetBrains Mono"/>
+              </a:rPr>
+              <a:t>@RequestMapping</a:t>
+            </a:r>
+            <a:r>
+              <a:rPr kumimoji="0" lang="en-US" altLang="en-US" sz="1200" b="0" i="0" u="none" strike="noStrike" cap="none" normalizeH="0" baseline="0" dirty="0" smtClean="0">
+                <a:ln>
+                  <a:noFill/>
+                </a:ln>
+                <a:solidFill>
+                  <a:srgbClr val="F8F8F2"/>
+                </a:solidFill>
+                <a:effectLst/>
+                <a:latin typeface="Arial Unicode MS"/>
+                <a:ea typeface="JetBrains Mono"/>
+              </a:rPr>
+              <a:t>(</a:t>
+            </a:r>
+            <a:r>
+              <a:rPr kumimoji="0" lang="en-US" altLang="en-US" sz="1200" b="0" i="0" u="none" strike="noStrike" cap="none" normalizeH="0" baseline="0" dirty="0" smtClean="0">
+                <a:ln>
+                  <a:noFill/>
+                </a:ln>
+                <a:solidFill>
+                  <a:srgbClr val="F89580"/>
+                </a:solidFill>
+                <a:effectLst/>
+                <a:latin typeface="Arial Unicode MS"/>
+                <a:ea typeface="JetBrains Mono"/>
+              </a:rPr>
+              <a:t>value </a:t>
+            </a:r>
+            <a:r>
+              <a:rPr kumimoji="0" lang="en-US" altLang="en-US" sz="1200" b="0" i="0" u="none" strike="noStrike" cap="none" normalizeH="0" baseline="0" dirty="0" smtClean="0">
+                <a:ln>
+                  <a:noFill/>
+                </a:ln>
+                <a:solidFill>
+                  <a:srgbClr val="F780BF"/>
+                </a:solidFill>
+                <a:effectLst/>
+                <a:latin typeface="Arial Unicode MS"/>
+                <a:ea typeface="JetBrains Mono"/>
+              </a:rPr>
+              <a:t>= </a:t>
+            </a:r>
+            <a:r>
+              <a:rPr kumimoji="0" lang="en-US" altLang="en-US" sz="1200" b="0" i="0" u="none" strike="noStrike" cap="none" normalizeH="0" baseline="0" dirty="0" smtClean="0">
+                <a:ln>
+                  <a:noFill/>
+                </a:ln>
+                <a:solidFill>
+                  <a:srgbClr val="FEFF80"/>
+                </a:solidFill>
+                <a:effectLst/>
+                <a:latin typeface="Arial Unicode MS"/>
+                <a:ea typeface="JetBrains Mono"/>
+              </a:rPr>
+              <a:t>"/user"</a:t>
+            </a:r>
+            <a:r>
+              <a:rPr kumimoji="0" lang="en-US" altLang="en-US" sz="1200" b="0" i="0" u="none" strike="noStrike" cap="none" normalizeH="0" baseline="0" dirty="0" smtClean="0">
+                <a:ln>
+                  <a:noFill/>
+                </a:ln>
+                <a:solidFill>
+                  <a:srgbClr val="F8F8F2"/>
+                </a:solidFill>
+                <a:effectLst/>
+                <a:latin typeface="Arial Unicode MS"/>
+                <a:ea typeface="JetBrains Mono"/>
+              </a:rPr>
+              <a:t>, </a:t>
+            </a:r>
+            <a:r>
+              <a:rPr kumimoji="0" lang="en-US" altLang="en-US" sz="1200" b="0" i="0" u="none" strike="noStrike" cap="none" normalizeH="0" baseline="0" dirty="0" smtClean="0">
+                <a:ln>
+                  <a:noFill/>
+                </a:ln>
+                <a:solidFill>
+                  <a:srgbClr val="F89580"/>
+                </a:solidFill>
+                <a:effectLst/>
+                <a:latin typeface="Arial Unicode MS"/>
+                <a:ea typeface="JetBrains Mono"/>
+              </a:rPr>
+              <a:t>method </a:t>
+            </a:r>
+            <a:r>
+              <a:rPr kumimoji="0" lang="en-US" altLang="en-US" sz="1200" b="0" i="0" u="none" strike="noStrike" cap="none" normalizeH="0" baseline="0" dirty="0" smtClean="0">
+                <a:ln>
+                  <a:noFill/>
+                </a:ln>
+                <a:solidFill>
+                  <a:srgbClr val="F780BF"/>
+                </a:solidFill>
+                <a:effectLst/>
+                <a:latin typeface="Arial Unicode MS"/>
+                <a:ea typeface="JetBrains Mono"/>
+              </a:rPr>
+              <a:t>= </a:t>
+            </a:r>
+            <a:r>
+              <a:rPr kumimoji="0" lang="en-US" altLang="en-US" sz="1200" b="0" i="1" u="none" strike="noStrike" cap="none" normalizeH="0" baseline="0" dirty="0" smtClean="0">
+                <a:ln>
+                  <a:noFill/>
+                </a:ln>
+                <a:solidFill>
+                  <a:srgbClr val="80FFEA"/>
+                </a:solidFill>
+                <a:effectLst/>
+                <a:latin typeface="Arial Unicode MS"/>
+                <a:ea typeface="JetBrains Mono"/>
+              </a:rPr>
+              <a:t>RequestMethod</a:t>
+            </a:r>
+            <a:r>
+              <a:rPr kumimoji="0" lang="en-US" altLang="en-US" sz="1200" b="0" i="0" u="none" strike="noStrike" cap="none" normalizeH="0" baseline="0" dirty="0" smtClean="0">
+                <a:ln>
+                  <a:noFill/>
+                </a:ln>
+                <a:solidFill>
+                  <a:srgbClr val="F8F8F2"/>
+                </a:solidFill>
+                <a:effectLst/>
+                <a:latin typeface="Arial Unicode MS"/>
+                <a:ea typeface="JetBrains Mono"/>
+              </a:rPr>
+              <a:t>.</a:t>
+            </a:r>
+            <a:r>
+              <a:rPr kumimoji="0" lang="en-US" altLang="en-US" sz="1200" b="0" i="1" u="none" strike="noStrike" cap="none" normalizeH="0" baseline="0" dirty="0" smtClean="0">
+                <a:ln>
+                  <a:noFill/>
+                </a:ln>
+                <a:solidFill>
+                  <a:srgbClr val="9580FF"/>
+                </a:solidFill>
+                <a:effectLst/>
+                <a:latin typeface="Arial Unicode MS"/>
+                <a:ea typeface="JetBrains Mono"/>
+              </a:rPr>
+              <a:t>GET</a:t>
+            </a:r>
+            <a:r>
+              <a:rPr kumimoji="0" lang="en-US" altLang="en-US" sz="1200" b="0" i="0" u="none" strike="noStrike" cap="none" normalizeH="0" baseline="0" dirty="0" smtClean="0">
+                <a:ln>
+                  <a:noFill/>
+                </a:ln>
+                <a:solidFill>
+                  <a:srgbClr val="F8F8F2"/>
+                </a:solidFill>
+                <a:effectLst/>
+                <a:latin typeface="Arial Unicode MS"/>
+                <a:ea typeface="JetBrains Mono"/>
+              </a:rPr>
+              <a:t>)</a:t>
+            </a:r>
+          </a:p>
+          <a:p>
+            <a:pPr marL="0" marR="0" lvl="0" indent="0" algn="l" defTabSz="914400" rtl="0" eaLnBrk="0" fontAlgn="base" latinLnBrk="0" hangingPunct="0">
+              <a:lnSpc>
+                <a:spcPct val="100000"/>
+              </a:lnSpc>
+              <a:spcBef>
+                <a:spcPct val="0"/>
+              </a:spcBef>
+              <a:spcAft>
+                <a:spcPct val="0"/>
+              </a:spcAft>
+              <a:buClrTx/>
+              <a:buSzTx/>
+              <a:buFontTx/>
+              <a:buNone/>
+              <a:tabLst/>
+            </a:pPr>
+            <a:r>
+              <a:rPr kumimoji="0" lang="en-US" altLang="en-US" sz="1200" b="0" i="0" u="none" strike="noStrike" cap="none" normalizeH="0" baseline="0" dirty="0" smtClean="0">
+                <a:ln>
+                  <a:noFill/>
+                </a:ln>
+                <a:solidFill>
+                  <a:srgbClr val="F8F8F2"/>
+                </a:solidFill>
+                <a:effectLst/>
+                <a:latin typeface="Arial Unicode MS"/>
+                <a:ea typeface="JetBrains Mono"/>
+              </a:rPr>
+              <a:t/>
+            </a:r>
+            <a:br>
+              <a:rPr kumimoji="0" lang="en-US" altLang="en-US" sz="1200" b="0" i="0" u="none" strike="noStrike" cap="none" normalizeH="0" baseline="0" dirty="0" smtClean="0">
+                <a:ln>
+                  <a:noFill/>
+                </a:ln>
+                <a:solidFill>
+                  <a:srgbClr val="F8F8F2"/>
+                </a:solidFill>
+                <a:effectLst/>
+                <a:latin typeface="Arial Unicode MS"/>
+                <a:ea typeface="JetBrains Mono"/>
+              </a:rPr>
+            </a:br>
+            <a:r>
+              <a:rPr kumimoji="0" lang="en-US" altLang="en-US" sz="1200" b="0" i="0" u="none" strike="noStrike" cap="none" normalizeH="0" baseline="0" dirty="0" smtClean="0">
+                <a:ln>
+                  <a:noFill/>
+                </a:ln>
+                <a:solidFill>
+                  <a:srgbClr val="50FA78"/>
+                </a:solidFill>
+                <a:effectLst/>
+                <a:latin typeface="Arial Unicode MS"/>
+                <a:ea typeface="JetBrains Mono"/>
+              </a:rPr>
+              <a:t>@GetMapping</a:t>
+            </a:r>
+            <a:r>
+              <a:rPr kumimoji="0" lang="en-US" altLang="en-US" sz="1200" b="0" i="0" u="none" strike="noStrike" cap="none" normalizeH="0" baseline="0" dirty="0" smtClean="0">
+                <a:ln>
+                  <a:noFill/>
+                </a:ln>
+                <a:solidFill>
+                  <a:srgbClr val="F8F8F2"/>
+                </a:solidFill>
+                <a:effectLst/>
+                <a:latin typeface="Arial Unicode MS"/>
+                <a:ea typeface="JetBrains Mono"/>
+              </a:rPr>
+              <a:t>(</a:t>
+            </a:r>
+            <a:r>
+              <a:rPr kumimoji="0" lang="en-US" altLang="en-US" sz="1200" b="0" i="0" u="none" strike="noStrike" cap="none" normalizeH="0" baseline="0" dirty="0" smtClean="0">
+                <a:ln>
+                  <a:noFill/>
+                </a:ln>
+                <a:solidFill>
+                  <a:srgbClr val="FEFF80"/>
+                </a:solidFill>
+                <a:effectLst/>
+                <a:latin typeface="Arial Unicode MS"/>
+                <a:ea typeface="JetBrains Mono"/>
+              </a:rPr>
+              <a:t>"/user"</a:t>
+            </a:r>
+            <a:r>
+              <a:rPr kumimoji="0" lang="en-US" altLang="en-US" sz="1200" b="0" i="0" u="none" strike="noStrike" cap="none" normalizeH="0" baseline="0" dirty="0" smtClean="0">
+                <a:ln>
+                  <a:noFill/>
+                </a:ln>
+                <a:solidFill>
+                  <a:srgbClr val="F8F8F2"/>
+                </a:solidFill>
+                <a:effectLst/>
+                <a:latin typeface="Arial Unicode MS"/>
+                <a:ea typeface="JetBrains Mono"/>
+              </a:rPr>
+              <a:t>)</a:t>
+            </a:r>
+            <a:endParaRPr kumimoji="0" lang="en-US" altLang="en-US" sz="3200" b="0" i="0" u="none" strike="noStrike" cap="none" normalizeH="0" baseline="0" dirty="0" smtClean="0">
+              <a:ln>
+                <a:noFill/>
+              </a:ln>
+              <a:solidFill>
+                <a:schemeClr val="tx1"/>
+              </a:solidFill>
+              <a:effectLst/>
+              <a:latin typeface="Arial" panose="020B0604020202020204" pitchFamily="34" charset="0"/>
+            </a:endParaRPr>
+          </a:p>
+        </p:txBody>
+      </p:sp>
+    </p:spTree>
+    <p:extLst>
+      <p:ext uri="{BB962C8B-B14F-4D97-AF65-F5344CB8AC3E}">
+        <p14:creationId xmlns:p14="http://schemas.microsoft.com/office/powerpoint/2010/main" val="3350685506"/>
+      </p:ext>
+    </p:extLst>
+  </p:cSld>
+  <p:clrMapOvr>
+    <a:masterClrMapping/>
+  </p:clrMapOvr>
+</p:sld>
+</file>
+
+<file path=ppt/slides/slide41.xml><?xml version="1.0" encoding="utf-8"?>
+<p:sld xmlns:a="http://schemas.openxmlformats.org/drawingml/2006/main" xmlns:r="http://schemas.openxmlformats.org/officeDocument/2006/relationships" xmlns:p="http://schemas.openxmlformats.org/presentationml/2006/main">
+  <p:cSld>
+    <p:spTree>
+      <p:nvGrpSpPr>
+        <p:cNvPr id="1" name=""/>
+        <p:cNvGrpSpPr/>
+        <p:nvPr/>
+      </p:nvGrpSpPr>
+      <p:grpSpPr>
+        <a:xfrm>
+          <a:off x="0" y="0"/>
+          <a:ext cx="0" cy="0"/>
+          <a:chOff x="0" y="0"/>
+          <a:chExt cx="0" cy="0"/>
+        </a:xfrm>
+      </p:grpSpPr>
+      <p:sp>
+        <p:nvSpPr>
+          <p:cNvPr id="2" name="Title 1"/>
+          <p:cNvSpPr>
+            <a:spLocks noGrp="1"/>
+          </p:cNvSpPr>
+          <p:nvPr>
+            <p:ph type="title"/>
+          </p:nvPr>
+        </p:nvSpPr>
+        <p:spPr/>
+        <p:txBody>
+          <a:bodyPr/>
+          <a:lstStyle/>
+          <a:p>
+            <a:r>
+              <a:rPr lang="en-US" dirty="0" smtClean="0">
+                <a:latin typeface="Arial" panose="020B0604020202020204" pitchFamily="34" charset="0"/>
+                <a:cs typeface="Arial" panose="020B0604020202020204" pitchFamily="34" charset="0"/>
+              </a:rPr>
+              <a:t>Initial project Spring</a:t>
+            </a:r>
+            <a:endParaRPr lang="en-US" dirty="0">
+              <a:latin typeface="Arial" panose="020B0604020202020204" pitchFamily="34" charset="0"/>
+              <a:cs typeface="Arial" panose="020B0604020202020204" pitchFamily="34" charset="0"/>
+            </a:endParaRPr>
+          </a:p>
+        </p:txBody>
+      </p:sp>
+      <p:sp>
+        <p:nvSpPr>
+          <p:cNvPr id="3" name="Content Placeholder 2"/>
+          <p:cNvSpPr>
+            <a:spLocks noGrp="1"/>
+          </p:cNvSpPr>
+          <p:nvPr>
+            <p:ph idx="1"/>
+          </p:nvPr>
+        </p:nvSpPr>
+        <p:spPr/>
+        <p:txBody>
+          <a:bodyPr/>
+          <a:lstStyle/>
+          <a:p>
+            <a:r>
+              <a:rPr lang="en-US" dirty="0" smtClean="0">
+                <a:latin typeface="Arial" panose="020B0604020202020204" pitchFamily="34" charset="0"/>
+                <a:cs typeface="Arial" panose="020B0604020202020204" pitchFamily="34" charset="0"/>
+              </a:rPr>
+              <a:t>Step 7: Create api get user</a:t>
             </a:r>
             <a:endParaRPr lang="en-US" dirty="0">
               <a:latin typeface="Arial" panose="020B0604020202020204" pitchFamily="34" charset="0"/>
@@ -10331,7 +12550,7 @@
 </p:sld>
 </file>
 
-<file path=ppt/slides/slide4.xml><?xml version="1.0" encoding="utf-8"?>
+<file path=ppt/slides/slide42.xml><?xml version="1.0" encoding="utf-8"?>
 <p:sld xmlns:a="http://schemas.openxmlformats.org/drawingml/2006/main" xmlns:r="http://schemas.openxmlformats.org/officeDocument/2006/relationships" xmlns:p="http://schemas.openxmlformats.org/presentationml/2006/main">
   <p:cSld>
     <p:spTree>
@@ -10392,9 +12611,22 @@
           <a:bodyPr/>
           <a:lstStyle/>
           <a:p>
-            <a:pPr marL="342900" lvl="1" indent="-342900"/>
+            <a:r>
+              <a:rPr lang="en-US" dirty="0" smtClean="0">
+                <a:latin typeface="Arial" panose="020B0604020202020204" pitchFamily="34" charset="0"/>
+                <a:cs typeface="Arial" panose="020B0604020202020204" pitchFamily="34" charset="0"/>
+              </a:rPr>
+              <a:t>Ở đây chúng ta có </a:t>
+            </a:r>
             <a:r>
               <a:rPr lang="en-US" dirty="0">
+                <a:latin typeface="Arial" panose="020B0604020202020204" pitchFamily="34" charset="0"/>
+                <a:cs typeface="Arial" panose="020B0604020202020204" pitchFamily="34" charset="0"/>
+              </a:rPr>
+              <a:t>thêm </a:t>
+            </a:r>
+            <a:r>
+              <a:rPr lang="en-US" dirty="0">
                 <a:solidFill>
                   <a:srgbClr val="FFC000"/>
                 </a:solidFill>
@@ -10411,59 +12643,379 @@
                 <a:latin typeface="Arial" panose="020B0604020202020204" pitchFamily="34" charset="0"/>
                 <a:cs typeface="Arial" panose="020B0604020202020204" pitchFamily="34" charset="0"/>
               </a:rPr>
-              <a:t>RestController </a:t>
-            </a:r>
-            <a:r>
-              <a:rPr lang="en-US" dirty="0" smtClean="0">
-                <a:latin typeface="Arial" panose="020B0604020202020204" pitchFamily="34" charset="0"/>
-                <a:cs typeface="Arial" panose="020B0604020202020204" pitchFamily="34" charset="0"/>
-              </a:rPr>
-              <a:t>thực ra là sự kết hợp </a:t>
-            </a:r>
-            <a:r>
-              <a:rPr lang="en-US" dirty="0" smtClean="0">
-                <a:solidFill>
-                  <a:srgbClr val="FFC000"/>
-                </a:solidFill>
-                <a:latin typeface="Arial" panose="020B0604020202020204" pitchFamily="34" charset="0"/>
-                <a:cs typeface="Arial" panose="020B0604020202020204" pitchFamily="34" charset="0"/>
-              </a:rPr>
-              <a:t>@Controller </a:t>
-            </a:r>
-            <a:r>
-              <a:rPr lang="en-US" dirty="0" smtClean="0">
-                <a:latin typeface="Arial" panose="020B0604020202020204" pitchFamily="34" charset="0"/>
-                <a:cs typeface="Arial" panose="020B0604020202020204" pitchFamily="34" charset="0"/>
-              </a:rPr>
-              <a:t>và </a:t>
-            </a:r>
-            <a:r>
-              <a:rPr lang="en-US" dirty="0" smtClean="0">
-                <a:solidFill>
-                  <a:srgbClr val="FFC000"/>
-                </a:solidFill>
-                <a:latin typeface="Arial" panose="020B0604020202020204" pitchFamily="34" charset="0"/>
-                <a:cs typeface="Arial" panose="020B0604020202020204" pitchFamily="34" charset="0"/>
-              </a:rPr>
-              <a:t>@ResponseBody </a:t>
-            </a:r>
-            <a:r>
-              <a:rPr lang="en-US" dirty="0" smtClean="0">
-                <a:latin typeface="Arial" panose="020B0604020202020204" pitchFamily="34" charset="0"/>
-                <a:cs typeface="Arial" panose="020B0604020202020204" pitchFamily="34" charset="0"/>
-              </a:rPr>
-              <a:t>để cho chúng ta code cho ngắn gọn.</a:t>
-            </a:r>
-            <a:endParaRPr lang="en-US" dirty="0" smtClean="0">
-              <a:solidFill>
-                <a:srgbClr val="FFC000"/>
-              </a:solidFill>
+              <a:t>PathVariable</a:t>
+            </a:r>
+            <a:r>
+              <a:rPr lang="en-US" dirty="0" smtClean="0">
+                <a:latin typeface="Arial" panose="020B0604020202020204" pitchFamily="34" charset="0"/>
+                <a:cs typeface="Arial" panose="020B0604020202020204" pitchFamily="34" charset="0"/>
+              </a:rPr>
+              <a:t>, vậy nó dùng để làm gì?</a:t>
+            </a:r>
+          </a:p>
+          <a:p>
+            <a:endParaRPr lang="en-US" dirty="0">
               <a:latin typeface="Arial" panose="020B0604020202020204" pitchFamily="34" charset="0"/>
               <a:cs typeface="Arial" panose="020B0604020202020204" pitchFamily="34" charset="0"/>
             </a:endParaRPr>
           </a:p>
           <a:p>
+            <a:r>
+              <a:rPr lang="en-US" dirty="0" smtClean="0">
+                <a:latin typeface="Arial" panose="020B0604020202020204" pitchFamily="34" charset="0"/>
+                <a:cs typeface="Arial" panose="020B0604020202020204" pitchFamily="34" charset="0"/>
+              </a:rPr>
+              <a:t>Nó dùng để đánh dấu tham số </a:t>
+            </a:r>
+            <a:r>
+              <a:rPr lang="en-US" dirty="0" smtClean="0">
+                <a:solidFill>
+                  <a:schemeClr val="tx1"/>
+                </a:solidFill>
+                <a:latin typeface="Arial" panose="020B0604020202020204" pitchFamily="34" charset="0"/>
+                <a:cs typeface="Arial" panose="020B0604020202020204" pitchFamily="34" charset="0"/>
+              </a:rPr>
+              <a:t>“id” </a:t>
+            </a:r>
+            <a:r>
+              <a:rPr lang="en-US" dirty="0" smtClean="0">
+                <a:latin typeface="Arial" panose="020B0604020202020204" pitchFamily="34" charset="0"/>
+                <a:cs typeface="Arial" panose="020B0604020202020204" pitchFamily="34" charset="0"/>
+              </a:rPr>
+              <a:t>là </a:t>
+            </a:r>
+            <a:r>
+              <a:rPr lang="vi-VN" dirty="0">
+                <a:latin typeface="Arial" panose="020B0604020202020204" pitchFamily="34" charset="0"/>
+                <a:cs typeface="Arial" panose="020B0604020202020204" pitchFamily="34" charset="0"/>
+              </a:rPr>
+              <a:t>một path variable và Spring sẽ tự động liên kết giá trị của nó từ URL vào biến </a:t>
+            </a:r>
+            <a:r>
+              <a:rPr lang="en-US" dirty="0">
+                <a:solidFill>
+                  <a:schemeClr val="tx1"/>
+                </a:solidFill>
+                <a:latin typeface="Arial" panose="020B0604020202020204" pitchFamily="34" charset="0"/>
+                <a:cs typeface="Arial" panose="020B0604020202020204" pitchFamily="34" charset="0"/>
+              </a:rPr>
+              <a:t>“id”</a:t>
+            </a:r>
+            <a:r>
+              <a:rPr lang="vi-VN" dirty="0" smtClean="0">
+                <a:latin typeface="Arial" panose="020B0604020202020204" pitchFamily="34" charset="0"/>
+                <a:cs typeface="Arial" panose="020B0604020202020204" pitchFamily="34" charset="0"/>
+              </a:rPr>
+              <a:t> </a:t>
+            </a:r>
+            <a:r>
+              <a:rPr lang="vi-VN" dirty="0">
+                <a:latin typeface="Arial" panose="020B0604020202020204" pitchFamily="34" charset="0"/>
+                <a:cs typeface="Arial" panose="020B0604020202020204" pitchFamily="34" charset="0"/>
+              </a:rPr>
+              <a:t>của phương thức </a:t>
+            </a:r>
+            <a:r>
+              <a:rPr lang="en-US" dirty="0" smtClean="0">
+                <a:latin typeface="Arial" panose="020B0604020202020204" pitchFamily="34" charset="0"/>
+                <a:cs typeface="Arial" panose="020B0604020202020204" pitchFamily="34" charset="0"/>
+              </a:rPr>
+              <a:t>getUser</a:t>
+            </a:r>
+            <a:r>
+              <a:rPr lang="vi-VN" dirty="0" smtClean="0">
+                <a:latin typeface="Arial" panose="020B0604020202020204" pitchFamily="34" charset="0"/>
+                <a:cs typeface="Arial" panose="020B0604020202020204" pitchFamily="34" charset="0"/>
+              </a:rPr>
+              <a:t>.</a:t>
+            </a:r>
             <a:endParaRPr lang="en-US" dirty="0" smtClean="0">
+              <a:latin typeface="Arial" panose="020B0604020202020204" pitchFamily="34" charset="0"/>
+              <a:cs typeface="Arial" panose="020B0604020202020204" pitchFamily="34" charset="0"/>
+            </a:endParaRPr>
+          </a:p>
+          <a:p>
+            <a:r>
+              <a:rPr lang="vi-VN" dirty="0">
+                <a:cs typeface="Arial" panose="020B0604020202020204" pitchFamily="34" charset="0"/>
+              </a:rPr>
+              <a:t>Khi một request </a:t>
+            </a:r>
+            <a:r>
+              <a:rPr lang="en-US" dirty="0" smtClean="0">
+                <a:cs typeface="Arial" panose="020B0604020202020204" pitchFamily="34" charset="0"/>
+              </a:rPr>
+              <a:t>/user</a:t>
+            </a:r>
+            <a:r>
+              <a:rPr lang="vi-VN" dirty="0" smtClean="0">
+                <a:cs typeface="Arial" panose="020B0604020202020204" pitchFamily="34" charset="0"/>
+              </a:rPr>
+              <a:t>/1 </a:t>
+            </a:r>
+            <a:r>
+              <a:rPr lang="vi-VN" dirty="0">
+                <a:cs typeface="Arial" panose="020B0604020202020204" pitchFamily="34" charset="0"/>
+              </a:rPr>
+              <a:t>được gửi tới server, Spring sẽ trích xuất giá trị </a:t>
+            </a:r>
+            <a:r>
+              <a:rPr lang="en-US" dirty="0" smtClean="0">
+                <a:cs typeface="Arial" panose="020B0604020202020204" pitchFamily="34" charset="0"/>
+              </a:rPr>
+              <a:t>1</a:t>
+            </a:r>
+            <a:r>
+              <a:rPr lang="vi-VN" dirty="0" smtClean="0">
+                <a:cs typeface="Arial" panose="020B0604020202020204" pitchFamily="34" charset="0"/>
+              </a:rPr>
+              <a:t> </a:t>
+            </a:r>
+            <a:r>
+              <a:rPr lang="vi-VN" dirty="0">
+                <a:cs typeface="Arial" panose="020B0604020202020204" pitchFamily="34" charset="0"/>
+              </a:rPr>
+              <a:t>từ URL và truyền nó vào phương thức </a:t>
+            </a:r>
+            <a:r>
+              <a:rPr lang="vi-VN" dirty="0" smtClean="0">
+                <a:cs typeface="Arial" panose="020B0604020202020204" pitchFamily="34" charset="0"/>
+              </a:rPr>
+              <a:t>getUser</a:t>
+            </a:r>
+            <a:r>
+              <a:rPr lang="en-US" dirty="0" smtClean="0">
+                <a:cs typeface="Arial" panose="020B0604020202020204" pitchFamily="34" charset="0"/>
+              </a:rPr>
+              <a:t>(</a:t>
+            </a:r>
+            <a:r>
+              <a:rPr lang="vi-VN" dirty="0" smtClean="0">
+                <a:cs typeface="Arial" panose="020B0604020202020204" pitchFamily="34" charset="0"/>
+              </a:rPr>
+              <a:t>int </a:t>
+            </a:r>
+            <a:r>
+              <a:rPr lang="vi-VN" dirty="0">
+                <a:cs typeface="Arial" panose="020B0604020202020204" pitchFamily="34" charset="0"/>
+              </a:rPr>
+              <a:t>id</a:t>
+            </a:r>
+            <a:r>
+              <a:rPr lang="vi-VN" dirty="0" smtClean="0">
+                <a:cs typeface="Arial" panose="020B0604020202020204" pitchFamily="34" charset="0"/>
+              </a:rPr>
+              <a:t>)</a:t>
+            </a:r>
+            <a:r>
+              <a:rPr lang="en-US" dirty="0" smtClean="0">
+                <a:cs typeface="Arial" panose="020B0604020202020204" pitchFamily="34" charset="0"/>
+              </a:rPr>
+              <a:t>.</a:t>
+            </a:r>
+          </a:p>
+          <a:p>
+            <a:r>
+              <a:rPr lang="vi-VN" dirty="0" smtClean="0">
+                <a:cs typeface="Arial" panose="020B0604020202020204" pitchFamily="34" charset="0"/>
+              </a:rPr>
+              <a:t>Sau </a:t>
+            </a:r>
+            <a:r>
+              <a:rPr lang="vi-VN" dirty="0">
+                <a:cs typeface="Arial" panose="020B0604020202020204" pitchFamily="34" charset="0"/>
+              </a:rPr>
+              <a:t>đó, bạn có thể sử dụng giá trị này </a:t>
+            </a:r>
+            <a:r>
+              <a:rPr lang="en-US" dirty="0" smtClean="0">
+                <a:cs typeface="Arial" panose="020B0604020202020204" pitchFamily="34" charset="0"/>
+              </a:rPr>
+              <a:t>xử lý tiếp.</a:t>
+            </a:r>
+            <a:endParaRPr lang="en-US" dirty="0">
+              <a:latin typeface="Arial" panose="020B0604020202020204" pitchFamily="34" charset="0"/>
+              <a:cs typeface="Arial" panose="020B0604020202020204" pitchFamily="34" charset="0"/>
+            </a:endParaRPr>
+          </a:p>
+        </p:txBody>
+      </p:sp>
+      <p:pic>
+        <p:nvPicPr>
+          <p:cNvPr id="7" name="Picture 6"/>
+          <p:cNvPicPr>
+            <a:picLocks noChangeAspect="1"/>
+          </p:cNvPicPr>
+          <p:nvPr/>
+        </p:nvPicPr>
+        <p:blipFill>
+          <a:blip r:embed="rId2"/>
+          <a:stretch>
+            <a:fillRect/>
+          </a:stretch>
+        </p:blipFill>
+        <p:spPr>
+          <a:xfrm>
+            <a:off x="1101725" y="4699000"/>
+            <a:ext cx="3257550" cy="1181100"/>
+          </a:xfrm>
+          <a:prstGeom prst="rect">
+            <a:avLst/>
+          </a:prstGeom>
+        </p:spPr>
+      </p:pic>
+    </p:spTree>
+    <p:extLst>
+      <p:ext uri="{BB962C8B-B14F-4D97-AF65-F5344CB8AC3E}">
+        <p14:creationId xmlns:p14="http://schemas.microsoft.com/office/powerpoint/2010/main" val="3167191734"/>
+      </p:ext>
+    </p:extLst>
+  </p:cSld>
+  <p:clrMapOvr>
+    <a:masterClrMapping/>
+  </p:clrMapOvr>
+</p:sld>
+</file>
+
+<file path=ppt/slides/slide43.xml><?xml version="1.0" encoding="utf-8"?>
+<p:sld xmlns:a="http://schemas.openxmlformats.org/drawingml/2006/main" xmlns:r="http://schemas.openxmlformats.org/officeDocument/2006/relationships" xmlns:p="http://schemas.openxmlformats.org/presentationml/2006/main">
+  <p:cSld>
+    <p:spTree>
+      <p:nvGrpSpPr>
+        <p:cNvPr id="1" name=""/>
+        <p:cNvGrpSpPr/>
+        <p:nvPr/>
+      </p:nvGrpSpPr>
+      <p:grpSpPr>
+        <a:xfrm>
+          <a:off x="0" y="0"/>
+          <a:ext cx="0" cy="0"/>
+          <a:chOff x="0" y="0"/>
+          <a:chExt cx="0" cy="0"/>
+        </a:xfrm>
+      </p:grpSpPr>
+      <p:sp>
+        <p:nvSpPr>
+          <p:cNvPr id="2" name="Title 1"/>
+          <p:cNvSpPr>
+            <a:spLocks noGrp="1"/>
+          </p:cNvSpPr>
+          <p:nvPr>
+            <p:ph type="title"/>
+          </p:nvPr>
+        </p:nvSpPr>
+        <p:spPr/>
+        <p:txBody>
+          <a:bodyPr/>
+          <a:lstStyle/>
+          <a:p>
+            <a:r>
+              <a:rPr lang="en-US" dirty="0" smtClean="0">
+                <a:latin typeface="Arial" panose="020B0604020202020204" pitchFamily="34" charset="0"/>
+                <a:cs typeface="Arial" panose="020B0604020202020204" pitchFamily="34" charset="0"/>
+              </a:rPr>
+              <a:t>Initial project Spring</a:t>
+            </a:r>
+            <a:endParaRPr lang="en-US" dirty="0">
+              <a:latin typeface="Arial" panose="020B0604020202020204" pitchFamily="34" charset="0"/>
+              <a:cs typeface="Arial" panose="020B0604020202020204" pitchFamily="34" charset="0"/>
+            </a:endParaRPr>
+          </a:p>
+        </p:txBody>
+      </p:sp>
+      <p:sp>
+        <p:nvSpPr>
+          <p:cNvPr id="3" name="Content Placeholder 2"/>
+          <p:cNvSpPr>
+            <a:spLocks noGrp="1"/>
+          </p:cNvSpPr>
+          <p:nvPr>
+            <p:ph idx="1"/>
+          </p:nvPr>
+        </p:nvSpPr>
+        <p:spPr/>
+        <p:txBody>
+          <a:bodyPr/>
+          <a:lstStyle/>
+          <a:p>
+            <a:endParaRPr lang="en-US" dirty="0" smtClean="0">
+              <a:latin typeface="Arial" panose="020B0604020202020204" pitchFamily="34" charset="0"/>
+              <a:cs typeface="Arial" panose="020B0604020202020204" pitchFamily="34" charset="0"/>
+            </a:endParaRPr>
+          </a:p>
+          <a:p>
+            <a:endParaRPr lang="en-US" dirty="0" smtClean="0">
+              <a:latin typeface="Arial" panose="020B0604020202020204" pitchFamily="34" charset="0"/>
+              <a:cs typeface="Arial" panose="020B0604020202020204" pitchFamily="34" charset="0"/>
+            </a:endParaRPr>
+          </a:p>
+          <a:p>
+            <a:endParaRPr lang="en-US" dirty="0">
+              <a:latin typeface="Arial" panose="020B0604020202020204" pitchFamily="34" charset="0"/>
+              <a:cs typeface="Arial" panose="020B0604020202020204" pitchFamily="34" charset="0"/>
+            </a:endParaRPr>
+          </a:p>
+          <a:p>
+            <a:r>
+              <a:rPr lang="en-US" dirty="0">
+                <a:latin typeface="Arial" panose="020B0604020202020204" pitchFamily="34" charset="0"/>
+                <a:cs typeface="Arial" panose="020B0604020202020204" pitchFamily="34" charset="0"/>
+              </a:rPr>
+              <a:t>Ta có thể sử dụng tên biến khác với path variable </a:t>
+            </a:r>
+            <a:r>
+              <a:rPr lang="en-US" dirty="0" smtClean="0">
+                <a:latin typeface="Arial" panose="020B0604020202020204" pitchFamily="34" charset="0"/>
+                <a:cs typeface="Arial" panose="020B0604020202020204" pitchFamily="34" charset="0"/>
+              </a:rPr>
+              <a:t>ví dụ như trên.</a:t>
+            </a:r>
+          </a:p>
+          <a:p>
+            <a:r>
+              <a:rPr lang="en-US" dirty="0">
+                <a:latin typeface="Arial" panose="020B0604020202020204" pitchFamily="34" charset="0"/>
+                <a:cs typeface="Arial" panose="020B0604020202020204" pitchFamily="34" charset="0"/>
+              </a:rPr>
+              <a:t>Lúc này @PathVariable</a:t>
+            </a:r>
+            <a:r>
+              <a:rPr lang="en-US" dirty="0" smtClean="0">
+                <a:latin typeface="Arial" panose="020B0604020202020204" pitchFamily="34" charset="0"/>
+                <a:cs typeface="Arial" panose="020B0604020202020204" pitchFamily="34" charset="0"/>
+              </a:rPr>
+              <a:t>(“param”) chỉ định rằng id trong phương thức sẽ nhận </a:t>
+            </a:r>
+            <a:r>
+              <a:rPr lang="en-US" dirty="0">
+                <a:latin typeface="Arial" panose="020B0604020202020204" pitchFamily="34" charset="0"/>
+                <a:cs typeface="Arial" panose="020B0604020202020204" pitchFamily="34" charset="0"/>
+              </a:rPr>
+              <a:t>giá trị của path variable có tên là </a:t>
+            </a:r>
+            <a:r>
+              <a:rPr lang="en-US" dirty="0" smtClean="0">
+                <a:latin typeface="Arial" panose="020B0604020202020204" pitchFamily="34" charset="0"/>
+                <a:cs typeface="Arial" panose="020B0604020202020204" pitchFamily="34" charset="0"/>
+              </a:rPr>
+              <a:t>“param” </a:t>
+            </a:r>
+            <a:r>
+              <a:rPr lang="en-US" dirty="0">
+                <a:latin typeface="Arial" panose="020B0604020202020204" pitchFamily="34" charset="0"/>
+                <a:cs typeface="Arial" panose="020B0604020202020204" pitchFamily="34" charset="0"/>
+              </a:rPr>
+              <a:t>trong URL.</a:t>
+            </a:r>
+          </a:p>
+          <a:p>
+            <a:endParaRPr lang="en-US" dirty="0" smtClean="0">
+              <a:latin typeface="Arial" panose="020B0604020202020204" pitchFamily="34" charset="0"/>
+              <a:cs typeface="Arial" panose="020B0604020202020204" pitchFamily="34" charset="0"/>
+            </a:endParaRPr>
+          </a:p>
+          <a:p>
+            <a:endParaRPr lang="en-US" dirty="0">
               <a:latin typeface="Arial" panose="020B0604020202020204" pitchFamily="34" charset="0"/>
               <a:cs typeface="Arial" panose="020B0604020202020204" pitchFamily="34" charset="0"/>
             </a:endParaRPr>
@@ -10492,8 +13044,8 @@
         </p:blipFill>
         <p:spPr>
           <a:xfrm>
-            <a:off x="3323080" y="2910350"/>
-            <a:ext cx="3305175" cy="2381250"/>
+            <a:off x="969962" y="2160589"/>
+            <a:ext cx="3648075" cy="1095375"/>
           </a:xfrm>
           <a:prstGeom prst="rect">
             <a:avLst/>
@@ -10503,7 +13055,7 @@
     </p:spTree>
     <p:extLst>
       <p:ext uri="{BB962C8B-B14F-4D97-AF65-F5344CB8AC3E}">
-        <p14:creationId xmlns:p14="http://schemas.microsoft.com/office/powerpoint/2010/main" val="1697477298"/>
+        <p14:creationId xmlns:p14="http://schemas.microsoft.com/office/powerpoint/2010/main" val="277633248"/>
       </p:ext>
     </p:extLst>
   </p:cSld>

--- a/02.RESTful API.pptx
+++ b/02.RESTful API.pptx
@@ -37,17 +37,13 @@
     <p:sldId id="293" r:id="rId31"/>
     <p:sldId id="294" r:id="rId32"/>
     <p:sldId id="295" r:id="rId33"/>
-    <p:sldId id="304" r:id="rId34"/>
-    <p:sldId id="306" r:id="rId35"/>
-    <p:sldId id="307" r:id="rId36"/>
-    <p:sldId id="308" r:id="rId37"/>
-    <p:sldId id="309" r:id="rId38"/>
-    <p:sldId id="310" r:id="rId39"/>
-    <p:sldId id="296" r:id="rId40"/>
-    <p:sldId id="297" r:id="rId41"/>
-    <p:sldId id="298" r:id="rId42"/>
-    <p:sldId id="311" r:id="rId43"/>
-    <p:sldId id="312" r:id="rId44"/>
+    <p:sldId id="296" r:id="rId34"/>
+    <p:sldId id="297" r:id="rId35"/>
+    <p:sldId id="298" r:id="rId36"/>
+    <p:sldId id="311" r:id="rId37"/>
+    <p:sldId id="312" r:id="rId38"/>
+    <p:sldId id="313" r:id="rId39"/>
+    <p:sldId id="314" r:id="rId40"/>
   </p:sldIdLst>
   <p:sldSz cx="12192000" cy="6858000"/>
   <p:notesSz cx="6858000" cy="9144000"/>
@@ -878,7 +874,7 @@
           <a:p>
             <a:fld id="{E7E49A89-72C0-40C6-A55C-C6C12D525ACC}" type="datetimeFigureOut">
               <a:rPr lang="en-US" smtClean="0"/>
-              <a:t>6/24/2024</a:t>
+              <a:t>6/26/2024</a:t>
             </a:fld>
             <a:endParaRPr lang="en-US"/>
           </a:p>
@@ -1129,7 +1125,7 @@
           <a:p>
             <a:fld id="{E7E49A89-72C0-40C6-A55C-C6C12D525ACC}" type="datetimeFigureOut">
               <a:rPr lang="en-US" smtClean="0"/>
-              <a:t>6/24/2024</a:t>
+              <a:t>6/26/2024</a:t>
             </a:fld>
             <a:endParaRPr lang="en-US"/>
           </a:p>
@@ -1443,7 +1439,7 @@
           <a:p>
             <a:fld id="{E7E49A89-72C0-40C6-A55C-C6C12D525ACC}" type="datetimeFigureOut">
               <a:rPr lang="en-US" smtClean="0"/>
-              <a:t>6/24/2024</a:t>
+              <a:t>6/26/2024</a:t>
             </a:fld>
             <a:endParaRPr lang="en-US"/>
           </a:p>
@@ -1770,7 +1766,7 @@
           <a:p>
             <a:fld id="{E7E49A89-72C0-40C6-A55C-C6C12D525ACC}" type="datetimeFigureOut">
               <a:rPr lang="en-US" smtClean="0"/>
-              <a:t>6/24/2024</a:t>
+              <a:t>6/26/2024</a:t>
             </a:fld>
             <a:endParaRPr lang="en-US"/>
           </a:p>
@@ -2084,7 +2080,7 @@
           <a:p>
             <a:fld id="{E7E49A89-72C0-40C6-A55C-C6C12D525ACC}" type="datetimeFigureOut">
               <a:rPr lang="en-US" smtClean="0"/>
-              <a:t>6/24/2024</a:t>
+              <a:t>6/26/2024</a:t>
             </a:fld>
             <a:endParaRPr lang="en-US"/>
           </a:p>
@@ -2471,7 +2467,7 @@
           <a:p>
             <a:fld id="{E7E49A89-72C0-40C6-A55C-C6C12D525ACC}" type="datetimeFigureOut">
               <a:rPr lang="en-US" smtClean="0"/>
-              <a:t>6/24/2024</a:t>
+              <a:t>6/26/2024</a:t>
             </a:fld>
             <a:endParaRPr lang="en-US"/>
           </a:p>
@@ -2641,7 +2637,7 @@
           <a:p>
             <a:fld id="{E7E49A89-72C0-40C6-A55C-C6C12D525ACC}" type="datetimeFigureOut">
               <a:rPr lang="en-US" smtClean="0"/>
-              <a:t>6/24/2024</a:t>
+              <a:t>6/26/2024</a:t>
             </a:fld>
             <a:endParaRPr lang="en-US"/>
           </a:p>
@@ -2821,7 +2817,7 @@
           <a:p>
             <a:fld id="{E7E49A89-72C0-40C6-A55C-C6C12D525ACC}" type="datetimeFigureOut">
               <a:rPr lang="en-US" smtClean="0"/>
-              <a:t>6/24/2024</a:t>
+              <a:t>6/26/2024</a:t>
             </a:fld>
             <a:endParaRPr lang="en-US"/>
           </a:p>
@@ -2997,7 +2993,7 @@
           <a:p>
             <a:fld id="{E7E49A89-72C0-40C6-A55C-C6C12D525ACC}" type="datetimeFigureOut">
               <a:rPr lang="en-US" smtClean="0"/>
-              <a:t>6/24/2024</a:t>
+              <a:t>6/26/2024</a:t>
             </a:fld>
             <a:endParaRPr lang="en-US"/>
           </a:p>
@@ -3244,7 +3240,7 @@
           <a:p>
             <a:fld id="{E7E49A89-72C0-40C6-A55C-C6C12D525ACC}" type="datetimeFigureOut">
               <a:rPr lang="en-US" smtClean="0"/>
-              <a:t>6/24/2024</a:t>
+              <a:t>6/26/2024</a:t>
             </a:fld>
             <a:endParaRPr lang="en-US"/>
           </a:p>
@@ -3476,7 +3472,7 @@
           <a:p>
             <a:fld id="{E7E49A89-72C0-40C6-A55C-C6C12D525ACC}" type="datetimeFigureOut">
               <a:rPr lang="en-US" smtClean="0"/>
-              <a:t>6/24/2024</a:t>
+              <a:t>6/26/2024</a:t>
             </a:fld>
             <a:endParaRPr lang="en-US"/>
           </a:p>
@@ -3850,7 +3846,7 @@
           <a:p>
             <a:fld id="{E7E49A89-72C0-40C6-A55C-C6C12D525ACC}" type="datetimeFigureOut">
               <a:rPr lang="en-US" smtClean="0"/>
-              <a:t>6/24/2024</a:t>
+              <a:t>6/26/2024</a:t>
             </a:fld>
             <a:endParaRPr lang="en-US"/>
           </a:p>
@@ -3973,7 +3969,7 @@
           <a:p>
             <a:fld id="{E7E49A89-72C0-40C6-A55C-C6C12D525ACC}" type="datetimeFigureOut">
               <a:rPr lang="en-US" smtClean="0"/>
-              <a:t>6/24/2024</a:t>
+              <a:t>6/26/2024</a:t>
             </a:fld>
             <a:endParaRPr lang="en-US"/>
           </a:p>
@@ -4068,7 +4064,7 @@
           <a:p>
             <a:fld id="{E7E49A89-72C0-40C6-A55C-C6C12D525ACC}" type="datetimeFigureOut">
               <a:rPr lang="en-US" smtClean="0"/>
-              <a:t>6/24/2024</a:t>
+              <a:t>6/26/2024</a:t>
             </a:fld>
             <a:endParaRPr lang="en-US"/>
           </a:p>
@@ -4323,7 +4319,7 @@
           <a:p>
             <a:fld id="{E7E49A89-72C0-40C6-A55C-C6C12D525ACC}" type="datetimeFigureOut">
               <a:rPr lang="en-US" smtClean="0"/>
-              <a:t>6/24/2024</a:t>
+              <a:t>6/26/2024</a:t>
             </a:fld>
             <a:endParaRPr lang="en-US"/>
           </a:p>
@@ -4586,7 +4582,7 @@
           <a:p>
             <a:fld id="{E7E49A89-72C0-40C6-A55C-C6C12D525ACC}" type="datetimeFigureOut">
               <a:rPr lang="en-US" smtClean="0"/>
-              <a:t>6/24/2024</a:t>
+              <a:t>6/26/2024</a:t>
             </a:fld>
             <a:endParaRPr lang="en-US"/>
           </a:p>
@@ -5331,7 +5327,7 @@
           <a:p>
             <a:fld id="{E7E49A89-72C0-40C6-A55C-C6C12D525ACC}" type="datetimeFigureOut">
               <a:rPr lang="en-US" smtClean="0"/>
-              <a:t>6/24/2024</a:t>
+              <a:t>6/26/2024</a:t>
             </a:fld>
             <a:endParaRPr lang="en-US"/>
           </a:p>
@@ -7938,47 +7934,27 @@
                 <a:latin typeface="Arial" panose="020B0604020202020204" pitchFamily="34" charset="0"/>
                 <a:cs typeface="Arial" panose="020B0604020202020204" pitchFamily="34" charset="0"/>
               </a:rPr>
-              <a:t> thì </a:t>
-            </a:r>
-            <a:r>
-              <a:rPr lang="en-US" dirty="0" smtClean="0">
+              <a:t> thì chức năng của </a:t>
+            </a:r>
+            <a:r>
+              <a:rPr lang="en-US" dirty="0">
                 <a:solidFill>
                   <a:schemeClr val="tx1"/>
                 </a:solidFill>
                 <a:latin typeface="Arial" panose="020B0604020202020204" pitchFamily="34" charset="0"/>
                 <a:cs typeface="Arial" panose="020B0604020202020204" pitchFamily="34" charset="0"/>
               </a:rPr>
-              <a:t>chức năng của </a:t>
-            </a:r>
-            <a:r>
-              <a:rPr lang="en-US" dirty="0">
+              <a:t>nó là inject các </a:t>
+            </a:r>
+            <a:r>
+              <a:rPr lang="en-US" dirty="0" smtClean="0">
                 <a:solidFill>
                   <a:schemeClr val="tx1"/>
                 </a:solidFill>
                 <a:latin typeface="Arial" panose="020B0604020202020204" pitchFamily="34" charset="0"/>
                 <a:cs typeface="Arial" panose="020B0604020202020204" pitchFamily="34" charset="0"/>
               </a:rPr>
-              <a:t>nó là inject các </a:t>
-            </a:r>
-            <a:r>
-              <a:rPr lang="en-US" dirty="0" smtClean="0">
-                <a:solidFill>
-                  <a:schemeClr val="tx1"/>
-                </a:solidFill>
-                <a:latin typeface="Arial" panose="020B0604020202020204" pitchFamily="34" charset="0"/>
-                <a:cs typeface="Arial" panose="020B0604020202020204" pitchFamily="34" charset="0"/>
-              </a:rPr>
-              <a:t>dependency, tức là nó tìm kiếm các bean trong container và inject vào các tham </a:t>
-            </a:r>
-            <a:r>
-              <a:rPr lang="en-US" dirty="0" smtClean="0">
-                <a:solidFill>
-                  <a:schemeClr val="tx1"/>
-                </a:solidFill>
-                <a:latin typeface="Arial" panose="020B0604020202020204" pitchFamily="34" charset="0"/>
-                <a:cs typeface="Arial" panose="020B0604020202020204" pitchFamily="34" charset="0"/>
-              </a:rPr>
-              <a:t>số.</a:t>
+              <a:t>dependency, tức là nó tìm kiếm các bean trong container và inject vào các tham số.</a:t>
             </a:r>
           </a:p>
           <a:p>
@@ -8029,17 +8005,7 @@
                 <a:latin typeface="Arial" panose="020B0604020202020204" pitchFamily="34" charset="0"/>
                 <a:cs typeface="Arial" panose="020B0604020202020204" pitchFamily="34" charset="0"/>
               </a:rPr>
-              <a:t>thì </a:t>
-            </a:r>
-            <a:r>
-              <a:rPr lang="en-US" dirty="0" smtClean="0">
-                <a:solidFill>
-                  <a:schemeClr val="tx1"/>
-                </a:solidFill>
-                <a:latin typeface="Arial" panose="020B0604020202020204" pitchFamily="34" charset="0"/>
-                <a:cs typeface="Arial" panose="020B0604020202020204" pitchFamily="34" charset="0"/>
-              </a:rPr>
-              <a:t>các bạn tìm hiểu thêm ở đây:</a:t>
+              <a:t>thì các bạn tìm hiểu thêm ở đây:</a:t>
             </a:r>
           </a:p>
           <a:p>
@@ -10146,69 +10112,17 @@
                 <a:latin typeface="Arial" panose="020B0604020202020204" pitchFamily="34" charset="0"/>
                 <a:cs typeface="Arial" panose="020B0604020202020204" pitchFamily="34" charset="0"/>
               </a:rPr>
-              <a:t>HTTP Request là gì?</a:t>
-            </a:r>
-          </a:p>
-          <a:p>
-            <a:r>
-              <a:rPr lang="en-US" dirty="0" smtClean="0">
-                <a:cs typeface="Arial" panose="020B0604020202020204" pitchFamily="34" charset="0"/>
-              </a:rPr>
-              <a:t>H</a:t>
-            </a:r>
-            <a:r>
-              <a:rPr lang="vi-VN" dirty="0" smtClean="0">
-                <a:cs typeface="Arial" panose="020B0604020202020204" pitchFamily="34" charset="0"/>
-              </a:rPr>
-              <a:t>iểu đơn </a:t>
-            </a:r>
-            <a:r>
-              <a:rPr lang="vi-VN" dirty="0">
-                <a:cs typeface="Arial" panose="020B0604020202020204" pitchFamily="34" charset="0"/>
-              </a:rPr>
-              <a:t>giản là các thông tin sẽ được gửi từ </a:t>
-            </a:r>
-            <a:r>
-              <a:rPr lang="vi-VN" dirty="0" smtClean="0">
-                <a:cs typeface="Arial" panose="020B0604020202020204" pitchFamily="34" charset="0"/>
-              </a:rPr>
-              <a:t>client </a:t>
-            </a:r>
-            <a:r>
-              <a:rPr lang="vi-VN" dirty="0">
-                <a:cs typeface="Arial" panose="020B0604020202020204" pitchFamily="34" charset="0"/>
-              </a:rPr>
-              <a:t>lên server. Server sẽ có nhiệm vụ tìm và xử lý các loại dữ liệu, thông tin, client mong </a:t>
-            </a:r>
-            <a:r>
-              <a:rPr lang="vi-VN" dirty="0" smtClean="0">
-                <a:cs typeface="Arial" panose="020B0604020202020204" pitchFamily="34" charset="0"/>
-              </a:rPr>
-              <a:t>muốn.</a:t>
-            </a:r>
-            <a:endParaRPr lang="en-US" dirty="0" smtClean="0">
-              <a:cs typeface="Arial" panose="020B0604020202020204" pitchFamily="34" charset="0"/>
-            </a:endParaRPr>
-          </a:p>
-          <a:p>
-            <a:r>
-              <a:rPr lang="vi-VN" dirty="0" smtClean="0">
-                <a:cs typeface="Arial" panose="020B0604020202020204" pitchFamily="34" charset="0"/>
-              </a:rPr>
-              <a:t>HTTP </a:t>
-            </a:r>
-            <a:r>
-              <a:rPr lang="vi-VN" dirty="0">
-                <a:cs typeface="Arial" panose="020B0604020202020204" pitchFamily="34" charset="0"/>
-              </a:rPr>
-              <a:t>Request có thể tồn tại dưới file text hoặc dưới dạng XML hoặc dạng Json</a:t>
-            </a:r>
-            <a:r>
-              <a:rPr lang="vi-VN" dirty="0" smtClean="0">
-                <a:cs typeface="Arial" panose="020B0604020202020204" pitchFamily="34" charset="0"/>
-              </a:rPr>
-              <a:t>.</a:t>
-            </a:r>
+              <a:t>Trường </a:t>
+            </a:r>
+            <a:r>
+              <a:rPr lang="en-US" dirty="0" smtClean="0">
+                <a:latin typeface="Arial" panose="020B0604020202020204" pitchFamily="34" charset="0"/>
+                <a:cs typeface="Arial" panose="020B0604020202020204" pitchFamily="34" charset="0"/>
+              </a:rPr>
+              <a:t>hợp muốn ánh xạ nhiều url thì sử dụng:</a:t>
+            </a:r>
+          </a:p>
+          <a:p>
             <a:endParaRPr lang="en-US" dirty="0">
               <a:latin typeface="Arial" panose="020B0604020202020204" pitchFamily="34" charset="0"/>
               <a:cs typeface="Arial" panose="020B0604020202020204" pitchFamily="34" charset="0"/>
@@ -10216,10 +10130,303 @@
           </a:p>
         </p:txBody>
       </p:sp>
+      <p:sp>
+        <p:nvSpPr>
+          <p:cNvPr id="4" name="Rectangle 1"/>
+          <p:cNvSpPr>
+            <a:spLocks noChangeArrowheads="1"/>
+          </p:cNvSpPr>
+          <p:nvPr/>
+        </p:nvSpPr>
+        <p:spPr bwMode="auto">
+          <a:xfrm>
+            <a:off x="1104963" y="2620308"/>
+            <a:ext cx="7116148" cy="276999"/>
+          </a:xfrm>
+          <a:prstGeom prst="rect">
+            <a:avLst/>
+          </a:prstGeom>
+          <a:solidFill>
+            <a:srgbClr val="282A36"/>
+          </a:solidFill>
+          <a:ln>
+            <a:noFill/>
+          </a:ln>
+          <a:effectLst/>
+          <a:extLst>
+            <a:ext uri="{91240B29-F687-4F45-9708-019B960494DF}">
+              <a14:hiddenLine xmlns:a14="http://schemas.microsoft.com/office/drawing/2010/main" w="9525">
+                <a:solidFill>
+                  <a:schemeClr val="tx1"/>
+                </a:solidFill>
+                <a:miter lim="800000"/>
+                <a:headEnd/>
+                <a:tailEnd/>
+              </a14:hiddenLine>
+            </a:ext>
+            <a:ext uri="{AF507438-7753-43E0-B8FC-AC1667EBCBE1}">
+              <a14:hiddenEffects xmlns:a14="http://schemas.microsoft.com/office/drawing/2010/main">
+                <a:effectLst>
+                  <a:outerShdw dist="35921" dir="2700000" algn="ctr" rotWithShape="0">
+                    <a:schemeClr val="bg2"/>
+                  </a:outerShdw>
+                </a:effectLst>
+              </a14:hiddenEffects>
+            </a:ext>
+          </a:extLst>
+        </p:spPr>
+        <p:txBody>
+          <a:bodyPr vert="horz" wrap="square" lIns="91440" tIns="45720" rIns="91440" bIns="45720" numCol="1" anchor="ctr" anchorCtr="0" compatLnSpc="1">
+            <a:prstTxWarp prst="textNoShape">
+              <a:avLst/>
+            </a:prstTxWarp>
+            <a:spAutoFit/>
+          </a:bodyPr>
+          <a:lstStyle/>
+          <a:p>
+            <a:pPr marL="0" marR="0" lvl="0" indent="0" algn="l" defTabSz="914400" rtl="0" eaLnBrk="0" fontAlgn="base" latinLnBrk="0" hangingPunct="0">
+              <a:lnSpc>
+                <a:spcPct val="100000"/>
+              </a:lnSpc>
+              <a:spcBef>
+                <a:spcPct val="0"/>
+              </a:spcBef>
+              <a:spcAft>
+                <a:spcPct val="0"/>
+              </a:spcAft>
+              <a:buClrTx/>
+              <a:buSzTx/>
+              <a:buFontTx/>
+              <a:buNone/>
+              <a:tabLst/>
+            </a:pPr>
+            <a:r>
+              <a:rPr kumimoji="0" lang="en-US" altLang="en-US" sz="1200" b="0" i="0" u="none" strike="noStrike" cap="none" normalizeH="0" baseline="0" dirty="0" smtClean="0">
+                <a:ln>
+                  <a:noFill/>
+                </a:ln>
+                <a:solidFill>
+                  <a:srgbClr val="50FA78"/>
+                </a:solidFill>
+                <a:effectLst/>
+                <a:latin typeface="Arial Unicode MS"/>
+                <a:ea typeface="JetBrains Mono"/>
+              </a:rPr>
+              <a:t>@RequestMapping</a:t>
+            </a:r>
+            <a:r>
+              <a:rPr kumimoji="0" lang="en-US" altLang="en-US" sz="1200" b="0" i="0" u="none" strike="noStrike" cap="none" normalizeH="0" baseline="0" dirty="0" smtClean="0">
+                <a:ln>
+                  <a:noFill/>
+                </a:ln>
+                <a:solidFill>
+                  <a:srgbClr val="F8F8F2"/>
+                </a:solidFill>
+                <a:effectLst/>
+                <a:latin typeface="Arial Unicode MS"/>
+                <a:ea typeface="JetBrains Mono"/>
+              </a:rPr>
+              <a:t>(</a:t>
+            </a:r>
+            <a:r>
+              <a:rPr kumimoji="0" lang="en-US" altLang="en-US" sz="1200" b="0" i="0" u="none" strike="noStrike" cap="none" normalizeH="0" baseline="0" dirty="0" smtClean="0">
+                <a:ln>
+                  <a:noFill/>
+                </a:ln>
+                <a:solidFill>
+                  <a:srgbClr val="F89580"/>
+                </a:solidFill>
+                <a:effectLst/>
+                <a:latin typeface="Arial Unicode MS"/>
+                <a:ea typeface="JetBrains Mono"/>
+              </a:rPr>
+              <a:t>value </a:t>
+            </a:r>
+            <a:r>
+              <a:rPr kumimoji="0" lang="en-US" altLang="en-US" sz="1200" b="0" i="0" u="none" strike="noStrike" cap="none" normalizeH="0" baseline="0" dirty="0" smtClean="0">
+                <a:ln>
+                  <a:noFill/>
+                </a:ln>
+                <a:solidFill>
+                  <a:srgbClr val="F780BF"/>
+                </a:solidFill>
+                <a:effectLst/>
+                <a:latin typeface="Arial Unicode MS"/>
+                <a:ea typeface="JetBrains Mono"/>
+              </a:rPr>
+              <a:t>= </a:t>
+            </a:r>
+            <a:r>
+              <a:rPr kumimoji="0" lang="en-US" altLang="en-US" sz="1200" b="0" i="0" u="none" strike="noStrike" cap="none" normalizeH="0" baseline="0" dirty="0" smtClean="0">
+                <a:ln>
+                  <a:noFill/>
+                </a:ln>
+                <a:solidFill>
+                  <a:srgbClr val="F8F8F2"/>
+                </a:solidFill>
+                <a:effectLst/>
+                <a:latin typeface="Arial Unicode MS"/>
+                <a:ea typeface="JetBrains Mono"/>
+              </a:rPr>
+              <a:t>{</a:t>
+            </a:r>
+            <a:r>
+              <a:rPr kumimoji="0" lang="en-US" altLang="en-US" sz="1200" b="0" i="0" u="none" strike="noStrike" cap="none" normalizeH="0" baseline="0" dirty="0" smtClean="0">
+                <a:ln>
+                  <a:noFill/>
+                </a:ln>
+                <a:solidFill>
+                  <a:srgbClr val="FEFF80"/>
+                </a:solidFill>
+                <a:effectLst/>
+                <a:latin typeface="Arial Unicode MS"/>
+                <a:ea typeface="JetBrains Mono"/>
+              </a:rPr>
+              <a:t>"/user"</a:t>
+            </a:r>
+            <a:r>
+              <a:rPr kumimoji="0" lang="en-US" altLang="en-US" sz="1200" b="0" i="0" u="none" strike="noStrike" cap="none" normalizeH="0" baseline="0" dirty="0" smtClean="0">
+                <a:ln>
+                  <a:noFill/>
+                </a:ln>
+                <a:solidFill>
+                  <a:srgbClr val="F8F8F2"/>
+                </a:solidFill>
+                <a:effectLst/>
+                <a:latin typeface="Arial Unicode MS"/>
+                <a:ea typeface="JetBrains Mono"/>
+              </a:rPr>
+              <a:t>, </a:t>
+            </a:r>
+            <a:r>
+              <a:rPr kumimoji="0" lang="en-US" altLang="en-US" sz="1200" b="0" i="0" u="none" strike="noStrike" cap="none" normalizeH="0" baseline="0" dirty="0" smtClean="0">
+                <a:ln>
+                  <a:noFill/>
+                </a:ln>
+                <a:solidFill>
+                  <a:srgbClr val="FEFF80"/>
+                </a:solidFill>
+                <a:effectLst/>
+                <a:latin typeface="Arial Unicode MS"/>
+                <a:ea typeface="JetBrains Mono"/>
+              </a:rPr>
+              <a:t>"/user2“, ...</a:t>
+            </a:r>
+            <a:r>
+              <a:rPr kumimoji="0" lang="en-US" altLang="en-US" sz="1200" b="0" i="0" u="none" strike="noStrike" cap="none" normalizeH="0" baseline="0" dirty="0" smtClean="0">
+                <a:ln>
+                  <a:noFill/>
+                </a:ln>
+                <a:solidFill>
+                  <a:srgbClr val="F8F8F2"/>
+                </a:solidFill>
+                <a:effectLst/>
+                <a:latin typeface="Arial Unicode MS"/>
+                <a:ea typeface="JetBrains Mono"/>
+              </a:rPr>
+              <a:t>}, </a:t>
+            </a:r>
+            <a:r>
+              <a:rPr kumimoji="0" lang="en-US" altLang="en-US" sz="1200" b="0" i="0" u="none" strike="noStrike" cap="none" normalizeH="0" baseline="0" dirty="0" smtClean="0">
+                <a:ln>
+                  <a:noFill/>
+                </a:ln>
+                <a:solidFill>
+                  <a:srgbClr val="F89580"/>
+                </a:solidFill>
+                <a:effectLst/>
+                <a:latin typeface="Arial Unicode MS"/>
+                <a:ea typeface="JetBrains Mono"/>
+              </a:rPr>
+              <a:t>method </a:t>
+            </a:r>
+            <a:r>
+              <a:rPr kumimoji="0" lang="en-US" altLang="en-US" sz="1200" b="0" i="0" u="none" strike="noStrike" cap="none" normalizeH="0" baseline="0" dirty="0" smtClean="0">
+                <a:ln>
+                  <a:noFill/>
+                </a:ln>
+                <a:solidFill>
+                  <a:srgbClr val="F780BF"/>
+                </a:solidFill>
+                <a:effectLst/>
+                <a:latin typeface="Arial Unicode MS"/>
+                <a:ea typeface="JetBrains Mono"/>
+              </a:rPr>
+              <a:t>= </a:t>
+            </a:r>
+            <a:r>
+              <a:rPr kumimoji="0" lang="en-US" altLang="en-US" sz="1200" b="0" i="1" u="none" strike="noStrike" cap="none" normalizeH="0" baseline="0" dirty="0" smtClean="0">
+                <a:ln>
+                  <a:noFill/>
+                </a:ln>
+                <a:solidFill>
+                  <a:srgbClr val="80FFEA"/>
+                </a:solidFill>
+                <a:effectLst/>
+                <a:latin typeface="Arial Unicode MS"/>
+                <a:ea typeface="JetBrains Mono"/>
+              </a:rPr>
+              <a:t>RequestMethod</a:t>
+            </a:r>
+            <a:r>
+              <a:rPr kumimoji="0" lang="en-US" altLang="en-US" sz="1200" b="0" i="0" u="none" strike="noStrike" cap="none" normalizeH="0" baseline="0" dirty="0" smtClean="0">
+                <a:ln>
+                  <a:noFill/>
+                </a:ln>
+                <a:solidFill>
+                  <a:srgbClr val="F8F8F2"/>
+                </a:solidFill>
+                <a:effectLst/>
+                <a:latin typeface="Arial Unicode MS"/>
+                <a:ea typeface="JetBrains Mono"/>
+              </a:rPr>
+              <a:t>.</a:t>
+            </a:r>
+            <a:r>
+              <a:rPr kumimoji="0" lang="en-US" altLang="en-US" sz="1200" b="0" i="1" u="none" strike="noStrike" cap="none" normalizeH="0" baseline="0" dirty="0" smtClean="0">
+                <a:ln>
+                  <a:noFill/>
+                </a:ln>
+                <a:solidFill>
+                  <a:srgbClr val="9580FF"/>
+                </a:solidFill>
+                <a:effectLst/>
+                <a:latin typeface="Arial Unicode MS"/>
+                <a:ea typeface="JetBrains Mono"/>
+              </a:rPr>
+              <a:t>GET</a:t>
+            </a:r>
+            <a:r>
+              <a:rPr kumimoji="0" lang="en-US" altLang="en-US" sz="1200" b="0" i="0" u="none" strike="noStrike" cap="none" normalizeH="0" baseline="0" dirty="0" smtClean="0">
+                <a:ln>
+                  <a:noFill/>
+                </a:ln>
+                <a:solidFill>
+                  <a:srgbClr val="F8F8F2"/>
+                </a:solidFill>
+                <a:effectLst/>
+                <a:latin typeface="Arial Unicode MS"/>
+                <a:ea typeface="JetBrains Mono"/>
+              </a:rPr>
+              <a:t>)</a:t>
+            </a:r>
+            <a:endParaRPr kumimoji="0" lang="en-US" altLang="en-US" sz="3200" b="0" i="0" u="none" strike="noStrike" cap="none" normalizeH="0" baseline="0" dirty="0" smtClean="0">
+              <a:ln>
+                <a:noFill/>
+              </a:ln>
+              <a:solidFill>
+                <a:schemeClr val="tx1"/>
+              </a:solidFill>
+              <a:effectLst/>
+              <a:latin typeface="Arial" panose="020B0604020202020204" pitchFamily="34" charset="0"/>
+            </a:endParaRPr>
+          </a:p>
+        </p:txBody>
+      </p:sp>
     </p:spTree>
     <p:extLst>
       <p:ext uri="{BB962C8B-B14F-4D97-AF65-F5344CB8AC3E}">
-        <p14:creationId xmlns:p14="http://schemas.microsoft.com/office/powerpoint/2010/main" val="2906082633"/>
+        <p14:creationId xmlns:p14="http://schemas.microsoft.com/office/powerpoint/2010/main" val="696280899"/>
       </p:ext>
     </p:extLst>
   </p:cSld>
@@ -10295,1628 +10502,6 @@
                 <a:latin typeface="Arial" panose="020B0604020202020204" pitchFamily="34" charset="0"/>
                 <a:cs typeface="Arial" panose="020B0604020202020204" pitchFamily="34" charset="0"/>
               </a:rPr>
-              <a:t>Cấu trúc của một HTTP Request?</a:t>
-            </a:r>
-          </a:p>
-        </p:txBody>
-      </p:sp>
-      <p:pic>
-        <p:nvPicPr>
-          <p:cNvPr id="1026" name="Picture 2" descr="Http Request and Response. An HTTP (Hypertext Transfer Protocol)… | by Raza  | Medium"/>
-          <p:cNvPicPr>
-            <a:picLocks noChangeAspect="1" noChangeArrowheads="1"/>
-          </p:cNvPicPr>
-          <p:nvPr/>
-        </p:nvPicPr>
-        <p:blipFill>
-          <a:blip r:embed="rId2">
-            <a:extLst>
-              <a:ext uri="{28A0092B-C50C-407E-A947-70E740481C1C}">
-                <a14:useLocalDpi xmlns:a14="http://schemas.microsoft.com/office/drawing/2010/main" val="0"/>
-              </a:ext>
-            </a:extLst>
-          </a:blip>
-          <a:srcRect/>
-          <a:stretch>
-            <a:fillRect/>
-          </a:stretch>
-        </p:blipFill>
-        <p:spPr bwMode="auto">
-          <a:xfrm>
-            <a:off x="3749841" y="2702399"/>
-            <a:ext cx="4692318" cy="3255295"/>
-          </a:xfrm>
-          <a:prstGeom prst="rect">
-            <a:avLst/>
-          </a:prstGeom>
-          <a:noFill/>
-          <a:extLst>
-            <a:ext uri="{909E8E84-426E-40DD-AFC4-6F175D3DCCD1}">
-              <a14:hiddenFill xmlns:a14="http://schemas.microsoft.com/office/drawing/2010/main">
-                <a:solidFill>
-                  <a:srgbClr val="FFFFFF"/>
-                </a:solidFill>
-              </a14:hiddenFill>
-            </a:ext>
-          </a:extLst>
-        </p:spPr>
-      </p:pic>
-    </p:spTree>
-    <p:extLst>
-      <p:ext uri="{BB962C8B-B14F-4D97-AF65-F5344CB8AC3E}">
-        <p14:creationId xmlns:p14="http://schemas.microsoft.com/office/powerpoint/2010/main" val="451172506"/>
-      </p:ext>
-    </p:extLst>
-  </p:cSld>
-  <p:clrMapOvr>
-    <a:masterClrMapping/>
-  </p:clrMapOvr>
-</p:sld>
-</file>
-
-<file path=ppt/slides/slide35.xml><?xml version="1.0" encoding="utf-8"?>
-<p:sld xmlns:a="http://schemas.openxmlformats.org/drawingml/2006/main" xmlns:r="http://schemas.openxmlformats.org/officeDocument/2006/relationships" xmlns:p="http://schemas.openxmlformats.org/presentationml/2006/main">
-  <p:cSld>
-    <p:spTree>
-      <p:nvGrpSpPr>
-        <p:cNvPr id="1" name=""/>
-        <p:cNvGrpSpPr/>
-        <p:nvPr/>
-      </p:nvGrpSpPr>
-      <p:grpSpPr>
-        <a:xfrm>
-          <a:off x="0" y="0"/>
-          <a:ext cx="0" cy="0"/>
-          <a:chOff x="0" y="0"/>
-          <a:chExt cx="0" cy="0"/>
-        </a:xfrm>
-      </p:grpSpPr>
-      <p:sp>
-        <p:nvSpPr>
-          <p:cNvPr id="2" name="Title 1"/>
-          <p:cNvSpPr>
-            <a:spLocks noGrp="1"/>
-          </p:cNvSpPr>
-          <p:nvPr>
-            <p:ph type="title"/>
-          </p:nvPr>
-        </p:nvSpPr>
-        <p:spPr/>
-        <p:txBody>
-          <a:bodyPr/>
-          <a:lstStyle/>
-          <a:p>
-            <a:r>
-              <a:rPr lang="en-US" dirty="0" smtClean="0">
-                <a:latin typeface="Arial" panose="020B0604020202020204" pitchFamily="34" charset="0"/>
-                <a:cs typeface="Arial" panose="020B0604020202020204" pitchFamily="34" charset="0"/>
-              </a:rPr>
-              <a:t>Initial project Spring</a:t>
-            </a:r>
-            <a:endParaRPr lang="en-US" dirty="0">
-              <a:latin typeface="Arial" panose="020B0604020202020204" pitchFamily="34" charset="0"/>
-              <a:cs typeface="Arial" panose="020B0604020202020204" pitchFamily="34" charset="0"/>
-            </a:endParaRPr>
-          </a:p>
-        </p:txBody>
-      </p:sp>
-      <p:sp>
-        <p:nvSpPr>
-          <p:cNvPr id="3" name="Content Placeholder 2"/>
-          <p:cNvSpPr>
-            <a:spLocks noGrp="1"/>
-          </p:cNvSpPr>
-          <p:nvPr>
-            <p:ph idx="1"/>
-          </p:nvPr>
-        </p:nvSpPr>
-        <p:spPr>
-          <a:xfrm>
-            <a:off x="677334" y="2160589"/>
-            <a:ext cx="5636698" cy="3880773"/>
-          </a:xfrm>
-        </p:spPr>
-        <p:txBody>
-          <a:bodyPr/>
-          <a:lstStyle/>
-          <a:p>
-            <a:r>
-              <a:rPr lang="vi-VN" dirty="0">
-                <a:cs typeface="Arial" panose="020B0604020202020204" pitchFamily="34" charset="0"/>
-              </a:rPr>
-              <a:t>HTTP Method (Phương thức HTTP</a:t>
-            </a:r>
-            <a:r>
-              <a:rPr lang="vi-VN" dirty="0" smtClean="0">
-                <a:cs typeface="Arial" panose="020B0604020202020204" pitchFamily="34" charset="0"/>
-              </a:rPr>
-              <a:t>):</a:t>
-            </a:r>
-            <a:r>
-              <a:rPr lang="en-US" dirty="0" smtClean="0">
-                <a:cs typeface="Arial" panose="020B0604020202020204" pitchFamily="34" charset="0"/>
-              </a:rPr>
-              <a:t> </a:t>
-            </a:r>
-            <a:r>
-              <a:rPr lang="vi-VN" dirty="0" smtClean="0">
-                <a:cs typeface="Arial" panose="020B0604020202020204" pitchFamily="34" charset="0"/>
-              </a:rPr>
-              <a:t>Xác </a:t>
-            </a:r>
-            <a:r>
-              <a:rPr lang="vi-VN" dirty="0">
-                <a:cs typeface="Arial" panose="020B0604020202020204" pitchFamily="34" charset="0"/>
-              </a:rPr>
-              <a:t>định hành động mà client (người dùng hoặc ứng dụng) muốn thực </a:t>
-            </a:r>
-            <a:r>
-              <a:rPr lang="vi-VN" dirty="0" smtClean="0">
-                <a:cs typeface="Arial" panose="020B0604020202020204" pitchFamily="34" charset="0"/>
-              </a:rPr>
-              <a:t>hiện.</a:t>
-            </a:r>
-            <a:endParaRPr lang="en-US" dirty="0" smtClean="0">
-              <a:cs typeface="Arial" panose="020B0604020202020204" pitchFamily="34" charset="0"/>
-            </a:endParaRPr>
-          </a:p>
-          <a:p>
-            <a:r>
-              <a:rPr lang="vi-VN" dirty="0" smtClean="0">
-                <a:cs typeface="Arial" panose="020B0604020202020204" pitchFamily="34" charset="0"/>
-              </a:rPr>
-              <a:t>Các </a:t>
-            </a:r>
-            <a:r>
-              <a:rPr lang="vi-VN" dirty="0">
-                <a:cs typeface="Arial" panose="020B0604020202020204" pitchFamily="34" charset="0"/>
-              </a:rPr>
-              <a:t>phương thức phổ biến nhất là GET, POST, PUT, </a:t>
-            </a:r>
-            <a:r>
-              <a:rPr lang="vi-VN" dirty="0" smtClean="0">
-                <a:cs typeface="Arial" panose="020B0604020202020204" pitchFamily="34" charset="0"/>
-              </a:rPr>
-              <a:t>DELETE.</a:t>
-            </a:r>
-            <a:endParaRPr lang="en-US" dirty="0" smtClean="0">
-              <a:latin typeface="Arial" panose="020B0604020202020204" pitchFamily="34" charset="0"/>
-              <a:cs typeface="Arial" panose="020B0604020202020204" pitchFamily="34" charset="0"/>
-            </a:endParaRPr>
-          </a:p>
-        </p:txBody>
-      </p:sp>
-      <p:pic>
-        <p:nvPicPr>
-          <p:cNvPr id="1026" name="Picture 2" descr="Http Request and Response. An HTTP (Hypertext Transfer Protocol)… | by Raza  | Medium"/>
-          <p:cNvPicPr>
-            <a:picLocks noChangeAspect="1" noChangeArrowheads="1"/>
-          </p:cNvPicPr>
-          <p:nvPr/>
-        </p:nvPicPr>
-        <p:blipFill>
-          <a:blip r:embed="rId2">
-            <a:extLst>
-              <a:ext uri="{28A0092B-C50C-407E-A947-70E740481C1C}">
-                <a14:useLocalDpi xmlns:a14="http://schemas.microsoft.com/office/drawing/2010/main" val="0"/>
-              </a:ext>
-            </a:extLst>
-          </a:blip>
-          <a:srcRect/>
-          <a:stretch>
-            <a:fillRect/>
-          </a:stretch>
-        </p:blipFill>
-        <p:spPr bwMode="auto">
-          <a:xfrm>
-            <a:off x="6466343" y="2535537"/>
-            <a:ext cx="4692318" cy="3255295"/>
-          </a:xfrm>
-          <a:prstGeom prst="rect">
-            <a:avLst/>
-          </a:prstGeom>
-          <a:noFill/>
-          <a:extLst>
-            <a:ext uri="{909E8E84-426E-40DD-AFC4-6F175D3DCCD1}">
-              <a14:hiddenFill xmlns:a14="http://schemas.microsoft.com/office/drawing/2010/main">
-                <a:solidFill>
-                  <a:srgbClr val="FFFFFF"/>
-                </a:solidFill>
-              </a14:hiddenFill>
-            </a:ext>
-          </a:extLst>
-        </p:spPr>
-      </p:pic>
-    </p:spTree>
-    <p:extLst>
-      <p:ext uri="{BB962C8B-B14F-4D97-AF65-F5344CB8AC3E}">
-        <p14:creationId xmlns:p14="http://schemas.microsoft.com/office/powerpoint/2010/main" val="790488990"/>
-      </p:ext>
-    </p:extLst>
-  </p:cSld>
-  <p:clrMapOvr>
-    <a:masterClrMapping/>
-  </p:clrMapOvr>
-</p:sld>
-</file>
-
-<file path=ppt/slides/slide36.xml><?xml version="1.0" encoding="utf-8"?>
-<p:sld xmlns:a="http://schemas.openxmlformats.org/drawingml/2006/main" xmlns:r="http://schemas.openxmlformats.org/officeDocument/2006/relationships" xmlns:p="http://schemas.openxmlformats.org/presentationml/2006/main">
-  <p:cSld>
-    <p:spTree>
-      <p:nvGrpSpPr>
-        <p:cNvPr id="1" name=""/>
-        <p:cNvGrpSpPr/>
-        <p:nvPr/>
-      </p:nvGrpSpPr>
-      <p:grpSpPr>
-        <a:xfrm>
-          <a:off x="0" y="0"/>
-          <a:ext cx="0" cy="0"/>
-          <a:chOff x="0" y="0"/>
-          <a:chExt cx="0" cy="0"/>
-        </a:xfrm>
-      </p:grpSpPr>
-      <p:sp>
-        <p:nvSpPr>
-          <p:cNvPr id="2" name="Title 1"/>
-          <p:cNvSpPr>
-            <a:spLocks noGrp="1"/>
-          </p:cNvSpPr>
-          <p:nvPr>
-            <p:ph type="title"/>
-          </p:nvPr>
-        </p:nvSpPr>
-        <p:spPr/>
-        <p:txBody>
-          <a:bodyPr/>
-          <a:lstStyle/>
-          <a:p>
-            <a:r>
-              <a:rPr lang="en-US" dirty="0" smtClean="0">
-                <a:latin typeface="Arial" panose="020B0604020202020204" pitchFamily="34" charset="0"/>
-                <a:cs typeface="Arial" panose="020B0604020202020204" pitchFamily="34" charset="0"/>
-              </a:rPr>
-              <a:t>Initial project Spring</a:t>
-            </a:r>
-            <a:endParaRPr lang="en-US" dirty="0">
-              <a:latin typeface="Arial" panose="020B0604020202020204" pitchFamily="34" charset="0"/>
-              <a:cs typeface="Arial" panose="020B0604020202020204" pitchFamily="34" charset="0"/>
-            </a:endParaRPr>
-          </a:p>
-        </p:txBody>
-      </p:sp>
-      <p:sp>
-        <p:nvSpPr>
-          <p:cNvPr id="3" name="Content Placeholder 2"/>
-          <p:cNvSpPr>
-            <a:spLocks noGrp="1"/>
-          </p:cNvSpPr>
-          <p:nvPr>
-            <p:ph idx="1"/>
-          </p:nvPr>
-        </p:nvSpPr>
-        <p:spPr>
-          <a:xfrm>
-            <a:off x="677334" y="2160589"/>
-            <a:ext cx="5636698" cy="3880773"/>
-          </a:xfrm>
-        </p:spPr>
-        <p:txBody>
-          <a:bodyPr/>
-          <a:lstStyle/>
-          <a:p>
-            <a:r>
-              <a:rPr lang="vi-VN" dirty="0">
-                <a:cs typeface="Arial" panose="020B0604020202020204" pitchFamily="34" charset="0"/>
-              </a:rPr>
-              <a:t>URL (Uniform Resource Locator</a:t>
-            </a:r>
-            <a:r>
-              <a:rPr lang="vi-VN" dirty="0" smtClean="0">
-                <a:cs typeface="Arial" panose="020B0604020202020204" pitchFamily="34" charset="0"/>
-              </a:rPr>
-              <a:t>):</a:t>
-            </a:r>
-            <a:r>
-              <a:rPr lang="en-US" dirty="0" smtClean="0">
-                <a:cs typeface="Arial" panose="020B0604020202020204" pitchFamily="34" charset="0"/>
-              </a:rPr>
-              <a:t> </a:t>
-            </a:r>
-            <a:r>
-              <a:rPr lang="vi-VN" dirty="0" smtClean="0">
-                <a:cs typeface="Arial" panose="020B0604020202020204" pitchFamily="34" charset="0"/>
-              </a:rPr>
-              <a:t>Địa </a:t>
-            </a:r>
-            <a:r>
-              <a:rPr lang="vi-VN" dirty="0">
-                <a:cs typeface="Arial" panose="020B0604020202020204" pitchFamily="34" charset="0"/>
-              </a:rPr>
-              <a:t>chỉ cụ thể </a:t>
-            </a:r>
-            <a:r>
-              <a:rPr lang="vi-VN" dirty="0" smtClean="0">
-                <a:cs typeface="Arial" panose="020B0604020202020204" pitchFamily="34" charset="0"/>
-              </a:rPr>
-              <a:t>mà </a:t>
-            </a:r>
-            <a:r>
-              <a:rPr lang="vi-VN" dirty="0">
-                <a:cs typeface="Arial" panose="020B0604020202020204" pitchFamily="34" charset="0"/>
-              </a:rPr>
-              <a:t>client muốn tương tác với server</a:t>
-            </a:r>
-            <a:r>
-              <a:rPr lang="vi-VN" dirty="0" smtClean="0">
-                <a:cs typeface="Arial" panose="020B0604020202020204" pitchFamily="34" charset="0"/>
-              </a:rPr>
-              <a:t>.</a:t>
-            </a:r>
-            <a:endParaRPr lang="en-US" dirty="0" smtClean="0">
-              <a:cs typeface="Arial" panose="020B0604020202020204" pitchFamily="34" charset="0"/>
-            </a:endParaRPr>
-          </a:p>
-          <a:p>
-            <a:endParaRPr lang="en-US" dirty="0">
-              <a:latin typeface="Arial" panose="020B0604020202020204" pitchFamily="34" charset="0"/>
-              <a:cs typeface="Arial" panose="020B0604020202020204" pitchFamily="34" charset="0"/>
-            </a:endParaRPr>
-          </a:p>
-          <a:p>
-            <a:r>
-              <a:rPr lang="en-US" dirty="0" smtClean="0">
-                <a:latin typeface="Arial" panose="020B0604020202020204" pitchFamily="34" charset="0"/>
-                <a:cs typeface="Arial" panose="020B0604020202020204" pitchFamily="34" charset="0"/>
-              </a:rPr>
-              <a:t>Protocal version (HTTP </a:t>
-            </a:r>
-            <a:r>
-              <a:rPr lang="en-US" dirty="0">
-                <a:latin typeface="Arial" panose="020B0604020202020204" pitchFamily="34" charset="0"/>
-                <a:cs typeface="Arial" panose="020B0604020202020204" pitchFamily="34" charset="0"/>
-              </a:rPr>
-              <a:t>version): Đây là phiên bản </a:t>
-            </a:r>
-            <a:r>
-              <a:rPr lang="en-US" dirty="0" smtClean="0">
-                <a:latin typeface="Arial" panose="020B0604020202020204" pitchFamily="34" charset="0"/>
-                <a:cs typeface="Arial" panose="020B0604020202020204" pitchFamily="34" charset="0"/>
-              </a:rPr>
-              <a:t>HTTP, phổ </a:t>
-            </a:r>
-            <a:r>
-              <a:rPr lang="en-US" dirty="0">
-                <a:latin typeface="Arial" panose="020B0604020202020204" pitchFamily="34" charset="0"/>
-                <a:cs typeface="Arial" panose="020B0604020202020204" pitchFamily="34" charset="0"/>
-              </a:rPr>
-              <a:t>biến nhất là HTTP/1.0 hay HTTP/1.1.</a:t>
-            </a:r>
-            <a:endParaRPr lang="en-US" dirty="0" smtClean="0">
-              <a:latin typeface="Arial" panose="020B0604020202020204" pitchFamily="34" charset="0"/>
-              <a:cs typeface="Arial" panose="020B0604020202020204" pitchFamily="34" charset="0"/>
-            </a:endParaRPr>
-          </a:p>
-        </p:txBody>
-      </p:sp>
-      <p:pic>
-        <p:nvPicPr>
-          <p:cNvPr id="1026" name="Picture 2" descr="Http Request and Response. An HTTP (Hypertext Transfer Protocol)… | by Raza  | Medium"/>
-          <p:cNvPicPr>
-            <a:picLocks noChangeAspect="1" noChangeArrowheads="1"/>
-          </p:cNvPicPr>
-          <p:nvPr/>
-        </p:nvPicPr>
-        <p:blipFill>
-          <a:blip r:embed="rId2">
-            <a:extLst>
-              <a:ext uri="{28A0092B-C50C-407E-A947-70E740481C1C}">
-                <a14:useLocalDpi xmlns:a14="http://schemas.microsoft.com/office/drawing/2010/main" val="0"/>
-              </a:ext>
-            </a:extLst>
-          </a:blip>
-          <a:srcRect/>
-          <a:stretch>
-            <a:fillRect/>
-          </a:stretch>
-        </p:blipFill>
-        <p:spPr bwMode="auto">
-          <a:xfrm>
-            <a:off x="6466343" y="2535537"/>
-            <a:ext cx="4692318" cy="3255295"/>
-          </a:xfrm>
-          <a:prstGeom prst="rect">
-            <a:avLst/>
-          </a:prstGeom>
-          <a:noFill/>
-          <a:extLst>
-            <a:ext uri="{909E8E84-426E-40DD-AFC4-6F175D3DCCD1}">
-              <a14:hiddenFill xmlns:a14="http://schemas.microsoft.com/office/drawing/2010/main">
-                <a:solidFill>
-                  <a:srgbClr val="FFFFFF"/>
-                </a:solidFill>
-              </a14:hiddenFill>
-            </a:ext>
-          </a:extLst>
-        </p:spPr>
-      </p:pic>
-    </p:spTree>
-    <p:extLst>
-      <p:ext uri="{BB962C8B-B14F-4D97-AF65-F5344CB8AC3E}">
-        <p14:creationId xmlns:p14="http://schemas.microsoft.com/office/powerpoint/2010/main" val="3771347009"/>
-      </p:ext>
-    </p:extLst>
-  </p:cSld>
-  <p:clrMapOvr>
-    <a:masterClrMapping/>
-  </p:clrMapOvr>
-</p:sld>
-</file>
-
-<file path=ppt/slides/slide37.xml><?xml version="1.0" encoding="utf-8"?>
-<p:sld xmlns:a="http://schemas.openxmlformats.org/drawingml/2006/main" xmlns:r="http://schemas.openxmlformats.org/officeDocument/2006/relationships" xmlns:p="http://schemas.openxmlformats.org/presentationml/2006/main">
-  <p:cSld>
-    <p:spTree>
-      <p:nvGrpSpPr>
-        <p:cNvPr id="1" name=""/>
-        <p:cNvGrpSpPr/>
-        <p:nvPr/>
-      </p:nvGrpSpPr>
-      <p:grpSpPr>
-        <a:xfrm>
-          <a:off x="0" y="0"/>
-          <a:ext cx="0" cy="0"/>
-          <a:chOff x="0" y="0"/>
-          <a:chExt cx="0" cy="0"/>
-        </a:xfrm>
-      </p:grpSpPr>
-      <p:sp>
-        <p:nvSpPr>
-          <p:cNvPr id="2" name="Title 1"/>
-          <p:cNvSpPr>
-            <a:spLocks noGrp="1"/>
-          </p:cNvSpPr>
-          <p:nvPr>
-            <p:ph type="title"/>
-          </p:nvPr>
-        </p:nvSpPr>
-        <p:spPr/>
-        <p:txBody>
-          <a:bodyPr/>
-          <a:lstStyle/>
-          <a:p>
-            <a:r>
-              <a:rPr lang="en-US" dirty="0" smtClean="0">
-                <a:latin typeface="Arial" panose="020B0604020202020204" pitchFamily="34" charset="0"/>
-                <a:cs typeface="Arial" panose="020B0604020202020204" pitchFamily="34" charset="0"/>
-              </a:rPr>
-              <a:t>Initial project Spring</a:t>
-            </a:r>
-            <a:endParaRPr lang="en-US" dirty="0">
-              <a:latin typeface="Arial" panose="020B0604020202020204" pitchFamily="34" charset="0"/>
-              <a:cs typeface="Arial" panose="020B0604020202020204" pitchFamily="34" charset="0"/>
-            </a:endParaRPr>
-          </a:p>
-        </p:txBody>
-      </p:sp>
-      <p:sp>
-        <p:nvSpPr>
-          <p:cNvPr id="3" name="Content Placeholder 2"/>
-          <p:cNvSpPr>
-            <a:spLocks noGrp="1"/>
-          </p:cNvSpPr>
-          <p:nvPr>
-            <p:ph idx="1"/>
-          </p:nvPr>
-        </p:nvSpPr>
-        <p:spPr>
-          <a:xfrm>
-            <a:off x="677334" y="2160589"/>
-            <a:ext cx="5636698" cy="3880773"/>
-          </a:xfrm>
-        </p:spPr>
-        <p:txBody>
-          <a:bodyPr/>
-          <a:lstStyle/>
-          <a:p>
-            <a:r>
-              <a:rPr lang="vi-VN" dirty="0">
-                <a:cs typeface="Arial" panose="020B0604020202020204" pitchFamily="34" charset="0"/>
-              </a:rPr>
-              <a:t>Headers (Tiêu đề</a:t>
-            </a:r>
-            <a:r>
-              <a:rPr lang="vi-VN" dirty="0" smtClean="0">
-                <a:cs typeface="Arial" panose="020B0604020202020204" pitchFamily="34" charset="0"/>
-              </a:rPr>
-              <a:t>):</a:t>
-            </a:r>
-            <a:r>
-              <a:rPr lang="en-US" dirty="0" smtClean="0">
-                <a:cs typeface="Arial" panose="020B0604020202020204" pitchFamily="34" charset="0"/>
-              </a:rPr>
-              <a:t> </a:t>
-            </a:r>
-            <a:r>
-              <a:rPr lang="vi-VN" dirty="0" smtClean="0">
-                <a:cs typeface="Arial" panose="020B0604020202020204" pitchFamily="34" charset="0"/>
-              </a:rPr>
-              <a:t>Chứa </a:t>
-            </a:r>
-            <a:r>
-              <a:rPr lang="vi-VN" dirty="0">
-                <a:cs typeface="Arial" panose="020B0604020202020204" pitchFamily="34" charset="0"/>
-              </a:rPr>
-              <a:t>các thông tin bổ sung cho request, </a:t>
-            </a:r>
-            <a:r>
-              <a:rPr lang="vi-VN" dirty="0" smtClean="0">
-                <a:cs typeface="Arial" panose="020B0604020202020204" pitchFamily="34" charset="0"/>
-              </a:rPr>
-              <a:t>như</a:t>
-            </a:r>
-            <a:r>
-              <a:rPr lang="en-US" dirty="0" smtClean="0">
-                <a:cs typeface="Arial" panose="020B0604020202020204" pitchFamily="34" charset="0"/>
-              </a:rPr>
-              <a:t>:</a:t>
-            </a:r>
-          </a:p>
-          <a:p>
-            <a:pPr lvl="1"/>
-            <a:r>
-              <a:rPr lang="en-US" dirty="0" smtClean="0">
-                <a:cs typeface="Arial" panose="020B0604020202020204" pitchFamily="34" charset="0"/>
-              </a:rPr>
-              <a:t>L</a:t>
-            </a:r>
-            <a:r>
-              <a:rPr lang="vi-VN" dirty="0" smtClean="0">
-                <a:cs typeface="Arial" panose="020B0604020202020204" pitchFamily="34" charset="0"/>
-              </a:rPr>
-              <a:t>oại </a:t>
-            </a:r>
-            <a:r>
-              <a:rPr lang="vi-VN" dirty="0">
-                <a:cs typeface="Arial" panose="020B0604020202020204" pitchFamily="34" charset="0"/>
-              </a:rPr>
-              <a:t>nội dung (</a:t>
-            </a:r>
-            <a:r>
-              <a:rPr lang="vi-VN" dirty="0" smtClean="0">
-                <a:cs typeface="Arial" panose="020B0604020202020204" pitchFamily="34" charset="0"/>
-              </a:rPr>
-              <a:t>Content-Type)</a:t>
-            </a:r>
-            <a:endParaRPr lang="en-US" dirty="0" smtClean="0">
-              <a:cs typeface="Arial" panose="020B0604020202020204" pitchFamily="34" charset="0"/>
-            </a:endParaRPr>
-          </a:p>
-          <a:p>
-            <a:pPr lvl="1"/>
-            <a:r>
-              <a:rPr lang="en-US" dirty="0" smtClean="0">
-                <a:cs typeface="Arial" panose="020B0604020202020204" pitchFamily="34" charset="0"/>
-              </a:rPr>
-              <a:t>T</a:t>
-            </a:r>
-            <a:r>
-              <a:rPr lang="vi-VN" dirty="0" smtClean="0">
-                <a:cs typeface="Arial" panose="020B0604020202020204" pitchFamily="34" charset="0"/>
-              </a:rPr>
-              <a:t>hông </a:t>
-            </a:r>
-            <a:r>
-              <a:rPr lang="vi-VN" dirty="0">
-                <a:cs typeface="Arial" panose="020B0604020202020204" pitchFamily="34" charset="0"/>
-              </a:rPr>
-              <a:t>tin xác thực (</a:t>
-            </a:r>
-            <a:r>
-              <a:rPr lang="vi-VN" dirty="0" smtClean="0">
-                <a:cs typeface="Arial" panose="020B0604020202020204" pitchFamily="34" charset="0"/>
-              </a:rPr>
-              <a:t>Authorization)</a:t>
-            </a:r>
-            <a:endParaRPr lang="en-US" dirty="0" smtClean="0">
-              <a:cs typeface="Arial" panose="020B0604020202020204" pitchFamily="34" charset="0"/>
-            </a:endParaRPr>
-          </a:p>
-          <a:p>
-            <a:pPr lvl="1"/>
-            <a:r>
-              <a:rPr lang="en-US" dirty="0" smtClean="0">
-                <a:cs typeface="Arial" panose="020B0604020202020204" pitchFamily="34" charset="0"/>
-              </a:rPr>
-              <a:t>T</a:t>
-            </a:r>
-            <a:r>
-              <a:rPr lang="vi-VN" dirty="0" smtClean="0">
-                <a:cs typeface="Arial" panose="020B0604020202020204" pitchFamily="34" charset="0"/>
-              </a:rPr>
-              <a:t>hông </a:t>
-            </a:r>
-            <a:r>
-              <a:rPr lang="vi-VN" dirty="0">
-                <a:cs typeface="Arial" panose="020B0604020202020204" pitchFamily="34" charset="0"/>
-              </a:rPr>
-              <a:t>tin về ngôn ngữ (Accept-Language</a:t>
-            </a:r>
-            <a:r>
-              <a:rPr lang="vi-VN" dirty="0" smtClean="0">
-                <a:cs typeface="Arial" panose="020B0604020202020204" pitchFamily="34" charset="0"/>
-              </a:rPr>
-              <a:t>)</a:t>
-            </a:r>
-            <a:endParaRPr lang="en-US" dirty="0" smtClean="0">
-              <a:cs typeface="Arial" panose="020B0604020202020204" pitchFamily="34" charset="0"/>
-            </a:endParaRPr>
-          </a:p>
-          <a:p>
-            <a:pPr lvl="1"/>
-            <a:r>
-              <a:rPr lang="en-US" dirty="0" smtClean="0">
-                <a:cs typeface="Arial" panose="020B0604020202020204" pitchFamily="34" charset="0"/>
-              </a:rPr>
-              <a:t>...</a:t>
-            </a:r>
-          </a:p>
-          <a:p>
-            <a:r>
-              <a:rPr lang="vi-VN" dirty="0" smtClean="0">
-                <a:cs typeface="Arial" panose="020B0604020202020204" pitchFamily="34" charset="0"/>
-              </a:rPr>
-              <a:t>Headers </a:t>
-            </a:r>
-            <a:r>
-              <a:rPr lang="vi-VN" dirty="0">
-                <a:cs typeface="Arial" panose="020B0604020202020204" pitchFamily="34" charset="0"/>
-              </a:rPr>
-              <a:t>thường đi kèm với mỗi request để server có thể hiểu và xử lý yêu cầu đúng cách.</a:t>
-            </a:r>
-            <a:endParaRPr lang="en-US" dirty="0" smtClean="0">
-              <a:latin typeface="Arial" panose="020B0604020202020204" pitchFamily="34" charset="0"/>
-              <a:cs typeface="Arial" panose="020B0604020202020204" pitchFamily="34" charset="0"/>
-            </a:endParaRPr>
-          </a:p>
-        </p:txBody>
-      </p:sp>
-      <p:pic>
-        <p:nvPicPr>
-          <p:cNvPr id="1026" name="Picture 2" descr="Http Request and Response. An HTTP (Hypertext Transfer Protocol)… | by Raza  | Medium"/>
-          <p:cNvPicPr>
-            <a:picLocks noChangeAspect="1" noChangeArrowheads="1"/>
-          </p:cNvPicPr>
-          <p:nvPr/>
-        </p:nvPicPr>
-        <p:blipFill>
-          <a:blip r:embed="rId2">
-            <a:extLst>
-              <a:ext uri="{28A0092B-C50C-407E-A947-70E740481C1C}">
-                <a14:useLocalDpi xmlns:a14="http://schemas.microsoft.com/office/drawing/2010/main" val="0"/>
-              </a:ext>
-            </a:extLst>
-          </a:blip>
-          <a:srcRect/>
-          <a:stretch>
-            <a:fillRect/>
-          </a:stretch>
-        </p:blipFill>
-        <p:spPr bwMode="auto">
-          <a:xfrm>
-            <a:off x="6466343" y="2535537"/>
-            <a:ext cx="4692318" cy="3255295"/>
-          </a:xfrm>
-          <a:prstGeom prst="rect">
-            <a:avLst/>
-          </a:prstGeom>
-          <a:noFill/>
-          <a:extLst>
-            <a:ext uri="{909E8E84-426E-40DD-AFC4-6F175D3DCCD1}">
-              <a14:hiddenFill xmlns:a14="http://schemas.microsoft.com/office/drawing/2010/main">
-                <a:solidFill>
-                  <a:srgbClr val="FFFFFF"/>
-                </a:solidFill>
-              </a14:hiddenFill>
-            </a:ext>
-          </a:extLst>
-        </p:spPr>
-      </p:pic>
-    </p:spTree>
-    <p:extLst>
-      <p:ext uri="{BB962C8B-B14F-4D97-AF65-F5344CB8AC3E}">
-        <p14:creationId xmlns:p14="http://schemas.microsoft.com/office/powerpoint/2010/main" val="2737553928"/>
-      </p:ext>
-    </p:extLst>
-  </p:cSld>
-  <p:clrMapOvr>
-    <a:masterClrMapping/>
-  </p:clrMapOvr>
-</p:sld>
-</file>
-
-<file path=ppt/slides/slide38.xml><?xml version="1.0" encoding="utf-8"?>
-<p:sld xmlns:a="http://schemas.openxmlformats.org/drawingml/2006/main" xmlns:r="http://schemas.openxmlformats.org/officeDocument/2006/relationships" xmlns:p="http://schemas.openxmlformats.org/presentationml/2006/main">
-  <p:cSld>
-    <p:spTree>
-      <p:nvGrpSpPr>
-        <p:cNvPr id="1" name=""/>
-        <p:cNvGrpSpPr/>
-        <p:nvPr/>
-      </p:nvGrpSpPr>
-      <p:grpSpPr>
-        <a:xfrm>
-          <a:off x="0" y="0"/>
-          <a:ext cx="0" cy="0"/>
-          <a:chOff x="0" y="0"/>
-          <a:chExt cx="0" cy="0"/>
-        </a:xfrm>
-      </p:grpSpPr>
-      <p:sp>
-        <p:nvSpPr>
-          <p:cNvPr id="2" name="Title 1"/>
-          <p:cNvSpPr>
-            <a:spLocks noGrp="1"/>
-          </p:cNvSpPr>
-          <p:nvPr>
-            <p:ph type="title"/>
-          </p:nvPr>
-        </p:nvSpPr>
-        <p:spPr/>
-        <p:txBody>
-          <a:bodyPr/>
-          <a:lstStyle/>
-          <a:p>
-            <a:r>
-              <a:rPr lang="en-US" dirty="0" smtClean="0">
-                <a:latin typeface="Arial" panose="020B0604020202020204" pitchFamily="34" charset="0"/>
-                <a:cs typeface="Arial" panose="020B0604020202020204" pitchFamily="34" charset="0"/>
-              </a:rPr>
-              <a:t>Initial project Spring</a:t>
-            </a:r>
-            <a:endParaRPr lang="en-US" dirty="0">
-              <a:latin typeface="Arial" panose="020B0604020202020204" pitchFamily="34" charset="0"/>
-              <a:cs typeface="Arial" panose="020B0604020202020204" pitchFamily="34" charset="0"/>
-            </a:endParaRPr>
-          </a:p>
-        </p:txBody>
-      </p:sp>
-      <p:sp>
-        <p:nvSpPr>
-          <p:cNvPr id="3" name="Content Placeholder 2"/>
-          <p:cNvSpPr>
-            <a:spLocks noGrp="1"/>
-          </p:cNvSpPr>
-          <p:nvPr>
-            <p:ph idx="1"/>
-          </p:nvPr>
-        </p:nvSpPr>
-        <p:spPr>
-          <a:xfrm>
-            <a:off x="677334" y="2160589"/>
-            <a:ext cx="5636698" cy="3880773"/>
-          </a:xfrm>
-        </p:spPr>
-        <p:txBody>
-          <a:bodyPr/>
-          <a:lstStyle/>
-          <a:p>
-            <a:r>
-              <a:rPr lang="vi-VN" dirty="0">
-                <a:cs typeface="Arial" panose="020B0604020202020204" pitchFamily="34" charset="0"/>
-              </a:rPr>
-              <a:t>Body (Thân request</a:t>
-            </a:r>
-            <a:r>
-              <a:rPr lang="vi-VN" dirty="0" smtClean="0">
-                <a:cs typeface="Arial" panose="020B0604020202020204" pitchFamily="34" charset="0"/>
-              </a:rPr>
-              <a:t>):</a:t>
-            </a:r>
-            <a:r>
-              <a:rPr lang="en-US" dirty="0" smtClean="0">
-                <a:cs typeface="Arial" panose="020B0604020202020204" pitchFamily="34" charset="0"/>
-              </a:rPr>
-              <a:t> </a:t>
-            </a:r>
-            <a:r>
-              <a:rPr lang="vi-VN" dirty="0" smtClean="0">
-                <a:cs typeface="Arial" panose="020B0604020202020204" pitchFamily="34" charset="0"/>
-              </a:rPr>
-              <a:t>Chứa </a:t>
-            </a:r>
-            <a:r>
-              <a:rPr lang="vi-VN" dirty="0">
-                <a:cs typeface="Arial" panose="020B0604020202020204" pitchFamily="34" charset="0"/>
-              </a:rPr>
-              <a:t>dữ liệu được gửi đi từ client tới </a:t>
-            </a:r>
-            <a:r>
-              <a:rPr lang="vi-VN" dirty="0" smtClean="0">
-                <a:cs typeface="Arial" panose="020B0604020202020204" pitchFamily="34" charset="0"/>
-              </a:rPr>
-              <a:t>server.</a:t>
-            </a:r>
-            <a:r>
-              <a:rPr lang="en-US" dirty="0">
-                <a:cs typeface="Arial" panose="020B0604020202020204" pitchFamily="34" charset="0"/>
-              </a:rPr>
-              <a:t> </a:t>
-            </a:r>
-            <a:r>
-              <a:rPr lang="vi-VN" dirty="0" smtClean="0">
-                <a:cs typeface="Arial" panose="020B0604020202020204" pitchFamily="34" charset="0"/>
-              </a:rPr>
-              <a:t>Có </a:t>
-            </a:r>
-            <a:r>
-              <a:rPr lang="vi-VN" dirty="0">
-                <a:cs typeface="Arial" panose="020B0604020202020204" pitchFamily="34" charset="0"/>
-              </a:rPr>
-              <a:t>thể chứa dữ liệu dưới nhiều định dạng khác nhau như JSON, XML, form data, hay các định dạng tệp tin khác</a:t>
-            </a:r>
-            <a:r>
-              <a:rPr lang="vi-VN" dirty="0" smtClean="0">
-                <a:cs typeface="Arial" panose="020B0604020202020204" pitchFamily="34" charset="0"/>
-              </a:rPr>
-              <a:t>.</a:t>
-            </a:r>
-            <a:endParaRPr lang="en-US" dirty="0" smtClean="0">
-              <a:cs typeface="Arial" panose="020B0604020202020204" pitchFamily="34" charset="0"/>
-            </a:endParaRPr>
-          </a:p>
-          <a:p>
-            <a:r>
-              <a:rPr lang="vi-VN" dirty="0" smtClean="0">
-                <a:cs typeface="Arial" panose="020B0604020202020204" pitchFamily="34" charset="0"/>
-              </a:rPr>
-              <a:t>Thường </a:t>
-            </a:r>
-            <a:r>
-              <a:rPr lang="vi-VN" dirty="0">
-                <a:cs typeface="Arial" panose="020B0604020202020204" pitchFamily="34" charset="0"/>
-              </a:rPr>
-              <a:t>được sử dụng trong các phương thức như POST, </a:t>
-            </a:r>
-            <a:r>
-              <a:rPr lang="vi-VN" dirty="0" smtClean="0">
-                <a:cs typeface="Arial" panose="020B0604020202020204" pitchFamily="34" charset="0"/>
-              </a:rPr>
-              <a:t>PUT</a:t>
-            </a:r>
-            <a:r>
-              <a:rPr lang="en-US" dirty="0" smtClean="0">
-                <a:cs typeface="Arial" panose="020B0604020202020204" pitchFamily="34" charset="0"/>
-              </a:rPr>
-              <a:t> </a:t>
-            </a:r>
-            <a:r>
-              <a:rPr lang="vi-VN" dirty="0" smtClean="0">
-                <a:cs typeface="Arial" panose="020B0604020202020204" pitchFamily="34" charset="0"/>
-              </a:rPr>
-              <a:t>để </a:t>
-            </a:r>
-            <a:r>
-              <a:rPr lang="vi-VN" dirty="0">
-                <a:cs typeface="Arial" panose="020B0604020202020204" pitchFamily="34" charset="0"/>
-              </a:rPr>
-              <a:t>truyền dữ liệu từ client đến server.</a:t>
-            </a:r>
-            <a:endParaRPr lang="en-US" dirty="0" smtClean="0">
-              <a:latin typeface="Arial" panose="020B0604020202020204" pitchFamily="34" charset="0"/>
-              <a:cs typeface="Arial" panose="020B0604020202020204" pitchFamily="34" charset="0"/>
-            </a:endParaRPr>
-          </a:p>
-        </p:txBody>
-      </p:sp>
-      <p:pic>
-        <p:nvPicPr>
-          <p:cNvPr id="1026" name="Picture 2" descr="Http Request and Response. An HTTP (Hypertext Transfer Protocol)… | by Raza  | Medium"/>
-          <p:cNvPicPr>
-            <a:picLocks noChangeAspect="1" noChangeArrowheads="1"/>
-          </p:cNvPicPr>
-          <p:nvPr/>
-        </p:nvPicPr>
-        <p:blipFill>
-          <a:blip r:embed="rId2">
-            <a:extLst>
-              <a:ext uri="{28A0092B-C50C-407E-A947-70E740481C1C}">
-                <a14:useLocalDpi xmlns:a14="http://schemas.microsoft.com/office/drawing/2010/main" val="0"/>
-              </a:ext>
-            </a:extLst>
-          </a:blip>
-          <a:srcRect/>
-          <a:stretch>
-            <a:fillRect/>
-          </a:stretch>
-        </p:blipFill>
-        <p:spPr bwMode="auto">
-          <a:xfrm>
-            <a:off x="6466343" y="2535537"/>
-            <a:ext cx="4692318" cy="3255295"/>
-          </a:xfrm>
-          <a:prstGeom prst="rect">
-            <a:avLst/>
-          </a:prstGeom>
-          <a:noFill/>
-          <a:extLst>
-            <a:ext uri="{909E8E84-426E-40DD-AFC4-6F175D3DCCD1}">
-              <a14:hiddenFill xmlns:a14="http://schemas.microsoft.com/office/drawing/2010/main">
-                <a:solidFill>
-                  <a:srgbClr val="FFFFFF"/>
-                </a:solidFill>
-              </a14:hiddenFill>
-            </a:ext>
-          </a:extLst>
-        </p:spPr>
-      </p:pic>
-    </p:spTree>
-    <p:extLst>
-      <p:ext uri="{BB962C8B-B14F-4D97-AF65-F5344CB8AC3E}">
-        <p14:creationId xmlns:p14="http://schemas.microsoft.com/office/powerpoint/2010/main" val="2260759827"/>
-      </p:ext>
-    </p:extLst>
-  </p:cSld>
-  <p:clrMapOvr>
-    <a:masterClrMapping/>
-  </p:clrMapOvr>
-</p:sld>
-</file>
-
-<file path=ppt/slides/slide39.xml><?xml version="1.0" encoding="utf-8"?>
-<p:sld xmlns:a="http://schemas.openxmlformats.org/drawingml/2006/main" xmlns:r="http://schemas.openxmlformats.org/officeDocument/2006/relationships" xmlns:p="http://schemas.openxmlformats.org/presentationml/2006/main">
-  <p:cSld>
-    <p:spTree>
-      <p:nvGrpSpPr>
-        <p:cNvPr id="1" name=""/>
-        <p:cNvGrpSpPr/>
-        <p:nvPr/>
-      </p:nvGrpSpPr>
-      <p:grpSpPr>
-        <a:xfrm>
-          <a:off x="0" y="0"/>
-          <a:ext cx="0" cy="0"/>
-          <a:chOff x="0" y="0"/>
-          <a:chExt cx="0" cy="0"/>
-        </a:xfrm>
-      </p:grpSpPr>
-      <p:sp>
-        <p:nvSpPr>
-          <p:cNvPr id="2" name="Title 1"/>
-          <p:cNvSpPr>
-            <a:spLocks noGrp="1"/>
-          </p:cNvSpPr>
-          <p:nvPr>
-            <p:ph type="title"/>
-          </p:nvPr>
-        </p:nvSpPr>
-        <p:spPr/>
-        <p:txBody>
-          <a:bodyPr/>
-          <a:lstStyle/>
-          <a:p>
-            <a:r>
-              <a:rPr lang="en-US" dirty="0" smtClean="0">
-                <a:latin typeface="Arial" panose="020B0604020202020204" pitchFamily="34" charset="0"/>
-                <a:cs typeface="Arial" panose="020B0604020202020204" pitchFamily="34" charset="0"/>
-              </a:rPr>
-              <a:t>Initial project Spring</a:t>
-            </a:r>
-            <a:endParaRPr lang="en-US" dirty="0">
-              <a:latin typeface="Arial" panose="020B0604020202020204" pitchFamily="34" charset="0"/>
-              <a:cs typeface="Arial" panose="020B0604020202020204" pitchFamily="34" charset="0"/>
-            </a:endParaRPr>
-          </a:p>
-        </p:txBody>
-      </p:sp>
-      <p:sp>
-        <p:nvSpPr>
-          <p:cNvPr id="3" name="Content Placeholder 2"/>
-          <p:cNvSpPr>
-            <a:spLocks noGrp="1"/>
-          </p:cNvSpPr>
-          <p:nvPr>
-            <p:ph idx="1"/>
-          </p:nvPr>
-        </p:nvSpPr>
-        <p:spPr/>
-        <p:txBody>
-          <a:bodyPr/>
-          <a:lstStyle/>
-          <a:p>
-            <a:r>
-              <a:rPr lang="en-US" dirty="0" smtClean="0">
-                <a:latin typeface="Arial" panose="020B0604020202020204" pitchFamily="34" charset="0"/>
-                <a:cs typeface="Arial" panose="020B0604020202020204" pitchFamily="34" charset="0"/>
-              </a:rPr>
-              <a:t>Quay lại bài</a:t>
-            </a:r>
-          </a:p>
-          <a:p>
-            <a:endParaRPr lang="en-US" dirty="0">
-              <a:latin typeface="Arial" panose="020B0604020202020204" pitchFamily="34" charset="0"/>
-              <a:cs typeface="Arial" panose="020B0604020202020204" pitchFamily="34" charset="0"/>
-            </a:endParaRPr>
-          </a:p>
-          <a:p>
-            <a:r>
-              <a:rPr lang="en-US" dirty="0" smtClean="0">
-                <a:latin typeface="Arial" panose="020B0604020202020204" pitchFamily="34" charset="0"/>
-                <a:cs typeface="Arial" panose="020B0604020202020204" pitchFamily="34" charset="0"/>
-              </a:rPr>
-              <a:t>Trường </a:t>
-            </a:r>
-            <a:r>
-              <a:rPr lang="en-US" dirty="0" smtClean="0">
-                <a:latin typeface="Arial" panose="020B0604020202020204" pitchFamily="34" charset="0"/>
-                <a:cs typeface="Arial" panose="020B0604020202020204" pitchFamily="34" charset="0"/>
-              </a:rPr>
-              <a:t>hợp muốn ánh xạ nhiều url thì sử dụng:</a:t>
-            </a:r>
-          </a:p>
-          <a:p>
-            <a:endParaRPr lang="en-US" dirty="0">
-              <a:latin typeface="Arial" panose="020B0604020202020204" pitchFamily="34" charset="0"/>
-              <a:cs typeface="Arial" panose="020B0604020202020204" pitchFamily="34" charset="0"/>
-            </a:endParaRPr>
-          </a:p>
-        </p:txBody>
-      </p:sp>
-      <p:sp>
-        <p:nvSpPr>
-          <p:cNvPr id="4" name="Rectangle 1"/>
-          <p:cNvSpPr>
-            <a:spLocks noChangeArrowheads="1"/>
-          </p:cNvSpPr>
-          <p:nvPr/>
-        </p:nvSpPr>
-        <p:spPr bwMode="auto">
-          <a:xfrm>
-            <a:off x="1149413" y="3496608"/>
-            <a:ext cx="7116148" cy="276999"/>
-          </a:xfrm>
-          <a:prstGeom prst="rect">
-            <a:avLst/>
-          </a:prstGeom>
-          <a:solidFill>
-            <a:srgbClr val="282A36"/>
-          </a:solidFill>
-          <a:ln>
-            <a:noFill/>
-          </a:ln>
-          <a:effectLst/>
-          <a:extLst>
-            <a:ext uri="{91240B29-F687-4F45-9708-019B960494DF}">
-              <a14:hiddenLine xmlns:a14="http://schemas.microsoft.com/office/drawing/2010/main" w="9525">
-                <a:solidFill>
-                  <a:schemeClr val="tx1"/>
-                </a:solidFill>
-                <a:miter lim="800000"/>
-                <a:headEnd/>
-                <a:tailEnd/>
-              </a14:hiddenLine>
-            </a:ext>
-            <a:ext uri="{AF507438-7753-43E0-B8FC-AC1667EBCBE1}">
-              <a14:hiddenEffects xmlns:a14="http://schemas.microsoft.com/office/drawing/2010/main">
-                <a:effectLst>
-                  <a:outerShdw dist="35921" dir="2700000" algn="ctr" rotWithShape="0">
-                    <a:schemeClr val="bg2"/>
-                  </a:outerShdw>
-                </a:effectLst>
-              </a14:hiddenEffects>
-            </a:ext>
-          </a:extLst>
-        </p:spPr>
-        <p:txBody>
-          <a:bodyPr vert="horz" wrap="square" lIns="91440" tIns="45720" rIns="91440" bIns="45720" numCol="1" anchor="ctr" anchorCtr="0" compatLnSpc="1">
-            <a:prstTxWarp prst="textNoShape">
-              <a:avLst/>
-            </a:prstTxWarp>
-            <a:spAutoFit/>
-          </a:bodyPr>
-          <a:lstStyle/>
-          <a:p>
-            <a:pPr marL="0" marR="0" lvl="0" indent="0" algn="l" defTabSz="914400" rtl="0" eaLnBrk="0" fontAlgn="base" latinLnBrk="0" hangingPunct="0">
-              <a:lnSpc>
-                <a:spcPct val="100000"/>
-              </a:lnSpc>
-              <a:spcBef>
-                <a:spcPct val="0"/>
-              </a:spcBef>
-              <a:spcAft>
-                <a:spcPct val="0"/>
-              </a:spcAft>
-              <a:buClrTx/>
-              <a:buSzTx/>
-              <a:buFontTx/>
-              <a:buNone/>
-              <a:tabLst/>
-            </a:pPr>
-            <a:r>
-              <a:rPr kumimoji="0" lang="en-US" altLang="en-US" sz="1200" b="0" i="0" u="none" strike="noStrike" cap="none" normalizeH="0" baseline="0" dirty="0" smtClean="0">
-                <a:ln>
-                  <a:noFill/>
-                </a:ln>
-                <a:solidFill>
-                  <a:srgbClr val="50FA78"/>
-                </a:solidFill>
-                <a:effectLst/>
-                <a:latin typeface="Arial Unicode MS"/>
-                <a:ea typeface="JetBrains Mono"/>
-              </a:rPr>
-              <a:t>@RequestMapping</a:t>
-            </a:r>
-            <a:r>
-              <a:rPr kumimoji="0" lang="en-US" altLang="en-US" sz="1200" b="0" i="0" u="none" strike="noStrike" cap="none" normalizeH="0" baseline="0" dirty="0" smtClean="0">
-                <a:ln>
-                  <a:noFill/>
-                </a:ln>
-                <a:solidFill>
-                  <a:srgbClr val="F8F8F2"/>
-                </a:solidFill>
-                <a:effectLst/>
-                <a:latin typeface="Arial Unicode MS"/>
-                <a:ea typeface="JetBrains Mono"/>
-              </a:rPr>
-              <a:t>(</a:t>
-            </a:r>
-            <a:r>
-              <a:rPr kumimoji="0" lang="en-US" altLang="en-US" sz="1200" b="0" i="0" u="none" strike="noStrike" cap="none" normalizeH="0" baseline="0" dirty="0" smtClean="0">
-                <a:ln>
-                  <a:noFill/>
-                </a:ln>
-                <a:solidFill>
-                  <a:srgbClr val="F89580"/>
-                </a:solidFill>
-                <a:effectLst/>
-                <a:latin typeface="Arial Unicode MS"/>
-                <a:ea typeface="JetBrains Mono"/>
-              </a:rPr>
-              <a:t>value </a:t>
-            </a:r>
-            <a:r>
-              <a:rPr kumimoji="0" lang="en-US" altLang="en-US" sz="1200" b="0" i="0" u="none" strike="noStrike" cap="none" normalizeH="0" baseline="0" dirty="0" smtClean="0">
-                <a:ln>
-                  <a:noFill/>
-                </a:ln>
-                <a:solidFill>
-                  <a:srgbClr val="F780BF"/>
-                </a:solidFill>
-                <a:effectLst/>
-                <a:latin typeface="Arial Unicode MS"/>
-                <a:ea typeface="JetBrains Mono"/>
-              </a:rPr>
-              <a:t>= </a:t>
-            </a:r>
-            <a:r>
-              <a:rPr kumimoji="0" lang="en-US" altLang="en-US" sz="1200" b="0" i="0" u="none" strike="noStrike" cap="none" normalizeH="0" baseline="0" dirty="0" smtClean="0">
-                <a:ln>
-                  <a:noFill/>
-                </a:ln>
-                <a:solidFill>
-                  <a:srgbClr val="F8F8F2"/>
-                </a:solidFill>
-                <a:effectLst/>
-                <a:latin typeface="Arial Unicode MS"/>
-                <a:ea typeface="JetBrains Mono"/>
-              </a:rPr>
-              <a:t>{</a:t>
-            </a:r>
-            <a:r>
-              <a:rPr kumimoji="0" lang="en-US" altLang="en-US" sz="1200" b="0" i="0" u="none" strike="noStrike" cap="none" normalizeH="0" baseline="0" dirty="0" smtClean="0">
-                <a:ln>
-                  <a:noFill/>
-                </a:ln>
-                <a:solidFill>
-                  <a:srgbClr val="FEFF80"/>
-                </a:solidFill>
-                <a:effectLst/>
-                <a:latin typeface="Arial Unicode MS"/>
-                <a:ea typeface="JetBrains Mono"/>
-              </a:rPr>
-              <a:t>"/user"</a:t>
-            </a:r>
-            <a:r>
-              <a:rPr kumimoji="0" lang="en-US" altLang="en-US" sz="1200" b="0" i="0" u="none" strike="noStrike" cap="none" normalizeH="0" baseline="0" dirty="0" smtClean="0">
-                <a:ln>
-                  <a:noFill/>
-                </a:ln>
-                <a:solidFill>
-                  <a:srgbClr val="F8F8F2"/>
-                </a:solidFill>
-                <a:effectLst/>
-                <a:latin typeface="Arial Unicode MS"/>
-                <a:ea typeface="JetBrains Mono"/>
-              </a:rPr>
-              <a:t>, </a:t>
-            </a:r>
-            <a:r>
-              <a:rPr kumimoji="0" lang="en-US" altLang="en-US" sz="1200" b="0" i="0" u="none" strike="noStrike" cap="none" normalizeH="0" baseline="0" dirty="0" smtClean="0">
-                <a:ln>
-                  <a:noFill/>
-                </a:ln>
-                <a:solidFill>
-                  <a:srgbClr val="FEFF80"/>
-                </a:solidFill>
-                <a:effectLst/>
-                <a:latin typeface="Arial Unicode MS"/>
-                <a:ea typeface="JetBrains Mono"/>
-              </a:rPr>
-              <a:t>"/user2“, ...</a:t>
-            </a:r>
-            <a:r>
-              <a:rPr kumimoji="0" lang="en-US" altLang="en-US" sz="1200" b="0" i="0" u="none" strike="noStrike" cap="none" normalizeH="0" baseline="0" dirty="0" smtClean="0">
-                <a:ln>
-                  <a:noFill/>
-                </a:ln>
-                <a:solidFill>
-                  <a:srgbClr val="F8F8F2"/>
-                </a:solidFill>
-                <a:effectLst/>
-                <a:latin typeface="Arial Unicode MS"/>
-                <a:ea typeface="JetBrains Mono"/>
-              </a:rPr>
-              <a:t>}, </a:t>
-            </a:r>
-            <a:r>
-              <a:rPr kumimoji="0" lang="en-US" altLang="en-US" sz="1200" b="0" i="0" u="none" strike="noStrike" cap="none" normalizeH="0" baseline="0" dirty="0" smtClean="0">
-                <a:ln>
-                  <a:noFill/>
-                </a:ln>
-                <a:solidFill>
-                  <a:srgbClr val="F89580"/>
-                </a:solidFill>
-                <a:effectLst/>
-                <a:latin typeface="Arial Unicode MS"/>
-                <a:ea typeface="JetBrains Mono"/>
-              </a:rPr>
-              <a:t>method </a:t>
-            </a:r>
-            <a:r>
-              <a:rPr kumimoji="0" lang="en-US" altLang="en-US" sz="1200" b="0" i="0" u="none" strike="noStrike" cap="none" normalizeH="0" baseline="0" dirty="0" smtClean="0">
-                <a:ln>
-                  <a:noFill/>
-                </a:ln>
-                <a:solidFill>
-                  <a:srgbClr val="F780BF"/>
-                </a:solidFill>
-                <a:effectLst/>
-                <a:latin typeface="Arial Unicode MS"/>
-                <a:ea typeface="JetBrains Mono"/>
-              </a:rPr>
-              <a:t>= </a:t>
-            </a:r>
-            <a:r>
-              <a:rPr kumimoji="0" lang="en-US" altLang="en-US" sz="1200" b="0" i="1" u="none" strike="noStrike" cap="none" normalizeH="0" baseline="0" dirty="0" smtClean="0">
-                <a:ln>
-                  <a:noFill/>
-                </a:ln>
-                <a:solidFill>
-                  <a:srgbClr val="80FFEA"/>
-                </a:solidFill>
-                <a:effectLst/>
-                <a:latin typeface="Arial Unicode MS"/>
-                <a:ea typeface="JetBrains Mono"/>
-              </a:rPr>
-              <a:t>RequestMethod</a:t>
-            </a:r>
-            <a:r>
-              <a:rPr kumimoji="0" lang="en-US" altLang="en-US" sz="1200" b="0" i="0" u="none" strike="noStrike" cap="none" normalizeH="0" baseline="0" dirty="0" smtClean="0">
-                <a:ln>
-                  <a:noFill/>
-                </a:ln>
-                <a:solidFill>
-                  <a:srgbClr val="F8F8F2"/>
-                </a:solidFill>
-                <a:effectLst/>
-                <a:latin typeface="Arial Unicode MS"/>
-                <a:ea typeface="JetBrains Mono"/>
-              </a:rPr>
-              <a:t>.</a:t>
-            </a:r>
-            <a:r>
-              <a:rPr kumimoji="0" lang="en-US" altLang="en-US" sz="1200" b="0" i="1" u="none" strike="noStrike" cap="none" normalizeH="0" baseline="0" dirty="0" smtClean="0">
-                <a:ln>
-                  <a:noFill/>
-                </a:ln>
-                <a:solidFill>
-                  <a:srgbClr val="9580FF"/>
-                </a:solidFill>
-                <a:effectLst/>
-                <a:latin typeface="Arial Unicode MS"/>
-                <a:ea typeface="JetBrains Mono"/>
-              </a:rPr>
-              <a:t>GET</a:t>
-            </a:r>
-            <a:r>
-              <a:rPr kumimoji="0" lang="en-US" altLang="en-US" sz="1200" b="0" i="0" u="none" strike="noStrike" cap="none" normalizeH="0" baseline="0" dirty="0" smtClean="0">
-                <a:ln>
-                  <a:noFill/>
-                </a:ln>
-                <a:solidFill>
-                  <a:srgbClr val="F8F8F2"/>
-                </a:solidFill>
-                <a:effectLst/>
-                <a:latin typeface="Arial Unicode MS"/>
-                <a:ea typeface="JetBrains Mono"/>
-              </a:rPr>
-              <a:t>)</a:t>
-            </a:r>
-            <a:endParaRPr kumimoji="0" lang="en-US" altLang="en-US" sz="3200" b="0" i="0" u="none" strike="noStrike" cap="none" normalizeH="0" baseline="0" dirty="0" smtClean="0">
-              <a:ln>
-                <a:noFill/>
-              </a:ln>
-              <a:solidFill>
-                <a:schemeClr val="tx1"/>
-              </a:solidFill>
-              <a:effectLst/>
-              <a:latin typeface="Arial" panose="020B0604020202020204" pitchFamily="34" charset="0"/>
-            </a:endParaRPr>
-          </a:p>
-        </p:txBody>
-      </p:sp>
-    </p:spTree>
-    <p:extLst>
-      <p:ext uri="{BB962C8B-B14F-4D97-AF65-F5344CB8AC3E}">
-        <p14:creationId xmlns:p14="http://schemas.microsoft.com/office/powerpoint/2010/main" val="696280899"/>
-      </p:ext>
-    </p:extLst>
-  </p:cSld>
-  <p:clrMapOvr>
-    <a:masterClrMapping/>
-  </p:clrMapOvr>
-</p:sld>
-</file>
-
-<file path=ppt/slides/slide4.xml><?xml version="1.0" encoding="utf-8"?>
-<p:sld xmlns:a="http://schemas.openxmlformats.org/drawingml/2006/main" xmlns:r="http://schemas.openxmlformats.org/officeDocument/2006/relationships" xmlns:p="http://schemas.openxmlformats.org/presentationml/2006/main">
-  <p:cSld>
-    <p:spTree>
-      <p:nvGrpSpPr>
-        <p:cNvPr id="1" name=""/>
-        <p:cNvGrpSpPr/>
-        <p:nvPr/>
-      </p:nvGrpSpPr>
-      <p:grpSpPr>
-        <a:xfrm>
-          <a:off x="0" y="0"/>
-          <a:ext cx="0" cy="0"/>
-          <a:chOff x="0" y="0"/>
-          <a:chExt cx="0" cy="0"/>
-        </a:xfrm>
-      </p:grpSpPr>
-      <p:sp>
-        <p:nvSpPr>
-          <p:cNvPr id="2" name="Title 1"/>
-          <p:cNvSpPr>
-            <a:spLocks noGrp="1"/>
-          </p:cNvSpPr>
-          <p:nvPr>
-            <p:ph type="title"/>
-          </p:nvPr>
-        </p:nvSpPr>
-        <p:spPr/>
-        <p:txBody>
-          <a:bodyPr/>
-          <a:lstStyle/>
-          <a:p>
-            <a:r>
-              <a:rPr lang="en-US" dirty="0" smtClean="0">
-                <a:latin typeface="Arial" panose="020B0604020202020204" pitchFamily="34" charset="0"/>
-                <a:cs typeface="Arial" panose="020B0604020202020204" pitchFamily="34" charset="0"/>
-              </a:rPr>
-              <a:t>Initial project Spring</a:t>
-            </a:r>
-            <a:endParaRPr lang="en-US" dirty="0">
-              <a:latin typeface="Arial" panose="020B0604020202020204" pitchFamily="34" charset="0"/>
-              <a:cs typeface="Arial" panose="020B0604020202020204" pitchFamily="34" charset="0"/>
-            </a:endParaRPr>
-          </a:p>
-        </p:txBody>
-      </p:sp>
-      <p:sp>
-        <p:nvSpPr>
-          <p:cNvPr id="3" name="Content Placeholder 2"/>
-          <p:cNvSpPr>
-            <a:spLocks noGrp="1"/>
-          </p:cNvSpPr>
-          <p:nvPr>
-            <p:ph idx="1"/>
-          </p:nvPr>
-        </p:nvSpPr>
-        <p:spPr/>
-        <p:txBody>
-          <a:bodyPr/>
-          <a:lstStyle/>
-          <a:p>
-            <a:pPr marL="342900" lvl="1" indent="-342900"/>
-            <a:r>
-              <a:rPr lang="en-US" dirty="0">
-                <a:solidFill>
-                  <a:srgbClr val="FFC000"/>
-                </a:solidFill>
-                <a:latin typeface="Arial" panose="020B0604020202020204" pitchFamily="34" charset="0"/>
-                <a:cs typeface="Arial" panose="020B0604020202020204" pitchFamily="34" charset="0"/>
-              </a:rPr>
-              <a:t>@</a:t>
-            </a:r>
-            <a:r>
-              <a:rPr lang="en-US" dirty="0" smtClean="0">
-                <a:solidFill>
-                  <a:srgbClr val="FFC000"/>
-                </a:solidFill>
-                <a:latin typeface="Arial" panose="020B0604020202020204" pitchFamily="34" charset="0"/>
-                <a:cs typeface="Arial" panose="020B0604020202020204" pitchFamily="34" charset="0"/>
-              </a:rPr>
-              <a:t>RestController </a:t>
-            </a:r>
-            <a:r>
-              <a:rPr lang="en-US" dirty="0" smtClean="0">
-                <a:latin typeface="Arial" panose="020B0604020202020204" pitchFamily="34" charset="0"/>
-                <a:cs typeface="Arial" panose="020B0604020202020204" pitchFamily="34" charset="0"/>
-              </a:rPr>
-              <a:t>thực ra là sự kết hợp </a:t>
-            </a:r>
-            <a:r>
-              <a:rPr lang="en-US" dirty="0" smtClean="0">
-                <a:solidFill>
-                  <a:srgbClr val="FFC000"/>
-                </a:solidFill>
-                <a:latin typeface="Arial" panose="020B0604020202020204" pitchFamily="34" charset="0"/>
-                <a:cs typeface="Arial" panose="020B0604020202020204" pitchFamily="34" charset="0"/>
-              </a:rPr>
-              <a:t>@Controller </a:t>
-            </a:r>
-            <a:r>
-              <a:rPr lang="en-US" dirty="0" smtClean="0">
-                <a:latin typeface="Arial" panose="020B0604020202020204" pitchFamily="34" charset="0"/>
-                <a:cs typeface="Arial" panose="020B0604020202020204" pitchFamily="34" charset="0"/>
-              </a:rPr>
-              <a:t>và </a:t>
-            </a:r>
-            <a:r>
-              <a:rPr lang="en-US" dirty="0" smtClean="0">
-                <a:solidFill>
-                  <a:srgbClr val="FFC000"/>
-                </a:solidFill>
-                <a:latin typeface="Arial" panose="020B0604020202020204" pitchFamily="34" charset="0"/>
-                <a:cs typeface="Arial" panose="020B0604020202020204" pitchFamily="34" charset="0"/>
-              </a:rPr>
-              <a:t>@ResponseBody </a:t>
-            </a:r>
-            <a:r>
-              <a:rPr lang="en-US" dirty="0" smtClean="0">
-                <a:latin typeface="Arial" panose="020B0604020202020204" pitchFamily="34" charset="0"/>
-                <a:cs typeface="Arial" panose="020B0604020202020204" pitchFamily="34" charset="0"/>
-              </a:rPr>
-              <a:t>để cho chúng ta code cho ngắn gọn.</a:t>
-            </a:r>
-            <a:endParaRPr lang="en-US" dirty="0" smtClean="0">
-              <a:solidFill>
-                <a:srgbClr val="FFC000"/>
-              </a:solidFill>
-              <a:latin typeface="Arial" panose="020B0604020202020204" pitchFamily="34" charset="0"/>
-              <a:cs typeface="Arial" panose="020B0604020202020204" pitchFamily="34" charset="0"/>
-            </a:endParaRPr>
-          </a:p>
-          <a:p>
-            <a:endParaRPr lang="en-US" dirty="0" smtClean="0">
-              <a:latin typeface="Arial" panose="020B0604020202020204" pitchFamily="34" charset="0"/>
-              <a:cs typeface="Arial" panose="020B0604020202020204" pitchFamily="34" charset="0"/>
-            </a:endParaRPr>
-          </a:p>
-          <a:p>
-            <a:endParaRPr lang="en-US" dirty="0">
-              <a:latin typeface="Arial" panose="020B0604020202020204" pitchFamily="34" charset="0"/>
-              <a:cs typeface="Arial" panose="020B0604020202020204" pitchFamily="34" charset="0"/>
-            </a:endParaRPr>
-          </a:p>
-        </p:txBody>
-      </p:sp>
-      <p:pic>
-        <p:nvPicPr>
-          <p:cNvPr id="4" name="Picture 3"/>
-          <p:cNvPicPr>
-            <a:picLocks noChangeAspect="1"/>
-          </p:cNvPicPr>
-          <p:nvPr/>
-        </p:nvPicPr>
-        <p:blipFill>
-          <a:blip r:embed="rId2"/>
-          <a:stretch>
-            <a:fillRect/>
-          </a:stretch>
-        </p:blipFill>
-        <p:spPr>
-          <a:xfrm>
-            <a:off x="3323080" y="2910350"/>
-            <a:ext cx="3305175" cy="2381250"/>
-          </a:xfrm>
-          <a:prstGeom prst="rect">
-            <a:avLst/>
-          </a:prstGeom>
-        </p:spPr>
-      </p:pic>
-    </p:spTree>
-    <p:extLst>
-      <p:ext uri="{BB962C8B-B14F-4D97-AF65-F5344CB8AC3E}">
-        <p14:creationId xmlns:p14="http://schemas.microsoft.com/office/powerpoint/2010/main" val="1697477298"/>
-      </p:ext>
-    </p:extLst>
-  </p:cSld>
-  <p:clrMapOvr>
-    <a:masterClrMapping/>
-  </p:clrMapOvr>
-</p:sld>
-</file>
-
-<file path=ppt/slides/slide40.xml><?xml version="1.0" encoding="utf-8"?>
-<p:sld xmlns:a="http://schemas.openxmlformats.org/drawingml/2006/main" xmlns:r="http://schemas.openxmlformats.org/officeDocument/2006/relationships" xmlns:p="http://schemas.openxmlformats.org/presentationml/2006/main">
-  <p:cSld>
-    <p:spTree>
-      <p:nvGrpSpPr>
-        <p:cNvPr id="1" name=""/>
-        <p:cNvGrpSpPr/>
-        <p:nvPr/>
-      </p:nvGrpSpPr>
-      <p:grpSpPr>
-        <a:xfrm>
-          <a:off x="0" y="0"/>
-          <a:ext cx="0" cy="0"/>
-          <a:chOff x="0" y="0"/>
-          <a:chExt cx="0" cy="0"/>
-        </a:xfrm>
-      </p:grpSpPr>
-      <p:sp>
-        <p:nvSpPr>
-          <p:cNvPr id="2" name="Title 1"/>
-          <p:cNvSpPr>
-            <a:spLocks noGrp="1"/>
-          </p:cNvSpPr>
-          <p:nvPr>
-            <p:ph type="title"/>
-          </p:nvPr>
-        </p:nvSpPr>
-        <p:spPr/>
-        <p:txBody>
-          <a:bodyPr/>
-          <a:lstStyle/>
-          <a:p>
-            <a:r>
-              <a:rPr lang="en-US" dirty="0" smtClean="0">
-                <a:latin typeface="Arial" panose="020B0604020202020204" pitchFamily="34" charset="0"/>
-                <a:cs typeface="Arial" panose="020B0604020202020204" pitchFamily="34" charset="0"/>
-              </a:rPr>
-              <a:t>Initial project Spring</a:t>
-            </a:r>
-            <a:endParaRPr lang="en-US" dirty="0">
-              <a:latin typeface="Arial" panose="020B0604020202020204" pitchFamily="34" charset="0"/>
-              <a:cs typeface="Arial" panose="020B0604020202020204" pitchFamily="34" charset="0"/>
-            </a:endParaRPr>
-          </a:p>
-        </p:txBody>
-      </p:sp>
-      <p:sp>
-        <p:nvSpPr>
-          <p:cNvPr id="3" name="Content Placeholder 2"/>
-          <p:cNvSpPr>
-            <a:spLocks noGrp="1"/>
-          </p:cNvSpPr>
-          <p:nvPr>
-            <p:ph idx="1"/>
-          </p:nvPr>
-        </p:nvSpPr>
-        <p:spPr/>
-        <p:txBody>
-          <a:bodyPr/>
-          <a:lstStyle/>
-          <a:p>
-            <a:r>
-              <a:rPr lang="en-US" dirty="0" smtClean="0">
-                <a:latin typeface="Arial" panose="020B0604020202020204" pitchFamily="34" charset="0"/>
-                <a:cs typeface="Arial" panose="020B0604020202020204" pitchFamily="34" charset="0"/>
-              </a:rPr>
               <a:t>Ngoài ra để ngắn gọn code, Spring sinh ra các annotation</a:t>
             </a:r>
           </a:p>
@@ -12414,7 +10999,7 @@
 </p:sld>
 </file>
 
-<file path=ppt/slides/slide41.xml><?xml version="1.0" encoding="utf-8"?>
+<file path=ppt/slides/slide35.xml><?xml version="1.0" encoding="utf-8"?>
 <p:sld xmlns:a="http://schemas.openxmlformats.org/drawingml/2006/main" xmlns:r="http://schemas.openxmlformats.org/officeDocument/2006/relationships" xmlns:p="http://schemas.openxmlformats.org/presentationml/2006/main">
   <p:cSld>
     <p:spTree>
@@ -12550,7 +11135,7 @@
 </p:sld>
 </file>
 
-<file path=ppt/slides/slide42.xml><?xml version="1.0" encoding="utf-8"?>
+<file path=ppt/slides/slide36.xml><?xml version="1.0" encoding="utf-8"?>
 <p:sld xmlns:a="http://schemas.openxmlformats.org/drawingml/2006/main" xmlns:r="http://schemas.openxmlformats.org/officeDocument/2006/relationships" xmlns:p="http://schemas.openxmlformats.org/presentationml/2006/main">
   <p:cSld>
     <p:spTree>
@@ -12737,78 +11322,91 @@
           <a:p>
             <a:r>
               <a:rPr lang="vi-VN" dirty="0">
+                <a:latin typeface="Arial" panose="020B0604020202020204" pitchFamily="34" charset="0"/>
                 <a:cs typeface="Arial" panose="020B0604020202020204" pitchFamily="34" charset="0"/>
               </a:rPr>
               <a:t>Khi một request </a:t>
             </a:r>
             <a:r>
               <a:rPr lang="en-US" dirty="0" smtClean="0">
+                <a:latin typeface="Arial" panose="020B0604020202020204" pitchFamily="34" charset="0"/>
                 <a:cs typeface="Arial" panose="020B0604020202020204" pitchFamily="34" charset="0"/>
               </a:rPr>
               <a:t>/user</a:t>
             </a:r>
             <a:r>
               <a:rPr lang="vi-VN" dirty="0" smtClean="0">
+                <a:latin typeface="Arial" panose="020B0604020202020204" pitchFamily="34" charset="0"/>
                 <a:cs typeface="Arial" panose="020B0604020202020204" pitchFamily="34" charset="0"/>
               </a:rPr>
               <a:t>/1 </a:t>
             </a:r>
             <a:r>
               <a:rPr lang="vi-VN" dirty="0">
+                <a:latin typeface="Arial" panose="020B0604020202020204" pitchFamily="34" charset="0"/>
                 <a:cs typeface="Arial" panose="020B0604020202020204" pitchFamily="34" charset="0"/>
               </a:rPr>
               <a:t>được gửi tới server, Spring sẽ trích xuất giá trị </a:t>
             </a:r>
             <a:r>
               <a:rPr lang="en-US" dirty="0" smtClean="0">
+                <a:latin typeface="Arial" panose="020B0604020202020204" pitchFamily="34" charset="0"/>
                 <a:cs typeface="Arial" panose="020B0604020202020204" pitchFamily="34" charset="0"/>
               </a:rPr>
               <a:t>1</a:t>
             </a:r>
             <a:r>
               <a:rPr lang="vi-VN" dirty="0" smtClean="0">
+                <a:latin typeface="Arial" panose="020B0604020202020204" pitchFamily="34" charset="0"/>
                 <a:cs typeface="Arial" panose="020B0604020202020204" pitchFamily="34" charset="0"/>
               </a:rPr>
               <a:t> </a:t>
             </a:r>
             <a:r>
               <a:rPr lang="vi-VN" dirty="0">
+                <a:latin typeface="Arial" panose="020B0604020202020204" pitchFamily="34" charset="0"/>
                 <a:cs typeface="Arial" panose="020B0604020202020204" pitchFamily="34" charset="0"/>
               </a:rPr>
               <a:t>từ URL và truyền nó vào phương thức </a:t>
             </a:r>
             <a:r>
               <a:rPr lang="vi-VN" dirty="0" smtClean="0">
+                <a:latin typeface="Arial" panose="020B0604020202020204" pitchFamily="34" charset="0"/>
                 <a:cs typeface="Arial" panose="020B0604020202020204" pitchFamily="34" charset="0"/>
               </a:rPr>
               <a:t>getUser</a:t>
             </a:r>
             <a:r>
               <a:rPr lang="en-US" dirty="0" smtClean="0">
+                <a:latin typeface="Arial" panose="020B0604020202020204" pitchFamily="34" charset="0"/>
                 <a:cs typeface="Arial" panose="020B0604020202020204" pitchFamily="34" charset="0"/>
               </a:rPr>
               <a:t>(</a:t>
             </a:r>
             <a:r>
               <a:rPr lang="vi-VN" dirty="0" smtClean="0">
+                <a:latin typeface="Arial" panose="020B0604020202020204" pitchFamily="34" charset="0"/>
                 <a:cs typeface="Arial" panose="020B0604020202020204" pitchFamily="34" charset="0"/>
               </a:rPr>
               <a:t>int </a:t>
             </a:r>
             <a:r>
               <a:rPr lang="vi-VN" dirty="0">
+                <a:latin typeface="Arial" panose="020B0604020202020204" pitchFamily="34" charset="0"/>
                 <a:cs typeface="Arial" panose="020B0604020202020204" pitchFamily="34" charset="0"/>
               </a:rPr>
               <a:t>id</a:t>
             </a:r>
             <a:r>
               <a:rPr lang="vi-VN" dirty="0" smtClean="0">
+                <a:latin typeface="Arial" panose="020B0604020202020204" pitchFamily="34" charset="0"/>
                 <a:cs typeface="Arial" panose="020B0604020202020204" pitchFamily="34" charset="0"/>
               </a:rPr>
               <a:t>)</a:t>
             </a:r>
             <a:r>
               <a:rPr lang="en-US" dirty="0" smtClean="0">
+                <a:latin typeface="Arial" panose="020B0604020202020204" pitchFamily="34" charset="0"/>
                 <a:cs typeface="Arial" panose="020B0604020202020204" pitchFamily="34" charset="0"/>
               </a:rPr>
               <a:t>.</a:t>
@@ -12817,18 +11415,21 @@
           <a:p>
             <a:r>
               <a:rPr lang="vi-VN" dirty="0" smtClean="0">
+                <a:latin typeface="Arial" panose="020B0604020202020204" pitchFamily="34" charset="0"/>
                 <a:cs typeface="Arial" panose="020B0604020202020204" pitchFamily="34" charset="0"/>
               </a:rPr>
               <a:t>Sau </a:t>
             </a:r>
             <a:r>
               <a:rPr lang="vi-VN" dirty="0">
+                <a:latin typeface="Arial" panose="020B0604020202020204" pitchFamily="34" charset="0"/>
                 <a:cs typeface="Arial" panose="020B0604020202020204" pitchFamily="34" charset="0"/>
               </a:rPr>
               <a:t>đó, bạn có thể sử dụng giá trị này </a:t>
             </a:r>
             <a:r>
               <a:rPr lang="en-US" dirty="0" smtClean="0">
+                <a:latin typeface="Arial" panose="020B0604020202020204" pitchFamily="34" charset="0"/>
                 <a:cs typeface="Arial" panose="020B0604020202020204" pitchFamily="34" charset="0"/>
               </a:rPr>
               <a:t>xử lý tiếp.</a:t>
@@ -12877,7 +11478,7 @@
 </p:sld>
 </file>
 
-<file path=ppt/slides/slide43.xml><?xml version="1.0" encoding="utf-8"?>
+<file path=ppt/slides/slide37.xml><?xml version="1.0" encoding="utf-8"?>
 <p:sld xmlns:a="http://schemas.openxmlformats.org/drawingml/2006/main" xmlns:r="http://schemas.openxmlformats.org/officeDocument/2006/relationships" xmlns:p="http://schemas.openxmlformats.org/presentationml/2006/main">
   <p:cSld>
     <p:spTree>
@@ -13052,10 +11653,506 @@
           </a:prstGeom>
         </p:spPr>
       </p:pic>
+      <p:pic>
+        <p:nvPicPr>
+          <p:cNvPr id="5" name="Picture 4"/>
+          <p:cNvPicPr>
+            <a:picLocks noChangeAspect="1"/>
+          </p:cNvPicPr>
+          <p:nvPr/>
+        </p:nvPicPr>
+        <p:blipFill>
+          <a:blip r:embed="rId3"/>
+          <a:stretch>
+            <a:fillRect/>
+          </a:stretch>
+        </p:blipFill>
+        <p:spPr>
+          <a:xfrm>
+            <a:off x="5063952" y="2184401"/>
+            <a:ext cx="4210050" cy="1047750"/>
+          </a:xfrm>
+          <a:prstGeom prst="rect">
+            <a:avLst/>
+          </a:prstGeom>
+        </p:spPr>
+      </p:pic>
     </p:spTree>
     <p:extLst>
       <p:ext uri="{BB962C8B-B14F-4D97-AF65-F5344CB8AC3E}">
         <p14:creationId xmlns:p14="http://schemas.microsoft.com/office/powerpoint/2010/main" val="277633248"/>
+      </p:ext>
+    </p:extLst>
+  </p:cSld>
+  <p:clrMapOvr>
+    <a:masterClrMapping/>
+  </p:clrMapOvr>
+</p:sld>
+</file>
+
+<file path=ppt/slides/slide38.xml><?xml version="1.0" encoding="utf-8"?>
+<p:sld xmlns:a="http://schemas.openxmlformats.org/drawingml/2006/main" xmlns:r="http://schemas.openxmlformats.org/officeDocument/2006/relationships" xmlns:p="http://schemas.openxmlformats.org/presentationml/2006/main">
+  <p:cSld>
+    <p:spTree>
+      <p:nvGrpSpPr>
+        <p:cNvPr id="1" name=""/>
+        <p:cNvGrpSpPr/>
+        <p:nvPr/>
+      </p:nvGrpSpPr>
+      <p:grpSpPr>
+        <a:xfrm>
+          <a:off x="0" y="0"/>
+          <a:ext cx="0" cy="0"/>
+          <a:chOff x="0" y="0"/>
+          <a:chExt cx="0" cy="0"/>
+        </a:xfrm>
+      </p:grpSpPr>
+      <p:sp>
+        <p:nvSpPr>
+          <p:cNvPr id="2" name="Title 1"/>
+          <p:cNvSpPr>
+            <a:spLocks noGrp="1"/>
+          </p:cNvSpPr>
+          <p:nvPr>
+            <p:ph type="title"/>
+          </p:nvPr>
+        </p:nvSpPr>
+        <p:spPr/>
+        <p:txBody>
+          <a:bodyPr/>
+          <a:lstStyle/>
+          <a:p>
+            <a:r>
+              <a:rPr lang="en-US" dirty="0" smtClean="0">
+                <a:latin typeface="Arial" panose="020B0604020202020204" pitchFamily="34" charset="0"/>
+                <a:cs typeface="Arial" panose="020B0604020202020204" pitchFamily="34" charset="0"/>
+              </a:rPr>
+              <a:t>Initial project Spring</a:t>
+            </a:r>
+            <a:endParaRPr lang="en-US" dirty="0">
+              <a:latin typeface="Arial" panose="020B0604020202020204" pitchFamily="34" charset="0"/>
+              <a:cs typeface="Arial" panose="020B0604020202020204" pitchFamily="34" charset="0"/>
+            </a:endParaRPr>
+          </a:p>
+        </p:txBody>
+      </p:sp>
+      <p:sp>
+        <p:nvSpPr>
+          <p:cNvPr id="3" name="Content Placeholder 2"/>
+          <p:cNvSpPr>
+            <a:spLocks noGrp="1"/>
+          </p:cNvSpPr>
+          <p:nvPr>
+            <p:ph idx="1"/>
+          </p:nvPr>
+        </p:nvSpPr>
+        <p:spPr/>
+        <p:txBody>
+          <a:bodyPr>
+            <a:normAutofit/>
+          </a:bodyPr>
+          <a:lstStyle/>
+          <a:p>
+            <a:r>
+              <a:rPr lang="en-US" dirty="0" smtClean="0">
+                <a:latin typeface="Arial" panose="020B0604020202020204" pitchFamily="34" charset="0"/>
+                <a:cs typeface="Arial" panose="020B0604020202020204" pitchFamily="34" charset="0"/>
+              </a:rPr>
+              <a:t>Thử </a:t>
+            </a:r>
+            <a:r>
+              <a:rPr lang="en-US" dirty="0">
+                <a:latin typeface="Arial" panose="020B0604020202020204" pitchFamily="34" charset="0"/>
+                <a:cs typeface="Arial" panose="020B0604020202020204" pitchFamily="34" charset="0"/>
+              </a:rPr>
+              <a:t>request với URL: </a:t>
+            </a:r>
+            <a:r>
+              <a:rPr lang="en-US" dirty="0">
+                <a:latin typeface="Arial" panose="020B0604020202020204" pitchFamily="34" charset="0"/>
+                <a:cs typeface="Arial" panose="020B0604020202020204" pitchFamily="34" charset="0"/>
+                <a:hlinkClick r:id="rId2"/>
+              </a:rPr>
+              <a:t>http://</a:t>
+            </a:r>
+            <a:r>
+              <a:rPr lang="en-US" dirty="0" smtClean="0">
+                <a:latin typeface="Arial" panose="020B0604020202020204" pitchFamily="34" charset="0"/>
+                <a:cs typeface="Arial" panose="020B0604020202020204" pitchFamily="34" charset="0"/>
+                <a:hlinkClick r:id="rId2"/>
+              </a:rPr>
+              <a:t>localhost:8080/user/11</a:t>
+            </a:r>
+            <a:endParaRPr lang="en-US" dirty="0" smtClean="0">
+              <a:latin typeface="Arial" panose="020B0604020202020204" pitchFamily="34" charset="0"/>
+              <a:cs typeface="Arial" panose="020B0604020202020204" pitchFamily="34" charset="0"/>
+            </a:endParaRPr>
+          </a:p>
+          <a:p>
+            <a:endParaRPr lang="en-US" dirty="0">
+              <a:latin typeface="Arial" panose="020B0604020202020204" pitchFamily="34" charset="0"/>
+              <a:cs typeface="Arial" panose="020B0604020202020204" pitchFamily="34" charset="0"/>
+            </a:endParaRPr>
+          </a:p>
+          <a:p>
+            <a:endParaRPr lang="en-US" dirty="0" smtClean="0">
+              <a:latin typeface="Arial" panose="020B0604020202020204" pitchFamily="34" charset="0"/>
+              <a:cs typeface="Arial" panose="020B0604020202020204" pitchFamily="34" charset="0"/>
+            </a:endParaRPr>
+          </a:p>
+          <a:p>
+            <a:endParaRPr lang="en-US" dirty="0">
+              <a:latin typeface="Arial" panose="020B0604020202020204" pitchFamily="34" charset="0"/>
+              <a:cs typeface="Arial" panose="020B0604020202020204" pitchFamily="34" charset="0"/>
+            </a:endParaRPr>
+          </a:p>
+          <a:p>
+            <a:endParaRPr lang="en-US" dirty="0" smtClean="0">
+              <a:latin typeface="Arial" panose="020B0604020202020204" pitchFamily="34" charset="0"/>
+              <a:cs typeface="Arial" panose="020B0604020202020204" pitchFamily="34" charset="0"/>
+            </a:endParaRPr>
+          </a:p>
+          <a:p>
+            <a:endParaRPr lang="en-US" dirty="0">
+              <a:latin typeface="Arial" panose="020B0604020202020204" pitchFamily="34" charset="0"/>
+              <a:cs typeface="Arial" panose="020B0604020202020204" pitchFamily="34" charset="0"/>
+            </a:endParaRPr>
+          </a:p>
+          <a:p>
+            <a:endParaRPr lang="en-US" dirty="0" smtClean="0">
+              <a:latin typeface="Arial" panose="020B0604020202020204" pitchFamily="34" charset="0"/>
+              <a:cs typeface="Arial" panose="020B0604020202020204" pitchFamily="34" charset="0"/>
+            </a:endParaRPr>
+          </a:p>
+          <a:p>
+            <a:r>
+              <a:rPr lang="en-US" dirty="0" smtClean="0">
+                <a:latin typeface="Arial" panose="020B0604020202020204" pitchFamily="34" charset="0"/>
+                <a:cs typeface="Arial" panose="020B0604020202020204" pitchFamily="34" charset="0"/>
+              </a:rPr>
+              <a:t>Response 200 nhưng không có nội dung được trả về thì đang không hợp lý</a:t>
+            </a:r>
+          </a:p>
+          <a:p>
+            <a:pPr lvl="1"/>
+            <a:r>
+              <a:rPr lang="en-US" dirty="0" smtClean="0">
+                <a:latin typeface="Arial" panose="020B0604020202020204" pitchFamily="34" charset="0"/>
+                <a:cs typeface="Arial" panose="020B0604020202020204" pitchFamily="34" charset="0"/>
+              </a:rPr>
+              <a:t>Ở đây chúng ta có thể sử dụng các status khác thay thế để phù hợp hơn là 204 hoặc 404</a:t>
+            </a:r>
+          </a:p>
+          <a:p>
+            <a:endParaRPr lang="en-US" dirty="0">
+              <a:latin typeface="Arial" panose="020B0604020202020204" pitchFamily="34" charset="0"/>
+              <a:cs typeface="Arial" panose="020B0604020202020204" pitchFamily="34" charset="0"/>
+            </a:endParaRPr>
+          </a:p>
+        </p:txBody>
+      </p:sp>
+      <p:pic>
+        <p:nvPicPr>
+          <p:cNvPr id="5" name="Picture 4"/>
+          <p:cNvPicPr>
+            <a:picLocks noChangeAspect="1"/>
+          </p:cNvPicPr>
+          <p:nvPr/>
+        </p:nvPicPr>
+        <p:blipFill>
+          <a:blip r:embed="rId3"/>
+          <a:stretch>
+            <a:fillRect/>
+          </a:stretch>
+        </p:blipFill>
+        <p:spPr>
+          <a:xfrm>
+            <a:off x="2686843" y="2546147"/>
+            <a:ext cx="4577649" cy="2093654"/>
+          </a:xfrm>
+          <a:prstGeom prst="rect">
+            <a:avLst/>
+          </a:prstGeom>
+        </p:spPr>
+      </p:pic>
+    </p:spTree>
+    <p:extLst>
+      <p:ext uri="{BB962C8B-B14F-4D97-AF65-F5344CB8AC3E}">
+        <p14:creationId xmlns:p14="http://schemas.microsoft.com/office/powerpoint/2010/main" val="1441320213"/>
+      </p:ext>
+    </p:extLst>
+  </p:cSld>
+  <p:clrMapOvr>
+    <a:masterClrMapping/>
+  </p:clrMapOvr>
+</p:sld>
+</file>
+
+<file path=ppt/slides/slide39.xml><?xml version="1.0" encoding="utf-8"?>
+<p:sld xmlns:a="http://schemas.openxmlformats.org/drawingml/2006/main" xmlns:r="http://schemas.openxmlformats.org/officeDocument/2006/relationships" xmlns:p="http://schemas.openxmlformats.org/presentationml/2006/main">
+  <p:cSld>
+    <p:spTree>
+      <p:nvGrpSpPr>
+        <p:cNvPr id="1" name=""/>
+        <p:cNvGrpSpPr/>
+        <p:nvPr/>
+      </p:nvGrpSpPr>
+      <p:grpSpPr>
+        <a:xfrm>
+          <a:off x="0" y="0"/>
+          <a:ext cx="0" cy="0"/>
+          <a:chOff x="0" y="0"/>
+          <a:chExt cx="0" cy="0"/>
+        </a:xfrm>
+      </p:grpSpPr>
+      <p:sp>
+        <p:nvSpPr>
+          <p:cNvPr id="2" name="Title 1"/>
+          <p:cNvSpPr>
+            <a:spLocks noGrp="1"/>
+          </p:cNvSpPr>
+          <p:nvPr>
+            <p:ph type="title"/>
+          </p:nvPr>
+        </p:nvSpPr>
+        <p:spPr/>
+        <p:txBody>
+          <a:bodyPr/>
+          <a:lstStyle/>
+          <a:p>
+            <a:r>
+              <a:rPr lang="en-US" dirty="0" smtClean="0">
+                <a:latin typeface="Arial" panose="020B0604020202020204" pitchFamily="34" charset="0"/>
+                <a:cs typeface="Arial" panose="020B0604020202020204" pitchFamily="34" charset="0"/>
+              </a:rPr>
+              <a:t>Initial project Spring</a:t>
+            </a:r>
+            <a:endParaRPr lang="en-US" dirty="0">
+              <a:latin typeface="Arial" panose="020B0604020202020204" pitchFamily="34" charset="0"/>
+              <a:cs typeface="Arial" panose="020B0604020202020204" pitchFamily="34" charset="0"/>
+            </a:endParaRPr>
+          </a:p>
+        </p:txBody>
+      </p:sp>
+      <p:sp>
+        <p:nvSpPr>
+          <p:cNvPr id="3" name="Content Placeholder 2"/>
+          <p:cNvSpPr>
+            <a:spLocks noGrp="1"/>
+          </p:cNvSpPr>
+          <p:nvPr>
+            <p:ph idx="1"/>
+          </p:nvPr>
+        </p:nvSpPr>
+        <p:spPr/>
+        <p:txBody>
+          <a:bodyPr>
+            <a:normAutofit/>
+          </a:bodyPr>
+          <a:lstStyle/>
+          <a:p>
+            <a:r>
+              <a:rPr lang="en-US" dirty="0" smtClean="0">
+                <a:latin typeface="Arial" panose="020B0604020202020204" pitchFamily="34" charset="0"/>
+                <a:cs typeface="Arial" panose="020B0604020202020204" pitchFamily="34" charset="0"/>
+              </a:rPr>
+              <a:t>Cách để response với status mà mình mong muốn</a:t>
+            </a:r>
+          </a:p>
+          <a:p>
+            <a:endParaRPr lang="en-US" dirty="0">
+              <a:latin typeface="Arial" panose="020B0604020202020204" pitchFamily="34" charset="0"/>
+              <a:cs typeface="Arial" panose="020B0604020202020204" pitchFamily="34" charset="0"/>
+            </a:endParaRPr>
+          </a:p>
+        </p:txBody>
+      </p:sp>
+    </p:spTree>
+    <p:extLst>
+      <p:ext uri="{BB962C8B-B14F-4D97-AF65-F5344CB8AC3E}">
+        <p14:creationId xmlns:p14="http://schemas.microsoft.com/office/powerpoint/2010/main" val="1141318750"/>
+      </p:ext>
+    </p:extLst>
+  </p:cSld>
+  <p:clrMapOvr>
+    <a:masterClrMapping/>
+  </p:clrMapOvr>
+</p:sld>
+</file>
+
+<file path=ppt/slides/slide4.xml><?xml version="1.0" encoding="utf-8"?>
+<p:sld xmlns:a="http://schemas.openxmlformats.org/drawingml/2006/main" xmlns:r="http://schemas.openxmlformats.org/officeDocument/2006/relationships" xmlns:p="http://schemas.openxmlformats.org/presentationml/2006/main">
+  <p:cSld>
+    <p:spTree>
+      <p:nvGrpSpPr>
+        <p:cNvPr id="1" name=""/>
+        <p:cNvGrpSpPr/>
+        <p:nvPr/>
+      </p:nvGrpSpPr>
+      <p:grpSpPr>
+        <a:xfrm>
+          <a:off x="0" y="0"/>
+          <a:ext cx="0" cy="0"/>
+          <a:chOff x="0" y="0"/>
+          <a:chExt cx="0" cy="0"/>
+        </a:xfrm>
+      </p:grpSpPr>
+      <p:sp>
+        <p:nvSpPr>
+          <p:cNvPr id="2" name="Title 1"/>
+          <p:cNvSpPr>
+            <a:spLocks noGrp="1"/>
+          </p:cNvSpPr>
+          <p:nvPr>
+            <p:ph type="title"/>
+          </p:nvPr>
+        </p:nvSpPr>
+        <p:spPr/>
+        <p:txBody>
+          <a:bodyPr/>
+          <a:lstStyle/>
+          <a:p>
+            <a:r>
+              <a:rPr lang="en-US" dirty="0" smtClean="0">
+                <a:latin typeface="Arial" panose="020B0604020202020204" pitchFamily="34" charset="0"/>
+                <a:cs typeface="Arial" panose="020B0604020202020204" pitchFamily="34" charset="0"/>
+              </a:rPr>
+              <a:t>Initial project Spring</a:t>
+            </a:r>
+            <a:endParaRPr lang="en-US" dirty="0">
+              <a:latin typeface="Arial" panose="020B0604020202020204" pitchFamily="34" charset="0"/>
+              <a:cs typeface="Arial" panose="020B0604020202020204" pitchFamily="34" charset="0"/>
+            </a:endParaRPr>
+          </a:p>
+        </p:txBody>
+      </p:sp>
+      <p:sp>
+        <p:nvSpPr>
+          <p:cNvPr id="3" name="Content Placeholder 2"/>
+          <p:cNvSpPr>
+            <a:spLocks noGrp="1"/>
+          </p:cNvSpPr>
+          <p:nvPr>
+            <p:ph idx="1"/>
+          </p:nvPr>
+        </p:nvSpPr>
+        <p:spPr/>
+        <p:txBody>
+          <a:bodyPr/>
+          <a:lstStyle/>
+          <a:p>
+            <a:pPr marL="342900" lvl="1" indent="-342900"/>
+            <a:r>
+              <a:rPr lang="en-US" dirty="0">
+                <a:solidFill>
+                  <a:srgbClr val="FFC000"/>
+                </a:solidFill>
+                <a:latin typeface="Arial" panose="020B0604020202020204" pitchFamily="34" charset="0"/>
+                <a:cs typeface="Arial" panose="020B0604020202020204" pitchFamily="34" charset="0"/>
+              </a:rPr>
+              <a:t>@</a:t>
+            </a:r>
+            <a:r>
+              <a:rPr lang="en-US" dirty="0" smtClean="0">
+                <a:solidFill>
+                  <a:srgbClr val="FFC000"/>
+                </a:solidFill>
+                <a:latin typeface="Arial" panose="020B0604020202020204" pitchFamily="34" charset="0"/>
+                <a:cs typeface="Arial" panose="020B0604020202020204" pitchFamily="34" charset="0"/>
+              </a:rPr>
+              <a:t>RestController </a:t>
+            </a:r>
+            <a:r>
+              <a:rPr lang="en-US" dirty="0" smtClean="0">
+                <a:latin typeface="Arial" panose="020B0604020202020204" pitchFamily="34" charset="0"/>
+                <a:cs typeface="Arial" panose="020B0604020202020204" pitchFamily="34" charset="0"/>
+              </a:rPr>
+              <a:t>thực ra là sự kết hợp </a:t>
+            </a:r>
+            <a:r>
+              <a:rPr lang="en-US" dirty="0" smtClean="0">
+                <a:solidFill>
+                  <a:srgbClr val="FFC000"/>
+                </a:solidFill>
+                <a:latin typeface="Arial" panose="020B0604020202020204" pitchFamily="34" charset="0"/>
+                <a:cs typeface="Arial" panose="020B0604020202020204" pitchFamily="34" charset="0"/>
+              </a:rPr>
+              <a:t>@Controller </a:t>
+            </a:r>
+            <a:r>
+              <a:rPr lang="en-US" dirty="0" smtClean="0">
+                <a:latin typeface="Arial" panose="020B0604020202020204" pitchFamily="34" charset="0"/>
+                <a:cs typeface="Arial" panose="020B0604020202020204" pitchFamily="34" charset="0"/>
+              </a:rPr>
+              <a:t>và </a:t>
+            </a:r>
+            <a:r>
+              <a:rPr lang="en-US" dirty="0" smtClean="0">
+                <a:solidFill>
+                  <a:srgbClr val="FFC000"/>
+                </a:solidFill>
+                <a:latin typeface="Arial" panose="020B0604020202020204" pitchFamily="34" charset="0"/>
+                <a:cs typeface="Arial" panose="020B0604020202020204" pitchFamily="34" charset="0"/>
+              </a:rPr>
+              <a:t>@ResponseBody </a:t>
+            </a:r>
+            <a:r>
+              <a:rPr lang="en-US" dirty="0" smtClean="0">
+                <a:latin typeface="Arial" panose="020B0604020202020204" pitchFamily="34" charset="0"/>
+                <a:cs typeface="Arial" panose="020B0604020202020204" pitchFamily="34" charset="0"/>
+              </a:rPr>
+              <a:t>để cho chúng ta code cho ngắn gọn.</a:t>
+            </a:r>
+            <a:endParaRPr lang="en-US" dirty="0" smtClean="0">
+              <a:solidFill>
+                <a:srgbClr val="FFC000"/>
+              </a:solidFill>
+              <a:latin typeface="Arial" panose="020B0604020202020204" pitchFamily="34" charset="0"/>
+              <a:cs typeface="Arial" panose="020B0604020202020204" pitchFamily="34" charset="0"/>
+            </a:endParaRPr>
+          </a:p>
+          <a:p>
+            <a:endParaRPr lang="en-US" dirty="0" smtClean="0">
+              <a:latin typeface="Arial" panose="020B0604020202020204" pitchFamily="34" charset="0"/>
+              <a:cs typeface="Arial" panose="020B0604020202020204" pitchFamily="34" charset="0"/>
+            </a:endParaRPr>
+          </a:p>
+          <a:p>
+            <a:endParaRPr lang="en-US" dirty="0">
+              <a:latin typeface="Arial" panose="020B0604020202020204" pitchFamily="34" charset="0"/>
+              <a:cs typeface="Arial" panose="020B0604020202020204" pitchFamily="34" charset="0"/>
+            </a:endParaRPr>
+          </a:p>
+        </p:txBody>
+      </p:sp>
+      <p:pic>
+        <p:nvPicPr>
+          <p:cNvPr id="4" name="Picture 3"/>
+          <p:cNvPicPr>
+            <a:picLocks noChangeAspect="1"/>
+          </p:cNvPicPr>
+          <p:nvPr/>
+        </p:nvPicPr>
+        <p:blipFill>
+          <a:blip r:embed="rId2"/>
+          <a:stretch>
+            <a:fillRect/>
+          </a:stretch>
+        </p:blipFill>
+        <p:spPr>
+          <a:xfrm>
+            <a:off x="3323080" y="2910350"/>
+            <a:ext cx="3305175" cy="2381250"/>
+          </a:xfrm>
+          <a:prstGeom prst="rect">
+            <a:avLst/>
+          </a:prstGeom>
+        </p:spPr>
+      </p:pic>
+    </p:spTree>
+    <p:extLst>
+      <p:ext uri="{BB962C8B-B14F-4D97-AF65-F5344CB8AC3E}">
+        <p14:creationId xmlns:p14="http://schemas.microsoft.com/office/powerpoint/2010/main" val="1697477298"/>
       </p:ext>
     </p:extLst>
   </p:cSld>

--- a/02.RESTful API.pptx
+++ b/02.RESTful API.pptx
@@ -44,6 +44,24 @@
     <p:sldId id="312" r:id="rId38"/>
     <p:sldId id="313" r:id="rId39"/>
     <p:sldId id="314" r:id="rId40"/>
+    <p:sldId id="315" r:id="rId41"/>
+    <p:sldId id="316" r:id="rId42"/>
+    <p:sldId id="317" r:id="rId43"/>
+    <p:sldId id="318" r:id="rId44"/>
+    <p:sldId id="319" r:id="rId45"/>
+    <p:sldId id="320" r:id="rId46"/>
+    <p:sldId id="321" r:id="rId47"/>
+    <p:sldId id="322" r:id="rId48"/>
+    <p:sldId id="323" r:id="rId49"/>
+    <p:sldId id="324" r:id="rId50"/>
+    <p:sldId id="325" r:id="rId51"/>
+    <p:sldId id="326" r:id="rId52"/>
+    <p:sldId id="327" r:id="rId53"/>
+    <p:sldId id="328" r:id="rId54"/>
+    <p:sldId id="329" r:id="rId55"/>
+    <p:sldId id="330" r:id="rId56"/>
+    <p:sldId id="331" r:id="rId57"/>
+    <p:sldId id="332" r:id="rId58"/>
   </p:sldIdLst>
   <p:sldSz cx="12192000" cy="6858000"/>
   <p:notesSz cx="6858000" cy="9144000"/>
@@ -874,7 +892,7 @@
           <a:p>
             <a:fld id="{E7E49A89-72C0-40C6-A55C-C6C12D525ACC}" type="datetimeFigureOut">
               <a:rPr lang="en-US" smtClean="0"/>
-              <a:t>6/26/2024</a:t>
+              <a:t>7/2/2024</a:t>
             </a:fld>
             <a:endParaRPr lang="en-US"/>
           </a:p>
@@ -1125,7 +1143,7 @@
           <a:p>
             <a:fld id="{E7E49A89-72C0-40C6-A55C-C6C12D525ACC}" type="datetimeFigureOut">
               <a:rPr lang="en-US" smtClean="0"/>
-              <a:t>6/26/2024</a:t>
+              <a:t>7/2/2024</a:t>
             </a:fld>
             <a:endParaRPr lang="en-US"/>
           </a:p>
@@ -1439,7 +1457,7 @@
           <a:p>
             <a:fld id="{E7E49A89-72C0-40C6-A55C-C6C12D525ACC}" type="datetimeFigureOut">
               <a:rPr lang="en-US" smtClean="0"/>
-              <a:t>6/26/2024</a:t>
+              <a:t>7/2/2024</a:t>
             </a:fld>
             <a:endParaRPr lang="en-US"/>
           </a:p>
@@ -1766,7 +1784,7 @@
           <a:p>
             <a:fld id="{E7E49A89-72C0-40C6-A55C-C6C12D525ACC}" type="datetimeFigureOut">
               <a:rPr lang="en-US" smtClean="0"/>
-              <a:t>6/26/2024</a:t>
+              <a:t>7/2/2024</a:t>
             </a:fld>
             <a:endParaRPr lang="en-US"/>
           </a:p>
@@ -2080,7 +2098,7 @@
           <a:p>
             <a:fld id="{E7E49A89-72C0-40C6-A55C-C6C12D525ACC}" type="datetimeFigureOut">
               <a:rPr lang="en-US" smtClean="0"/>
-              <a:t>6/26/2024</a:t>
+              <a:t>7/2/2024</a:t>
             </a:fld>
             <a:endParaRPr lang="en-US"/>
           </a:p>
@@ -2467,7 +2485,7 @@
           <a:p>
             <a:fld id="{E7E49A89-72C0-40C6-A55C-C6C12D525ACC}" type="datetimeFigureOut">
               <a:rPr lang="en-US" smtClean="0"/>
-              <a:t>6/26/2024</a:t>
+              <a:t>7/2/2024</a:t>
             </a:fld>
             <a:endParaRPr lang="en-US"/>
           </a:p>
@@ -2637,7 +2655,7 @@
           <a:p>
             <a:fld id="{E7E49A89-72C0-40C6-A55C-C6C12D525ACC}" type="datetimeFigureOut">
               <a:rPr lang="en-US" smtClean="0"/>
-              <a:t>6/26/2024</a:t>
+              <a:t>7/2/2024</a:t>
             </a:fld>
             <a:endParaRPr lang="en-US"/>
           </a:p>
@@ -2817,7 +2835,7 @@
           <a:p>
             <a:fld id="{E7E49A89-72C0-40C6-A55C-C6C12D525ACC}" type="datetimeFigureOut">
               <a:rPr lang="en-US" smtClean="0"/>
-              <a:t>6/26/2024</a:t>
+              <a:t>7/2/2024</a:t>
             </a:fld>
             <a:endParaRPr lang="en-US"/>
           </a:p>
@@ -2993,7 +3011,7 @@
           <a:p>
             <a:fld id="{E7E49A89-72C0-40C6-A55C-C6C12D525ACC}" type="datetimeFigureOut">
               <a:rPr lang="en-US" smtClean="0"/>
-              <a:t>6/26/2024</a:t>
+              <a:t>7/2/2024</a:t>
             </a:fld>
             <a:endParaRPr lang="en-US"/>
           </a:p>
@@ -3240,7 +3258,7 @@
           <a:p>
             <a:fld id="{E7E49A89-72C0-40C6-A55C-C6C12D525ACC}" type="datetimeFigureOut">
               <a:rPr lang="en-US" smtClean="0"/>
-              <a:t>6/26/2024</a:t>
+              <a:t>7/2/2024</a:t>
             </a:fld>
             <a:endParaRPr lang="en-US"/>
           </a:p>
@@ -3472,7 +3490,7 @@
           <a:p>
             <a:fld id="{E7E49A89-72C0-40C6-A55C-C6C12D525ACC}" type="datetimeFigureOut">
               <a:rPr lang="en-US" smtClean="0"/>
-              <a:t>6/26/2024</a:t>
+              <a:t>7/2/2024</a:t>
             </a:fld>
             <a:endParaRPr lang="en-US"/>
           </a:p>
@@ -3846,7 +3864,7 @@
           <a:p>
             <a:fld id="{E7E49A89-72C0-40C6-A55C-C6C12D525ACC}" type="datetimeFigureOut">
               <a:rPr lang="en-US" smtClean="0"/>
-              <a:t>6/26/2024</a:t>
+              <a:t>7/2/2024</a:t>
             </a:fld>
             <a:endParaRPr lang="en-US"/>
           </a:p>
@@ -3969,7 +3987,7 @@
           <a:p>
             <a:fld id="{E7E49A89-72C0-40C6-A55C-C6C12D525ACC}" type="datetimeFigureOut">
               <a:rPr lang="en-US" smtClean="0"/>
-              <a:t>6/26/2024</a:t>
+              <a:t>7/2/2024</a:t>
             </a:fld>
             <a:endParaRPr lang="en-US"/>
           </a:p>
@@ -4064,7 +4082,7 @@
           <a:p>
             <a:fld id="{E7E49A89-72C0-40C6-A55C-C6C12D525ACC}" type="datetimeFigureOut">
               <a:rPr lang="en-US" smtClean="0"/>
-              <a:t>6/26/2024</a:t>
+              <a:t>7/2/2024</a:t>
             </a:fld>
             <a:endParaRPr lang="en-US"/>
           </a:p>
@@ -4319,7 +4337,7 @@
           <a:p>
             <a:fld id="{E7E49A89-72C0-40C6-A55C-C6C12D525ACC}" type="datetimeFigureOut">
               <a:rPr lang="en-US" smtClean="0"/>
-              <a:t>6/26/2024</a:t>
+              <a:t>7/2/2024</a:t>
             </a:fld>
             <a:endParaRPr lang="en-US"/>
           </a:p>
@@ -4582,7 +4600,7 @@
           <a:p>
             <a:fld id="{E7E49A89-72C0-40C6-A55C-C6C12D525ACC}" type="datetimeFigureOut">
               <a:rPr lang="en-US" smtClean="0"/>
-              <a:t>6/26/2024</a:t>
+              <a:t>7/2/2024</a:t>
             </a:fld>
             <a:endParaRPr lang="en-US"/>
           </a:p>
@@ -5327,7 +5345,7 @@
           <a:p>
             <a:fld id="{E7E49A89-72C0-40C6-A55C-C6C12D525ACC}" type="datetimeFigureOut">
               <a:rPr lang="en-US" smtClean="0"/>
-              <a:t>6/26/2024</a:t>
+              <a:t>7/2/2024</a:t>
             </a:fld>
             <a:endParaRPr lang="en-US"/>
           </a:p>
@@ -8657,16 +8675,12 @@
           <a:lstStyle/>
           <a:p>
             <a:r>
-              <a:rPr lang="en-US" dirty="0" smtClean="0">
-                <a:latin typeface="Arial" panose="020B0604020202020204" pitchFamily="34" charset="0"/>
-                <a:cs typeface="Arial" panose="020B0604020202020204" pitchFamily="34" charset="0"/>
-              </a:rPr>
-              <a:t>Initial project Spring</a:t>
-            </a:r>
-            <a:endParaRPr lang="en-US" dirty="0">
-              <a:latin typeface="Arial" panose="020B0604020202020204" pitchFamily="34" charset="0"/>
-              <a:cs typeface="Arial" panose="020B0604020202020204" pitchFamily="34" charset="0"/>
-            </a:endParaRPr>
+              <a:rPr lang="en-US" dirty="0">
+                <a:latin typeface="Arial" panose="020B0604020202020204" pitchFamily="34" charset="0"/>
+                <a:cs typeface="Arial" panose="020B0604020202020204" pitchFamily="34" charset="0"/>
+              </a:rPr>
+              <a:t>List User</a:t>
+            </a:r>
           </a:p>
         </p:txBody>
       </p:sp>
@@ -8769,16 +8783,12 @@
           <a:lstStyle/>
           <a:p>
             <a:r>
-              <a:rPr lang="en-US" dirty="0" smtClean="0">
-                <a:latin typeface="Arial" panose="020B0604020202020204" pitchFamily="34" charset="0"/>
-                <a:cs typeface="Arial" panose="020B0604020202020204" pitchFamily="34" charset="0"/>
-              </a:rPr>
-              <a:t>Initial project Spring</a:t>
-            </a:r>
-            <a:endParaRPr lang="en-US" dirty="0">
-              <a:latin typeface="Arial" panose="020B0604020202020204" pitchFamily="34" charset="0"/>
-              <a:cs typeface="Arial" panose="020B0604020202020204" pitchFamily="34" charset="0"/>
-            </a:endParaRPr>
+              <a:rPr lang="en-US" dirty="0">
+                <a:latin typeface="Arial" panose="020B0604020202020204" pitchFamily="34" charset="0"/>
+                <a:cs typeface="Arial" panose="020B0604020202020204" pitchFamily="34" charset="0"/>
+              </a:rPr>
+              <a:t>RequiredArgsConstructor</a:t>
+            </a:r>
           </a:p>
         </p:txBody>
       </p:sp>
@@ -8915,16 +8925,12 @@
           <a:lstStyle/>
           <a:p>
             <a:r>
-              <a:rPr lang="en-US" dirty="0" smtClean="0">
-                <a:latin typeface="Arial" panose="020B0604020202020204" pitchFamily="34" charset="0"/>
-                <a:cs typeface="Arial" panose="020B0604020202020204" pitchFamily="34" charset="0"/>
-              </a:rPr>
-              <a:t>Initial project Spring</a:t>
-            </a:r>
-            <a:endParaRPr lang="en-US" dirty="0">
-              <a:latin typeface="Arial" panose="020B0604020202020204" pitchFamily="34" charset="0"/>
-              <a:cs typeface="Arial" panose="020B0604020202020204" pitchFamily="34" charset="0"/>
-            </a:endParaRPr>
+              <a:rPr lang="en-US" dirty="0">
+                <a:latin typeface="Arial" panose="020B0604020202020204" pitchFamily="34" charset="0"/>
+                <a:cs typeface="Arial" panose="020B0604020202020204" pitchFamily="34" charset="0"/>
+              </a:rPr>
+              <a:t>RequiredArgsConstructor</a:t>
+            </a:r>
           </a:p>
         </p:txBody>
       </p:sp>
@@ -9099,16 +9105,12 @@
           <a:lstStyle/>
           <a:p>
             <a:r>
-              <a:rPr lang="en-US" dirty="0" smtClean="0">
-                <a:latin typeface="Arial" panose="020B0604020202020204" pitchFamily="34" charset="0"/>
-                <a:cs typeface="Arial" panose="020B0604020202020204" pitchFamily="34" charset="0"/>
-              </a:rPr>
-              <a:t>Initial project Spring</a:t>
-            </a:r>
-            <a:endParaRPr lang="en-US" dirty="0">
-              <a:latin typeface="Arial" panose="020B0604020202020204" pitchFamily="34" charset="0"/>
-              <a:cs typeface="Arial" panose="020B0604020202020204" pitchFamily="34" charset="0"/>
-            </a:endParaRPr>
+              <a:rPr lang="en-US" dirty="0">
+                <a:latin typeface="Arial" panose="020B0604020202020204" pitchFamily="34" charset="0"/>
+                <a:cs typeface="Arial" panose="020B0604020202020204" pitchFamily="34" charset="0"/>
+              </a:rPr>
+              <a:t>RequiredArgsConstructor</a:t>
+            </a:r>
           </a:p>
         </p:txBody>
       </p:sp>
@@ -9247,16 +9249,12 @@
           <a:lstStyle/>
           <a:p>
             <a:r>
-              <a:rPr lang="en-US" dirty="0" smtClean="0">
-                <a:latin typeface="Arial" panose="020B0604020202020204" pitchFamily="34" charset="0"/>
-                <a:cs typeface="Arial" panose="020B0604020202020204" pitchFamily="34" charset="0"/>
-              </a:rPr>
-              <a:t>Initial project Spring</a:t>
-            </a:r>
-            <a:endParaRPr lang="en-US" dirty="0">
-              <a:latin typeface="Arial" panose="020B0604020202020204" pitchFamily="34" charset="0"/>
-              <a:cs typeface="Arial" panose="020B0604020202020204" pitchFamily="34" charset="0"/>
-            </a:endParaRPr>
+              <a:rPr lang="en-US" dirty="0">
+                <a:latin typeface="Arial" panose="020B0604020202020204" pitchFamily="34" charset="0"/>
+                <a:cs typeface="Arial" panose="020B0604020202020204" pitchFamily="34" charset="0"/>
+              </a:rPr>
+              <a:t>List User</a:t>
+            </a:r>
           </a:p>
         </p:txBody>
       </p:sp>
@@ -9359,16 +9357,12 @@
           <a:lstStyle/>
           <a:p>
             <a:r>
-              <a:rPr lang="en-US" dirty="0" smtClean="0">
-                <a:latin typeface="Arial" panose="020B0604020202020204" pitchFamily="34" charset="0"/>
-                <a:cs typeface="Arial" panose="020B0604020202020204" pitchFamily="34" charset="0"/>
-              </a:rPr>
-              <a:t>Initial project Spring</a:t>
-            </a:r>
-            <a:endParaRPr lang="en-US" dirty="0">
-              <a:latin typeface="Arial" panose="020B0604020202020204" pitchFamily="34" charset="0"/>
-              <a:cs typeface="Arial" panose="020B0604020202020204" pitchFamily="34" charset="0"/>
-            </a:endParaRPr>
+              <a:rPr lang="en-US" dirty="0">
+                <a:latin typeface="Arial" panose="020B0604020202020204" pitchFamily="34" charset="0"/>
+                <a:cs typeface="Arial" panose="020B0604020202020204" pitchFamily="34" charset="0"/>
+              </a:rPr>
+              <a:t>RequestMapping</a:t>
+            </a:r>
           </a:p>
         </p:txBody>
       </p:sp>
@@ -9743,16 +9737,12 @@
           <a:lstStyle/>
           <a:p>
             <a:r>
-              <a:rPr lang="en-US" dirty="0" smtClean="0">
-                <a:latin typeface="Arial" panose="020B0604020202020204" pitchFamily="34" charset="0"/>
-                <a:cs typeface="Arial" panose="020B0604020202020204" pitchFamily="34" charset="0"/>
-              </a:rPr>
-              <a:t>Initial project Spring</a:t>
-            </a:r>
-            <a:endParaRPr lang="en-US" dirty="0">
-              <a:latin typeface="Arial" panose="020B0604020202020204" pitchFamily="34" charset="0"/>
-              <a:cs typeface="Arial" panose="020B0604020202020204" pitchFamily="34" charset="0"/>
-            </a:endParaRPr>
+              <a:rPr lang="en-US" dirty="0">
+                <a:latin typeface="Arial" panose="020B0604020202020204" pitchFamily="34" charset="0"/>
+                <a:cs typeface="Arial" panose="020B0604020202020204" pitchFamily="34" charset="0"/>
+              </a:rPr>
+              <a:t>RequestMapping</a:t>
+            </a:r>
           </a:p>
         </p:txBody>
       </p:sp>
@@ -9855,16 +9845,12 @@
           <a:lstStyle/>
           <a:p>
             <a:r>
-              <a:rPr lang="en-US" dirty="0" smtClean="0">
-                <a:latin typeface="Arial" panose="020B0604020202020204" pitchFamily="34" charset="0"/>
-                <a:cs typeface="Arial" panose="020B0604020202020204" pitchFamily="34" charset="0"/>
-              </a:rPr>
-              <a:t>Initial project Spring</a:t>
-            </a:r>
-            <a:endParaRPr lang="en-US" dirty="0">
-              <a:latin typeface="Arial" panose="020B0604020202020204" pitchFamily="34" charset="0"/>
-              <a:cs typeface="Arial" panose="020B0604020202020204" pitchFamily="34" charset="0"/>
-            </a:endParaRPr>
+              <a:rPr lang="en-US" dirty="0">
+                <a:latin typeface="Arial" panose="020B0604020202020204" pitchFamily="34" charset="0"/>
+                <a:cs typeface="Arial" panose="020B0604020202020204" pitchFamily="34" charset="0"/>
+              </a:rPr>
+              <a:t>RequestMapping</a:t>
+            </a:r>
           </a:p>
         </p:txBody>
       </p:sp>
@@ -9967,16 +9953,12 @@
           <a:lstStyle/>
           <a:p>
             <a:r>
-              <a:rPr lang="en-US" dirty="0" smtClean="0">
-                <a:latin typeface="Arial" panose="020B0604020202020204" pitchFamily="34" charset="0"/>
-                <a:cs typeface="Arial" panose="020B0604020202020204" pitchFamily="34" charset="0"/>
-              </a:rPr>
-              <a:t>Initial project Spring</a:t>
-            </a:r>
-            <a:endParaRPr lang="en-US" dirty="0">
-              <a:latin typeface="Arial" panose="020B0604020202020204" pitchFamily="34" charset="0"/>
-              <a:cs typeface="Arial" panose="020B0604020202020204" pitchFamily="34" charset="0"/>
-            </a:endParaRPr>
+              <a:rPr lang="en-US" dirty="0">
+                <a:latin typeface="Arial" panose="020B0604020202020204" pitchFamily="34" charset="0"/>
+                <a:cs typeface="Arial" panose="020B0604020202020204" pitchFamily="34" charset="0"/>
+              </a:rPr>
+              <a:t>RequestMapping</a:t>
+            </a:r>
           </a:p>
         </p:txBody>
       </p:sp>
@@ -10079,16 +10061,12 @@
           <a:lstStyle/>
           <a:p>
             <a:r>
-              <a:rPr lang="en-US" dirty="0" smtClean="0">
-                <a:latin typeface="Arial" panose="020B0604020202020204" pitchFamily="34" charset="0"/>
-                <a:cs typeface="Arial" panose="020B0604020202020204" pitchFamily="34" charset="0"/>
-              </a:rPr>
-              <a:t>Initial project Spring</a:t>
-            </a:r>
-            <a:endParaRPr lang="en-US" dirty="0">
-              <a:latin typeface="Arial" panose="020B0604020202020204" pitchFamily="34" charset="0"/>
-              <a:cs typeface="Arial" panose="020B0604020202020204" pitchFamily="34" charset="0"/>
-            </a:endParaRPr>
+              <a:rPr lang="en-US" dirty="0">
+                <a:latin typeface="Arial" panose="020B0604020202020204" pitchFamily="34" charset="0"/>
+                <a:cs typeface="Arial" panose="020B0604020202020204" pitchFamily="34" charset="0"/>
+              </a:rPr>
+              <a:t>RequestMapping</a:t>
+            </a:r>
           </a:p>
         </p:txBody>
       </p:sp>
@@ -10112,14 +10090,7 @@
                 <a:latin typeface="Arial" panose="020B0604020202020204" pitchFamily="34" charset="0"/>
                 <a:cs typeface="Arial" panose="020B0604020202020204" pitchFamily="34" charset="0"/>
               </a:rPr>
-              <a:t>Trường </a:t>
-            </a:r>
-            <a:r>
-              <a:rPr lang="en-US" dirty="0" smtClean="0">
-                <a:latin typeface="Arial" panose="020B0604020202020204" pitchFamily="34" charset="0"/>
-                <a:cs typeface="Arial" panose="020B0604020202020204" pitchFamily="34" charset="0"/>
-              </a:rPr>
-              <a:t>hợp muốn ánh xạ nhiều url thì sử dụng:</a:t>
+              <a:t>Trường hợp muốn ánh xạ nhiều url thì sử dụng:</a:t>
             </a:r>
           </a:p>
           <a:p>
@@ -10469,16 +10440,12 @@
           <a:lstStyle/>
           <a:p>
             <a:r>
-              <a:rPr lang="en-US" dirty="0" smtClean="0">
-                <a:latin typeface="Arial" panose="020B0604020202020204" pitchFamily="34" charset="0"/>
-                <a:cs typeface="Arial" panose="020B0604020202020204" pitchFamily="34" charset="0"/>
-              </a:rPr>
-              <a:t>Initial project Spring</a:t>
-            </a:r>
-            <a:endParaRPr lang="en-US" dirty="0">
-              <a:latin typeface="Arial" panose="020B0604020202020204" pitchFamily="34" charset="0"/>
-              <a:cs typeface="Arial" panose="020B0604020202020204" pitchFamily="34" charset="0"/>
-            </a:endParaRPr>
+              <a:rPr lang="en-US" dirty="0">
+                <a:latin typeface="Arial" panose="020B0604020202020204" pitchFamily="34" charset="0"/>
+                <a:cs typeface="Arial" panose="020B0604020202020204" pitchFamily="34" charset="0"/>
+              </a:rPr>
+              <a:t>RequestMapping</a:t>
+            </a:r>
           </a:p>
         </p:txBody>
       </p:sp>
@@ -11036,7 +11003,7 @@
                 <a:latin typeface="Arial" panose="020B0604020202020204" pitchFamily="34" charset="0"/>
                 <a:cs typeface="Arial" panose="020B0604020202020204" pitchFamily="34" charset="0"/>
               </a:rPr>
-              <a:t>Initial project Spring</a:t>
+              <a:t>User</a:t>
             </a:r>
             <a:endParaRPr lang="en-US" dirty="0">
               <a:latin typeface="Arial" panose="020B0604020202020204" pitchFamily="34" charset="0"/>
@@ -11168,16 +11135,12 @@
           <a:lstStyle/>
           <a:p>
             <a:r>
-              <a:rPr lang="en-US" dirty="0" smtClean="0">
-                <a:latin typeface="Arial" panose="020B0604020202020204" pitchFamily="34" charset="0"/>
-                <a:cs typeface="Arial" panose="020B0604020202020204" pitchFamily="34" charset="0"/>
-              </a:rPr>
-              <a:t>Initial project Spring</a:t>
-            </a:r>
-            <a:endParaRPr lang="en-US" dirty="0">
-              <a:latin typeface="Arial" panose="020B0604020202020204" pitchFamily="34" charset="0"/>
-              <a:cs typeface="Arial" panose="020B0604020202020204" pitchFamily="34" charset="0"/>
-            </a:endParaRPr>
+              <a:rPr lang="en-US" dirty="0">
+                <a:latin typeface="Arial" panose="020B0604020202020204" pitchFamily="34" charset="0"/>
+                <a:cs typeface="Arial" panose="020B0604020202020204" pitchFamily="34" charset="0"/>
+              </a:rPr>
+              <a:t>PathVariable</a:t>
+            </a:r>
           </a:p>
         </p:txBody>
       </p:sp>
@@ -11511,16 +11474,12 @@
           <a:lstStyle/>
           <a:p>
             <a:r>
-              <a:rPr lang="en-US" dirty="0" smtClean="0">
-                <a:latin typeface="Arial" panose="020B0604020202020204" pitchFamily="34" charset="0"/>
-                <a:cs typeface="Arial" panose="020B0604020202020204" pitchFamily="34" charset="0"/>
-              </a:rPr>
-              <a:t>Initial project Spring</a:t>
-            </a:r>
-            <a:endParaRPr lang="en-US" dirty="0">
-              <a:latin typeface="Arial" panose="020B0604020202020204" pitchFamily="34" charset="0"/>
-              <a:cs typeface="Arial" panose="020B0604020202020204" pitchFamily="34" charset="0"/>
-            </a:endParaRPr>
+              <a:rPr lang="en-US" dirty="0">
+                <a:latin typeface="Arial" panose="020B0604020202020204" pitchFamily="34" charset="0"/>
+                <a:cs typeface="Arial" panose="020B0604020202020204" pitchFamily="34" charset="0"/>
+              </a:rPr>
+              <a:t>PathVariable</a:t>
+            </a:r>
           </a:p>
         </p:txBody>
       </p:sp>
@@ -11723,16 +11682,12 @@
           <a:lstStyle/>
           <a:p>
             <a:r>
-              <a:rPr lang="en-US" dirty="0" smtClean="0">
-                <a:latin typeface="Arial" panose="020B0604020202020204" pitchFamily="34" charset="0"/>
-                <a:cs typeface="Arial" panose="020B0604020202020204" pitchFamily="34" charset="0"/>
-              </a:rPr>
-              <a:t>Initial project Spring</a:t>
-            </a:r>
-            <a:endParaRPr lang="en-US" dirty="0">
-              <a:latin typeface="Arial" panose="020B0604020202020204" pitchFamily="34" charset="0"/>
-              <a:cs typeface="Arial" panose="020B0604020202020204" pitchFamily="34" charset="0"/>
-            </a:endParaRPr>
+              <a:rPr lang="en-US" dirty="0">
+                <a:latin typeface="Arial" panose="020B0604020202020204" pitchFamily="34" charset="0"/>
+                <a:cs typeface="Arial" panose="020B0604020202020204" pitchFamily="34" charset="0"/>
+              </a:rPr>
+              <a:t>PathVariable</a:t>
+            </a:r>
           </a:p>
         </p:txBody>
       </p:sp>
@@ -11925,7 +11880,7 @@
                 <a:latin typeface="Arial" panose="020B0604020202020204" pitchFamily="34" charset="0"/>
                 <a:cs typeface="Arial" panose="020B0604020202020204" pitchFamily="34" charset="0"/>
               </a:rPr>
-              <a:t>Initial project Spring</a:t>
+              <a:t>User</a:t>
             </a:r>
             <a:endParaRPr lang="en-US" dirty="0">
               <a:latin typeface="Arial" panose="020B0604020202020204" pitchFamily="34" charset="0"/>
@@ -11965,8 +11920,77 @@
               <a:cs typeface="Arial" panose="020B0604020202020204" pitchFamily="34" charset="0"/>
             </a:endParaRPr>
           </a:p>
-        </p:txBody>
-      </p:sp>
+          <a:p>
+            <a:endParaRPr lang="en-US" dirty="0" smtClean="0">
+              <a:latin typeface="Arial" panose="020B0604020202020204" pitchFamily="34" charset="0"/>
+              <a:cs typeface="Arial" panose="020B0604020202020204" pitchFamily="34" charset="0"/>
+            </a:endParaRPr>
+          </a:p>
+          <a:p>
+            <a:endParaRPr lang="en-US" dirty="0">
+              <a:latin typeface="Arial" panose="020B0604020202020204" pitchFamily="34" charset="0"/>
+              <a:cs typeface="Arial" panose="020B0604020202020204" pitchFamily="34" charset="0"/>
+            </a:endParaRPr>
+          </a:p>
+          <a:p>
+            <a:endParaRPr lang="en-US" dirty="0" smtClean="0">
+              <a:latin typeface="Arial" panose="020B0604020202020204" pitchFamily="34" charset="0"/>
+              <a:cs typeface="Arial" panose="020B0604020202020204" pitchFamily="34" charset="0"/>
+            </a:endParaRPr>
+          </a:p>
+          <a:p>
+            <a:endParaRPr lang="en-US" dirty="0">
+              <a:latin typeface="Arial" panose="020B0604020202020204" pitchFamily="34" charset="0"/>
+              <a:cs typeface="Arial" panose="020B0604020202020204" pitchFamily="34" charset="0"/>
+            </a:endParaRPr>
+          </a:p>
+          <a:p>
+            <a:endParaRPr lang="en-US" dirty="0" smtClean="0">
+              <a:latin typeface="Arial" panose="020B0604020202020204" pitchFamily="34" charset="0"/>
+              <a:cs typeface="Arial" panose="020B0604020202020204" pitchFamily="34" charset="0"/>
+            </a:endParaRPr>
+          </a:p>
+          <a:p>
+            <a:r>
+              <a:rPr lang="en-US" dirty="0" smtClean="0">
+                <a:latin typeface="Arial" panose="020B0604020202020204" pitchFamily="34" charset="0"/>
+                <a:cs typeface="Arial" panose="020B0604020202020204" pitchFamily="34" charset="0"/>
+              </a:rPr>
+              <a:t>Trường hợp User không tồn tại với id tương ứng thì ta trả về status 404</a:t>
+            </a:r>
+          </a:p>
+          <a:p>
+            <a:endParaRPr lang="en-US" dirty="0">
+              <a:latin typeface="Arial" panose="020B0604020202020204" pitchFamily="34" charset="0"/>
+              <a:cs typeface="Arial" panose="020B0604020202020204" pitchFamily="34" charset="0"/>
+            </a:endParaRPr>
+          </a:p>
+        </p:txBody>
+      </p:sp>
+      <p:pic>
+        <p:nvPicPr>
+          <p:cNvPr id="4" name="Picture 3"/>
+          <p:cNvPicPr>
+            <a:picLocks noChangeAspect="1"/>
+          </p:cNvPicPr>
+          <p:nvPr/>
+        </p:nvPicPr>
+        <p:blipFill>
+          <a:blip r:embed="rId2"/>
+          <a:stretch>
+            <a:fillRect/>
+          </a:stretch>
+        </p:blipFill>
+        <p:spPr>
+          <a:xfrm>
+            <a:off x="1098550" y="2562225"/>
+            <a:ext cx="6515100" cy="2076450"/>
+          </a:xfrm>
+          <a:prstGeom prst="rect">
+            <a:avLst/>
+          </a:prstGeom>
+        </p:spPr>
+      </p:pic>
     </p:spTree>
     <p:extLst>
       <p:ext uri="{BB962C8B-B14F-4D97-AF65-F5344CB8AC3E}">
@@ -12162,6 +12186,1516 @@
 </p:sld>
 </file>
 
+<file path=ppt/slides/slide40.xml><?xml version="1.0" encoding="utf-8"?>
+<p:sld xmlns:a="http://schemas.openxmlformats.org/drawingml/2006/main" xmlns:r="http://schemas.openxmlformats.org/officeDocument/2006/relationships" xmlns:p="http://schemas.openxmlformats.org/presentationml/2006/main">
+  <p:cSld>
+    <p:spTree>
+      <p:nvGrpSpPr>
+        <p:cNvPr id="1" name=""/>
+        <p:cNvGrpSpPr/>
+        <p:nvPr/>
+      </p:nvGrpSpPr>
+      <p:grpSpPr>
+        <a:xfrm>
+          <a:off x="0" y="0"/>
+          <a:ext cx="0" cy="0"/>
+          <a:chOff x="0" y="0"/>
+          <a:chExt cx="0" cy="0"/>
+        </a:xfrm>
+      </p:grpSpPr>
+      <p:sp>
+        <p:nvSpPr>
+          <p:cNvPr id="2" name="Title 1"/>
+          <p:cNvSpPr>
+            <a:spLocks noGrp="1"/>
+          </p:cNvSpPr>
+          <p:nvPr>
+            <p:ph type="title"/>
+          </p:nvPr>
+        </p:nvSpPr>
+        <p:spPr/>
+        <p:txBody>
+          <a:bodyPr/>
+          <a:lstStyle/>
+          <a:p>
+            <a:r>
+              <a:rPr lang="en-US" dirty="0">
+                <a:latin typeface="Arial" panose="020B0604020202020204" pitchFamily="34" charset="0"/>
+                <a:cs typeface="Arial" panose="020B0604020202020204" pitchFamily="34" charset="0"/>
+              </a:rPr>
+              <a:t>HttpStatus</a:t>
+            </a:r>
+          </a:p>
+        </p:txBody>
+      </p:sp>
+      <p:sp>
+        <p:nvSpPr>
+          <p:cNvPr id="3" name="Content Placeholder 2"/>
+          <p:cNvSpPr>
+            <a:spLocks noGrp="1"/>
+          </p:cNvSpPr>
+          <p:nvPr>
+            <p:ph idx="1"/>
+          </p:nvPr>
+        </p:nvSpPr>
+        <p:spPr/>
+        <p:txBody>
+          <a:bodyPr>
+            <a:normAutofit/>
+          </a:bodyPr>
+          <a:lstStyle/>
+          <a:p>
+            <a:r>
+              <a:rPr lang="en-US" dirty="0" smtClean="0">
+                <a:latin typeface="Arial" panose="020B0604020202020204" pitchFamily="34" charset="0"/>
+                <a:cs typeface="Arial" panose="020B0604020202020204" pitchFamily="34" charset="0"/>
+              </a:rPr>
+              <a:t>Tổng hợp các HTTP Status:</a:t>
+            </a:r>
+          </a:p>
+          <a:p>
+            <a:pPr lvl="1"/>
+            <a:r>
+              <a:rPr lang="en-US" dirty="0" smtClean="0">
+                <a:latin typeface="Arial" panose="020B0604020202020204" pitchFamily="34" charset="0"/>
+                <a:cs typeface="Arial" panose="020B0604020202020204" pitchFamily="34" charset="0"/>
+              </a:rPr>
+              <a:t>org.springframework.http.HttpStatus</a:t>
+            </a:r>
+          </a:p>
+          <a:p>
+            <a:pPr lvl="1"/>
+            <a:r>
+              <a:rPr lang="en-US" dirty="0" smtClean="0">
+                <a:latin typeface="Arial" panose="020B0604020202020204" pitchFamily="34" charset="0"/>
+                <a:cs typeface="Arial" panose="020B0604020202020204" pitchFamily="34" charset="0"/>
+              </a:rPr>
+              <a:t>Class này đã define sẳn tất cả status cho mình rồi, chỉ cần lấy ra để sử dụng</a:t>
+            </a:r>
+          </a:p>
+          <a:p>
+            <a:endParaRPr lang="en-US" dirty="0">
+              <a:latin typeface="Arial" panose="020B0604020202020204" pitchFamily="34" charset="0"/>
+              <a:cs typeface="Arial" panose="020B0604020202020204" pitchFamily="34" charset="0"/>
+            </a:endParaRPr>
+          </a:p>
+          <a:p>
+            <a:endParaRPr lang="en-US" dirty="0" smtClean="0">
+              <a:latin typeface="Arial" panose="020B0604020202020204" pitchFamily="34" charset="0"/>
+              <a:cs typeface="Arial" panose="020B0604020202020204" pitchFamily="34" charset="0"/>
+            </a:endParaRPr>
+          </a:p>
+          <a:p>
+            <a:endParaRPr lang="en-US" dirty="0">
+              <a:latin typeface="Arial" panose="020B0604020202020204" pitchFamily="34" charset="0"/>
+              <a:cs typeface="Arial" panose="020B0604020202020204" pitchFamily="34" charset="0"/>
+            </a:endParaRPr>
+          </a:p>
+          <a:p>
+            <a:endParaRPr lang="en-US" dirty="0" smtClean="0">
+              <a:latin typeface="Arial" panose="020B0604020202020204" pitchFamily="34" charset="0"/>
+              <a:cs typeface="Arial" panose="020B0604020202020204" pitchFamily="34" charset="0"/>
+            </a:endParaRPr>
+          </a:p>
+          <a:p>
+            <a:endParaRPr lang="en-US" dirty="0">
+              <a:latin typeface="Arial" panose="020B0604020202020204" pitchFamily="34" charset="0"/>
+              <a:cs typeface="Arial" panose="020B0604020202020204" pitchFamily="34" charset="0"/>
+            </a:endParaRPr>
+          </a:p>
+          <a:p>
+            <a:endParaRPr lang="en-US" dirty="0" smtClean="0">
+              <a:latin typeface="Arial" panose="020B0604020202020204" pitchFamily="34" charset="0"/>
+              <a:cs typeface="Arial" panose="020B0604020202020204" pitchFamily="34" charset="0"/>
+            </a:endParaRPr>
+          </a:p>
+          <a:p>
+            <a:endParaRPr lang="en-US" dirty="0" smtClean="0">
+              <a:latin typeface="Arial" panose="020B0604020202020204" pitchFamily="34" charset="0"/>
+              <a:cs typeface="Arial" panose="020B0604020202020204" pitchFamily="34" charset="0"/>
+            </a:endParaRPr>
+          </a:p>
+          <a:p>
+            <a:endParaRPr lang="en-US" dirty="0">
+              <a:latin typeface="Arial" panose="020B0604020202020204" pitchFamily="34" charset="0"/>
+              <a:cs typeface="Arial" panose="020B0604020202020204" pitchFamily="34" charset="0"/>
+            </a:endParaRPr>
+          </a:p>
+        </p:txBody>
+      </p:sp>
+      <p:pic>
+        <p:nvPicPr>
+          <p:cNvPr id="5" name="Picture 4"/>
+          <p:cNvPicPr>
+            <a:picLocks noChangeAspect="1"/>
+          </p:cNvPicPr>
+          <p:nvPr/>
+        </p:nvPicPr>
+        <p:blipFill>
+          <a:blip r:embed="rId2"/>
+          <a:stretch>
+            <a:fillRect/>
+          </a:stretch>
+        </p:blipFill>
+        <p:spPr>
+          <a:xfrm>
+            <a:off x="1204355" y="3257353"/>
+            <a:ext cx="5630391" cy="2235595"/>
+          </a:xfrm>
+          <a:prstGeom prst="rect">
+            <a:avLst/>
+          </a:prstGeom>
+        </p:spPr>
+      </p:pic>
+    </p:spTree>
+    <p:extLst>
+      <p:ext uri="{BB962C8B-B14F-4D97-AF65-F5344CB8AC3E}">
+        <p14:creationId xmlns:p14="http://schemas.microsoft.com/office/powerpoint/2010/main" val="3661035929"/>
+      </p:ext>
+    </p:extLst>
+  </p:cSld>
+  <p:clrMapOvr>
+    <a:masterClrMapping/>
+  </p:clrMapOvr>
+</p:sld>
+</file>
+
+<file path=ppt/slides/slide41.xml><?xml version="1.0" encoding="utf-8"?>
+<p:sld xmlns:a="http://schemas.openxmlformats.org/drawingml/2006/main" xmlns:r="http://schemas.openxmlformats.org/officeDocument/2006/relationships" xmlns:p="http://schemas.openxmlformats.org/presentationml/2006/main">
+  <p:cSld>
+    <p:spTree>
+      <p:nvGrpSpPr>
+        <p:cNvPr id="1" name=""/>
+        <p:cNvGrpSpPr/>
+        <p:nvPr/>
+      </p:nvGrpSpPr>
+      <p:grpSpPr>
+        <a:xfrm>
+          <a:off x="0" y="0"/>
+          <a:ext cx="0" cy="0"/>
+          <a:chOff x="0" y="0"/>
+          <a:chExt cx="0" cy="0"/>
+        </a:xfrm>
+      </p:grpSpPr>
+      <p:sp>
+        <p:nvSpPr>
+          <p:cNvPr id="2" name="Title 1"/>
+          <p:cNvSpPr>
+            <a:spLocks noGrp="1"/>
+          </p:cNvSpPr>
+          <p:nvPr>
+            <p:ph type="title"/>
+          </p:nvPr>
+        </p:nvSpPr>
+        <p:spPr/>
+        <p:txBody>
+          <a:bodyPr/>
+          <a:lstStyle/>
+          <a:p>
+            <a:r>
+              <a:rPr lang="en-US" dirty="0" smtClean="0">
+                <a:latin typeface="Arial" panose="020B0604020202020204" pitchFamily="34" charset="0"/>
+                <a:cs typeface="Arial" panose="020B0604020202020204" pitchFamily="34" charset="0"/>
+              </a:rPr>
+              <a:t>User</a:t>
+            </a:r>
+            <a:endParaRPr lang="en-US" dirty="0">
+              <a:latin typeface="Arial" panose="020B0604020202020204" pitchFamily="34" charset="0"/>
+              <a:cs typeface="Arial" panose="020B0604020202020204" pitchFamily="34" charset="0"/>
+            </a:endParaRPr>
+          </a:p>
+        </p:txBody>
+      </p:sp>
+      <p:sp>
+        <p:nvSpPr>
+          <p:cNvPr id="3" name="Content Placeholder 2"/>
+          <p:cNvSpPr>
+            <a:spLocks noGrp="1"/>
+          </p:cNvSpPr>
+          <p:nvPr>
+            <p:ph idx="1"/>
+          </p:nvPr>
+        </p:nvSpPr>
+        <p:spPr/>
+        <p:txBody>
+          <a:bodyPr>
+            <a:normAutofit/>
+          </a:bodyPr>
+          <a:lstStyle/>
+          <a:p>
+            <a:r>
+              <a:rPr lang="en-US" dirty="0">
+                <a:latin typeface="Arial" panose="020B0604020202020204" pitchFamily="34" charset="0"/>
+                <a:cs typeface="Arial" panose="020B0604020202020204" pitchFamily="34" charset="0"/>
+              </a:rPr>
+              <a:t>Để trả về status 204 ta sử dụng HttpStatus.NO_CONTENT</a:t>
+            </a:r>
+            <a:endParaRPr lang="en-US" dirty="0" smtClean="0">
+              <a:latin typeface="Arial" panose="020B0604020202020204" pitchFamily="34" charset="0"/>
+              <a:cs typeface="Arial" panose="020B0604020202020204" pitchFamily="34" charset="0"/>
+            </a:endParaRPr>
+          </a:p>
+          <a:p>
+            <a:endParaRPr lang="en-US" dirty="0">
+              <a:latin typeface="Arial" panose="020B0604020202020204" pitchFamily="34" charset="0"/>
+              <a:cs typeface="Arial" panose="020B0604020202020204" pitchFamily="34" charset="0"/>
+            </a:endParaRPr>
+          </a:p>
+        </p:txBody>
+      </p:sp>
+      <p:pic>
+        <p:nvPicPr>
+          <p:cNvPr id="5" name="Picture 4"/>
+          <p:cNvPicPr>
+            <a:picLocks noChangeAspect="1"/>
+          </p:cNvPicPr>
+          <p:nvPr/>
+        </p:nvPicPr>
+        <p:blipFill>
+          <a:blip r:embed="rId2"/>
+          <a:stretch>
+            <a:fillRect/>
+          </a:stretch>
+        </p:blipFill>
+        <p:spPr>
+          <a:xfrm>
+            <a:off x="1109662" y="2593975"/>
+            <a:ext cx="6505575" cy="2000250"/>
+          </a:xfrm>
+          <a:prstGeom prst="rect">
+            <a:avLst/>
+          </a:prstGeom>
+        </p:spPr>
+      </p:pic>
+    </p:spTree>
+    <p:extLst>
+      <p:ext uri="{BB962C8B-B14F-4D97-AF65-F5344CB8AC3E}">
+        <p14:creationId xmlns:p14="http://schemas.microsoft.com/office/powerpoint/2010/main" val="1977200089"/>
+      </p:ext>
+    </p:extLst>
+  </p:cSld>
+  <p:clrMapOvr>
+    <a:masterClrMapping/>
+  </p:clrMapOvr>
+</p:sld>
+</file>
+
+<file path=ppt/slides/slide42.xml><?xml version="1.0" encoding="utf-8"?>
+<p:sld xmlns:a="http://schemas.openxmlformats.org/drawingml/2006/main" xmlns:r="http://schemas.openxmlformats.org/officeDocument/2006/relationships" xmlns:p="http://schemas.openxmlformats.org/presentationml/2006/main">
+  <p:cSld>
+    <p:spTree>
+      <p:nvGrpSpPr>
+        <p:cNvPr id="1" name=""/>
+        <p:cNvGrpSpPr/>
+        <p:nvPr/>
+      </p:nvGrpSpPr>
+      <p:grpSpPr>
+        <a:xfrm>
+          <a:off x="0" y="0"/>
+          <a:ext cx="0" cy="0"/>
+          <a:chOff x="0" y="0"/>
+          <a:chExt cx="0" cy="0"/>
+        </a:xfrm>
+      </p:grpSpPr>
+      <p:sp>
+        <p:nvSpPr>
+          <p:cNvPr id="2" name="Title 1"/>
+          <p:cNvSpPr>
+            <a:spLocks noGrp="1"/>
+          </p:cNvSpPr>
+          <p:nvPr>
+            <p:ph type="title"/>
+          </p:nvPr>
+        </p:nvSpPr>
+        <p:spPr/>
+        <p:txBody>
+          <a:bodyPr/>
+          <a:lstStyle/>
+          <a:p>
+            <a:r>
+              <a:rPr lang="en-US" dirty="0">
+                <a:latin typeface="Arial" panose="020B0604020202020204" pitchFamily="34" charset="0"/>
+                <a:cs typeface="Arial" panose="020B0604020202020204" pitchFamily="34" charset="0"/>
+              </a:rPr>
+              <a:t>ResponseEntity</a:t>
+            </a:r>
+          </a:p>
+        </p:txBody>
+      </p:sp>
+      <p:sp>
+        <p:nvSpPr>
+          <p:cNvPr id="3" name="Content Placeholder 2"/>
+          <p:cNvSpPr>
+            <a:spLocks noGrp="1"/>
+          </p:cNvSpPr>
+          <p:nvPr>
+            <p:ph idx="1"/>
+          </p:nvPr>
+        </p:nvSpPr>
+        <p:spPr/>
+        <p:txBody>
+          <a:bodyPr>
+            <a:normAutofit/>
+          </a:bodyPr>
+          <a:lstStyle/>
+          <a:p>
+            <a:r>
+              <a:rPr lang="en-US" dirty="0" smtClean="0">
+                <a:latin typeface="Arial" panose="020B0604020202020204" pitchFamily="34" charset="0"/>
+                <a:cs typeface="Arial" panose="020B0604020202020204" pitchFamily="34" charset="0"/>
+              </a:rPr>
+              <a:t>Ở đây chúng ta có thêm 1 khái niệm mới </a:t>
+            </a:r>
+            <a:r>
+              <a:rPr lang="en-US" dirty="0">
+                <a:latin typeface="Arial" panose="020B0604020202020204" pitchFamily="34" charset="0"/>
+                <a:cs typeface="Arial" panose="020B0604020202020204" pitchFamily="34" charset="0"/>
+              </a:rPr>
+              <a:t>là </a:t>
+            </a:r>
+            <a:r>
+              <a:rPr lang="en-US" dirty="0" smtClean="0">
+                <a:solidFill>
+                  <a:srgbClr val="FFC000"/>
+                </a:solidFill>
+                <a:latin typeface="Arial" panose="020B0604020202020204" pitchFamily="34" charset="0"/>
+                <a:cs typeface="Arial" panose="020B0604020202020204" pitchFamily="34" charset="0"/>
+              </a:rPr>
+              <a:t>ResponseEntity</a:t>
+            </a:r>
+            <a:r>
+              <a:rPr lang="en-US" dirty="0" smtClean="0">
+                <a:latin typeface="Arial" panose="020B0604020202020204" pitchFamily="34" charset="0"/>
+                <a:cs typeface="Arial" panose="020B0604020202020204" pitchFamily="34" charset="0"/>
+              </a:rPr>
+              <a:t>, nó là gì?</a:t>
+            </a:r>
+          </a:p>
+          <a:p>
+            <a:endParaRPr lang="en-US" dirty="0" smtClean="0">
+              <a:latin typeface="Arial" panose="020B0604020202020204" pitchFamily="34" charset="0"/>
+              <a:cs typeface="Arial" panose="020B0604020202020204" pitchFamily="34" charset="0"/>
+            </a:endParaRPr>
+          </a:p>
+          <a:p>
+            <a:r>
+              <a:rPr lang="en-US" dirty="0">
+                <a:solidFill>
+                  <a:srgbClr val="FFC000"/>
+                </a:solidFill>
+                <a:latin typeface="Arial" panose="020B0604020202020204" pitchFamily="34" charset="0"/>
+                <a:cs typeface="Arial" panose="020B0604020202020204" pitchFamily="34" charset="0"/>
+              </a:rPr>
+              <a:t>ResponseEntity </a:t>
+            </a:r>
+            <a:r>
+              <a:rPr lang="en-US" dirty="0" smtClean="0">
+                <a:latin typeface="Arial" panose="020B0604020202020204" pitchFamily="34" charset="0"/>
+                <a:cs typeface="Arial" panose="020B0604020202020204" pitchFamily="34" charset="0"/>
+              </a:rPr>
+              <a:t>là </a:t>
+            </a:r>
+            <a:r>
+              <a:rPr lang="en-US" dirty="0">
+                <a:latin typeface="Arial" panose="020B0604020202020204" pitchFamily="34" charset="0"/>
+                <a:cs typeface="Arial" panose="020B0604020202020204" pitchFamily="34" charset="0"/>
+              </a:rPr>
+              <a:t>một </a:t>
+            </a:r>
+            <a:r>
+              <a:rPr lang="en-US" dirty="0" smtClean="0">
+                <a:latin typeface="Arial" panose="020B0604020202020204" pitchFamily="34" charset="0"/>
+                <a:cs typeface="Arial" panose="020B0604020202020204" pitchFamily="34" charset="0"/>
+              </a:rPr>
+              <a:t>class </a:t>
+            </a:r>
+            <a:r>
+              <a:rPr lang="en-US" dirty="0">
+                <a:latin typeface="Arial" panose="020B0604020202020204" pitchFamily="34" charset="0"/>
+                <a:cs typeface="Arial" panose="020B0604020202020204" pitchFamily="34" charset="0"/>
+              </a:rPr>
+              <a:t>đại diện cho toàn bộ </a:t>
+            </a:r>
+            <a:r>
+              <a:rPr lang="en-US" dirty="0" smtClean="0">
+                <a:latin typeface="Arial" panose="020B0604020202020204" pitchFamily="34" charset="0"/>
+                <a:cs typeface="Arial" panose="020B0604020202020204" pitchFamily="34" charset="0"/>
+              </a:rPr>
+              <a:t>response HTTP</a:t>
+            </a:r>
+            <a:r>
+              <a:rPr lang="en-US" dirty="0">
+                <a:latin typeface="Arial" panose="020B0604020202020204" pitchFamily="34" charset="0"/>
+                <a:cs typeface="Arial" panose="020B0604020202020204" pitchFamily="34" charset="0"/>
+              </a:rPr>
+              <a:t>. Nó cung cấp một cách mạnh mẽ để kiểm soát mọi chi tiết của response </a:t>
+            </a:r>
+            <a:r>
+              <a:rPr lang="en-US" dirty="0" smtClean="0">
+                <a:latin typeface="Arial" panose="020B0604020202020204" pitchFamily="34" charset="0"/>
+                <a:cs typeface="Arial" panose="020B0604020202020204" pitchFamily="34" charset="0"/>
+              </a:rPr>
+              <a:t>HTTP</a:t>
+            </a:r>
+            <a:r>
+              <a:rPr lang="en-US" dirty="0">
+                <a:latin typeface="Arial" panose="020B0604020202020204" pitchFamily="34" charset="0"/>
+                <a:cs typeface="Arial" panose="020B0604020202020204" pitchFamily="34" charset="0"/>
+              </a:rPr>
+              <a:t>, bao gồm </a:t>
+            </a:r>
+            <a:r>
+              <a:rPr lang="en-US" dirty="0" smtClean="0">
+                <a:latin typeface="Arial" panose="020B0604020202020204" pitchFamily="34" charset="0"/>
+                <a:cs typeface="Arial" panose="020B0604020202020204" pitchFamily="34" charset="0"/>
+              </a:rPr>
+              <a:t>status, headers </a:t>
+            </a:r>
+            <a:r>
+              <a:rPr lang="en-US" dirty="0">
+                <a:latin typeface="Arial" panose="020B0604020202020204" pitchFamily="34" charset="0"/>
+                <a:cs typeface="Arial" panose="020B0604020202020204" pitchFamily="34" charset="0"/>
+              </a:rPr>
+              <a:t>và </a:t>
+            </a:r>
+            <a:r>
+              <a:rPr lang="en-US" dirty="0" smtClean="0">
+                <a:latin typeface="Arial" panose="020B0604020202020204" pitchFamily="34" charset="0"/>
+                <a:cs typeface="Arial" panose="020B0604020202020204" pitchFamily="34" charset="0"/>
+              </a:rPr>
+              <a:t>body.</a:t>
+            </a:r>
+          </a:p>
+          <a:p>
+            <a:endParaRPr lang="en-US" dirty="0">
+              <a:latin typeface="Arial" panose="020B0604020202020204" pitchFamily="34" charset="0"/>
+              <a:cs typeface="Arial" panose="020B0604020202020204" pitchFamily="34" charset="0"/>
+            </a:endParaRPr>
+          </a:p>
+          <a:p>
+            <a:r>
+              <a:rPr lang="en-US" dirty="0">
+                <a:latin typeface="Arial" panose="020B0604020202020204" pitchFamily="34" charset="0"/>
+                <a:cs typeface="Arial" panose="020B0604020202020204" pitchFamily="34" charset="0"/>
+              </a:rPr>
+              <a:t>ResponseEntity.status(...).header(...).body(...);</a:t>
+            </a:r>
+          </a:p>
+        </p:txBody>
+      </p:sp>
+    </p:spTree>
+    <p:extLst>
+      <p:ext uri="{BB962C8B-B14F-4D97-AF65-F5344CB8AC3E}">
+        <p14:creationId xmlns:p14="http://schemas.microsoft.com/office/powerpoint/2010/main" val="1563120952"/>
+      </p:ext>
+    </p:extLst>
+  </p:cSld>
+  <p:clrMapOvr>
+    <a:masterClrMapping/>
+  </p:clrMapOvr>
+</p:sld>
+</file>
+
+<file path=ppt/slides/slide43.xml><?xml version="1.0" encoding="utf-8"?>
+<p:sld xmlns:a="http://schemas.openxmlformats.org/drawingml/2006/main" xmlns:r="http://schemas.openxmlformats.org/officeDocument/2006/relationships" xmlns:p="http://schemas.openxmlformats.org/presentationml/2006/main">
+  <p:cSld>
+    <p:spTree>
+      <p:nvGrpSpPr>
+        <p:cNvPr id="1" name=""/>
+        <p:cNvGrpSpPr/>
+        <p:nvPr/>
+      </p:nvGrpSpPr>
+      <p:grpSpPr>
+        <a:xfrm>
+          <a:off x="0" y="0"/>
+          <a:ext cx="0" cy="0"/>
+          <a:chOff x="0" y="0"/>
+          <a:chExt cx="0" cy="0"/>
+        </a:xfrm>
+      </p:grpSpPr>
+      <p:sp>
+        <p:nvSpPr>
+          <p:cNvPr id="2" name="Title 1"/>
+          <p:cNvSpPr>
+            <a:spLocks noGrp="1"/>
+          </p:cNvSpPr>
+          <p:nvPr>
+            <p:ph type="title"/>
+          </p:nvPr>
+        </p:nvSpPr>
+        <p:spPr/>
+        <p:txBody>
+          <a:bodyPr/>
+          <a:lstStyle/>
+          <a:p>
+            <a:r>
+              <a:rPr lang="en-US" dirty="0" smtClean="0">
+                <a:latin typeface="Arial" panose="020B0604020202020204" pitchFamily="34" charset="0"/>
+                <a:cs typeface="Arial" panose="020B0604020202020204" pitchFamily="34" charset="0"/>
+              </a:rPr>
+              <a:t>Search User</a:t>
+            </a:r>
+            <a:endParaRPr lang="en-US" dirty="0">
+              <a:latin typeface="Arial" panose="020B0604020202020204" pitchFamily="34" charset="0"/>
+              <a:cs typeface="Arial" panose="020B0604020202020204" pitchFamily="34" charset="0"/>
+            </a:endParaRPr>
+          </a:p>
+        </p:txBody>
+      </p:sp>
+      <p:sp>
+        <p:nvSpPr>
+          <p:cNvPr id="3" name="Content Placeholder 2"/>
+          <p:cNvSpPr>
+            <a:spLocks noGrp="1"/>
+          </p:cNvSpPr>
+          <p:nvPr>
+            <p:ph idx="1"/>
+          </p:nvPr>
+        </p:nvSpPr>
+        <p:spPr/>
+        <p:txBody>
+          <a:bodyPr/>
+          <a:lstStyle/>
+          <a:p>
+            <a:r>
+              <a:rPr lang="en-US" dirty="0" smtClean="0">
+                <a:latin typeface="Arial" panose="020B0604020202020204" pitchFamily="34" charset="0"/>
+                <a:cs typeface="Arial" panose="020B0604020202020204" pitchFamily="34" charset="0"/>
+              </a:rPr>
+              <a:t>Step 8: Create api search user</a:t>
+            </a:r>
+            <a:endParaRPr lang="en-US" dirty="0">
+              <a:latin typeface="Arial" panose="020B0604020202020204" pitchFamily="34" charset="0"/>
+              <a:cs typeface="Arial" panose="020B0604020202020204" pitchFamily="34" charset="0"/>
+            </a:endParaRPr>
+          </a:p>
+        </p:txBody>
+      </p:sp>
+      <p:pic>
+        <p:nvPicPr>
+          <p:cNvPr id="5" name="Picture 4"/>
+          <p:cNvPicPr>
+            <a:picLocks noChangeAspect="1"/>
+          </p:cNvPicPr>
+          <p:nvPr/>
+        </p:nvPicPr>
+        <p:blipFill>
+          <a:blip r:embed="rId2"/>
+          <a:stretch>
+            <a:fillRect/>
+          </a:stretch>
+        </p:blipFill>
+        <p:spPr>
+          <a:xfrm>
+            <a:off x="1096444" y="2633135"/>
+            <a:ext cx="5153025" cy="990600"/>
+          </a:xfrm>
+          <a:prstGeom prst="rect">
+            <a:avLst/>
+          </a:prstGeom>
+        </p:spPr>
+      </p:pic>
+      <p:pic>
+        <p:nvPicPr>
+          <p:cNvPr id="7" name="Picture 6"/>
+          <p:cNvPicPr>
+            <a:picLocks noChangeAspect="1"/>
+          </p:cNvPicPr>
+          <p:nvPr/>
+        </p:nvPicPr>
+        <p:blipFill>
+          <a:blip r:embed="rId3"/>
+          <a:stretch>
+            <a:fillRect/>
+          </a:stretch>
+        </p:blipFill>
+        <p:spPr>
+          <a:xfrm>
+            <a:off x="1096444" y="3722886"/>
+            <a:ext cx="3943350" cy="2219325"/>
+          </a:xfrm>
+          <a:prstGeom prst="rect">
+            <a:avLst/>
+          </a:prstGeom>
+        </p:spPr>
+      </p:pic>
+    </p:spTree>
+    <p:extLst>
+      <p:ext uri="{BB962C8B-B14F-4D97-AF65-F5344CB8AC3E}">
+        <p14:creationId xmlns:p14="http://schemas.microsoft.com/office/powerpoint/2010/main" val="93360040"/>
+      </p:ext>
+    </p:extLst>
+  </p:cSld>
+  <p:clrMapOvr>
+    <a:masterClrMapping/>
+  </p:clrMapOvr>
+</p:sld>
+</file>
+
+<file path=ppt/slides/slide44.xml><?xml version="1.0" encoding="utf-8"?>
+<p:sld xmlns:a="http://schemas.openxmlformats.org/drawingml/2006/main" xmlns:r="http://schemas.openxmlformats.org/officeDocument/2006/relationships" xmlns:p="http://schemas.openxmlformats.org/presentationml/2006/main">
+  <p:cSld>
+    <p:spTree>
+      <p:nvGrpSpPr>
+        <p:cNvPr id="1" name=""/>
+        <p:cNvGrpSpPr/>
+        <p:nvPr/>
+      </p:nvGrpSpPr>
+      <p:grpSpPr>
+        <a:xfrm>
+          <a:off x="0" y="0"/>
+          <a:ext cx="0" cy="0"/>
+          <a:chOff x="0" y="0"/>
+          <a:chExt cx="0" cy="0"/>
+        </a:xfrm>
+      </p:grpSpPr>
+      <p:sp>
+        <p:nvSpPr>
+          <p:cNvPr id="2" name="Title 1"/>
+          <p:cNvSpPr>
+            <a:spLocks noGrp="1"/>
+          </p:cNvSpPr>
+          <p:nvPr>
+            <p:ph type="title"/>
+          </p:nvPr>
+        </p:nvSpPr>
+        <p:spPr/>
+        <p:txBody>
+          <a:bodyPr/>
+          <a:lstStyle/>
+          <a:p>
+            <a:r>
+              <a:rPr lang="en-US" dirty="0" smtClean="0">
+                <a:latin typeface="Arial" panose="020B0604020202020204" pitchFamily="34" charset="0"/>
+                <a:cs typeface="Arial" panose="020B0604020202020204" pitchFamily="34" charset="0"/>
+              </a:rPr>
+              <a:t>Search User</a:t>
+            </a:r>
+            <a:endParaRPr lang="en-US" dirty="0">
+              <a:latin typeface="Arial" panose="020B0604020202020204" pitchFamily="34" charset="0"/>
+              <a:cs typeface="Arial" panose="020B0604020202020204" pitchFamily="34" charset="0"/>
+            </a:endParaRPr>
+          </a:p>
+        </p:txBody>
+      </p:sp>
+      <p:sp>
+        <p:nvSpPr>
+          <p:cNvPr id="3" name="Content Placeholder 2"/>
+          <p:cNvSpPr>
+            <a:spLocks noGrp="1"/>
+          </p:cNvSpPr>
+          <p:nvPr>
+            <p:ph idx="1"/>
+          </p:nvPr>
+        </p:nvSpPr>
+        <p:spPr/>
+        <p:txBody>
+          <a:bodyPr/>
+          <a:lstStyle/>
+          <a:p>
+            <a:r>
+              <a:rPr lang="en-US" dirty="0">
+                <a:latin typeface="Arial" panose="020B0604020202020204" pitchFamily="34" charset="0"/>
+                <a:cs typeface="Arial" panose="020B0604020202020204" pitchFamily="34" charset="0"/>
+              </a:rPr>
+              <a:t>Test request: </a:t>
+            </a:r>
+            <a:r>
+              <a:rPr lang="en-US" dirty="0">
+                <a:latin typeface="Arial" panose="020B0604020202020204" pitchFamily="34" charset="0"/>
+                <a:cs typeface="Arial" panose="020B0604020202020204" pitchFamily="34" charset="0"/>
+                <a:hlinkClick r:id="rId2"/>
+              </a:rPr>
+              <a:t>http://</a:t>
+            </a:r>
+            <a:r>
+              <a:rPr lang="en-US" dirty="0" smtClean="0">
+                <a:latin typeface="Arial" panose="020B0604020202020204" pitchFamily="34" charset="0"/>
+                <a:cs typeface="Arial" panose="020B0604020202020204" pitchFamily="34" charset="0"/>
+                <a:hlinkClick r:id="rId2"/>
+              </a:rPr>
+              <a:t>localhost:8080/user/search?name=Hào</a:t>
+            </a:r>
+            <a:endParaRPr lang="en-US" dirty="0" smtClean="0">
+              <a:latin typeface="Arial" panose="020B0604020202020204" pitchFamily="34" charset="0"/>
+              <a:cs typeface="Arial" panose="020B0604020202020204" pitchFamily="34" charset="0"/>
+            </a:endParaRPr>
+          </a:p>
+          <a:p>
+            <a:endParaRPr lang="en-US" dirty="0">
+              <a:latin typeface="Arial" panose="020B0604020202020204" pitchFamily="34" charset="0"/>
+              <a:cs typeface="Arial" panose="020B0604020202020204" pitchFamily="34" charset="0"/>
+            </a:endParaRPr>
+          </a:p>
+        </p:txBody>
+      </p:sp>
+      <p:pic>
+        <p:nvPicPr>
+          <p:cNvPr id="4" name="Picture 3"/>
+          <p:cNvPicPr>
+            <a:picLocks noChangeAspect="1"/>
+          </p:cNvPicPr>
+          <p:nvPr/>
+        </p:nvPicPr>
+        <p:blipFill>
+          <a:blip r:embed="rId3"/>
+          <a:stretch>
+            <a:fillRect/>
+          </a:stretch>
+        </p:blipFill>
+        <p:spPr>
+          <a:xfrm>
+            <a:off x="2440661" y="2650112"/>
+            <a:ext cx="5070014" cy="3621439"/>
+          </a:xfrm>
+          <a:prstGeom prst="rect">
+            <a:avLst/>
+          </a:prstGeom>
+        </p:spPr>
+      </p:pic>
+    </p:spTree>
+    <p:extLst>
+      <p:ext uri="{BB962C8B-B14F-4D97-AF65-F5344CB8AC3E}">
+        <p14:creationId xmlns:p14="http://schemas.microsoft.com/office/powerpoint/2010/main" val="351887071"/>
+      </p:ext>
+    </p:extLst>
+  </p:cSld>
+  <p:clrMapOvr>
+    <a:masterClrMapping/>
+  </p:clrMapOvr>
+</p:sld>
+</file>
+
+<file path=ppt/slides/slide45.xml><?xml version="1.0" encoding="utf-8"?>
+<p:sld xmlns:a="http://schemas.openxmlformats.org/drawingml/2006/main" xmlns:r="http://schemas.openxmlformats.org/officeDocument/2006/relationships" xmlns:p="http://schemas.openxmlformats.org/presentationml/2006/main">
+  <p:cSld>
+    <p:spTree>
+      <p:nvGrpSpPr>
+        <p:cNvPr id="1" name=""/>
+        <p:cNvGrpSpPr/>
+        <p:nvPr/>
+      </p:nvGrpSpPr>
+      <p:grpSpPr>
+        <a:xfrm>
+          <a:off x="0" y="0"/>
+          <a:ext cx="0" cy="0"/>
+          <a:chOff x="0" y="0"/>
+          <a:chExt cx="0" cy="0"/>
+        </a:xfrm>
+      </p:grpSpPr>
+      <p:sp>
+        <p:nvSpPr>
+          <p:cNvPr id="2" name="Title 1"/>
+          <p:cNvSpPr>
+            <a:spLocks noGrp="1"/>
+          </p:cNvSpPr>
+          <p:nvPr>
+            <p:ph type="title"/>
+          </p:nvPr>
+        </p:nvSpPr>
+        <p:spPr/>
+        <p:txBody>
+          <a:bodyPr/>
+          <a:lstStyle/>
+          <a:p>
+            <a:r>
+              <a:rPr lang="en-US" dirty="0" smtClean="0">
+                <a:latin typeface="Arial" panose="020B0604020202020204" pitchFamily="34" charset="0"/>
+                <a:cs typeface="Arial" panose="020B0604020202020204" pitchFamily="34" charset="0"/>
+              </a:rPr>
+              <a:t>Search User</a:t>
+            </a:r>
+            <a:endParaRPr lang="en-US" dirty="0">
+              <a:latin typeface="Arial" panose="020B0604020202020204" pitchFamily="34" charset="0"/>
+              <a:cs typeface="Arial" panose="020B0604020202020204" pitchFamily="34" charset="0"/>
+            </a:endParaRPr>
+          </a:p>
+        </p:txBody>
+      </p:sp>
+      <p:sp>
+        <p:nvSpPr>
+          <p:cNvPr id="3" name="Content Placeholder 2"/>
+          <p:cNvSpPr>
+            <a:spLocks noGrp="1"/>
+          </p:cNvSpPr>
+          <p:nvPr>
+            <p:ph idx="1"/>
+          </p:nvPr>
+        </p:nvSpPr>
+        <p:spPr/>
+        <p:txBody>
+          <a:bodyPr/>
+          <a:lstStyle/>
+          <a:p>
+            <a:r>
+              <a:rPr lang="en-US" dirty="0">
+                <a:latin typeface="Arial" panose="020B0604020202020204" pitchFamily="34" charset="0"/>
+                <a:cs typeface="Arial" panose="020B0604020202020204" pitchFamily="34" charset="0"/>
+              </a:rPr>
+              <a:t>Test request: </a:t>
+            </a:r>
+            <a:r>
+              <a:rPr lang="en-US" dirty="0">
+                <a:latin typeface="Arial" panose="020B0604020202020204" pitchFamily="34" charset="0"/>
+                <a:cs typeface="Arial" panose="020B0604020202020204" pitchFamily="34" charset="0"/>
+                <a:hlinkClick r:id="rId2"/>
+              </a:rPr>
+              <a:t>http://</a:t>
+            </a:r>
+            <a:r>
+              <a:rPr lang="en-US" dirty="0" smtClean="0">
+                <a:latin typeface="Arial" panose="020B0604020202020204" pitchFamily="34" charset="0"/>
+                <a:cs typeface="Arial" panose="020B0604020202020204" pitchFamily="34" charset="0"/>
+                <a:hlinkClick r:id="rId2"/>
+              </a:rPr>
+              <a:t>localhost:8080/user/search</a:t>
+            </a:r>
+            <a:endParaRPr lang="en-US" dirty="0" smtClean="0">
+              <a:latin typeface="Arial" panose="020B0604020202020204" pitchFamily="34" charset="0"/>
+              <a:cs typeface="Arial" panose="020B0604020202020204" pitchFamily="34" charset="0"/>
+            </a:endParaRPr>
+          </a:p>
+          <a:p>
+            <a:r>
+              <a:rPr lang="en-US" dirty="0" smtClean="0">
+                <a:latin typeface="Arial" panose="020B0604020202020204" pitchFamily="34" charset="0"/>
+                <a:cs typeface="Arial" panose="020B0604020202020204" pitchFamily="34" charset="0"/>
+              </a:rPr>
+              <a:t>Trường hợp không có param name</a:t>
+            </a:r>
+          </a:p>
+          <a:p>
+            <a:endParaRPr lang="en-US" dirty="0" smtClean="0">
+              <a:latin typeface="Arial" panose="020B0604020202020204" pitchFamily="34" charset="0"/>
+              <a:cs typeface="Arial" panose="020B0604020202020204" pitchFamily="34" charset="0"/>
+            </a:endParaRPr>
+          </a:p>
+          <a:p>
+            <a:endParaRPr lang="en-US" dirty="0">
+              <a:latin typeface="Arial" panose="020B0604020202020204" pitchFamily="34" charset="0"/>
+              <a:cs typeface="Arial" panose="020B0604020202020204" pitchFamily="34" charset="0"/>
+            </a:endParaRPr>
+          </a:p>
+        </p:txBody>
+      </p:sp>
+      <p:pic>
+        <p:nvPicPr>
+          <p:cNvPr id="5" name="Picture 4"/>
+          <p:cNvPicPr>
+            <a:picLocks noChangeAspect="1"/>
+          </p:cNvPicPr>
+          <p:nvPr/>
+        </p:nvPicPr>
+        <p:blipFill>
+          <a:blip r:embed="rId3"/>
+          <a:stretch>
+            <a:fillRect/>
+          </a:stretch>
+        </p:blipFill>
+        <p:spPr>
+          <a:xfrm>
+            <a:off x="1289999" y="2992188"/>
+            <a:ext cx="7371338" cy="3457163"/>
+          </a:xfrm>
+          <a:prstGeom prst="rect">
+            <a:avLst/>
+          </a:prstGeom>
+        </p:spPr>
+      </p:pic>
+    </p:spTree>
+    <p:extLst>
+      <p:ext uri="{BB962C8B-B14F-4D97-AF65-F5344CB8AC3E}">
+        <p14:creationId xmlns:p14="http://schemas.microsoft.com/office/powerpoint/2010/main" val="3796455082"/>
+      </p:ext>
+    </p:extLst>
+  </p:cSld>
+  <p:clrMapOvr>
+    <a:masterClrMapping/>
+  </p:clrMapOvr>
+</p:sld>
+</file>
+
+<file path=ppt/slides/slide46.xml><?xml version="1.0" encoding="utf-8"?>
+<p:sld xmlns:a="http://schemas.openxmlformats.org/drawingml/2006/main" xmlns:r="http://schemas.openxmlformats.org/officeDocument/2006/relationships" xmlns:p="http://schemas.openxmlformats.org/presentationml/2006/main">
+  <p:cSld>
+    <p:spTree>
+      <p:nvGrpSpPr>
+        <p:cNvPr id="1" name=""/>
+        <p:cNvGrpSpPr/>
+        <p:nvPr/>
+      </p:nvGrpSpPr>
+      <p:grpSpPr>
+        <a:xfrm>
+          <a:off x="0" y="0"/>
+          <a:ext cx="0" cy="0"/>
+          <a:chOff x="0" y="0"/>
+          <a:chExt cx="0" cy="0"/>
+        </a:xfrm>
+      </p:grpSpPr>
+      <p:sp>
+        <p:nvSpPr>
+          <p:cNvPr id="2" name="Title 1"/>
+          <p:cNvSpPr>
+            <a:spLocks noGrp="1"/>
+          </p:cNvSpPr>
+          <p:nvPr>
+            <p:ph type="title"/>
+          </p:nvPr>
+        </p:nvSpPr>
+        <p:spPr/>
+        <p:txBody>
+          <a:bodyPr/>
+          <a:lstStyle/>
+          <a:p>
+            <a:r>
+              <a:rPr lang="en-US" dirty="0" smtClean="0">
+                <a:latin typeface="Arial" panose="020B0604020202020204" pitchFamily="34" charset="0"/>
+                <a:cs typeface="Arial" panose="020B0604020202020204" pitchFamily="34" charset="0"/>
+              </a:rPr>
+              <a:t>Search User</a:t>
+            </a:r>
+            <a:endParaRPr lang="en-US" dirty="0">
+              <a:latin typeface="Arial" panose="020B0604020202020204" pitchFamily="34" charset="0"/>
+              <a:cs typeface="Arial" panose="020B0604020202020204" pitchFamily="34" charset="0"/>
+            </a:endParaRPr>
+          </a:p>
+        </p:txBody>
+      </p:sp>
+      <p:sp>
+        <p:nvSpPr>
+          <p:cNvPr id="3" name="Content Placeholder 2"/>
+          <p:cNvSpPr>
+            <a:spLocks noGrp="1"/>
+          </p:cNvSpPr>
+          <p:nvPr>
+            <p:ph idx="1"/>
+          </p:nvPr>
+        </p:nvSpPr>
+        <p:spPr/>
+        <p:txBody>
+          <a:bodyPr/>
+          <a:lstStyle/>
+          <a:p>
+            <a:r>
+              <a:rPr lang="en-US" dirty="0" smtClean="0">
+                <a:latin typeface="Arial" panose="020B0604020202020204" pitchFamily="34" charset="0"/>
+                <a:cs typeface="Arial" panose="020B0604020202020204" pitchFamily="34" charset="0"/>
+              </a:rPr>
+              <a:t>Báo lỗi parameter 'name‘ phải có</a:t>
+            </a:r>
+          </a:p>
+          <a:p>
+            <a:endParaRPr lang="en-US" dirty="0" smtClean="0">
+              <a:latin typeface="Arial" panose="020B0604020202020204" pitchFamily="34" charset="0"/>
+              <a:cs typeface="Arial" panose="020B0604020202020204" pitchFamily="34" charset="0"/>
+            </a:endParaRPr>
+          </a:p>
+          <a:p>
+            <a:r>
+              <a:rPr lang="en-US" dirty="0">
+                <a:latin typeface="Arial" panose="020B0604020202020204" pitchFamily="34" charset="0"/>
+                <a:cs typeface="Arial" panose="020B0604020202020204" pitchFamily="34" charset="0"/>
+              </a:rPr>
+              <a:t>Để khắc phục thì ra thêm required = false cho @RequestParam</a:t>
+            </a:r>
+            <a:endParaRPr lang="en-US" dirty="0" smtClean="0">
+              <a:latin typeface="Arial" panose="020B0604020202020204" pitchFamily="34" charset="0"/>
+              <a:cs typeface="Arial" panose="020B0604020202020204" pitchFamily="34" charset="0"/>
+            </a:endParaRPr>
+          </a:p>
+          <a:p>
+            <a:endParaRPr lang="en-US" dirty="0" smtClean="0">
+              <a:latin typeface="Arial" panose="020B0604020202020204" pitchFamily="34" charset="0"/>
+              <a:cs typeface="Arial" panose="020B0604020202020204" pitchFamily="34" charset="0"/>
+            </a:endParaRPr>
+          </a:p>
+          <a:p>
+            <a:endParaRPr lang="en-US" dirty="0">
+              <a:latin typeface="Arial" panose="020B0604020202020204" pitchFamily="34" charset="0"/>
+              <a:cs typeface="Arial" panose="020B0604020202020204" pitchFamily="34" charset="0"/>
+            </a:endParaRPr>
+          </a:p>
+        </p:txBody>
+      </p:sp>
+      <p:pic>
+        <p:nvPicPr>
+          <p:cNvPr id="4" name="Picture 3"/>
+          <p:cNvPicPr>
+            <a:picLocks noChangeAspect="1"/>
+          </p:cNvPicPr>
+          <p:nvPr/>
+        </p:nvPicPr>
+        <p:blipFill>
+          <a:blip r:embed="rId2"/>
+          <a:stretch>
+            <a:fillRect/>
+          </a:stretch>
+        </p:blipFill>
+        <p:spPr>
+          <a:xfrm>
+            <a:off x="1106487" y="3378200"/>
+            <a:ext cx="5876925" cy="1028700"/>
+          </a:xfrm>
+          <a:prstGeom prst="rect">
+            <a:avLst/>
+          </a:prstGeom>
+        </p:spPr>
+      </p:pic>
+    </p:spTree>
+    <p:extLst>
+      <p:ext uri="{BB962C8B-B14F-4D97-AF65-F5344CB8AC3E}">
+        <p14:creationId xmlns:p14="http://schemas.microsoft.com/office/powerpoint/2010/main" val="1913414985"/>
+      </p:ext>
+    </p:extLst>
+  </p:cSld>
+  <p:clrMapOvr>
+    <a:masterClrMapping/>
+  </p:clrMapOvr>
+</p:sld>
+</file>
+
+<file path=ppt/slides/slide47.xml><?xml version="1.0" encoding="utf-8"?>
+<p:sld xmlns:a="http://schemas.openxmlformats.org/drawingml/2006/main" xmlns:r="http://schemas.openxmlformats.org/officeDocument/2006/relationships" xmlns:p="http://schemas.openxmlformats.org/presentationml/2006/main">
+  <p:cSld>
+    <p:spTree>
+      <p:nvGrpSpPr>
+        <p:cNvPr id="1" name=""/>
+        <p:cNvGrpSpPr/>
+        <p:nvPr/>
+      </p:nvGrpSpPr>
+      <p:grpSpPr>
+        <a:xfrm>
+          <a:off x="0" y="0"/>
+          <a:ext cx="0" cy="0"/>
+          <a:chOff x="0" y="0"/>
+          <a:chExt cx="0" cy="0"/>
+        </a:xfrm>
+      </p:grpSpPr>
+      <p:sp>
+        <p:nvSpPr>
+          <p:cNvPr id="2" name="Title 1"/>
+          <p:cNvSpPr>
+            <a:spLocks noGrp="1"/>
+          </p:cNvSpPr>
+          <p:nvPr>
+            <p:ph type="title"/>
+          </p:nvPr>
+        </p:nvSpPr>
+        <p:spPr/>
+        <p:txBody>
+          <a:bodyPr/>
+          <a:lstStyle/>
+          <a:p>
+            <a:r>
+              <a:rPr lang="en-US" dirty="0" smtClean="0">
+                <a:latin typeface="Arial" panose="020B0604020202020204" pitchFamily="34" charset="0"/>
+                <a:cs typeface="Arial" panose="020B0604020202020204" pitchFamily="34" charset="0"/>
+              </a:rPr>
+              <a:t>Search User</a:t>
+            </a:r>
+            <a:endParaRPr lang="en-US" dirty="0">
+              <a:latin typeface="Arial" panose="020B0604020202020204" pitchFamily="34" charset="0"/>
+              <a:cs typeface="Arial" panose="020B0604020202020204" pitchFamily="34" charset="0"/>
+            </a:endParaRPr>
+          </a:p>
+        </p:txBody>
+      </p:sp>
+      <p:sp>
+        <p:nvSpPr>
+          <p:cNvPr id="3" name="Content Placeholder 2"/>
+          <p:cNvSpPr>
+            <a:spLocks noGrp="1"/>
+          </p:cNvSpPr>
+          <p:nvPr>
+            <p:ph idx="1"/>
+          </p:nvPr>
+        </p:nvSpPr>
+        <p:spPr/>
+        <p:txBody>
+          <a:bodyPr/>
+          <a:lstStyle/>
+          <a:p>
+            <a:r>
+              <a:rPr lang="en-US" dirty="0" smtClean="0">
+                <a:latin typeface="Arial" panose="020B0604020202020204" pitchFamily="34" charset="0"/>
+                <a:cs typeface="Arial" panose="020B0604020202020204" pitchFamily="34" charset="0"/>
+              </a:rPr>
+              <a:t>Test lại </a:t>
+            </a:r>
+            <a:r>
+              <a:rPr lang="en-US" dirty="0">
+                <a:latin typeface="Arial" panose="020B0604020202020204" pitchFamily="34" charset="0"/>
+                <a:cs typeface="Arial" panose="020B0604020202020204" pitchFamily="34" charset="0"/>
+              </a:rPr>
+              <a:t>request: </a:t>
+            </a:r>
+            <a:r>
+              <a:rPr lang="en-US" dirty="0">
+                <a:latin typeface="Arial" panose="020B0604020202020204" pitchFamily="34" charset="0"/>
+                <a:cs typeface="Arial" panose="020B0604020202020204" pitchFamily="34" charset="0"/>
+                <a:hlinkClick r:id="rId2"/>
+              </a:rPr>
+              <a:t>http://</a:t>
+            </a:r>
+            <a:r>
+              <a:rPr lang="en-US" dirty="0" smtClean="0">
+                <a:latin typeface="Arial" panose="020B0604020202020204" pitchFamily="34" charset="0"/>
+                <a:cs typeface="Arial" panose="020B0604020202020204" pitchFamily="34" charset="0"/>
+                <a:hlinkClick r:id="rId2"/>
+              </a:rPr>
+              <a:t>localhost:8080/user/search</a:t>
+            </a:r>
+            <a:endParaRPr lang="en-US" dirty="0" smtClean="0">
+              <a:latin typeface="Arial" panose="020B0604020202020204" pitchFamily="34" charset="0"/>
+              <a:cs typeface="Arial" panose="020B0604020202020204" pitchFamily="34" charset="0"/>
+            </a:endParaRPr>
+          </a:p>
+          <a:p>
+            <a:endParaRPr lang="en-US" dirty="0" smtClean="0">
+              <a:latin typeface="Arial" panose="020B0604020202020204" pitchFamily="34" charset="0"/>
+              <a:cs typeface="Arial" panose="020B0604020202020204" pitchFamily="34" charset="0"/>
+            </a:endParaRPr>
+          </a:p>
+          <a:p>
+            <a:endParaRPr lang="en-US" dirty="0" smtClean="0">
+              <a:latin typeface="Arial" panose="020B0604020202020204" pitchFamily="34" charset="0"/>
+              <a:cs typeface="Arial" panose="020B0604020202020204" pitchFamily="34" charset="0"/>
+            </a:endParaRPr>
+          </a:p>
+          <a:p>
+            <a:endParaRPr lang="en-US" dirty="0">
+              <a:latin typeface="Arial" panose="020B0604020202020204" pitchFamily="34" charset="0"/>
+              <a:cs typeface="Arial" panose="020B0604020202020204" pitchFamily="34" charset="0"/>
+            </a:endParaRPr>
+          </a:p>
+        </p:txBody>
+      </p:sp>
+      <p:pic>
+        <p:nvPicPr>
+          <p:cNvPr id="4" name="Picture 3"/>
+          <p:cNvPicPr>
+            <a:picLocks noChangeAspect="1"/>
+          </p:cNvPicPr>
+          <p:nvPr/>
+        </p:nvPicPr>
+        <p:blipFill>
+          <a:blip r:embed="rId3"/>
+          <a:stretch>
+            <a:fillRect/>
+          </a:stretch>
+        </p:blipFill>
+        <p:spPr>
+          <a:xfrm>
+            <a:off x="1237484" y="2764530"/>
+            <a:ext cx="7387468" cy="3462541"/>
+          </a:xfrm>
+          <a:prstGeom prst="rect">
+            <a:avLst/>
+          </a:prstGeom>
+        </p:spPr>
+      </p:pic>
+    </p:spTree>
+    <p:extLst>
+      <p:ext uri="{BB962C8B-B14F-4D97-AF65-F5344CB8AC3E}">
+        <p14:creationId xmlns:p14="http://schemas.microsoft.com/office/powerpoint/2010/main" val="4045225054"/>
+      </p:ext>
+    </p:extLst>
+  </p:cSld>
+  <p:clrMapOvr>
+    <a:masterClrMapping/>
+  </p:clrMapOvr>
+</p:sld>
+</file>
+
+<file path=ppt/slides/slide48.xml><?xml version="1.0" encoding="utf-8"?>
+<p:sld xmlns:a="http://schemas.openxmlformats.org/drawingml/2006/main" xmlns:r="http://schemas.openxmlformats.org/officeDocument/2006/relationships" xmlns:p="http://schemas.openxmlformats.org/presentationml/2006/main">
+  <p:cSld>
+    <p:spTree>
+      <p:nvGrpSpPr>
+        <p:cNvPr id="1" name=""/>
+        <p:cNvGrpSpPr/>
+        <p:nvPr/>
+      </p:nvGrpSpPr>
+      <p:grpSpPr>
+        <a:xfrm>
+          <a:off x="0" y="0"/>
+          <a:ext cx="0" cy="0"/>
+          <a:chOff x="0" y="0"/>
+          <a:chExt cx="0" cy="0"/>
+        </a:xfrm>
+      </p:grpSpPr>
+      <p:sp>
+        <p:nvSpPr>
+          <p:cNvPr id="2" name="Title 1"/>
+          <p:cNvSpPr>
+            <a:spLocks noGrp="1"/>
+          </p:cNvSpPr>
+          <p:nvPr>
+            <p:ph type="title"/>
+          </p:nvPr>
+        </p:nvSpPr>
+        <p:spPr/>
+        <p:txBody>
+          <a:bodyPr/>
+          <a:lstStyle/>
+          <a:p>
+            <a:r>
+              <a:rPr lang="en-US" dirty="0" smtClean="0">
+                <a:latin typeface="Arial" panose="020B0604020202020204" pitchFamily="34" charset="0"/>
+                <a:cs typeface="Arial" panose="020B0604020202020204" pitchFamily="34" charset="0"/>
+              </a:rPr>
+              <a:t>Search User</a:t>
+            </a:r>
+            <a:endParaRPr lang="en-US" dirty="0">
+              <a:latin typeface="Arial" panose="020B0604020202020204" pitchFamily="34" charset="0"/>
+              <a:cs typeface="Arial" panose="020B0604020202020204" pitchFamily="34" charset="0"/>
+            </a:endParaRPr>
+          </a:p>
+        </p:txBody>
+      </p:sp>
+      <p:sp>
+        <p:nvSpPr>
+          <p:cNvPr id="3" name="Content Placeholder 2"/>
+          <p:cNvSpPr>
+            <a:spLocks noGrp="1"/>
+          </p:cNvSpPr>
+          <p:nvPr>
+            <p:ph idx="1"/>
+          </p:nvPr>
+        </p:nvSpPr>
+        <p:spPr/>
+        <p:txBody>
+          <a:bodyPr/>
+          <a:lstStyle/>
+          <a:p>
+            <a:r>
+              <a:rPr lang="en-US" dirty="0" smtClean="0">
+                <a:latin typeface="Arial" panose="020B0604020202020204" pitchFamily="34" charset="0"/>
+                <a:cs typeface="Arial" panose="020B0604020202020204" pitchFamily="34" charset="0"/>
+              </a:rPr>
+              <a:t>Báo lỗi do parameter 'name‘ bị </a:t>
+            </a:r>
+            <a:r>
+              <a:rPr lang="en-US" dirty="0">
+                <a:latin typeface="Arial" panose="020B0604020202020204" pitchFamily="34" charset="0"/>
+                <a:cs typeface="Arial" panose="020B0604020202020204" pitchFamily="34" charset="0"/>
+              </a:rPr>
+              <a:t>null </a:t>
+            </a:r>
+            <a:r>
+              <a:rPr lang="en-US" dirty="0" smtClean="0">
+                <a:latin typeface="Arial" panose="020B0604020202020204" pitchFamily="34" charset="0"/>
+                <a:cs typeface="Arial" panose="020B0604020202020204" pitchFamily="34" charset="0"/>
+              </a:rPr>
+              <a:t>nên xảy ra </a:t>
+            </a:r>
+            <a:r>
+              <a:rPr lang="en-US" dirty="0">
+                <a:latin typeface="Arial" panose="020B0604020202020204" pitchFamily="34" charset="0"/>
+                <a:cs typeface="Arial" panose="020B0604020202020204" pitchFamily="34" charset="0"/>
+              </a:rPr>
+              <a:t>NullPointerException</a:t>
+            </a:r>
+            <a:endParaRPr lang="en-US" dirty="0" smtClean="0">
+              <a:latin typeface="Arial" panose="020B0604020202020204" pitchFamily="34" charset="0"/>
+              <a:cs typeface="Arial" panose="020B0604020202020204" pitchFamily="34" charset="0"/>
+            </a:endParaRPr>
+          </a:p>
+          <a:p>
+            <a:endParaRPr lang="en-US" dirty="0" smtClean="0">
+              <a:latin typeface="Arial" panose="020B0604020202020204" pitchFamily="34" charset="0"/>
+              <a:cs typeface="Arial" panose="020B0604020202020204" pitchFamily="34" charset="0"/>
+            </a:endParaRPr>
+          </a:p>
+          <a:p>
+            <a:r>
+              <a:rPr lang="en-US" dirty="0" smtClean="0">
+                <a:latin typeface="Arial" panose="020B0604020202020204" pitchFamily="34" charset="0"/>
+                <a:cs typeface="Arial" panose="020B0604020202020204" pitchFamily="34" charset="0"/>
+              </a:rPr>
+              <a:t>Làm sao để khắc phục???</a:t>
+            </a:r>
+          </a:p>
+          <a:p>
+            <a:endParaRPr lang="en-US" dirty="0" smtClean="0">
+              <a:latin typeface="Arial" panose="020B0604020202020204" pitchFamily="34" charset="0"/>
+              <a:cs typeface="Arial" panose="020B0604020202020204" pitchFamily="34" charset="0"/>
+            </a:endParaRPr>
+          </a:p>
+          <a:p>
+            <a:endParaRPr lang="en-US" dirty="0">
+              <a:latin typeface="Arial" panose="020B0604020202020204" pitchFamily="34" charset="0"/>
+              <a:cs typeface="Arial" panose="020B0604020202020204" pitchFamily="34" charset="0"/>
+            </a:endParaRPr>
+          </a:p>
+        </p:txBody>
+      </p:sp>
+    </p:spTree>
+    <p:extLst>
+      <p:ext uri="{BB962C8B-B14F-4D97-AF65-F5344CB8AC3E}">
+        <p14:creationId xmlns:p14="http://schemas.microsoft.com/office/powerpoint/2010/main" val="460622309"/>
+      </p:ext>
+    </p:extLst>
+  </p:cSld>
+  <p:clrMapOvr>
+    <a:masterClrMapping/>
+  </p:clrMapOvr>
+</p:sld>
+</file>
+
+<file path=ppt/slides/slide49.xml><?xml version="1.0" encoding="utf-8"?>
+<p:sld xmlns:a="http://schemas.openxmlformats.org/drawingml/2006/main" xmlns:r="http://schemas.openxmlformats.org/officeDocument/2006/relationships" xmlns:p="http://schemas.openxmlformats.org/presentationml/2006/main">
+  <p:cSld>
+    <p:spTree>
+      <p:nvGrpSpPr>
+        <p:cNvPr id="1" name=""/>
+        <p:cNvGrpSpPr/>
+        <p:nvPr/>
+      </p:nvGrpSpPr>
+      <p:grpSpPr>
+        <a:xfrm>
+          <a:off x="0" y="0"/>
+          <a:ext cx="0" cy="0"/>
+          <a:chOff x="0" y="0"/>
+          <a:chExt cx="0" cy="0"/>
+        </a:xfrm>
+      </p:grpSpPr>
+      <p:sp>
+        <p:nvSpPr>
+          <p:cNvPr id="2" name="Title 1"/>
+          <p:cNvSpPr>
+            <a:spLocks noGrp="1"/>
+          </p:cNvSpPr>
+          <p:nvPr>
+            <p:ph type="title"/>
+          </p:nvPr>
+        </p:nvSpPr>
+        <p:spPr/>
+        <p:txBody>
+          <a:bodyPr/>
+          <a:lstStyle/>
+          <a:p>
+            <a:r>
+              <a:rPr lang="en-US" dirty="0" smtClean="0">
+                <a:latin typeface="Arial" panose="020B0604020202020204" pitchFamily="34" charset="0"/>
+                <a:cs typeface="Arial" panose="020B0604020202020204" pitchFamily="34" charset="0"/>
+              </a:rPr>
+              <a:t>Search User</a:t>
+            </a:r>
+            <a:endParaRPr lang="en-US" dirty="0">
+              <a:latin typeface="Arial" panose="020B0604020202020204" pitchFamily="34" charset="0"/>
+              <a:cs typeface="Arial" panose="020B0604020202020204" pitchFamily="34" charset="0"/>
+            </a:endParaRPr>
+          </a:p>
+        </p:txBody>
+      </p:sp>
+      <p:sp>
+        <p:nvSpPr>
+          <p:cNvPr id="3" name="Content Placeholder 2"/>
+          <p:cNvSpPr>
+            <a:spLocks noGrp="1"/>
+          </p:cNvSpPr>
+          <p:nvPr>
+            <p:ph idx="1"/>
+          </p:nvPr>
+        </p:nvSpPr>
+        <p:spPr/>
+        <p:txBody>
+          <a:bodyPr/>
+          <a:lstStyle/>
+          <a:p>
+            <a:r>
+              <a:rPr lang="en-US" dirty="0" smtClean="0">
+                <a:latin typeface="Arial" panose="020B0604020202020204" pitchFamily="34" charset="0"/>
+                <a:cs typeface="Arial" panose="020B0604020202020204" pitchFamily="34" charset="0"/>
+              </a:rPr>
+              <a:t>Để khắc phục thì ta sẽ thêm giá trị mặc định cho param bằng cách:</a:t>
+            </a:r>
+          </a:p>
+          <a:p>
+            <a:endParaRPr lang="en-US" dirty="0">
+              <a:latin typeface="Arial" panose="020B0604020202020204" pitchFamily="34" charset="0"/>
+              <a:cs typeface="Arial" panose="020B0604020202020204" pitchFamily="34" charset="0"/>
+            </a:endParaRPr>
+          </a:p>
+          <a:p>
+            <a:r>
+              <a:rPr lang="en-US" dirty="0">
+                <a:latin typeface="Arial" panose="020B0604020202020204" pitchFamily="34" charset="0"/>
+                <a:cs typeface="Arial" panose="020B0604020202020204" pitchFamily="34" charset="0"/>
+              </a:rPr>
+              <a:t>Thêm defaultValue = </a:t>
+            </a:r>
+            <a:r>
+              <a:rPr lang="en-US" dirty="0" smtClean="0">
+                <a:latin typeface="Arial" panose="020B0604020202020204" pitchFamily="34" charset="0"/>
+                <a:cs typeface="Arial" panose="020B0604020202020204" pitchFamily="34" charset="0"/>
+              </a:rPr>
+              <a:t>“” </a:t>
+            </a:r>
+            <a:r>
+              <a:rPr lang="en-US" dirty="0">
+                <a:latin typeface="Arial" panose="020B0604020202020204" pitchFamily="34" charset="0"/>
+                <a:cs typeface="Arial" panose="020B0604020202020204" pitchFamily="34" charset="0"/>
+              </a:rPr>
+              <a:t>cho @RequestParam</a:t>
+            </a:r>
+            <a:endParaRPr lang="en-US" dirty="0" smtClean="0">
+              <a:latin typeface="Arial" panose="020B0604020202020204" pitchFamily="34" charset="0"/>
+              <a:cs typeface="Arial" panose="020B0604020202020204" pitchFamily="34" charset="0"/>
+            </a:endParaRPr>
+          </a:p>
+          <a:p>
+            <a:endParaRPr lang="en-US" dirty="0" smtClean="0">
+              <a:latin typeface="Arial" panose="020B0604020202020204" pitchFamily="34" charset="0"/>
+              <a:cs typeface="Arial" panose="020B0604020202020204" pitchFamily="34" charset="0"/>
+            </a:endParaRPr>
+          </a:p>
+          <a:p>
+            <a:endParaRPr lang="en-US" dirty="0">
+              <a:latin typeface="Arial" panose="020B0604020202020204" pitchFamily="34" charset="0"/>
+              <a:cs typeface="Arial" panose="020B0604020202020204" pitchFamily="34" charset="0"/>
+            </a:endParaRPr>
+          </a:p>
+        </p:txBody>
+      </p:sp>
+      <p:pic>
+        <p:nvPicPr>
+          <p:cNvPr id="4" name="Picture 3"/>
+          <p:cNvPicPr>
+            <a:picLocks noChangeAspect="1"/>
+          </p:cNvPicPr>
+          <p:nvPr/>
+        </p:nvPicPr>
+        <p:blipFill>
+          <a:blip r:embed="rId2"/>
+          <a:stretch>
+            <a:fillRect/>
+          </a:stretch>
+        </p:blipFill>
+        <p:spPr>
+          <a:xfrm>
+            <a:off x="1103312" y="3591387"/>
+            <a:ext cx="7343775" cy="1019175"/>
+          </a:xfrm>
+          <a:prstGeom prst="rect">
+            <a:avLst/>
+          </a:prstGeom>
+        </p:spPr>
+      </p:pic>
+    </p:spTree>
+    <p:extLst>
+      <p:ext uri="{BB962C8B-B14F-4D97-AF65-F5344CB8AC3E}">
+        <p14:creationId xmlns:p14="http://schemas.microsoft.com/office/powerpoint/2010/main" val="1821645221"/>
+      </p:ext>
+    </p:extLst>
+  </p:cSld>
+  <p:clrMapOvr>
+    <a:masterClrMapping/>
+  </p:clrMapOvr>
+</p:sld>
+</file>
+
 <file path=ppt/slides/slide5.xml><?xml version="1.0" encoding="utf-8"?>
 <p:sld xmlns:a="http://schemas.openxmlformats.org/drawingml/2006/main" xmlns:r="http://schemas.openxmlformats.org/officeDocument/2006/relationships" xmlns:p="http://schemas.openxmlformats.org/presentationml/2006/main">
   <p:cSld>
@@ -12456,6 +13990,1444 @@
     <p:extLst>
       <p:ext uri="{BB962C8B-B14F-4D97-AF65-F5344CB8AC3E}">
         <p14:creationId xmlns:p14="http://schemas.microsoft.com/office/powerpoint/2010/main" val="1721445047"/>
+      </p:ext>
+    </p:extLst>
+  </p:cSld>
+  <p:clrMapOvr>
+    <a:masterClrMapping/>
+  </p:clrMapOvr>
+</p:sld>
+</file>
+
+<file path=ppt/slides/slide50.xml><?xml version="1.0" encoding="utf-8"?>
+<p:sld xmlns:a="http://schemas.openxmlformats.org/drawingml/2006/main" xmlns:r="http://schemas.openxmlformats.org/officeDocument/2006/relationships" xmlns:p="http://schemas.openxmlformats.org/presentationml/2006/main">
+  <p:cSld>
+    <p:spTree>
+      <p:nvGrpSpPr>
+        <p:cNvPr id="1" name=""/>
+        <p:cNvGrpSpPr/>
+        <p:nvPr/>
+      </p:nvGrpSpPr>
+      <p:grpSpPr>
+        <a:xfrm>
+          <a:off x="0" y="0"/>
+          <a:ext cx="0" cy="0"/>
+          <a:chOff x="0" y="0"/>
+          <a:chExt cx="0" cy="0"/>
+        </a:xfrm>
+      </p:grpSpPr>
+      <p:sp>
+        <p:nvSpPr>
+          <p:cNvPr id="2" name="Title 1"/>
+          <p:cNvSpPr>
+            <a:spLocks noGrp="1"/>
+          </p:cNvSpPr>
+          <p:nvPr>
+            <p:ph type="title"/>
+          </p:nvPr>
+        </p:nvSpPr>
+        <p:spPr/>
+        <p:txBody>
+          <a:bodyPr/>
+          <a:lstStyle/>
+          <a:p>
+            <a:r>
+              <a:rPr lang="en-US" dirty="0">
+                <a:latin typeface="Arial" panose="020B0604020202020204" pitchFamily="34" charset="0"/>
+                <a:cs typeface="Arial" panose="020B0604020202020204" pitchFamily="34" charset="0"/>
+              </a:rPr>
+              <a:t>RequestParam</a:t>
+            </a:r>
+            <a:endParaRPr lang="en-US" dirty="0">
+              <a:latin typeface="Arial" panose="020B0604020202020204" pitchFamily="34" charset="0"/>
+              <a:cs typeface="Arial" panose="020B0604020202020204" pitchFamily="34" charset="0"/>
+            </a:endParaRPr>
+          </a:p>
+        </p:txBody>
+      </p:sp>
+      <p:sp>
+        <p:nvSpPr>
+          <p:cNvPr id="3" name="Content Placeholder 2"/>
+          <p:cNvSpPr>
+            <a:spLocks noGrp="1"/>
+          </p:cNvSpPr>
+          <p:nvPr>
+            <p:ph idx="1"/>
+          </p:nvPr>
+        </p:nvSpPr>
+        <p:spPr/>
+        <p:txBody>
+          <a:bodyPr>
+            <a:normAutofit/>
+          </a:bodyPr>
+          <a:lstStyle/>
+          <a:p>
+            <a:r>
+              <a:rPr lang="en-US" dirty="0" smtClean="0">
+                <a:latin typeface="Arial" panose="020B0604020202020204" pitchFamily="34" charset="0"/>
+                <a:cs typeface="Arial" panose="020B0604020202020204" pitchFamily="34" charset="0"/>
+              </a:rPr>
+              <a:t>Ở đây chúng ta có thêm 1 khái niệm mới </a:t>
+            </a:r>
+            <a:r>
+              <a:rPr lang="en-US" dirty="0">
+                <a:latin typeface="Arial" panose="020B0604020202020204" pitchFamily="34" charset="0"/>
+                <a:cs typeface="Arial" panose="020B0604020202020204" pitchFamily="34" charset="0"/>
+              </a:rPr>
+              <a:t>là </a:t>
+            </a:r>
+            <a:r>
+              <a:rPr lang="en-US" dirty="0">
+                <a:solidFill>
+                  <a:srgbClr val="FFC000"/>
+                </a:solidFill>
+                <a:latin typeface="Arial" panose="020B0604020202020204" pitchFamily="34" charset="0"/>
+                <a:cs typeface="Arial" panose="020B0604020202020204" pitchFamily="34" charset="0"/>
+              </a:rPr>
+              <a:t>@RequestParam</a:t>
+            </a:r>
+            <a:r>
+              <a:rPr lang="en-US" dirty="0">
+                <a:latin typeface="Arial" panose="020B0604020202020204" pitchFamily="34" charset="0"/>
+                <a:cs typeface="Arial" panose="020B0604020202020204" pitchFamily="34" charset="0"/>
+              </a:rPr>
+              <a:t>, </a:t>
+            </a:r>
+            <a:r>
+              <a:rPr lang="en-US" dirty="0" smtClean="0">
+                <a:latin typeface="Arial" panose="020B0604020202020204" pitchFamily="34" charset="0"/>
+                <a:cs typeface="Arial" panose="020B0604020202020204" pitchFamily="34" charset="0"/>
+              </a:rPr>
+              <a:t>nó là gì?</a:t>
+            </a:r>
+          </a:p>
+          <a:p>
+            <a:endParaRPr lang="en-US" dirty="0" smtClean="0">
+              <a:latin typeface="Arial" panose="020B0604020202020204" pitchFamily="34" charset="0"/>
+              <a:cs typeface="Arial" panose="020B0604020202020204" pitchFamily="34" charset="0"/>
+            </a:endParaRPr>
+          </a:p>
+          <a:p>
+            <a:r>
+              <a:rPr lang="en-US" dirty="0">
+                <a:solidFill>
+                  <a:srgbClr val="FFC000"/>
+                </a:solidFill>
+                <a:latin typeface="Arial" panose="020B0604020202020204" pitchFamily="34" charset="0"/>
+                <a:cs typeface="Arial" panose="020B0604020202020204" pitchFamily="34" charset="0"/>
+              </a:rPr>
+              <a:t>@RequestParam</a:t>
+            </a:r>
+            <a:r>
+              <a:rPr lang="en-US" dirty="0" smtClean="0">
+                <a:solidFill>
+                  <a:srgbClr val="FFC000"/>
+                </a:solidFill>
+                <a:latin typeface="Arial" panose="020B0604020202020204" pitchFamily="34" charset="0"/>
+                <a:cs typeface="Arial" panose="020B0604020202020204" pitchFamily="34" charset="0"/>
+              </a:rPr>
+              <a:t> </a:t>
+            </a:r>
+            <a:r>
+              <a:rPr lang="vi-VN" dirty="0">
+                <a:cs typeface="Arial" panose="020B0604020202020204" pitchFamily="34" charset="0"/>
+              </a:rPr>
+              <a:t>là một annotation được sử dụng để trích xuất các tham số từ yêu cầu HTTP (thường là từ URL query parameters) và ánh xạ chúng tới các tham số của phương </a:t>
+            </a:r>
+            <a:r>
+              <a:rPr lang="vi-VN" dirty="0" smtClean="0">
+                <a:cs typeface="Arial" panose="020B0604020202020204" pitchFamily="34" charset="0"/>
+              </a:rPr>
+              <a:t>thức.</a:t>
+            </a:r>
+            <a:endParaRPr lang="en-US" dirty="0" smtClean="0">
+              <a:cs typeface="Arial" panose="020B0604020202020204" pitchFamily="34" charset="0"/>
+            </a:endParaRPr>
+          </a:p>
+          <a:p>
+            <a:endParaRPr lang="en-US" dirty="0">
+              <a:latin typeface="Arial" panose="020B0604020202020204" pitchFamily="34" charset="0"/>
+              <a:cs typeface="Arial" panose="020B0604020202020204" pitchFamily="34" charset="0"/>
+            </a:endParaRPr>
+          </a:p>
+          <a:p>
+            <a:r>
+              <a:rPr lang="en-US" dirty="0" smtClean="0">
+                <a:latin typeface="Arial" panose="020B0604020202020204" pitchFamily="34" charset="0"/>
+                <a:cs typeface="Arial" panose="020B0604020202020204" pitchFamily="34" charset="0"/>
+              </a:rPr>
+              <a:t>Nếu muốn đặt tên khác tham số thì ta sử dụng value:</a:t>
+            </a:r>
+            <a:endParaRPr lang="en-US" dirty="0">
+              <a:latin typeface="Arial" panose="020B0604020202020204" pitchFamily="34" charset="0"/>
+              <a:cs typeface="Arial" panose="020B0604020202020204" pitchFamily="34" charset="0"/>
+            </a:endParaRPr>
+          </a:p>
+        </p:txBody>
+      </p:sp>
+      <p:pic>
+        <p:nvPicPr>
+          <p:cNvPr id="4" name="Picture 3"/>
+          <p:cNvPicPr>
+            <a:picLocks noChangeAspect="1"/>
+          </p:cNvPicPr>
+          <p:nvPr/>
+        </p:nvPicPr>
+        <p:blipFill>
+          <a:blip r:embed="rId2"/>
+          <a:stretch>
+            <a:fillRect/>
+          </a:stretch>
+        </p:blipFill>
+        <p:spPr>
+          <a:xfrm>
+            <a:off x="1092148" y="4747124"/>
+            <a:ext cx="7226405" cy="881653"/>
+          </a:xfrm>
+          <a:prstGeom prst="rect">
+            <a:avLst/>
+          </a:prstGeom>
+        </p:spPr>
+      </p:pic>
+    </p:spTree>
+    <p:extLst>
+      <p:ext uri="{BB962C8B-B14F-4D97-AF65-F5344CB8AC3E}">
+        <p14:creationId xmlns:p14="http://schemas.microsoft.com/office/powerpoint/2010/main" val="506993397"/>
+      </p:ext>
+    </p:extLst>
+  </p:cSld>
+  <p:clrMapOvr>
+    <a:masterClrMapping/>
+  </p:clrMapOvr>
+</p:sld>
+</file>
+
+<file path=ppt/slides/slide51.xml><?xml version="1.0" encoding="utf-8"?>
+<p:sld xmlns:a="http://schemas.openxmlformats.org/drawingml/2006/main" xmlns:r="http://schemas.openxmlformats.org/officeDocument/2006/relationships" xmlns:p="http://schemas.openxmlformats.org/presentationml/2006/main">
+  <p:cSld>
+    <p:spTree>
+      <p:nvGrpSpPr>
+        <p:cNvPr id="1" name=""/>
+        <p:cNvGrpSpPr/>
+        <p:nvPr/>
+      </p:nvGrpSpPr>
+      <p:grpSpPr>
+        <a:xfrm>
+          <a:off x="0" y="0"/>
+          <a:ext cx="0" cy="0"/>
+          <a:chOff x="0" y="0"/>
+          <a:chExt cx="0" cy="0"/>
+        </a:xfrm>
+      </p:grpSpPr>
+      <p:sp>
+        <p:nvSpPr>
+          <p:cNvPr id="2" name="Title 1"/>
+          <p:cNvSpPr>
+            <a:spLocks noGrp="1"/>
+          </p:cNvSpPr>
+          <p:nvPr>
+            <p:ph type="title"/>
+          </p:nvPr>
+        </p:nvSpPr>
+        <p:spPr/>
+        <p:txBody>
+          <a:bodyPr/>
+          <a:lstStyle/>
+          <a:p>
+            <a:r>
+              <a:rPr lang="en-US" dirty="0">
+                <a:latin typeface="Arial" panose="020B0604020202020204" pitchFamily="34" charset="0"/>
+                <a:cs typeface="Arial" panose="020B0604020202020204" pitchFamily="34" charset="0"/>
+              </a:rPr>
+              <a:t>RequestParam</a:t>
+            </a:r>
+            <a:endParaRPr lang="en-US" dirty="0">
+              <a:latin typeface="Arial" panose="020B0604020202020204" pitchFamily="34" charset="0"/>
+              <a:cs typeface="Arial" panose="020B0604020202020204" pitchFamily="34" charset="0"/>
+            </a:endParaRPr>
+          </a:p>
+        </p:txBody>
+      </p:sp>
+      <p:sp>
+        <p:nvSpPr>
+          <p:cNvPr id="3" name="Content Placeholder 2"/>
+          <p:cNvSpPr>
+            <a:spLocks noGrp="1"/>
+          </p:cNvSpPr>
+          <p:nvPr>
+            <p:ph idx="1"/>
+          </p:nvPr>
+        </p:nvSpPr>
+        <p:spPr/>
+        <p:txBody>
+          <a:bodyPr>
+            <a:normAutofit/>
+          </a:bodyPr>
+          <a:lstStyle/>
+          <a:p>
+            <a:r>
+              <a:rPr lang="en-US" dirty="0" smtClean="0">
+                <a:latin typeface="Arial" panose="020B0604020202020204" pitchFamily="34" charset="0"/>
+                <a:cs typeface="Arial" panose="020B0604020202020204" pitchFamily="34" charset="0"/>
+              </a:rPr>
+              <a:t>Trường hợp nhiều param</a:t>
+            </a:r>
+            <a:endParaRPr lang="en-US" dirty="0">
+              <a:latin typeface="Arial" panose="020B0604020202020204" pitchFamily="34" charset="0"/>
+              <a:cs typeface="Arial" panose="020B0604020202020204" pitchFamily="34" charset="0"/>
+            </a:endParaRPr>
+          </a:p>
+        </p:txBody>
+      </p:sp>
+      <p:pic>
+        <p:nvPicPr>
+          <p:cNvPr id="5" name="Picture 4"/>
+          <p:cNvPicPr>
+            <a:picLocks noChangeAspect="1"/>
+          </p:cNvPicPr>
+          <p:nvPr/>
+        </p:nvPicPr>
+        <p:blipFill>
+          <a:blip r:embed="rId2"/>
+          <a:stretch>
+            <a:fillRect/>
+          </a:stretch>
+        </p:blipFill>
+        <p:spPr>
+          <a:xfrm>
+            <a:off x="1077912" y="2597150"/>
+            <a:ext cx="6391275" cy="1219200"/>
+          </a:xfrm>
+          <a:prstGeom prst="rect">
+            <a:avLst/>
+          </a:prstGeom>
+        </p:spPr>
+      </p:pic>
+    </p:spTree>
+    <p:extLst>
+      <p:ext uri="{BB962C8B-B14F-4D97-AF65-F5344CB8AC3E}">
+        <p14:creationId xmlns:p14="http://schemas.microsoft.com/office/powerpoint/2010/main" val="1880342208"/>
+      </p:ext>
+    </p:extLst>
+  </p:cSld>
+  <p:clrMapOvr>
+    <a:masterClrMapping/>
+  </p:clrMapOvr>
+</p:sld>
+</file>
+
+<file path=ppt/slides/slide52.xml><?xml version="1.0" encoding="utf-8"?>
+<p:sld xmlns:a="http://schemas.openxmlformats.org/drawingml/2006/main" xmlns:r="http://schemas.openxmlformats.org/officeDocument/2006/relationships" xmlns:p="http://schemas.openxmlformats.org/presentationml/2006/main">
+  <p:cSld>
+    <p:spTree>
+      <p:nvGrpSpPr>
+        <p:cNvPr id="1" name=""/>
+        <p:cNvGrpSpPr/>
+        <p:nvPr/>
+      </p:nvGrpSpPr>
+      <p:grpSpPr>
+        <a:xfrm>
+          <a:off x="0" y="0"/>
+          <a:ext cx="0" cy="0"/>
+          <a:chOff x="0" y="0"/>
+          <a:chExt cx="0" cy="0"/>
+        </a:xfrm>
+      </p:grpSpPr>
+      <p:sp>
+        <p:nvSpPr>
+          <p:cNvPr id="2" name="Title 1"/>
+          <p:cNvSpPr>
+            <a:spLocks noGrp="1"/>
+          </p:cNvSpPr>
+          <p:nvPr>
+            <p:ph type="title"/>
+          </p:nvPr>
+        </p:nvSpPr>
+        <p:spPr/>
+        <p:txBody>
+          <a:bodyPr/>
+          <a:lstStyle/>
+          <a:p>
+            <a:r>
+              <a:rPr lang="en-US" dirty="0" smtClean="0">
+                <a:latin typeface="Arial" panose="020B0604020202020204" pitchFamily="34" charset="0"/>
+                <a:cs typeface="Arial" panose="020B0604020202020204" pitchFamily="34" charset="0"/>
+              </a:rPr>
+              <a:t>Add </a:t>
+            </a:r>
+            <a:r>
+              <a:rPr lang="en-US" dirty="0" smtClean="0">
+                <a:latin typeface="Arial" panose="020B0604020202020204" pitchFamily="34" charset="0"/>
+                <a:cs typeface="Arial" panose="020B0604020202020204" pitchFamily="34" charset="0"/>
+              </a:rPr>
+              <a:t>User</a:t>
+            </a:r>
+            <a:endParaRPr lang="en-US" dirty="0">
+              <a:latin typeface="Arial" panose="020B0604020202020204" pitchFamily="34" charset="0"/>
+              <a:cs typeface="Arial" panose="020B0604020202020204" pitchFamily="34" charset="0"/>
+            </a:endParaRPr>
+          </a:p>
+        </p:txBody>
+      </p:sp>
+      <p:sp>
+        <p:nvSpPr>
+          <p:cNvPr id="3" name="Content Placeholder 2"/>
+          <p:cNvSpPr>
+            <a:spLocks noGrp="1"/>
+          </p:cNvSpPr>
+          <p:nvPr>
+            <p:ph idx="1"/>
+          </p:nvPr>
+        </p:nvSpPr>
+        <p:spPr/>
+        <p:txBody>
+          <a:bodyPr/>
+          <a:lstStyle/>
+          <a:p>
+            <a:r>
+              <a:rPr lang="en-US" dirty="0">
+                <a:latin typeface="Arial" panose="020B0604020202020204" pitchFamily="34" charset="0"/>
+                <a:cs typeface="Arial" panose="020B0604020202020204" pitchFamily="34" charset="0"/>
+              </a:rPr>
+              <a:t>Step </a:t>
+            </a:r>
+            <a:r>
+              <a:rPr lang="en-US" dirty="0" smtClean="0">
+                <a:latin typeface="Arial" panose="020B0604020202020204" pitchFamily="34" charset="0"/>
+                <a:cs typeface="Arial" panose="020B0604020202020204" pitchFamily="34" charset="0"/>
+              </a:rPr>
+              <a:t>9: </a:t>
+            </a:r>
+            <a:r>
+              <a:rPr lang="en-US" dirty="0">
+                <a:latin typeface="Arial" panose="020B0604020202020204" pitchFamily="34" charset="0"/>
+                <a:cs typeface="Arial" panose="020B0604020202020204" pitchFamily="34" charset="0"/>
+              </a:rPr>
+              <a:t>Create api </a:t>
+            </a:r>
+            <a:r>
+              <a:rPr lang="en-US" dirty="0" smtClean="0">
+                <a:latin typeface="Arial" panose="020B0604020202020204" pitchFamily="34" charset="0"/>
+                <a:cs typeface="Arial" panose="020B0604020202020204" pitchFamily="34" charset="0"/>
+              </a:rPr>
+              <a:t>add </a:t>
+            </a:r>
+            <a:r>
+              <a:rPr lang="en-US" dirty="0">
+                <a:latin typeface="Arial" panose="020B0604020202020204" pitchFamily="34" charset="0"/>
+                <a:cs typeface="Arial" panose="020B0604020202020204" pitchFamily="34" charset="0"/>
+              </a:rPr>
+              <a:t>user</a:t>
+            </a:r>
+            <a:endParaRPr lang="en-US" dirty="0" smtClean="0">
+              <a:latin typeface="Arial" panose="020B0604020202020204" pitchFamily="34" charset="0"/>
+              <a:cs typeface="Arial" panose="020B0604020202020204" pitchFamily="34" charset="0"/>
+            </a:endParaRPr>
+          </a:p>
+          <a:p>
+            <a:endParaRPr lang="en-US" dirty="0" smtClean="0">
+              <a:latin typeface="Arial" panose="020B0604020202020204" pitchFamily="34" charset="0"/>
+              <a:cs typeface="Arial" panose="020B0604020202020204" pitchFamily="34" charset="0"/>
+            </a:endParaRPr>
+          </a:p>
+          <a:p>
+            <a:endParaRPr lang="en-US" dirty="0">
+              <a:latin typeface="Arial" panose="020B0604020202020204" pitchFamily="34" charset="0"/>
+              <a:cs typeface="Arial" panose="020B0604020202020204" pitchFamily="34" charset="0"/>
+            </a:endParaRPr>
+          </a:p>
+        </p:txBody>
+      </p:sp>
+      <p:pic>
+        <p:nvPicPr>
+          <p:cNvPr id="4" name="Picture 3"/>
+          <p:cNvPicPr>
+            <a:picLocks noChangeAspect="1"/>
+          </p:cNvPicPr>
+          <p:nvPr/>
+        </p:nvPicPr>
+        <p:blipFill>
+          <a:blip r:embed="rId2"/>
+          <a:stretch>
+            <a:fillRect/>
+          </a:stretch>
+        </p:blipFill>
+        <p:spPr>
+          <a:xfrm>
+            <a:off x="1123950" y="2587625"/>
+            <a:ext cx="3086100" cy="1009650"/>
+          </a:xfrm>
+          <a:prstGeom prst="rect">
+            <a:avLst/>
+          </a:prstGeom>
+        </p:spPr>
+      </p:pic>
+      <p:pic>
+        <p:nvPicPr>
+          <p:cNvPr id="5" name="Picture 4"/>
+          <p:cNvPicPr>
+            <a:picLocks noChangeAspect="1"/>
+          </p:cNvPicPr>
+          <p:nvPr/>
+        </p:nvPicPr>
+        <p:blipFill>
+          <a:blip r:embed="rId3"/>
+          <a:stretch>
+            <a:fillRect/>
+          </a:stretch>
+        </p:blipFill>
+        <p:spPr>
+          <a:xfrm>
+            <a:off x="1123950" y="3838243"/>
+            <a:ext cx="2600325" cy="981075"/>
+          </a:xfrm>
+          <a:prstGeom prst="rect">
+            <a:avLst/>
+          </a:prstGeom>
+        </p:spPr>
+      </p:pic>
+    </p:spTree>
+    <p:extLst>
+      <p:ext uri="{BB962C8B-B14F-4D97-AF65-F5344CB8AC3E}">
+        <p14:creationId xmlns:p14="http://schemas.microsoft.com/office/powerpoint/2010/main" val="3260894267"/>
+      </p:ext>
+    </p:extLst>
+  </p:cSld>
+  <p:clrMapOvr>
+    <a:masterClrMapping/>
+  </p:clrMapOvr>
+</p:sld>
+</file>
+
+<file path=ppt/slides/slide53.xml><?xml version="1.0" encoding="utf-8"?>
+<p:sld xmlns:a="http://schemas.openxmlformats.org/drawingml/2006/main" xmlns:r="http://schemas.openxmlformats.org/officeDocument/2006/relationships" xmlns:p="http://schemas.openxmlformats.org/presentationml/2006/main">
+  <p:cSld>
+    <p:spTree>
+      <p:nvGrpSpPr>
+        <p:cNvPr id="1" name=""/>
+        <p:cNvGrpSpPr/>
+        <p:nvPr/>
+      </p:nvGrpSpPr>
+      <p:grpSpPr>
+        <a:xfrm>
+          <a:off x="0" y="0"/>
+          <a:ext cx="0" cy="0"/>
+          <a:chOff x="0" y="0"/>
+          <a:chExt cx="0" cy="0"/>
+        </a:xfrm>
+      </p:grpSpPr>
+      <p:sp>
+        <p:nvSpPr>
+          <p:cNvPr id="2" name="Title 1"/>
+          <p:cNvSpPr>
+            <a:spLocks noGrp="1"/>
+          </p:cNvSpPr>
+          <p:nvPr>
+            <p:ph type="title"/>
+          </p:nvPr>
+        </p:nvSpPr>
+        <p:spPr/>
+        <p:txBody>
+          <a:bodyPr/>
+          <a:lstStyle/>
+          <a:p>
+            <a:r>
+              <a:rPr lang="en-US" dirty="0" smtClean="0">
+                <a:latin typeface="Arial" panose="020B0604020202020204" pitchFamily="34" charset="0"/>
+                <a:cs typeface="Arial" panose="020B0604020202020204" pitchFamily="34" charset="0"/>
+              </a:rPr>
+              <a:t>Add </a:t>
+            </a:r>
+            <a:r>
+              <a:rPr lang="en-US" dirty="0" smtClean="0">
+                <a:latin typeface="Arial" panose="020B0604020202020204" pitchFamily="34" charset="0"/>
+                <a:cs typeface="Arial" panose="020B0604020202020204" pitchFamily="34" charset="0"/>
+              </a:rPr>
+              <a:t>User</a:t>
+            </a:r>
+            <a:endParaRPr lang="en-US" dirty="0">
+              <a:latin typeface="Arial" panose="020B0604020202020204" pitchFamily="34" charset="0"/>
+              <a:cs typeface="Arial" panose="020B0604020202020204" pitchFamily="34" charset="0"/>
+            </a:endParaRPr>
+          </a:p>
+        </p:txBody>
+      </p:sp>
+      <p:sp>
+        <p:nvSpPr>
+          <p:cNvPr id="3" name="Content Placeholder 2"/>
+          <p:cNvSpPr>
+            <a:spLocks noGrp="1"/>
+          </p:cNvSpPr>
+          <p:nvPr>
+            <p:ph idx="1"/>
+          </p:nvPr>
+        </p:nvSpPr>
+        <p:spPr/>
+        <p:txBody>
+          <a:bodyPr/>
+          <a:lstStyle/>
+          <a:p>
+            <a:r>
+              <a:rPr lang="en-US" dirty="0">
+                <a:latin typeface="Arial" panose="020B0604020202020204" pitchFamily="34" charset="0"/>
+                <a:cs typeface="Arial" panose="020B0604020202020204" pitchFamily="34" charset="0"/>
+              </a:rPr>
+              <a:t>Test thử API: </a:t>
+            </a:r>
+            <a:r>
+              <a:rPr lang="en-US" dirty="0">
+                <a:latin typeface="Arial" panose="020B0604020202020204" pitchFamily="34" charset="0"/>
+                <a:cs typeface="Arial" panose="020B0604020202020204" pitchFamily="34" charset="0"/>
+                <a:hlinkClick r:id="rId2"/>
+              </a:rPr>
+              <a:t>http://</a:t>
+            </a:r>
+            <a:r>
+              <a:rPr lang="en-US" dirty="0" smtClean="0">
+                <a:latin typeface="Arial" panose="020B0604020202020204" pitchFamily="34" charset="0"/>
+                <a:cs typeface="Arial" panose="020B0604020202020204" pitchFamily="34" charset="0"/>
+                <a:hlinkClick r:id="rId2"/>
+              </a:rPr>
+              <a:t>localhost:8080/user/add</a:t>
+            </a:r>
+            <a:endParaRPr lang="en-US" dirty="0" smtClean="0">
+              <a:latin typeface="Arial" panose="020B0604020202020204" pitchFamily="34" charset="0"/>
+              <a:cs typeface="Arial" panose="020B0604020202020204" pitchFamily="34" charset="0"/>
+            </a:endParaRPr>
+          </a:p>
+          <a:p>
+            <a:endParaRPr lang="en-US" dirty="0" smtClean="0">
+              <a:latin typeface="Arial" panose="020B0604020202020204" pitchFamily="34" charset="0"/>
+              <a:cs typeface="Arial" panose="020B0604020202020204" pitchFamily="34" charset="0"/>
+            </a:endParaRPr>
+          </a:p>
+          <a:p>
+            <a:endParaRPr lang="en-US" dirty="0" smtClean="0">
+              <a:latin typeface="Arial" panose="020B0604020202020204" pitchFamily="34" charset="0"/>
+              <a:cs typeface="Arial" panose="020B0604020202020204" pitchFamily="34" charset="0"/>
+            </a:endParaRPr>
+          </a:p>
+          <a:p>
+            <a:endParaRPr lang="en-US" dirty="0">
+              <a:latin typeface="Arial" panose="020B0604020202020204" pitchFamily="34" charset="0"/>
+              <a:cs typeface="Arial" panose="020B0604020202020204" pitchFamily="34" charset="0"/>
+            </a:endParaRPr>
+          </a:p>
+        </p:txBody>
+      </p:sp>
+      <p:pic>
+        <p:nvPicPr>
+          <p:cNvPr id="6" name="Picture 5"/>
+          <p:cNvPicPr>
+            <a:picLocks noChangeAspect="1"/>
+          </p:cNvPicPr>
+          <p:nvPr/>
+        </p:nvPicPr>
+        <p:blipFill>
+          <a:blip r:embed="rId3"/>
+          <a:stretch>
+            <a:fillRect/>
+          </a:stretch>
+        </p:blipFill>
+        <p:spPr>
+          <a:xfrm>
+            <a:off x="1271180" y="2578296"/>
+            <a:ext cx="7408975" cy="3860409"/>
+          </a:xfrm>
+          <a:prstGeom prst="rect">
+            <a:avLst/>
+          </a:prstGeom>
+        </p:spPr>
+      </p:pic>
+    </p:spTree>
+    <p:extLst>
+      <p:ext uri="{BB962C8B-B14F-4D97-AF65-F5344CB8AC3E}">
+        <p14:creationId xmlns:p14="http://schemas.microsoft.com/office/powerpoint/2010/main" val="751873965"/>
+      </p:ext>
+    </p:extLst>
+  </p:cSld>
+  <p:clrMapOvr>
+    <a:masterClrMapping/>
+  </p:clrMapOvr>
+</p:sld>
+</file>
+
+<file path=ppt/slides/slide54.xml><?xml version="1.0" encoding="utf-8"?>
+<p:sld xmlns:a="http://schemas.openxmlformats.org/drawingml/2006/main" xmlns:r="http://schemas.openxmlformats.org/officeDocument/2006/relationships" xmlns:p="http://schemas.openxmlformats.org/presentationml/2006/main">
+  <p:cSld>
+    <p:spTree>
+      <p:nvGrpSpPr>
+        <p:cNvPr id="1" name=""/>
+        <p:cNvGrpSpPr/>
+        <p:nvPr/>
+      </p:nvGrpSpPr>
+      <p:grpSpPr>
+        <a:xfrm>
+          <a:off x="0" y="0"/>
+          <a:ext cx="0" cy="0"/>
+          <a:chOff x="0" y="0"/>
+          <a:chExt cx="0" cy="0"/>
+        </a:xfrm>
+      </p:grpSpPr>
+      <p:sp>
+        <p:nvSpPr>
+          <p:cNvPr id="2" name="Title 1"/>
+          <p:cNvSpPr>
+            <a:spLocks noGrp="1"/>
+          </p:cNvSpPr>
+          <p:nvPr>
+            <p:ph type="title"/>
+          </p:nvPr>
+        </p:nvSpPr>
+        <p:spPr/>
+        <p:txBody>
+          <a:bodyPr/>
+          <a:lstStyle/>
+          <a:p>
+            <a:r>
+              <a:rPr lang="en-US" dirty="0">
+                <a:latin typeface="Arial" panose="020B0604020202020204" pitchFamily="34" charset="0"/>
+                <a:cs typeface="Arial" panose="020B0604020202020204" pitchFamily="34" charset="0"/>
+              </a:rPr>
+              <a:t>RequestBody</a:t>
+            </a:r>
+            <a:endParaRPr lang="en-US" dirty="0">
+              <a:latin typeface="Arial" panose="020B0604020202020204" pitchFamily="34" charset="0"/>
+              <a:cs typeface="Arial" panose="020B0604020202020204" pitchFamily="34" charset="0"/>
+            </a:endParaRPr>
+          </a:p>
+        </p:txBody>
+      </p:sp>
+      <p:sp>
+        <p:nvSpPr>
+          <p:cNvPr id="3" name="Content Placeholder 2"/>
+          <p:cNvSpPr>
+            <a:spLocks noGrp="1"/>
+          </p:cNvSpPr>
+          <p:nvPr>
+            <p:ph idx="1"/>
+          </p:nvPr>
+        </p:nvSpPr>
+        <p:spPr/>
+        <p:txBody>
+          <a:bodyPr>
+            <a:normAutofit/>
+          </a:bodyPr>
+          <a:lstStyle/>
+          <a:p>
+            <a:r>
+              <a:rPr lang="en-US" dirty="0" smtClean="0">
+                <a:latin typeface="Arial" panose="020B0604020202020204" pitchFamily="34" charset="0"/>
+                <a:cs typeface="Arial" panose="020B0604020202020204" pitchFamily="34" charset="0"/>
+              </a:rPr>
+              <a:t>Ở đây chúng ta có thêm 1 khái niệm mới </a:t>
+            </a:r>
+            <a:r>
+              <a:rPr lang="en-US" dirty="0">
+                <a:latin typeface="Arial" panose="020B0604020202020204" pitchFamily="34" charset="0"/>
+                <a:cs typeface="Arial" panose="020B0604020202020204" pitchFamily="34" charset="0"/>
+              </a:rPr>
+              <a:t>là </a:t>
+            </a:r>
+            <a:r>
+              <a:rPr lang="en-US" dirty="0">
+                <a:solidFill>
+                  <a:srgbClr val="FFC000"/>
+                </a:solidFill>
+                <a:latin typeface="Arial" panose="020B0604020202020204" pitchFamily="34" charset="0"/>
+                <a:cs typeface="Arial" panose="020B0604020202020204" pitchFamily="34" charset="0"/>
+              </a:rPr>
+              <a:t>@RequestBody</a:t>
+            </a:r>
+            <a:r>
+              <a:rPr lang="en-US" dirty="0" smtClean="0">
+                <a:latin typeface="Arial" panose="020B0604020202020204" pitchFamily="34" charset="0"/>
+                <a:cs typeface="Arial" panose="020B0604020202020204" pitchFamily="34" charset="0"/>
+              </a:rPr>
+              <a:t>, </a:t>
+            </a:r>
+            <a:r>
+              <a:rPr lang="en-US" dirty="0" smtClean="0">
+                <a:latin typeface="Arial" panose="020B0604020202020204" pitchFamily="34" charset="0"/>
+                <a:cs typeface="Arial" panose="020B0604020202020204" pitchFamily="34" charset="0"/>
+              </a:rPr>
+              <a:t>nó là gì?</a:t>
+            </a:r>
+          </a:p>
+          <a:p>
+            <a:endParaRPr lang="en-US" dirty="0" smtClean="0">
+              <a:latin typeface="Arial" panose="020B0604020202020204" pitchFamily="34" charset="0"/>
+              <a:cs typeface="Arial" panose="020B0604020202020204" pitchFamily="34" charset="0"/>
+            </a:endParaRPr>
+          </a:p>
+          <a:p>
+            <a:r>
+              <a:rPr lang="en-US" dirty="0" smtClean="0">
+                <a:solidFill>
+                  <a:srgbClr val="FFC000"/>
+                </a:solidFill>
+                <a:latin typeface="Arial" panose="020B0604020202020204" pitchFamily="34" charset="0"/>
+                <a:cs typeface="Arial" panose="020B0604020202020204" pitchFamily="34" charset="0"/>
+              </a:rPr>
+              <a:t>@RequestBody </a:t>
+            </a:r>
+            <a:r>
+              <a:rPr lang="vi-VN" dirty="0">
+                <a:latin typeface="Arial" panose="020B0604020202020204" pitchFamily="34" charset="0"/>
+                <a:cs typeface="Arial" panose="020B0604020202020204" pitchFamily="34" charset="0"/>
+              </a:rPr>
+              <a:t>là một annotation được sử dụng để ánh xạ và chuyển đổi nội dung của yêu cầu HTTP (thường là JSON) thành một đối tượng </a:t>
+            </a:r>
+            <a:r>
+              <a:rPr lang="vi-VN" dirty="0" smtClean="0">
+                <a:latin typeface="Arial" panose="020B0604020202020204" pitchFamily="34" charset="0"/>
+                <a:cs typeface="Arial" panose="020B0604020202020204" pitchFamily="34" charset="0"/>
+              </a:rPr>
+              <a:t>Java.</a:t>
+            </a:r>
+            <a:endParaRPr lang="en-US" dirty="0" smtClean="0">
+              <a:latin typeface="Arial" panose="020B0604020202020204" pitchFamily="34" charset="0"/>
+              <a:cs typeface="Arial" panose="020B0604020202020204" pitchFamily="34" charset="0"/>
+            </a:endParaRPr>
+          </a:p>
+          <a:p>
+            <a:r>
+              <a:rPr lang="vi-VN" dirty="0" smtClean="0">
+                <a:latin typeface="Arial" panose="020B0604020202020204" pitchFamily="34" charset="0"/>
+                <a:cs typeface="Arial" panose="020B0604020202020204" pitchFamily="34" charset="0"/>
+              </a:rPr>
+              <a:t>Nó </a:t>
+            </a:r>
+            <a:r>
+              <a:rPr lang="vi-VN" dirty="0">
+                <a:latin typeface="Arial" panose="020B0604020202020204" pitchFamily="34" charset="0"/>
+                <a:cs typeface="Arial" panose="020B0604020202020204" pitchFamily="34" charset="0"/>
+              </a:rPr>
+              <a:t>thường được sử dụng trong các phương thức xử lý POST, PUT, hoặc PATCH để đọc dữ liệu từ </a:t>
+            </a:r>
+            <a:r>
+              <a:rPr lang="en-US" dirty="0" smtClean="0">
+                <a:latin typeface="Arial" panose="020B0604020202020204" pitchFamily="34" charset="0"/>
+                <a:cs typeface="Arial" panose="020B0604020202020204" pitchFamily="34" charset="0"/>
+              </a:rPr>
+              <a:t>body</a:t>
+            </a:r>
+            <a:r>
+              <a:rPr lang="vi-VN" dirty="0" smtClean="0">
+                <a:latin typeface="Arial" panose="020B0604020202020204" pitchFamily="34" charset="0"/>
+                <a:cs typeface="Arial" panose="020B0604020202020204" pitchFamily="34" charset="0"/>
+              </a:rPr>
+              <a:t> </a:t>
+            </a:r>
+            <a:r>
+              <a:rPr lang="vi-VN" dirty="0">
+                <a:latin typeface="Arial" panose="020B0604020202020204" pitchFamily="34" charset="0"/>
+                <a:cs typeface="Arial" panose="020B0604020202020204" pitchFamily="34" charset="0"/>
+              </a:rPr>
+              <a:t>của yêu cầu HTTP và ánh xạ nó vào một đối tượng Java cụ thể</a:t>
+            </a:r>
+            <a:r>
+              <a:rPr lang="vi-VN" dirty="0" smtClean="0">
+                <a:latin typeface="Arial" panose="020B0604020202020204" pitchFamily="34" charset="0"/>
+                <a:cs typeface="Arial" panose="020B0604020202020204" pitchFamily="34" charset="0"/>
+              </a:rPr>
+              <a:t>.</a:t>
+            </a:r>
+            <a:endParaRPr lang="en-US" dirty="0">
+              <a:latin typeface="Arial" panose="020B0604020202020204" pitchFamily="34" charset="0"/>
+              <a:cs typeface="Arial" panose="020B0604020202020204" pitchFamily="34" charset="0"/>
+            </a:endParaRPr>
+          </a:p>
+        </p:txBody>
+      </p:sp>
+    </p:spTree>
+    <p:extLst>
+      <p:ext uri="{BB962C8B-B14F-4D97-AF65-F5344CB8AC3E}">
+        <p14:creationId xmlns:p14="http://schemas.microsoft.com/office/powerpoint/2010/main" val="1831796464"/>
+      </p:ext>
+    </p:extLst>
+  </p:cSld>
+  <p:clrMapOvr>
+    <a:masterClrMapping/>
+  </p:clrMapOvr>
+</p:sld>
+</file>
+
+<file path=ppt/slides/slide55.xml><?xml version="1.0" encoding="utf-8"?>
+<p:sld xmlns:a="http://schemas.openxmlformats.org/drawingml/2006/main" xmlns:r="http://schemas.openxmlformats.org/officeDocument/2006/relationships" xmlns:p="http://schemas.openxmlformats.org/presentationml/2006/main">
+  <p:cSld>
+    <p:spTree>
+      <p:nvGrpSpPr>
+        <p:cNvPr id="1" name=""/>
+        <p:cNvGrpSpPr/>
+        <p:nvPr/>
+      </p:nvGrpSpPr>
+      <p:grpSpPr>
+        <a:xfrm>
+          <a:off x="0" y="0"/>
+          <a:ext cx="0" cy="0"/>
+          <a:chOff x="0" y="0"/>
+          <a:chExt cx="0" cy="0"/>
+        </a:xfrm>
+      </p:grpSpPr>
+      <p:sp>
+        <p:nvSpPr>
+          <p:cNvPr id="2" name="Title 1"/>
+          <p:cNvSpPr>
+            <a:spLocks noGrp="1"/>
+          </p:cNvSpPr>
+          <p:nvPr>
+            <p:ph type="title"/>
+          </p:nvPr>
+        </p:nvSpPr>
+        <p:spPr/>
+        <p:txBody>
+          <a:bodyPr/>
+          <a:lstStyle/>
+          <a:p>
+            <a:r>
+              <a:rPr lang="en-US" dirty="0">
+                <a:latin typeface="Arial" panose="020B0604020202020204" pitchFamily="34" charset="0"/>
+                <a:cs typeface="Arial" panose="020B0604020202020204" pitchFamily="34" charset="0"/>
+              </a:rPr>
+              <a:t>RequestBody</a:t>
+            </a:r>
+            <a:endParaRPr lang="en-US" dirty="0">
+              <a:latin typeface="Arial" panose="020B0604020202020204" pitchFamily="34" charset="0"/>
+              <a:cs typeface="Arial" panose="020B0604020202020204" pitchFamily="34" charset="0"/>
+            </a:endParaRPr>
+          </a:p>
+        </p:txBody>
+      </p:sp>
+      <p:sp>
+        <p:nvSpPr>
+          <p:cNvPr id="3" name="Content Placeholder 2"/>
+          <p:cNvSpPr>
+            <a:spLocks noGrp="1"/>
+          </p:cNvSpPr>
+          <p:nvPr>
+            <p:ph idx="1"/>
+          </p:nvPr>
+        </p:nvSpPr>
+        <p:spPr/>
+        <p:txBody>
+          <a:bodyPr>
+            <a:normAutofit/>
+          </a:bodyPr>
+          <a:lstStyle/>
+          <a:p>
+            <a:r>
+              <a:rPr lang="en-US" dirty="0" smtClean="0">
+                <a:latin typeface="Arial" panose="020B0604020202020204" pitchFamily="34" charset="0"/>
+                <a:cs typeface="Arial" panose="020B0604020202020204" pitchFamily="34" charset="0"/>
+              </a:rPr>
+              <a:t>Với ví dụ trên, ta có class User có id, name, age</a:t>
+            </a:r>
+          </a:p>
+          <a:p>
+            <a:endParaRPr lang="en-US" dirty="0">
+              <a:latin typeface="Arial" panose="020B0604020202020204" pitchFamily="34" charset="0"/>
+              <a:cs typeface="Arial" panose="020B0604020202020204" pitchFamily="34" charset="0"/>
+            </a:endParaRPr>
+          </a:p>
+          <a:p>
+            <a:r>
+              <a:rPr lang="en-US" dirty="0" smtClean="0">
+                <a:latin typeface="Arial" panose="020B0604020202020204" pitchFamily="34" charset="0"/>
+                <a:cs typeface="Arial" panose="020B0604020202020204" pitchFamily="34" charset="0"/>
+              </a:rPr>
+              <a:t>Khi ta post với body có json như sau:</a:t>
+            </a:r>
+          </a:p>
+          <a:p>
+            <a:endParaRPr lang="en-US" dirty="0">
+              <a:latin typeface="Arial" panose="020B0604020202020204" pitchFamily="34" charset="0"/>
+              <a:cs typeface="Arial" panose="020B0604020202020204" pitchFamily="34" charset="0"/>
+            </a:endParaRPr>
+          </a:p>
+          <a:p>
+            <a:endParaRPr lang="en-US" dirty="0" smtClean="0">
+              <a:latin typeface="Arial" panose="020B0604020202020204" pitchFamily="34" charset="0"/>
+              <a:cs typeface="Arial" panose="020B0604020202020204" pitchFamily="34" charset="0"/>
+            </a:endParaRPr>
+          </a:p>
+          <a:p>
+            <a:endParaRPr lang="en-US" dirty="0">
+              <a:latin typeface="Arial" panose="020B0604020202020204" pitchFamily="34" charset="0"/>
+              <a:cs typeface="Arial" panose="020B0604020202020204" pitchFamily="34" charset="0"/>
+            </a:endParaRPr>
+          </a:p>
+          <a:p>
+            <a:endParaRPr lang="en-US" dirty="0" smtClean="0">
+              <a:latin typeface="Arial" panose="020B0604020202020204" pitchFamily="34" charset="0"/>
+              <a:cs typeface="Arial" panose="020B0604020202020204" pitchFamily="34" charset="0"/>
+            </a:endParaRPr>
+          </a:p>
+          <a:p>
+            <a:r>
+              <a:rPr lang="en-US" dirty="0">
+                <a:latin typeface="Arial" panose="020B0604020202020204" pitchFamily="34" charset="0"/>
+                <a:cs typeface="Arial" panose="020B0604020202020204" pitchFamily="34" charset="0"/>
+              </a:rPr>
+              <a:t>Thì </a:t>
+            </a:r>
+            <a:r>
+              <a:rPr lang="en-US" dirty="0">
+                <a:solidFill>
+                  <a:srgbClr val="FFC000"/>
+                </a:solidFill>
+                <a:latin typeface="Arial" panose="020B0604020202020204" pitchFamily="34" charset="0"/>
+                <a:cs typeface="Arial" panose="020B0604020202020204" pitchFamily="34" charset="0"/>
+              </a:rPr>
+              <a:t>@</a:t>
+            </a:r>
+            <a:r>
+              <a:rPr lang="en-US" dirty="0" smtClean="0">
+                <a:solidFill>
+                  <a:srgbClr val="FFC000"/>
+                </a:solidFill>
+                <a:latin typeface="Arial" panose="020B0604020202020204" pitchFamily="34" charset="0"/>
+                <a:cs typeface="Arial" panose="020B0604020202020204" pitchFamily="34" charset="0"/>
+              </a:rPr>
+              <a:t>RequestBody </a:t>
+            </a:r>
+            <a:r>
+              <a:rPr lang="en-US" dirty="0" smtClean="0">
+                <a:latin typeface="Arial" panose="020B0604020202020204" pitchFamily="34" charset="0"/>
+                <a:cs typeface="Arial" panose="020B0604020202020204" pitchFamily="34" charset="0"/>
+              </a:rPr>
+              <a:t>sẽ </a:t>
+            </a:r>
+            <a:r>
+              <a:rPr lang="vi-VN" dirty="0">
+                <a:latin typeface="Arial" panose="020B0604020202020204" pitchFamily="34" charset="0"/>
+                <a:cs typeface="Arial" panose="020B0604020202020204" pitchFamily="34" charset="0"/>
+              </a:rPr>
+              <a:t>ánh xạ dữ liệu </a:t>
+            </a:r>
+            <a:r>
+              <a:rPr lang="en-US" dirty="0" smtClean="0">
+                <a:latin typeface="Arial" panose="020B0604020202020204" pitchFamily="34" charset="0"/>
+                <a:cs typeface="Arial" panose="020B0604020202020204" pitchFamily="34" charset="0"/>
+              </a:rPr>
+              <a:t>json</a:t>
+            </a:r>
+            <a:r>
+              <a:rPr lang="vi-VN" dirty="0" smtClean="0">
+                <a:latin typeface="Arial" panose="020B0604020202020204" pitchFamily="34" charset="0"/>
+                <a:cs typeface="Arial" panose="020B0604020202020204" pitchFamily="34" charset="0"/>
+              </a:rPr>
+              <a:t> </a:t>
+            </a:r>
+            <a:r>
+              <a:rPr lang="vi-VN" dirty="0">
+                <a:latin typeface="Arial" panose="020B0604020202020204" pitchFamily="34" charset="0"/>
+                <a:cs typeface="Arial" panose="020B0604020202020204" pitchFamily="34" charset="0"/>
+              </a:rPr>
+              <a:t>từ </a:t>
+            </a:r>
+            <a:r>
+              <a:rPr lang="en-US" dirty="0" smtClean="0">
+                <a:latin typeface="Arial" panose="020B0604020202020204" pitchFamily="34" charset="0"/>
+                <a:cs typeface="Arial" panose="020B0604020202020204" pitchFamily="34" charset="0"/>
+              </a:rPr>
+              <a:t>body</a:t>
+            </a:r>
+            <a:r>
+              <a:rPr lang="vi-VN" dirty="0" smtClean="0">
+                <a:latin typeface="Arial" panose="020B0604020202020204" pitchFamily="34" charset="0"/>
+                <a:cs typeface="Arial" panose="020B0604020202020204" pitchFamily="34" charset="0"/>
+              </a:rPr>
+              <a:t> </a:t>
+            </a:r>
+            <a:r>
+              <a:rPr lang="vi-VN" dirty="0">
+                <a:latin typeface="Arial" panose="020B0604020202020204" pitchFamily="34" charset="0"/>
+                <a:cs typeface="Arial" panose="020B0604020202020204" pitchFamily="34" charset="0"/>
+              </a:rPr>
+              <a:t>của </a:t>
+            </a:r>
+            <a:r>
+              <a:rPr lang="en-US" dirty="0" smtClean="0">
+                <a:latin typeface="Arial" panose="020B0604020202020204" pitchFamily="34" charset="0"/>
+                <a:cs typeface="Arial" panose="020B0604020202020204" pitchFamily="34" charset="0"/>
+              </a:rPr>
+              <a:t>request </a:t>
+            </a:r>
+            <a:r>
+              <a:rPr lang="vi-VN" dirty="0" smtClean="0">
+                <a:latin typeface="Arial" panose="020B0604020202020204" pitchFamily="34" charset="0"/>
+                <a:cs typeface="Arial" panose="020B0604020202020204" pitchFamily="34" charset="0"/>
+              </a:rPr>
+              <a:t>HTTP </a:t>
+            </a:r>
+            <a:r>
+              <a:rPr lang="vi-VN" dirty="0">
+                <a:latin typeface="Arial" panose="020B0604020202020204" pitchFamily="34" charset="0"/>
+                <a:cs typeface="Arial" panose="020B0604020202020204" pitchFamily="34" charset="0"/>
+              </a:rPr>
+              <a:t>vào </a:t>
+            </a:r>
+            <a:r>
+              <a:rPr lang="vi-VN" dirty="0" smtClean="0">
+                <a:latin typeface="Arial" panose="020B0604020202020204" pitchFamily="34" charset="0"/>
+                <a:cs typeface="Arial" panose="020B0604020202020204" pitchFamily="34" charset="0"/>
+              </a:rPr>
+              <a:t>đối </a:t>
+            </a:r>
+            <a:r>
+              <a:rPr lang="vi-VN" dirty="0">
+                <a:latin typeface="Arial" panose="020B0604020202020204" pitchFamily="34" charset="0"/>
+                <a:cs typeface="Arial" panose="020B0604020202020204" pitchFamily="34" charset="0"/>
+              </a:rPr>
+              <a:t>tượng </a:t>
+            </a:r>
+            <a:r>
+              <a:rPr lang="vi-VN" dirty="0" smtClean="0">
+                <a:latin typeface="Arial" panose="020B0604020202020204" pitchFamily="34" charset="0"/>
+                <a:cs typeface="Arial" panose="020B0604020202020204" pitchFamily="34" charset="0"/>
+              </a:rPr>
+              <a:t>User</a:t>
+            </a:r>
+            <a:endParaRPr lang="en-US" dirty="0">
+              <a:latin typeface="Arial" panose="020B0604020202020204" pitchFamily="34" charset="0"/>
+              <a:cs typeface="Arial" panose="020B0604020202020204" pitchFamily="34" charset="0"/>
+            </a:endParaRPr>
+          </a:p>
+        </p:txBody>
+      </p:sp>
+      <p:sp>
+        <p:nvSpPr>
+          <p:cNvPr id="4" name="Rectangle 3"/>
+          <p:cNvSpPr/>
+          <p:nvPr/>
+        </p:nvSpPr>
+        <p:spPr>
+          <a:xfrm>
+            <a:off x="1106842" y="3299936"/>
+            <a:ext cx="5038016" cy="1169551"/>
+          </a:xfrm>
+          <a:prstGeom prst="rect">
+            <a:avLst/>
+          </a:prstGeom>
+        </p:spPr>
+        <p:txBody>
+          <a:bodyPr>
+            <a:spAutoFit/>
+          </a:bodyPr>
+          <a:lstStyle/>
+          <a:p>
+            <a:r>
+              <a:rPr lang="en-US" sz="1400" dirty="0"/>
+              <a:t>{</a:t>
+            </a:r>
+          </a:p>
+          <a:p>
+            <a:r>
+              <a:rPr lang="en-US" sz="1400" dirty="0"/>
+              <a:t>  "id": 3,</a:t>
+            </a:r>
+          </a:p>
+          <a:p>
+            <a:r>
+              <a:rPr lang="en-US" sz="1400" dirty="0"/>
+              <a:t>  "name": "HaoLV",</a:t>
+            </a:r>
+          </a:p>
+          <a:p>
+            <a:r>
+              <a:rPr lang="en-US" sz="1400" dirty="0"/>
+              <a:t>  "age": 10</a:t>
+            </a:r>
+          </a:p>
+          <a:p>
+            <a:r>
+              <a:rPr lang="en-US" sz="1400" dirty="0"/>
+              <a:t>}</a:t>
+            </a:r>
+          </a:p>
+        </p:txBody>
+      </p:sp>
+    </p:spTree>
+    <p:extLst>
+      <p:ext uri="{BB962C8B-B14F-4D97-AF65-F5344CB8AC3E}">
+        <p14:creationId xmlns:p14="http://schemas.microsoft.com/office/powerpoint/2010/main" val="2423155282"/>
+      </p:ext>
+    </p:extLst>
+  </p:cSld>
+  <p:clrMapOvr>
+    <a:masterClrMapping/>
+  </p:clrMapOvr>
+</p:sld>
+</file>
+
+<file path=ppt/slides/slide56.xml><?xml version="1.0" encoding="utf-8"?>
+<p:sld xmlns:a="http://schemas.openxmlformats.org/drawingml/2006/main" xmlns:r="http://schemas.openxmlformats.org/officeDocument/2006/relationships" xmlns:p="http://schemas.openxmlformats.org/presentationml/2006/main">
+  <p:cSld>
+    <p:spTree>
+      <p:nvGrpSpPr>
+        <p:cNvPr id="1" name=""/>
+        <p:cNvGrpSpPr/>
+        <p:nvPr/>
+      </p:nvGrpSpPr>
+      <p:grpSpPr>
+        <a:xfrm>
+          <a:off x="0" y="0"/>
+          <a:ext cx="0" cy="0"/>
+          <a:chOff x="0" y="0"/>
+          <a:chExt cx="0" cy="0"/>
+        </a:xfrm>
+      </p:grpSpPr>
+      <p:sp>
+        <p:nvSpPr>
+          <p:cNvPr id="2" name="Title 1"/>
+          <p:cNvSpPr>
+            <a:spLocks noGrp="1"/>
+          </p:cNvSpPr>
+          <p:nvPr>
+            <p:ph type="title"/>
+          </p:nvPr>
+        </p:nvSpPr>
+        <p:spPr/>
+        <p:txBody>
+          <a:bodyPr/>
+          <a:lstStyle/>
+          <a:p>
+            <a:r>
+              <a:rPr lang="en-US" dirty="0" smtClean="0">
+                <a:latin typeface="Arial" panose="020B0604020202020204" pitchFamily="34" charset="0"/>
+                <a:cs typeface="Arial" panose="020B0604020202020204" pitchFamily="34" charset="0"/>
+              </a:rPr>
+              <a:t>Update </a:t>
+            </a:r>
+            <a:r>
+              <a:rPr lang="en-US" dirty="0" smtClean="0">
+                <a:latin typeface="Arial" panose="020B0604020202020204" pitchFamily="34" charset="0"/>
+                <a:cs typeface="Arial" panose="020B0604020202020204" pitchFamily="34" charset="0"/>
+              </a:rPr>
+              <a:t>User</a:t>
+            </a:r>
+            <a:endParaRPr lang="en-US" dirty="0">
+              <a:latin typeface="Arial" panose="020B0604020202020204" pitchFamily="34" charset="0"/>
+              <a:cs typeface="Arial" panose="020B0604020202020204" pitchFamily="34" charset="0"/>
+            </a:endParaRPr>
+          </a:p>
+        </p:txBody>
+      </p:sp>
+      <p:sp>
+        <p:nvSpPr>
+          <p:cNvPr id="3" name="Content Placeholder 2"/>
+          <p:cNvSpPr>
+            <a:spLocks noGrp="1"/>
+          </p:cNvSpPr>
+          <p:nvPr>
+            <p:ph idx="1"/>
+          </p:nvPr>
+        </p:nvSpPr>
+        <p:spPr/>
+        <p:txBody>
+          <a:bodyPr/>
+          <a:lstStyle/>
+          <a:p>
+            <a:r>
+              <a:rPr lang="en-US" dirty="0">
+                <a:latin typeface="Arial" panose="020B0604020202020204" pitchFamily="34" charset="0"/>
+                <a:cs typeface="Arial" panose="020B0604020202020204" pitchFamily="34" charset="0"/>
+              </a:rPr>
+              <a:t>Step </a:t>
+            </a:r>
+            <a:r>
+              <a:rPr lang="en-US" dirty="0" smtClean="0">
+                <a:latin typeface="Arial" panose="020B0604020202020204" pitchFamily="34" charset="0"/>
+                <a:cs typeface="Arial" panose="020B0604020202020204" pitchFamily="34" charset="0"/>
+              </a:rPr>
+              <a:t>10: </a:t>
+            </a:r>
+            <a:r>
+              <a:rPr lang="en-US" dirty="0">
+                <a:latin typeface="Arial" panose="020B0604020202020204" pitchFamily="34" charset="0"/>
+                <a:cs typeface="Arial" panose="020B0604020202020204" pitchFamily="34" charset="0"/>
+              </a:rPr>
+              <a:t>Create api </a:t>
+            </a:r>
+            <a:r>
+              <a:rPr lang="en-US" dirty="0" smtClean="0">
+                <a:latin typeface="Arial" panose="020B0604020202020204" pitchFamily="34" charset="0"/>
+                <a:cs typeface="Arial" panose="020B0604020202020204" pitchFamily="34" charset="0"/>
+              </a:rPr>
+              <a:t>update user</a:t>
+            </a:r>
+          </a:p>
+          <a:p>
+            <a:pPr lvl="1"/>
+            <a:r>
+              <a:rPr lang="en-US" dirty="0">
+                <a:latin typeface="Arial" panose="020B0604020202020204" pitchFamily="34" charset="0"/>
+                <a:cs typeface="Arial" panose="020B0604020202020204" pitchFamily="34" charset="0"/>
+              </a:rPr>
+              <a:t>Sử dụng @PutMapping</a:t>
+            </a:r>
+            <a:endParaRPr lang="en-US" dirty="0" smtClean="0">
+              <a:latin typeface="Arial" panose="020B0604020202020204" pitchFamily="34" charset="0"/>
+              <a:cs typeface="Arial" panose="020B0604020202020204" pitchFamily="34" charset="0"/>
+            </a:endParaRPr>
+          </a:p>
+          <a:p>
+            <a:endParaRPr lang="en-US" dirty="0" smtClean="0">
+              <a:latin typeface="Arial" panose="020B0604020202020204" pitchFamily="34" charset="0"/>
+              <a:cs typeface="Arial" panose="020B0604020202020204" pitchFamily="34" charset="0"/>
+            </a:endParaRPr>
+          </a:p>
+          <a:p>
+            <a:endParaRPr lang="en-US" dirty="0">
+              <a:latin typeface="Arial" panose="020B0604020202020204" pitchFamily="34" charset="0"/>
+              <a:cs typeface="Arial" panose="020B0604020202020204" pitchFamily="34" charset="0"/>
+            </a:endParaRPr>
+          </a:p>
+        </p:txBody>
+      </p:sp>
+    </p:spTree>
+    <p:extLst>
+      <p:ext uri="{BB962C8B-B14F-4D97-AF65-F5344CB8AC3E}">
+        <p14:creationId xmlns:p14="http://schemas.microsoft.com/office/powerpoint/2010/main" val="2931632471"/>
+      </p:ext>
+    </p:extLst>
+  </p:cSld>
+  <p:clrMapOvr>
+    <a:masterClrMapping/>
+  </p:clrMapOvr>
+</p:sld>
+</file>
+
+<file path=ppt/slides/slide57.xml><?xml version="1.0" encoding="utf-8"?>
+<p:sld xmlns:a="http://schemas.openxmlformats.org/drawingml/2006/main" xmlns:r="http://schemas.openxmlformats.org/officeDocument/2006/relationships" xmlns:p="http://schemas.openxmlformats.org/presentationml/2006/main">
+  <p:cSld>
+    <p:spTree>
+      <p:nvGrpSpPr>
+        <p:cNvPr id="1" name=""/>
+        <p:cNvGrpSpPr/>
+        <p:nvPr/>
+      </p:nvGrpSpPr>
+      <p:grpSpPr>
+        <a:xfrm>
+          <a:off x="0" y="0"/>
+          <a:ext cx="0" cy="0"/>
+          <a:chOff x="0" y="0"/>
+          <a:chExt cx="0" cy="0"/>
+        </a:xfrm>
+      </p:grpSpPr>
+      <p:sp>
+        <p:nvSpPr>
+          <p:cNvPr id="2" name="Title 1"/>
+          <p:cNvSpPr>
+            <a:spLocks noGrp="1"/>
+          </p:cNvSpPr>
+          <p:nvPr>
+            <p:ph type="title"/>
+          </p:nvPr>
+        </p:nvSpPr>
+        <p:spPr/>
+        <p:txBody>
+          <a:bodyPr/>
+          <a:lstStyle/>
+          <a:p>
+            <a:r>
+              <a:rPr lang="en-US" dirty="0" smtClean="0">
+                <a:latin typeface="Arial" panose="020B0604020202020204" pitchFamily="34" charset="0"/>
+                <a:cs typeface="Arial" panose="020B0604020202020204" pitchFamily="34" charset="0"/>
+              </a:rPr>
+              <a:t>Delete </a:t>
+            </a:r>
+            <a:r>
+              <a:rPr lang="en-US" dirty="0" smtClean="0">
+                <a:latin typeface="Arial" panose="020B0604020202020204" pitchFamily="34" charset="0"/>
+                <a:cs typeface="Arial" panose="020B0604020202020204" pitchFamily="34" charset="0"/>
+              </a:rPr>
+              <a:t>User</a:t>
+            </a:r>
+            <a:endParaRPr lang="en-US" dirty="0">
+              <a:latin typeface="Arial" panose="020B0604020202020204" pitchFamily="34" charset="0"/>
+              <a:cs typeface="Arial" panose="020B0604020202020204" pitchFamily="34" charset="0"/>
+            </a:endParaRPr>
+          </a:p>
+        </p:txBody>
+      </p:sp>
+      <p:sp>
+        <p:nvSpPr>
+          <p:cNvPr id="3" name="Content Placeholder 2"/>
+          <p:cNvSpPr>
+            <a:spLocks noGrp="1"/>
+          </p:cNvSpPr>
+          <p:nvPr>
+            <p:ph idx="1"/>
+          </p:nvPr>
+        </p:nvSpPr>
+        <p:spPr/>
+        <p:txBody>
+          <a:bodyPr/>
+          <a:lstStyle/>
+          <a:p>
+            <a:r>
+              <a:rPr lang="en-US" dirty="0">
+                <a:latin typeface="Arial" panose="020B0604020202020204" pitchFamily="34" charset="0"/>
+                <a:cs typeface="Arial" panose="020B0604020202020204" pitchFamily="34" charset="0"/>
+              </a:rPr>
+              <a:t>Step </a:t>
+            </a:r>
+            <a:r>
+              <a:rPr lang="en-US" dirty="0" smtClean="0">
+                <a:latin typeface="Arial" panose="020B0604020202020204" pitchFamily="34" charset="0"/>
+                <a:cs typeface="Arial" panose="020B0604020202020204" pitchFamily="34" charset="0"/>
+              </a:rPr>
+              <a:t>11: </a:t>
+            </a:r>
+            <a:r>
+              <a:rPr lang="en-US" dirty="0">
+                <a:latin typeface="Arial" panose="020B0604020202020204" pitchFamily="34" charset="0"/>
+                <a:cs typeface="Arial" panose="020B0604020202020204" pitchFamily="34" charset="0"/>
+              </a:rPr>
+              <a:t>Create api </a:t>
+            </a:r>
+            <a:r>
+              <a:rPr lang="en-US" dirty="0" smtClean="0">
+                <a:latin typeface="Arial" panose="020B0604020202020204" pitchFamily="34" charset="0"/>
+                <a:cs typeface="Arial" panose="020B0604020202020204" pitchFamily="34" charset="0"/>
+              </a:rPr>
+              <a:t>delete user</a:t>
+            </a:r>
+          </a:p>
+          <a:p>
+            <a:pPr lvl="1"/>
+            <a:r>
+              <a:rPr lang="en-US" dirty="0">
+                <a:latin typeface="Arial" panose="020B0604020202020204" pitchFamily="34" charset="0"/>
+                <a:cs typeface="Arial" panose="020B0604020202020204" pitchFamily="34" charset="0"/>
+              </a:rPr>
+              <a:t>Sử dụng @DeleteMapping</a:t>
+            </a:r>
+            <a:endParaRPr lang="en-US" dirty="0" smtClean="0">
+              <a:latin typeface="Arial" panose="020B0604020202020204" pitchFamily="34" charset="0"/>
+              <a:cs typeface="Arial" panose="020B0604020202020204" pitchFamily="34" charset="0"/>
+            </a:endParaRPr>
+          </a:p>
+          <a:p>
+            <a:endParaRPr lang="en-US" dirty="0" smtClean="0">
+              <a:latin typeface="Arial" panose="020B0604020202020204" pitchFamily="34" charset="0"/>
+              <a:cs typeface="Arial" panose="020B0604020202020204" pitchFamily="34" charset="0"/>
+            </a:endParaRPr>
+          </a:p>
+          <a:p>
+            <a:endParaRPr lang="en-US" dirty="0">
+              <a:latin typeface="Arial" panose="020B0604020202020204" pitchFamily="34" charset="0"/>
+              <a:cs typeface="Arial" panose="020B0604020202020204" pitchFamily="34" charset="0"/>
+            </a:endParaRPr>
+          </a:p>
+        </p:txBody>
+      </p:sp>
+    </p:spTree>
+    <p:extLst>
+      <p:ext uri="{BB962C8B-B14F-4D97-AF65-F5344CB8AC3E}">
+        <p14:creationId xmlns:p14="http://schemas.microsoft.com/office/powerpoint/2010/main" val="3037194658"/>
       </p:ext>
     </p:extLst>
   </p:cSld>
